--- a/ImageAccelerator.pptx
+++ b/ImageAccelerator.pptx
@@ -9,9 +9,15 @@
     <p:sldId id="257" r:id="rId3"/>
     <p:sldId id="258" r:id="rId4"/>
     <p:sldId id="259" r:id="rId5"/>
-    <p:sldId id="260" r:id="rId6"/>
-    <p:sldId id="262" r:id="rId7"/>
-    <p:sldId id="261" r:id="rId8"/>
+    <p:sldId id="263" r:id="rId6"/>
+    <p:sldId id="269" r:id="rId7"/>
+    <p:sldId id="260" r:id="rId8"/>
+    <p:sldId id="262" r:id="rId9"/>
+    <p:sldId id="261" r:id="rId10"/>
+    <p:sldId id="266" r:id="rId11"/>
+    <p:sldId id="267" r:id="rId12"/>
+    <p:sldId id="268" r:id="rId13"/>
+    <p:sldId id="270" r:id="rId14"/>
   </p:sldIdLst>
   <p:sldSz cx="9144000" cy="6858000" type="screen4x3"/>
   <p:notesSz cx="6858000" cy="9144000"/>
@@ -110,6 +116,11 @@
       </a:defRPr>
     </a:lvl9pPr>
   </p:defaultTextStyle>
+  <p:extLst>
+    <p:ext uri="{EFAFB233-063F-42B5-8137-9DF3F51BA10A}">
+      <p15:sldGuideLst xmlns:p15="http://schemas.microsoft.com/office/powerpoint/2012/main"/>
+    </p:ext>
+  </p:extLst>
 </p:presentation>
 </file>
 
@@ -3023,6 +3034,1450 @@
 </p:sld>
 </file>
 
+<file path=ppt/slides/slide10.xml><?xml version="1.0" encoding="utf-8"?>
+<p:sld xmlns:a="http://schemas.openxmlformats.org/drawingml/2006/main" xmlns:r="http://schemas.openxmlformats.org/officeDocument/2006/relationships" xmlns:p="http://schemas.openxmlformats.org/presentationml/2006/main">
+  <p:cSld>
+    <p:spTree>
+      <p:nvGrpSpPr>
+        <p:cNvPr id="1" name=""/>
+        <p:cNvGrpSpPr/>
+        <p:nvPr/>
+      </p:nvGrpSpPr>
+      <p:grpSpPr>
+        <a:xfrm>
+          <a:off x="0" y="0"/>
+          <a:ext cx="0" cy="0"/>
+          <a:chOff x="0" y="0"/>
+          <a:chExt cx="0" cy="0"/>
+        </a:xfrm>
+      </p:grpSpPr>
+      <p:sp>
+        <p:nvSpPr>
+          <p:cNvPr id="2" name="标题 1"/>
+          <p:cNvSpPr>
+            <a:spLocks noGrp="1"/>
+          </p:cNvSpPr>
+          <p:nvPr>
+            <p:ph type="title"/>
+          </p:nvPr>
+        </p:nvSpPr>
+        <p:spPr/>
+        <p:txBody>
+          <a:bodyPr/>
+          <a:lstStyle/>
+          <a:p>
+            <a:r>
+              <a:rPr lang="zh-CN" altLang="en-US" dirty="0" smtClean="0"/>
+              <a:t>结构图</a:t>
+            </a:r>
+            <a:endParaRPr lang="zh-CN" altLang="en-US" dirty="0"/>
+          </a:p>
+        </p:txBody>
+      </p:sp>
+      <p:pic>
+        <p:nvPicPr>
+          <p:cNvPr id="6" name="内容占位符 5"/>
+          <p:cNvPicPr>
+            <a:picLocks noGrp="1" noChangeAspect="1"/>
+          </p:cNvPicPr>
+          <p:nvPr>
+            <p:ph idx="1"/>
+          </p:nvPr>
+        </p:nvPicPr>
+        <p:blipFill>
+          <a:blip r:embed="rId2" cstate="print">
+            <a:extLst>
+              <a:ext uri="{28A0092B-C50C-407E-A947-70E740481C1C}">
+                <a14:useLocalDpi xmlns:a14="http://schemas.microsoft.com/office/drawing/2010/main" val="0"/>
+              </a:ext>
+            </a:extLst>
+          </a:blip>
+          <a:stretch>
+            <a:fillRect/>
+          </a:stretch>
+        </p:blipFill>
+        <p:spPr>
+          <a:xfrm>
+            <a:off x="628650" y="2046796"/>
+            <a:ext cx="7886699" cy="3909120"/>
+          </a:xfrm>
+        </p:spPr>
+      </p:pic>
+    </p:spTree>
+    <p:extLst>
+      <p:ext uri="{BB962C8B-B14F-4D97-AF65-F5344CB8AC3E}">
+        <p14:creationId xmlns:p14="http://schemas.microsoft.com/office/powerpoint/2010/main" val="2695081195"/>
+      </p:ext>
+    </p:extLst>
+  </p:cSld>
+  <p:clrMapOvr>
+    <a:masterClrMapping/>
+  </p:clrMapOvr>
+  <p:timing>
+    <p:tnLst>
+      <p:par>
+        <p:cTn id="1" dur="indefinite" restart="never" nodeType="tmRoot"/>
+      </p:par>
+    </p:tnLst>
+  </p:timing>
+</p:sld>
+</file>
+
+<file path=ppt/slides/slide11.xml><?xml version="1.0" encoding="utf-8"?>
+<p:sld xmlns:a="http://schemas.openxmlformats.org/drawingml/2006/main" xmlns:r="http://schemas.openxmlformats.org/officeDocument/2006/relationships" xmlns:p="http://schemas.openxmlformats.org/presentationml/2006/main">
+  <p:cSld>
+    <p:spTree>
+      <p:nvGrpSpPr>
+        <p:cNvPr id="1" name=""/>
+        <p:cNvGrpSpPr/>
+        <p:nvPr/>
+      </p:nvGrpSpPr>
+      <p:grpSpPr>
+        <a:xfrm>
+          <a:off x="0" y="0"/>
+          <a:ext cx="0" cy="0"/>
+          <a:chOff x="0" y="0"/>
+          <a:chExt cx="0" cy="0"/>
+        </a:xfrm>
+      </p:grpSpPr>
+      <p:pic>
+        <p:nvPicPr>
+          <p:cNvPr id="4" name="内容占位符 3"/>
+          <p:cNvPicPr>
+            <a:picLocks noGrp="1" noChangeAspect="1"/>
+          </p:cNvPicPr>
+          <p:nvPr>
+            <p:ph idx="1"/>
+          </p:nvPr>
+        </p:nvPicPr>
+        <p:blipFill>
+          <a:blip r:embed="rId2">
+            <a:extLst>
+              <a:ext uri="{28A0092B-C50C-407E-A947-70E740481C1C}">
+                <a14:useLocalDpi xmlns:a14="http://schemas.microsoft.com/office/drawing/2010/main" val="0"/>
+              </a:ext>
+            </a:extLst>
+          </a:blip>
+          <a:stretch>
+            <a:fillRect/>
+          </a:stretch>
+        </p:blipFill>
+        <p:spPr>
+          <a:xfrm>
+            <a:off x="2248307" y="397887"/>
+            <a:ext cx="6207250" cy="5746315"/>
+          </a:xfrm>
+        </p:spPr>
+      </p:pic>
+      <p:sp>
+        <p:nvSpPr>
+          <p:cNvPr id="2" name="标题 1"/>
+          <p:cNvSpPr>
+            <a:spLocks noGrp="1"/>
+          </p:cNvSpPr>
+          <p:nvPr>
+            <p:ph type="title"/>
+          </p:nvPr>
+        </p:nvSpPr>
+        <p:spPr/>
+        <p:txBody>
+          <a:bodyPr/>
+          <a:lstStyle/>
+          <a:p>
+            <a:r>
+              <a:rPr lang="zh-CN" altLang="en-US" dirty="0" smtClean="0"/>
+              <a:t>时序图</a:t>
+            </a:r>
+            <a:endParaRPr lang="zh-CN" altLang="en-US" dirty="0"/>
+          </a:p>
+        </p:txBody>
+      </p:sp>
+    </p:spTree>
+    <p:extLst>
+      <p:ext uri="{BB962C8B-B14F-4D97-AF65-F5344CB8AC3E}">
+        <p14:creationId xmlns:p14="http://schemas.microsoft.com/office/powerpoint/2010/main" val="1881003160"/>
+      </p:ext>
+    </p:extLst>
+  </p:cSld>
+  <p:clrMapOvr>
+    <a:masterClrMapping/>
+  </p:clrMapOvr>
+  <p:timing>
+    <p:tnLst>
+      <p:par>
+        <p:cTn id="1" dur="indefinite" restart="never" nodeType="tmRoot"/>
+      </p:par>
+    </p:tnLst>
+  </p:timing>
+</p:sld>
+</file>
+
+<file path=ppt/slides/slide12.xml><?xml version="1.0" encoding="utf-8"?>
+<p:sld xmlns:a="http://schemas.openxmlformats.org/drawingml/2006/main" xmlns:r="http://schemas.openxmlformats.org/officeDocument/2006/relationships" xmlns:p="http://schemas.openxmlformats.org/presentationml/2006/main">
+  <p:cSld>
+    <p:spTree>
+      <p:nvGrpSpPr>
+        <p:cNvPr id="1" name=""/>
+        <p:cNvGrpSpPr/>
+        <p:nvPr/>
+      </p:nvGrpSpPr>
+      <p:grpSpPr>
+        <a:xfrm>
+          <a:off x="0" y="0"/>
+          <a:ext cx="0" cy="0"/>
+          <a:chOff x="0" y="0"/>
+          <a:chExt cx="0" cy="0"/>
+        </a:xfrm>
+      </p:grpSpPr>
+      <p:sp>
+        <p:nvSpPr>
+          <p:cNvPr id="2" name="标题 1"/>
+          <p:cNvSpPr>
+            <a:spLocks noGrp="1"/>
+          </p:cNvSpPr>
+          <p:nvPr>
+            <p:ph type="title"/>
+          </p:nvPr>
+        </p:nvSpPr>
+        <p:spPr/>
+        <p:txBody>
+          <a:bodyPr/>
+          <a:lstStyle/>
+          <a:p>
+            <a:r>
+              <a:rPr lang="zh-CN" altLang="en-US" dirty="0" smtClean="0"/>
+              <a:t>性能指标</a:t>
+            </a:r>
+            <a:endParaRPr lang="zh-CN" altLang="en-US" dirty="0"/>
+          </a:p>
+        </p:txBody>
+      </p:sp>
+      <p:sp>
+        <p:nvSpPr>
+          <p:cNvPr id="3" name="内容占位符 2"/>
+          <p:cNvSpPr>
+            <a:spLocks noGrp="1"/>
+          </p:cNvSpPr>
+          <p:nvPr>
+            <p:ph idx="1"/>
+          </p:nvPr>
+        </p:nvSpPr>
+        <p:spPr/>
+        <p:txBody>
+          <a:bodyPr/>
+          <a:lstStyle/>
+          <a:p>
+            <a:r>
+              <a:rPr lang="zh-CN" altLang="en-US" dirty="0" smtClean="0"/>
+              <a:t>响应时间</a:t>
+            </a:r>
+            <a:endParaRPr lang="en-US" altLang="zh-CN" dirty="0" smtClean="0"/>
+          </a:p>
+          <a:p>
+            <a:endParaRPr lang="en-US" altLang="zh-CN" dirty="0" smtClean="0"/>
+          </a:p>
+          <a:p>
+            <a:endParaRPr lang="en-US" altLang="zh-CN" dirty="0" smtClean="0"/>
+          </a:p>
+          <a:p>
+            <a:endParaRPr lang="en-US" altLang="zh-CN" dirty="0" smtClean="0"/>
+          </a:p>
+          <a:p>
+            <a:endParaRPr lang="en-US" altLang="zh-CN" dirty="0" smtClean="0"/>
+          </a:p>
+          <a:p>
+            <a:r>
+              <a:rPr lang="zh-CN" altLang="en-US" dirty="0" smtClean="0"/>
+              <a:t>图片缩放时间（千次）</a:t>
+            </a:r>
+            <a:endParaRPr lang="zh-CN" altLang="en-US" dirty="0"/>
+          </a:p>
+        </p:txBody>
+      </p:sp>
+      <p:graphicFrame>
+        <p:nvGraphicFramePr>
+          <p:cNvPr id="6" name="表格 5"/>
+          <p:cNvGraphicFramePr>
+            <a:graphicFrameLocks noGrp="1"/>
+          </p:cNvGraphicFramePr>
+          <p:nvPr>
+            <p:extLst>
+              <p:ext uri="{D42A27DB-BD31-4B8C-83A1-F6EECF244321}">
+                <p14:modId xmlns:p14="http://schemas.microsoft.com/office/powerpoint/2010/main" val="2843709977"/>
+              </p:ext>
+            </p:extLst>
+          </p:nvPr>
+        </p:nvGraphicFramePr>
+        <p:xfrm>
+          <a:off x="1236667" y="2435225"/>
+          <a:ext cx="6859581" cy="1478280"/>
+        </p:xfrm>
+        <a:graphic>
+          <a:graphicData uri="http://schemas.openxmlformats.org/drawingml/2006/table">
+            <a:tbl>
+              <a:tblPr firstRow="1" bandRow="1">
+                <a:tableStyleId>{93296810-A885-4BE3-A3E7-6D5BEEA58F35}</a:tableStyleId>
+              </a:tblPr>
+              <a:tblGrid>
+                <a:gridCol w="1479871">
+                  <a:extLst>
+                    <a:ext uri="{9D8B030D-6E8A-4147-A177-3AD203B41FA5}">
+                      <a16:colId xmlns:a16="http://schemas.microsoft.com/office/drawing/2014/main" val="1403741857"/>
+                    </a:ext>
+                  </a:extLst>
+                </a:gridCol>
+                <a:gridCol w="768530">
+                  <a:extLst>
+                    <a:ext uri="{9D8B030D-6E8A-4147-A177-3AD203B41FA5}">
+                      <a16:colId xmlns:a16="http://schemas.microsoft.com/office/drawing/2014/main" val="1621990532"/>
+                    </a:ext>
+                  </a:extLst>
+                </a:gridCol>
+                <a:gridCol w="768530">
+                  <a:extLst>
+                    <a:ext uri="{9D8B030D-6E8A-4147-A177-3AD203B41FA5}">
+                      <a16:colId xmlns:a16="http://schemas.microsoft.com/office/drawing/2014/main" val="1475528206"/>
+                    </a:ext>
+                  </a:extLst>
+                </a:gridCol>
+                <a:gridCol w="768530">
+                  <a:extLst>
+                    <a:ext uri="{9D8B030D-6E8A-4147-A177-3AD203B41FA5}">
+                      <a16:colId xmlns:a16="http://schemas.microsoft.com/office/drawing/2014/main" val="1102523084"/>
+                    </a:ext>
+                  </a:extLst>
+                </a:gridCol>
+                <a:gridCol w="768530">
+                  <a:extLst>
+                    <a:ext uri="{9D8B030D-6E8A-4147-A177-3AD203B41FA5}">
+                      <a16:colId xmlns:a16="http://schemas.microsoft.com/office/drawing/2014/main" val="3212857509"/>
+                    </a:ext>
+                  </a:extLst>
+                </a:gridCol>
+                <a:gridCol w="768530">
+                  <a:extLst>
+                    <a:ext uri="{9D8B030D-6E8A-4147-A177-3AD203B41FA5}">
+                      <a16:colId xmlns:a16="http://schemas.microsoft.com/office/drawing/2014/main" val="2645671425"/>
+                    </a:ext>
+                  </a:extLst>
+                </a:gridCol>
+                <a:gridCol w="768530">
+                  <a:extLst>
+                    <a:ext uri="{9D8B030D-6E8A-4147-A177-3AD203B41FA5}">
+                      <a16:colId xmlns:a16="http://schemas.microsoft.com/office/drawing/2014/main" val="173168317"/>
+                    </a:ext>
+                  </a:extLst>
+                </a:gridCol>
+                <a:gridCol w="768530">
+                  <a:extLst>
+                    <a:ext uri="{9D8B030D-6E8A-4147-A177-3AD203B41FA5}">
+                      <a16:colId xmlns:a16="http://schemas.microsoft.com/office/drawing/2014/main" val="3499303768"/>
+                    </a:ext>
+                  </a:extLst>
+                </a:gridCol>
+              </a:tblGrid>
+              <a:tr h="370840">
+                <a:tc>
+                  <a:txBody>
+                    <a:bodyPr/>
+                    <a:lstStyle/>
+                    <a:p>
+                      <a:pPr algn="ctr"/>
+                      <a:r>
+                        <a:rPr lang="zh-CN" altLang="en-US" dirty="0" smtClean="0"/>
+                        <a:t>原图尺寸</a:t>
+                      </a:r>
+                      <a:endParaRPr lang="zh-CN" altLang="en-US" dirty="0"/>
+                    </a:p>
+                  </a:txBody>
+                  <a:tcPr/>
+                </a:tc>
+                <a:tc>
+                  <a:txBody>
+                    <a:bodyPr/>
+                    <a:lstStyle/>
+                    <a:p>
+                      <a:pPr algn="ctr"/>
+                      <a:r>
+                        <a:rPr lang="en-US" altLang="zh-CN" dirty="0" smtClean="0"/>
+                        <a:t>0.1</a:t>
+                      </a:r>
+                      <a:endParaRPr lang="zh-CN" altLang="en-US" dirty="0"/>
+                    </a:p>
+                  </a:txBody>
+                  <a:tcPr/>
+                </a:tc>
+                <a:tc>
+                  <a:txBody>
+                    <a:bodyPr/>
+                    <a:lstStyle/>
+                    <a:p>
+                      <a:pPr algn="ctr"/>
+                      <a:r>
+                        <a:rPr lang="en-US" altLang="zh-CN" dirty="0" smtClean="0"/>
+                        <a:t>0.2</a:t>
+                      </a:r>
+                      <a:endParaRPr lang="zh-CN" altLang="en-US" dirty="0"/>
+                    </a:p>
+                  </a:txBody>
+                  <a:tcPr/>
+                </a:tc>
+                <a:tc>
+                  <a:txBody>
+                    <a:bodyPr/>
+                    <a:lstStyle/>
+                    <a:p>
+                      <a:pPr algn="ctr"/>
+                      <a:r>
+                        <a:rPr lang="en-US" altLang="zh-CN" dirty="0" smtClean="0"/>
+                        <a:t>0.3</a:t>
+                      </a:r>
+                      <a:endParaRPr lang="zh-CN" altLang="en-US" dirty="0"/>
+                    </a:p>
+                  </a:txBody>
+                  <a:tcPr/>
+                </a:tc>
+                <a:tc>
+                  <a:txBody>
+                    <a:bodyPr/>
+                    <a:lstStyle/>
+                    <a:p>
+                      <a:pPr algn="ctr"/>
+                      <a:r>
+                        <a:rPr lang="en-US" altLang="zh-CN" dirty="0" smtClean="0"/>
+                        <a:t>0.4</a:t>
+                      </a:r>
+                      <a:endParaRPr lang="zh-CN" altLang="en-US" dirty="0"/>
+                    </a:p>
+                  </a:txBody>
+                  <a:tcPr/>
+                </a:tc>
+                <a:tc>
+                  <a:txBody>
+                    <a:bodyPr/>
+                    <a:lstStyle/>
+                    <a:p>
+                      <a:pPr algn="ctr"/>
+                      <a:r>
+                        <a:rPr lang="en-US" altLang="zh-CN" dirty="0" smtClean="0"/>
+                        <a:t>0.6</a:t>
+                      </a:r>
+                      <a:endParaRPr lang="zh-CN" altLang="en-US" dirty="0"/>
+                    </a:p>
+                  </a:txBody>
+                  <a:tcPr/>
+                </a:tc>
+                <a:tc>
+                  <a:txBody>
+                    <a:bodyPr/>
+                    <a:lstStyle/>
+                    <a:p>
+                      <a:pPr algn="ctr"/>
+                      <a:r>
+                        <a:rPr lang="en-US" altLang="zh-CN" dirty="0" smtClean="0"/>
+                        <a:t>0.8</a:t>
+                      </a:r>
+                      <a:endParaRPr lang="zh-CN" altLang="en-US" dirty="0"/>
+                    </a:p>
+                  </a:txBody>
+                  <a:tcPr/>
+                </a:tc>
+                <a:tc>
+                  <a:txBody>
+                    <a:bodyPr/>
+                    <a:lstStyle/>
+                    <a:p>
+                      <a:pPr algn="ctr"/>
+                      <a:r>
+                        <a:rPr lang="en-US" altLang="zh-CN" dirty="0" smtClean="0"/>
+                        <a:t>1.0</a:t>
+                      </a:r>
+                      <a:endParaRPr lang="zh-CN" altLang="en-US" dirty="0"/>
+                    </a:p>
+                  </a:txBody>
+                  <a:tcPr/>
+                </a:tc>
+                <a:extLst>
+                  <a:ext uri="{0D108BD9-81ED-4DB2-BD59-A6C34878D82A}">
+                    <a16:rowId xmlns:a16="http://schemas.microsoft.com/office/drawing/2014/main" val="4076694766"/>
+                  </a:ext>
+                </a:extLst>
+              </a:tr>
+              <a:tr h="0">
+                <a:tc>
+                  <a:txBody>
+                    <a:bodyPr/>
+                    <a:lstStyle/>
+                    <a:p>
+                      <a:pPr algn="ctr"/>
+                      <a:r>
+                        <a:rPr lang="en-US" altLang="zh-CN" dirty="0" smtClean="0"/>
+                        <a:t>1920*1080</a:t>
+                      </a:r>
+                      <a:endParaRPr lang="zh-CN" altLang="en-US" dirty="0"/>
+                    </a:p>
+                  </a:txBody>
+                  <a:tcPr/>
+                </a:tc>
+                <a:tc>
+                  <a:txBody>
+                    <a:bodyPr/>
+                    <a:lstStyle/>
+                    <a:p>
+                      <a:pPr algn="ctr"/>
+                      <a:endParaRPr lang="zh-CN" altLang="en-US"/>
+                    </a:p>
+                  </a:txBody>
+                  <a:tcPr/>
+                </a:tc>
+                <a:tc>
+                  <a:txBody>
+                    <a:bodyPr/>
+                    <a:lstStyle/>
+                    <a:p>
+                      <a:pPr algn="ctr"/>
+                      <a:endParaRPr lang="zh-CN" altLang="en-US"/>
+                    </a:p>
+                  </a:txBody>
+                  <a:tcPr/>
+                </a:tc>
+                <a:tc>
+                  <a:txBody>
+                    <a:bodyPr/>
+                    <a:lstStyle/>
+                    <a:p>
+                      <a:pPr algn="ctr"/>
+                      <a:endParaRPr lang="zh-CN" altLang="en-US" dirty="0"/>
+                    </a:p>
+                  </a:txBody>
+                  <a:tcPr/>
+                </a:tc>
+                <a:tc>
+                  <a:txBody>
+                    <a:bodyPr/>
+                    <a:lstStyle/>
+                    <a:p>
+                      <a:pPr algn="ctr"/>
+                      <a:endParaRPr lang="zh-CN" altLang="en-US"/>
+                    </a:p>
+                  </a:txBody>
+                  <a:tcPr/>
+                </a:tc>
+                <a:tc>
+                  <a:txBody>
+                    <a:bodyPr/>
+                    <a:lstStyle/>
+                    <a:p>
+                      <a:pPr algn="ctr"/>
+                      <a:endParaRPr lang="zh-CN" altLang="en-US" dirty="0"/>
+                    </a:p>
+                  </a:txBody>
+                  <a:tcPr/>
+                </a:tc>
+                <a:tc>
+                  <a:txBody>
+                    <a:bodyPr/>
+                    <a:lstStyle/>
+                    <a:p>
+                      <a:pPr algn="ctr"/>
+                      <a:endParaRPr lang="zh-CN" altLang="en-US" dirty="0"/>
+                    </a:p>
+                  </a:txBody>
+                  <a:tcPr/>
+                </a:tc>
+                <a:tc>
+                  <a:txBody>
+                    <a:bodyPr/>
+                    <a:lstStyle/>
+                    <a:p>
+                      <a:pPr algn="ctr"/>
+                      <a:endParaRPr lang="zh-CN" altLang="en-US" dirty="0"/>
+                    </a:p>
+                  </a:txBody>
+                  <a:tcPr/>
+                </a:tc>
+                <a:extLst>
+                  <a:ext uri="{0D108BD9-81ED-4DB2-BD59-A6C34878D82A}">
+                    <a16:rowId xmlns:a16="http://schemas.microsoft.com/office/drawing/2014/main" val="2476475358"/>
+                  </a:ext>
+                </a:extLst>
+              </a:tr>
+              <a:tr h="370840">
+                <a:tc>
+                  <a:txBody>
+                    <a:bodyPr/>
+                    <a:lstStyle/>
+                    <a:p>
+                      <a:pPr algn="ctr"/>
+                      <a:r>
+                        <a:rPr lang="en-US" altLang="zh-CN" dirty="0" smtClean="0"/>
+                        <a:t>2560*1440</a:t>
+                      </a:r>
+                      <a:endParaRPr lang="zh-CN" altLang="en-US" dirty="0"/>
+                    </a:p>
+                  </a:txBody>
+                  <a:tcPr/>
+                </a:tc>
+                <a:tc>
+                  <a:txBody>
+                    <a:bodyPr/>
+                    <a:lstStyle/>
+                    <a:p>
+                      <a:pPr algn="ctr"/>
+                      <a:endParaRPr lang="zh-CN" altLang="en-US"/>
+                    </a:p>
+                  </a:txBody>
+                  <a:tcPr/>
+                </a:tc>
+                <a:tc>
+                  <a:txBody>
+                    <a:bodyPr/>
+                    <a:lstStyle/>
+                    <a:p>
+                      <a:pPr algn="ctr"/>
+                      <a:endParaRPr lang="zh-CN" altLang="en-US"/>
+                    </a:p>
+                  </a:txBody>
+                  <a:tcPr/>
+                </a:tc>
+                <a:tc>
+                  <a:txBody>
+                    <a:bodyPr/>
+                    <a:lstStyle/>
+                    <a:p>
+                      <a:pPr algn="ctr"/>
+                      <a:endParaRPr lang="zh-CN" altLang="en-US"/>
+                    </a:p>
+                  </a:txBody>
+                  <a:tcPr/>
+                </a:tc>
+                <a:tc>
+                  <a:txBody>
+                    <a:bodyPr/>
+                    <a:lstStyle/>
+                    <a:p>
+                      <a:pPr algn="ctr"/>
+                      <a:endParaRPr lang="zh-CN" altLang="en-US"/>
+                    </a:p>
+                  </a:txBody>
+                  <a:tcPr/>
+                </a:tc>
+                <a:tc>
+                  <a:txBody>
+                    <a:bodyPr/>
+                    <a:lstStyle/>
+                    <a:p>
+                      <a:pPr algn="ctr"/>
+                      <a:endParaRPr lang="zh-CN" altLang="en-US"/>
+                    </a:p>
+                  </a:txBody>
+                  <a:tcPr/>
+                </a:tc>
+                <a:tc>
+                  <a:txBody>
+                    <a:bodyPr/>
+                    <a:lstStyle/>
+                    <a:p>
+                      <a:pPr algn="ctr"/>
+                      <a:endParaRPr lang="zh-CN" altLang="en-US" dirty="0"/>
+                    </a:p>
+                  </a:txBody>
+                  <a:tcPr/>
+                </a:tc>
+                <a:tc>
+                  <a:txBody>
+                    <a:bodyPr/>
+                    <a:lstStyle/>
+                    <a:p>
+                      <a:pPr algn="ctr"/>
+                      <a:endParaRPr lang="zh-CN" altLang="en-US" dirty="0"/>
+                    </a:p>
+                  </a:txBody>
+                  <a:tcPr/>
+                </a:tc>
+                <a:extLst>
+                  <a:ext uri="{0D108BD9-81ED-4DB2-BD59-A6C34878D82A}">
+                    <a16:rowId xmlns:a16="http://schemas.microsoft.com/office/drawing/2014/main" val="3066530284"/>
+                  </a:ext>
+                </a:extLst>
+              </a:tr>
+              <a:tr h="370840">
+                <a:tc>
+                  <a:txBody>
+                    <a:bodyPr/>
+                    <a:lstStyle/>
+                    <a:p>
+                      <a:pPr algn="ctr"/>
+                      <a:r>
+                        <a:rPr lang="en-US" altLang="zh-CN" dirty="0" smtClean="0"/>
+                        <a:t>2560*1600</a:t>
+                      </a:r>
+                      <a:endParaRPr lang="zh-CN" altLang="en-US" dirty="0"/>
+                    </a:p>
+                  </a:txBody>
+                  <a:tcPr/>
+                </a:tc>
+                <a:tc>
+                  <a:txBody>
+                    <a:bodyPr/>
+                    <a:lstStyle/>
+                    <a:p>
+                      <a:pPr algn="ctr"/>
+                      <a:endParaRPr lang="zh-CN" altLang="en-US"/>
+                    </a:p>
+                  </a:txBody>
+                  <a:tcPr/>
+                </a:tc>
+                <a:tc>
+                  <a:txBody>
+                    <a:bodyPr/>
+                    <a:lstStyle/>
+                    <a:p>
+                      <a:pPr algn="ctr"/>
+                      <a:endParaRPr lang="zh-CN" altLang="en-US"/>
+                    </a:p>
+                  </a:txBody>
+                  <a:tcPr/>
+                </a:tc>
+                <a:tc>
+                  <a:txBody>
+                    <a:bodyPr/>
+                    <a:lstStyle/>
+                    <a:p>
+                      <a:pPr algn="ctr"/>
+                      <a:endParaRPr lang="zh-CN" altLang="en-US"/>
+                    </a:p>
+                  </a:txBody>
+                  <a:tcPr/>
+                </a:tc>
+                <a:tc>
+                  <a:txBody>
+                    <a:bodyPr/>
+                    <a:lstStyle/>
+                    <a:p>
+                      <a:pPr algn="ctr"/>
+                      <a:endParaRPr lang="zh-CN" altLang="en-US"/>
+                    </a:p>
+                  </a:txBody>
+                  <a:tcPr/>
+                </a:tc>
+                <a:tc>
+                  <a:txBody>
+                    <a:bodyPr/>
+                    <a:lstStyle/>
+                    <a:p>
+                      <a:pPr algn="ctr"/>
+                      <a:endParaRPr lang="zh-CN" altLang="en-US"/>
+                    </a:p>
+                  </a:txBody>
+                  <a:tcPr/>
+                </a:tc>
+                <a:tc>
+                  <a:txBody>
+                    <a:bodyPr/>
+                    <a:lstStyle/>
+                    <a:p>
+                      <a:pPr algn="ctr"/>
+                      <a:endParaRPr lang="zh-CN" altLang="en-US" dirty="0"/>
+                    </a:p>
+                  </a:txBody>
+                  <a:tcPr/>
+                </a:tc>
+                <a:tc>
+                  <a:txBody>
+                    <a:bodyPr/>
+                    <a:lstStyle/>
+                    <a:p>
+                      <a:pPr algn="ctr"/>
+                      <a:endParaRPr lang="zh-CN" altLang="en-US" dirty="0"/>
+                    </a:p>
+                  </a:txBody>
+                  <a:tcPr/>
+                </a:tc>
+                <a:extLst>
+                  <a:ext uri="{0D108BD9-81ED-4DB2-BD59-A6C34878D82A}">
+                    <a16:rowId xmlns:a16="http://schemas.microsoft.com/office/drawing/2014/main" val="3654840936"/>
+                  </a:ext>
+                </a:extLst>
+              </a:tr>
+            </a:tbl>
+          </a:graphicData>
+        </a:graphic>
+      </p:graphicFrame>
+      <p:graphicFrame>
+        <p:nvGraphicFramePr>
+          <p:cNvPr id="8" name="表格 7"/>
+          <p:cNvGraphicFramePr>
+            <a:graphicFrameLocks noGrp="1"/>
+          </p:cNvGraphicFramePr>
+          <p:nvPr>
+            <p:extLst>
+              <p:ext uri="{D42A27DB-BD31-4B8C-83A1-F6EECF244321}">
+                <p14:modId xmlns:p14="http://schemas.microsoft.com/office/powerpoint/2010/main" val="4206708178"/>
+              </p:ext>
+            </p:extLst>
+          </p:nvPr>
+        </p:nvGraphicFramePr>
+        <p:xfrm>
+          <a:off x="1236667" y="4949825"/>
+          <a:ext cx="6091051" cy="1478280"/>
+        </p:xfrm>
+        <a:graphic>
+          <a:graphicData uri="http://schemas.openxmlformats.org/drawingml/2006/table">
+            <a:tbl>
+              <a:tblPr firstRow="1" bandRow="1">
+                <a:tableStyleId>{93296810-A885-4BE3-A3E7-6D5BEEA58F35}</a:tableStyleId>
+              </a:tblPr>
+              <a:tblGrid>
+                <a:gridCol w="1479871">
+                  <a:extLst>
+                    <a:ext uri="{9D8B030D-6E8A-4147-A177-3AD203B41FA5}">
+                      <a16:colId xmlns:a16="http://schemas.microsoft.com/office/drawing/2014/main" val="1403741857"/>
+                    </a:ext>
+                  </a:extLst>
+                </a:gridCol>
+                <a:gridCol w="768530">
+                  <a:extLst>
+                    <a:ext uri="{9D8B030D-6E8A-4147-A177-3AD203B41FA5}">
+                      <a16:colId xmlns:a16="http://schemas.microsoft.com/office/drawing/2014/main" val="1621990532"/>
+                    </a:ext>
+                  </a:extLst>
+                </a:gridCol>
+                <a:gridCol w="768530">
+                  <a:extLst>
+                    <a:ext uri="{9D8B030D-6E8A-4147-A177-3AD203B41FA5}">
+                      <a16:colId xmlns:a16="http://schemas.microsoft.com/office/drawing/2014/main" val="1475528206"/>
+                    </a:ext>
+                  </a:extLst>
+                </a:gridCol>
+                <a:gridCol w="768530">
+                  <a:extLst>
+                    <a:ext uri="{9D8B030D-6E8A-4147-A177-3AD203B41FA5}">
+                      <a16:colId xmlns:a16="http://schemas.microsoft.com/office/drawing/2014/main" val="1102523084"/>
+                    </a:ext>
+                  </a:extLst>
+                </a:gridCol>
+                <a:gridCol w="768530">
+                  <a:extLst>
+                    <a:ext uri="{9D8B030D-6E8A-4147-A177-3AD203B41FA5}">
+                      <a16:colId xmlns:a16="http://schemas.microsoft.com/office/drawing/2014/main" val="3212857509"/>
+                    </a:ext>
+                  </a:extLst>
+                </a:gridCol>
+                <a:gridCol w="768530">
+                  <a:extLst>
+                    <a:ext uri="{9D8B030D-6E8A-4147-A177-3AD203B41FA5}">
+                      <a16:colId xmlns:a16="http://schemas.microsoft.com/office/drawing/2014/main" val="2645671425"/>
+                    </a:ext>
+                  </a:extLst>
+                </a:gridCol>
+                <a:gridCol w="768530">
+                  <a:extLst>
+                    <a:ext uri="{9D8B030D-6E8A-4147-A177-3AD203B41FA5}">
+                      <a16:colId xmlns:a16="http://schemas.microsoft.com/office/drawing/2014/main" val="173168317"/>
+                    </a:ext>
+                  </a:extLst>
+                </a:gridCol>
+              </a:tblGrid>
+              <a:tr h="370840">
+                <a:tc>
+                  <a:txBody>
+                    <a:bodyPr/>
+                    <a:lstStyle/>
+                    <a:p>
+                      <a:pPr algn="ctr"/>
+                      <a:r>
+                        <a:rPr lang="zh-CN" altLang="en-US" dirty="0" smtClean="0"/>
+                        <a:t>原图尺寸</a:t>
+                      </a:r>
+                      <a:endParaRPr lang="zh-CN" altLang="en-US" dirty="0"/>
+                    </a:p>
+                  </a:txBody>
+                  <a:tcPr/>
+                </a:tc>
+                <a:tc>
+                  <a:txBody>
+                    <a:bodyPr/>
+                    <a:lstStyle/>
+                    <a:p>
+                      <a:pPr algn="ctr"/>
+                      <a:r>
+                        <a:rPr lang="en-US" altLang="zh-CN" dirty="0" smtClean="0"/>
+                        <a:t>0.1</a:t>
+                      </a:r>
+                      <a:endParaRPr lang="zh-CN" altLang="en-US" dirty="0"/>
+                    </a:p>
+                  </a:txBody>
+                  <a:tcPr/>
+                </a:tc>
+                <a:tc>
+                  <a:txBody>
+                    <a:bodyPr/>
+                    <a:lstStyle/>
+                    <a:p>
+                      <a:pPr algn="ctr"/>
+                      <a:r>
+                        <a:rPr lang="en-US" altLang="zh-CN" dirty="0" smtClean="0"/>
+                        <a:t>0.2</a:t>
+                      </a:r>
+                      <a:endParaRPr lang="zh-CN" altLang="en-US" dirty="0"/>
+                    </a:p>
+                  </a:txBody>
+                  <a:tcPr/>
+                </a:tc>
+                <a:tc>
+                  <a:txBody>
+                    <a:bodyPr/>
+                    <a:lstStyle/>
+                    <a:p>
+                      <a:pPr algn="ctr"/>
+                      <a:r>
+                        <a:rPr lang="en-US" altLang="zh-CN" dirty="0" smtClean="0"/>
+                        <a:t>0.3</a:t>
+                      </a:r>
+                      <a:endParaRPr lang="zh-CN" altLang="en-US" dirty="0"/>
+                    </a:p>
+                  </a:txBody>
+                  <a:tcPr/>
+                </a:tc>
+                <a:tc>
+                  <a:txBody>
+                    <a:bodyPr/>
+                    <a:lstStyle/>
+                    <a:p>
+                      <a:pPr algn="ctr"/>
+                      <a:r>
+                        <a:rPr lang="en-US" altLang="zh-CN" dirty="0" smtClean="0"/>
+                        <a:t>0.4</a:t>
+                      </a:r>
+                      <a:endParaRPr lang="zh-CN" altLang="en-US" dirty="0"/>
+                    </a:p>
+                  </a:txBody>
+                  <a:tcPr/>
+                </a:tc>
+                <a:tc>
+                  <a:txBody>
+                    <a:bodyPr/>
+                    <a:lstStyle/>
+                    <a:p>
+                      <a:pPr algn="ctr"/>
+                      <a:r>
+                        <a:rPr lang="en-US" altLang="zh-CN" dirty="0" smtClean="0"/>
+                        <a:t>0.6</a:t>
+                      </a:r>
+                      <a:endParaRPr lang="zh-CN" altLang="en-US" dirty="0"/>
+                    </a:p>
+                  </a:txBody>
+                  <a:tcPr/>
+                </a:tc>
+                <a:tc>
+                  <a:txBody>
+                    <a:bodyPr/>
+                    <a:lstStyle/>
+                    <a:p>
+                      <a:pPr algn="ctr"/>
+                      <a:r>
+                        <a:rPr lang="en-US" altLang="zh-CN" dirty="0" smtClean="0"/>
+                        <a:t>0.8</a:t>
+                      </a:r>
+                      <a:endParaRPr lang="zh-CN" altLang="en-US" dirty="0"/>
+                    </a:p>
+                  </a:txBody>
+                  <a:tcPr/>
+                </a:tc>
+                <a:extLst>
+                  <a:ext uri="{0D108BD9-81ED-4DB2-BD59-A6C34878D82A}">
+                    <a16:rowId xmlns:a16="http://schemas.microsoft.com/office/drawing/2014/main" val="4076694766"/>
+                  </a:ext>
+                </a:extLst>
+              </a:tr>
+              <a:tr h="0">
+                <a:tc>
+                  <a:txBody>
+                    <a:bodyPr/>
+                    <a:lstStyle/>
+                    <a:p>
+                      <a:pPr algn="ctr"/>
+                      <a:r>
+                        <a:rPr lang="en-US" altLang="zh-CN" dirty="0" smtClean="0"/>
+                        <a:t>1280*720</a:t>
+                      </a:r>
+                      <a:endParaRPr lang="zh-CN" altLang="en-US" dirty="0"/>
+                    </a:p>
+                  </a:txBody>
+                  <a:tcPr/>
+                </a:tc>
+                <a:tc>
+                  <a:txBody>
+                    <a:bodyPr/>
+                    <a:lstStyle/>
+                    <a:p>
+                      <a:pPr algn="ctr"/>
+                      <a:r>
+                        <a:rPr lang="en-US" altLang="zh-CN" dirty="0" smtClean="0"/>
+                        <a:t>90</a:t>
+                      </a:r>
+                      <a:endParaRPr lang="zh-CN" altLang="en-US" dirty="0"/>
+                    </a:p>
+                  </a:txBody>
+                  <a:tcPr/>
+                </a:tc>
+                <a:tc>
+                  <a:txBody>
+                    <a:bodyPr/>
+                    <a:lstStyle/>
+                    <a:p>
+                      <a:pPr algn="ctr"/>
+                      <a:r>
+                        <a:rPr lang="en-US" altLang="zh-CN" dirty="0" smtClean="0"/>
+                        <a:t>149</a:t>
+                      </a:r>
+                      <a:endParaRPr lang="zh-CN" altLang="en-US" dirty="0"/>
+                    </a:p>
+                  </a:txBody>
+                  <a:tcPr/>
+                </a:tc>
+                <a:tc>
+                  <a:txBody>
+                    <a:bodyPr/>
+                    <a:lstStyle/>
+                    <a:p>
+                      <a:pPr algn="ctr"/>
+                      <a:r>
+                        <a:rPr lang="en-US" altLang="zh-CN" dirty="0" smtClean="0"/>
+                        <a:t>290</a:t>
+                      </a:r>
+                      <a:endParaRPr lang="zh-CN" altLang="en-US" dirty="0"/>
+                    </a:p>
+                  </a:txBody>
+                  <a:tcPr/>
+                </a:tc>
+                <a:tc>
+                  <a:txBody>
+                    <a:bodyPr/>
+                    <a:lstStyle/>
+                    <a:p>
+                      <a:pPr algn="ctr"/>
+                      <a:r>
+                        <a:rPr lang="en-US" altLang="zh-CN" dirty="0" smtClean="0"/>
+                        <a:t>387</a:t>
+                      </a:r>
+                      <a:endParaRPr lang="zh-CN" altLang="en-US" dirty="0"/>
+                    </a:p>
+                  </a:txBody>
+                  <a:tcPr/>
+                </a:tc>
+                <a:tc>
+                  <a:txBody>
+                    <a:bodyPr/>
+                    <a:lstStyle/>
+                    <a:p>
+                      <a:pPr algn="ctr"/>
+                      <a:r>
+                        <a:rPr lang="en-US" altLang="zh-CN" dirty="0" smtClean="0"/>
+                        <a:t>622</a:t>
+                      </a:r>
+                      <a:endParaRPr lang="zh-CN" altLang="en-US" dirty="0"/>
+                    </a:p>
+                  </a:txBody>
+                  <a:tcPr/>
+                </a:tc>
+                <a:tc>
+                  <a:txBody>
+                    <a:bodyPr/>
+                    <a:lstStyle/>
+                    <a:p>
+                      <a:pPr algn="ctr"/>
+                      <a:r>
+                        <a:rPr lang="en-US" altLang="zh-CN" dirty="0" smtClean="0"/>
+                        <a:t>1029</a:t>
+                      </a:r>
+                      <a:endParaRPr lang="zh-CN" altLang="en-US" dirty="0"/>
+                    </a:p>
+                  </a:txBody>
+                  <a:tcPr/>
+                </a:tc>
+                <a:extLst>
+                  <a:ext uri="{0D108BD9-81ED-4DB2-BD59-A6C34878D82A}">
+                    <a16:rowId xmlns:a16="http://schemas.microsoft.com/office/drawing/2014/main" val="2476475358"/>
+                  </a:ext>
+                </a:extLst>
+              </a:tr>
+              <a:tr h="370840">
+                <a:tc>
+                  <a:txBody>
+                    <a:bodyPr/>
+                    <a:lstStyle/>
+                    <a:p>
+                      <a:pPr algn="ctr"/>
+                      <a:r>
+                        <a:rPr lang="en-US" altLang="zh-CN" dirty="0" smtClean="0"/>
+                        <a:t>1920*1080</a:t>
+                      </a:r>
+                      <a:endParaRPr lang="zh-CN" altLang="en-US" dirty="0"/>
+                    </a:p>
+                  </a:txBody>
+                  <a:tcPr/>
+                </a:tc>
+                <a:tc>
+                  <a:txBody>
+                    <a:bodyPr/>
+                    <a:lstStyle/>
+                    <a:p>
+                      <a:pPr algn="ctr"/>
+                      <a:r>
+                        <a:rPr lang="en-US" altLang="zh-CN" dirty="0" smtClean="0"/>
+                        <a:t>107</a:t>
+                      </a:r>
+                      <a:endParaRPr lang="zh-CN" altLang="en-US" dirty="0"/>
+                    </a:p>
+                  </a:txBody>
+                  <a:tcPr/>
+                </a:tc>
+                <a:tc>
+                  <a:txBody>
+                    <a:bodyPr/>
+                    <a:lstStyle/>
+                    <a:p>
+                      <a:pPr algn="ctr"/>
+                      <a:r>
+                        <a:rPr lang="en-US" altLang="zh-CN" dirty="0" smtClean="0"/>
+                        <a:t>263</a:t>
+                      </a:r>
+                      <a:endParaRPr lang="zh-CN" altLang="en-US" dirty="0"/>
+                    </a:p>
+                  </a:txBody>
+                  <a:tcPr/>
+                </a:tc>
+                <a:tc>
+                  <a:txBody>
+                    <a:bodyPr/>
+                    <a:lstStyle/>
+                    <a:p>
+                      <a:pPr algn="ctr"/>
+                      <a:r>
+                        <a:rPr lang="en-US" altLang="zh-CN" dirty="0" smtClean="0"/>
+                        <a:t>399</a:t>
+                      </a:r>
+                      <a:endParaRPr lang="zh-CN" altLang="en-US" dirty="0"/>
+                    </a:p>
+                  </a:txBody>
+                  <a:tcPr/>
+                </a:tc>
+                <a:tc>
+                  <a:txBody>
+                    <a:bodyPr/>
+                    <a:lstStyle/>
+                    <a:p>
+                      <a:pPr algn="ctr"/>
+                      <a:r>
+                        <a:rPr lang="en-US" altLang="zh-CN" dirty="0" smtClean="0"/>
+                        <a:t>607</a:t>
+                      </a:r>
+                      <a:endParaRPr lang="zh-CN" altLang="en-US" dirty="0"/>
+                    </a:p>
+                  </a:txBody>
+                  <a:tcPr/>
+                </a:tc>
+                <a:tc>
+                  <a:txBody>
+                    <a:bodyPr/>
+                    <a:lstStyle/>
+                    <a:p>
+                      <a:pPr algn="ctr"/>
+                      <a:r>
+                        <a:rPr lang="en-US" altLang="zh-CN" dirty="0" smtClean="0"/>
+                        <a:t>1201</a:t>
+                      </a:r>
+                      <a:endParaRPr lang="zh-CN" altLang="en-US" dirty="0"/>
+                    </a:p>
+                  </a:txBody>
+                  <a:tcPr/>
+                </a:tc>
+                <a:tc>
+                  <a:txBody>
+                    <a:bodyPr/>
+                    <a:lstStyle/>
+                    <a:p>
+                      <a:pPr algn="ctr"/>
+                      <a:r>
+                        <a:rPr lang="en-US" altLang="zh-CN" dirty="0" smtClean="0"/>
+                        <a:t>2074</a:t>
+                      </a:r>
+                      <a:endParaRPr lang="zh-CN" altLang="en-US" dirty="0"/>
+                    </a:p>
+                  </a:txBody>
+                  <a:tcPr/>
+                </a:tc>
+                <a:extLst>
+                  <a:ext uri="{0D108BD9-81ED-4DB2-BD59-A6C34878D82A}">
+                    <a16:rowId xmlns:a16="http://schemas.microsoft.com/office/drawing/2014/main" val="3066530284"/>
+                  </a:ext>
+                </a:extLst>
+              </a:tr>
+              <a:tr h="370840">
+                <a:tc>
+                  <a:txBody>
+                    <a:bodyPr/>
+                    <a:lstStyle/>
+                    <a:p>
+                      <a:pPr algn="ctr"/>
+                      <a:r>
+                        <a:rPr lang="en-US" altLang="zh-CN" dirty="0" smtClean="0"/>
+                        <a:t>2560*1440</a:t>
+                      </a:r>
+                      <a:endParaRPr lang="zh-CN" altLang="en-US" dirty="0"/>
+                    </a:p>
+                  </a:txBody>
+                  <a:tcPr/>
+                </a:tc>
+                <a:tc>
+                  <a:txBody>
+                    <a:bodyPr/>
+                    <a:lstStyle/>
+                    <a:p>
+                      <a:pPr algn="ctr"/>
+                      <a:r>
+                        <a:rPr lang="en-US" altLang="zh-CN" dirty="0" smtClean="0"/>
+                        <a:t>166</a:t>
+                      </a:r>
+                      <a:endParaRPr lang="zh-CN" altLang="en-US" dirty="0"/>
+                    </a:p>
+                  </a:txBody>
+                  <a:tcPr/>
+                </a:tc>
+                <a:tc>
+                  <a:txBody>
+                    <a:bodyPr/>
+                    <a:lstStyle/>
+                    <a:p>
+                      <a:pPr algn="ctr"/>
+                      <a:r>
+                        <a:rPr lang="en-US" altLang="zh-CN" dirty="0" smtClean="0"/>
+                        <a:t>388</a:t>
+                      </a:r>
+                      <a:endParaRPr lang="zh-CN" altLang="en-US" dirty="0"/>
+                    </a:p>
+                  </a:txBody>
+                  <a:tcPr/>
+                </a:tc>
+                <a:tc>
+                  <a:txBody>
+                    <a:bodyPr/>
+                    <a:lstStyle/>
+                    <a:p>
+                      <a:pPr algn="ctr"/>
+                      <a:r>
+                        <a:rPr lang="en-US" altLang="zh-CN" dirty="0" smtClean="0"/>
+                        <a:t>646</a:t>
+                      </a:r>
+                      <a:endParaRPr lang="zh-CN" altLang="en-US" dirty="0"/>
+                    </a:p>
+                  </a:txBody>
+                  <a:tcPr/>
+                </a:tc>
+                <a:tc>
+                  <a:txBody>
+                    <a:bodyPr/>
+                    <a:lstStyle/>
+                    <a:p>
+                      <a:pPr algn="ctr"/>
+                      <a:r>
+                        <a:rPr lang="en-US" altLang="zh-CN" dirty="0" smtClean="0"/>
+                        <a:t>1000</a:t>
+                      </a:r>
+                      <a:endParaRPr lang="zh-CN" altLang="en-US" dirty="0"/>
+                    </a:p>
+                  </a:txBody>
+                  <a:tcPr/>
+                </a:tc>
+                <a:tc>
+                  <a:txBody>
+                    <a:bodyPr/>
+                    <a:lstStyle/>
+                    <a:p>
+                      <a:pPr algn="ctr"/>
+                      <a:r>
+                        <a:rPr lang="en-US" altLang="zh-CN" dirty="0" smtClean="0"/>
+                        <a:t>2123</a:t>
+                      </a:r>
+                      <a:endParaRPr lang="zh-CN" altLang="en-US" dirty="0"/>
+                    </a:p>
+                  </a:txBody>
+                  <a:tcPr/>
+                </a:tc>
+                <a:tc>
+                  <a:txBody>
+                    <a:bodyPr/>
+                    <a:lstStyle/>
+                    <a:p>
+                      <a:pPr algn="ctr"/>
+                      <a:r>
+                        <a:rPr lang="en-US" altLang="zh-CN" dirty="0" smtClean="0"/>
+                        <a:t>3696</a:t>
+                      </a:r>
+                      <a:endParaRPr lang="zh-CN" altLang="en-US" dirty="0"/>
+                    </a:p>
+                  </a:txBody>
+                  <a:tcPr/>
+                </a:tc>
+                <a:extLst>
+                  <a:ext uri="{0D108BD9-81ED-4DB2-BD59-A6C34878D82A}">
+                    <a16:rowId xmlns:a16="http://schemas.microsoft.com/office/drawing/2014/main" val="3654840936"/>
+                  </a:ext>
+                </a:extLst>
+              </a:tr>
+            </a:tbl>
+          </a:graphicData>
+        </a:graphic>
+      </p:graphicFrame>
+    </p:spTree>
+    <p:extLst>
+      <p:ext uri="{BB962C8B-B14F-4D97-AF65-F5344CB8AC3E}">
+        <p14:creationId xmlns:p14="http://schemas.microsoft.com/office/powerpoint/2010/main" val="2792617708"/>
+      </p:ext>
+    </p:extLst>
+  </p:cSld>
+  <p:clrMapOvr>
+    <a:masterClrMapping/>
+  </p:clrMapOvr>
+  <p:timing>
+    <p:tnLst>
+      <p:par>
+        <p:cTn id="1" dur="indefinite" restart="never" nodeType="tmRoot"/>
+      </p:par>
+    </p:tnLst>
+  </p:timing>
+</p:sld>
+</file>
+
+<file path=ppt/slides/slide13.xml><?xml version="1.0" encoding="utf-8"?>
+<p:sld xmlns:a="http://schemas.openxmlformats.org/drawingml/2006/main" xmlns:r="http://schemas.openxmlformats.org/officeDocument/2006/relationships" xmlns:p="http://schemas.openxmlformats.org/presentationml/2006/main">
+  <p:cSld>
+    <p:spTree>
+      <p:nvGrpSpPr>
+        <p:cNvPr id="1" name=""/>
+        <p:cNvGrpSpPr/>
+        <p:nvPr/>
+      </p:nvGrpSpPr>
+      <p:grpSpPr>
+        <a:xfrm>
+          <a:off x="0" y="0"/>
+          <a:ext cx="0" cy="0"/>
+          <a:chOff x="0" y="0"/>
+          <a:chExt cx="0" cy="0"/>
+        </a:xfrm>
+      </p:grpSpPr>
+      <p:sp>
+        <p:nvSpPr>
+          <p:cNvPr id="2" name="标题 1"/>
+          <p:cNvSpPr>
+            <a:spLocks noGrp="1"/>
+          </p:cNvSpPr>
+          <p:nvPr>
+            <p:ph type="title"/>
+          </p:nvPr>
+        </p:nvSpPr>
+        <p:spPr/>
+        <p:txBody>
+          <a:bodyPr/>
+          <a:lstStyle/>
+          <a:p>
+            <a:r>
+              <a:rPr lang="zh-CN" altLang="en-US" dirty="0" smtClean="0"/>
+              <a:t>依赖</a:t>
+            </a:r>
+            <a:endParaRPr lang="zh-CN" altLang="en-US" dirty="0"/>
+          </a:p>
+        </p:txBody>
+      </p:sp>
+      <p:sp>
+        <p:nvSpPr>
+          <p:cNvPr id="3" name="内容占位符 2"/>
+          <p:cNvSpPr>
+            <a:spLocks noGrp="1"/>
+          </p:cNvSpPr>
+          <p:nvPr>
+            <p:ph idx="1"/>
+          </p:nvPr>
+        </p:nvSpPr>
+        <p:spPr/>
+        <p:txBody>
+          <a:bodyPr/>
+          <a:lstStyle/>
+          <a:p>
+            <a:r>
+              <a:rPr lang="zh-CN" altLang="en-US" dirty="0" smtClean="0"/>
+              <a:t>无</a:t>
+            </a:r>
+            <a:r>
+              <a:rPr lang="en-US" altLang="zh-CN" dirty="0" smtClean="0"/>
+              <a:t>CDN</a:t>
+            </a:r>
+          </a:p>
+          <a:p>
+            <a:pPr lvl="1"/>
+            <a:r>
+              <a:rPr lang="en-US" altLang="zh-CN" dirty="0" smtClean="0"/>
+              <a:t>Spring</a:t>
+            </a:r>
+          </a:p>
+          <a:p>
+            <a:pPr lvl="1"/>
+            <a:r>
+              <a:rPr lang="en-US" altLang="zh-CN" dirty="0" err="1" smtClean="0"/>
+              <a:t>common.codec</a:t>
+            </a:r>
+            <a:r>
+              <a:rPr lang="zh-CN" altLang="en-US" dirty="0" smtClean="0"/>
+              <a:t>（启用</a:t>
+            </a:r>
+            <a:r>
+              <a:rPr lang="en-US" altLang="zh-CN" dirty="0" err="1" smtClean="0"/>
+              <a:t>Redis</a:t>
+            </a:r>
+            <a:r>
+              <a:rPr lang="zh-CN" altLang="en-US" dirty="0" smtClean="0"/>
+              <a:t>缓存时）</a:t>
+            </a:r>
+            <a:endParaRPr lang="en-US" altLang="zh-CN" dirty="0" smtClean="0"/>
+          </a:p>
+          <a:p>
+            <a:r>
+              <a:rPr lang="en-US" altLang="zh-CN" dirty="0" smtClean="0"/>
+              <a:t>CDN</a:t>
+            </a:r>
+          </a:p>
+          <a:p>
+            <a:pPr lvl="1"/>
+            <a:r>
+              <a:rPr lang="en-US" altLang="zh-CN" dirty="0"/>
+              <a:t>Spring</a:t>
+            </a:r>
+            <a:endParaRPr lang="zh-CN" altLang="en-US" dirty="0"/>
+          </a:p>
+        </p:txBody>
+      </p:sp>
+    </p:spTree>
+    <p:extLst>
+      <p:ext uri="{BB962C8B-B14F-4D97-AF65-F5344CB8AC3E}">
+        <p14:creationId xmlns:p14="http://schemas.microsoft.com/office/powerpoint/2010/main" val="2681063767"/>
+      </p:ext>
+    </p:extLst>
+  </p:cSld>
+  <p:clrMapOvr>
+    <a:masterClrMapping/>
+  </p:clrMapOvr>
+  <p:timing>
+    <p:tnLst>
+      <p:par>
+        <p:cTn id="1" dur="indefinite" restart="never" nodeType="tmRoot"/>
+      </p:par>
+    </p:tnLst>
+  </p:timing>
+</p:sld>
+</file>
+
 <file path=ppt/slides/slide2.xml><?xml version="1.0" encoding="utf-8"?>
 <p:sld xmlns:a="http://schemas.openxmlformats.org/drawingml/2006/main" xmlns:r="http://schemas.openxmlformats.org/officeDocument/2006/relationships" xmlns:p="http://schemas.openxmlformats.org/presentationml/2006/main">
   <p:cSld>
@@ -3178,6 +4633,13 @@
   <p:clrMapOvr>
     <a:masterClrMapping/>
   </p:clrMapOvr>
+  <p:timing>
+    <p:tnLst>
+      <p:par>
+        <p:cTn id="1" dur="indefinite" restart="never" nodeType="tmRoot"/>
+      </p:par>
+    </p:tnLst>
+  </p:timing>
 </p:sld>
 </file>
 
@@ -3331,29 +4793,71 @@
           <p:nvPr>
             <p:extLst>
               <p:ext uri="{D42A27DB-BD31-4B8C-83A1-F6EECF244321}">
-                <p14:modId xmlns:p14="http://schemas.microsoft.com/office/powerpoint/2010/main" val="3973569280"/>
+                <p14:modId xmlns:p14="http://schemas.microsoft.com/office/powerpoint/2010/main" val="1281795705"/>
               </p:ext>
             </p:extLst>
           </p:nvPr>
         </p:nvGraphicFramePr>
         <p:xfrm>
-          <a:off x="497609" y="5343620"/>
-          <a:ext cx="8128001" cy="370840"/>
+          <a:off x="406398" y="5361710"/>
+          <a:ext cx="8331204" cy="741680"/>
         </p:xfrm>
         <a:graphic>
           <a:graphicData uri="http://schemas.openxmlformats.org/drawingml/2006/table">
             <a:tbl>
               <a:tblPr firstRow="1" bandRow="1">
-                <a:tableStyleId>{5940675A-B579-460E-94D1-54222C63F5DA}</a:tableStyleId>
+                <a:tableStyleId>{912C8C85-51F0-491E-9774-3900AFEF0FD7}</a:tableStyleId>
               </a:tblPr>
               <a:tblGrid>
-                <a:gridCol w="1161143"/>
-                <a:gridCol w="1161143"/>
-                <a:gridCol w="1161143"/>
-                <a:gridCol w="1161143"/>
-                <a:gridCol w="1161143"/>
-                <a:gridCol w="1161143"/>
-                <a:gridCol w="1161143"/>
+                <a:gridCol w="1190172">
+                  <a:extLst>
+                    <a:ext uri="{9D8B030D-6E8A-4147-A177-3AD203B41FA5}">
+                      <a16:colId xmlns:a16="http://schemas.microsoft.com/office/drawing/2014/main" val="20000"/>
+                    </a:ext>
+                  </a:extLst>
+                </a:gridCol>
+                <a:gridCol w="1190172">
+                  <a:extLst>
+                    <a:ext uri="{9D8B030D-6E8A-4147-A177-3AD203B41FA5}">
+                      <a16:colId xmlns:a16="http://schemas.microsoft.com/office/drawing/2014/main" val="20001"/>
+                    </a:ext>
+                  </a:extLst>
+                </a:gridCol>
+                <a:gridCol w="1190172">
+                  <a:extLst>
+                    <a:ext uri="{9D8B030D-6E8A-4147-A177-3AD203B41FA5}">
+                      <a16:colId xmlns:a16="http://schemas.microsoft.com/office/drawing/2014/main" val="20002"/>
+                    </a:ext>
+                  </a:extLst>
+                </a:gridCol>
+                <a:gridCol w="1190172">
+                  <a:extLst>
+                    <a:ext uri="{9D8B030D-6E8A-4147-A177-3AD203B41FA5}">
+                      <a16:colId xmlns:a16="http://schemas.microsoft.com/office/drawing/2014/main" val="20003"/>
+                    </a:ext>
+                  </a:extLst>
+                </a:gridCol>
+                <a:gridCol w="1190172">
+                  <a:extLst>
+                    <a:ext uri="{9D8B030D-6E8A-4147-A177-3AD203B41FA5}">
+                      <a16:colId xmlns:a16="http://schemas.microsoft.com/office/drawing/2014/main" val="20004"/>
+                    </a:ext>
+                  </a:extLst>
+                </a:gridCol>
+                <a:gridCol w="1190172">
+                  <a:extLst>
+                    <a:ext uri="{9D8B030D-6E8A-4147-A177-3AD203B41FA5}">
+                      <a16:colId xmlns:a16="http://schemas.microsoft.com/office/drawing/2014/main" val="20005"/>
+                    </a:ext>
+                  </a:extLst>
+                </a:gridCol>
+                <a:gridCol w="1190172">
+                  <a:extLst>
+                    <a:ext uri="{9D8B030D-6E8A-4147-A177-3AD203B41FA5}">
+                      <a16:colId xmlns:a16="http://schemas.microsoft.com/office/drawing/2014/main" val="20006"/>
+                    </a:ext>
+                  </a:extLst>
+                </a:gridCol>
               </a:tblGrid>
               <a:tr h="370840">
                 <a:tc>
@@ -3364,6 +4868,118 @@
                       <a:pPr algn="ctr"/>
                       <a:r>
                         <a:rPr lang="en-US" altLang="zh-CN" dirty="0" smtClean="0"/>
+                        <a:t>SMALL</a:t>
+                      </a:r>
+                      <a:endParaRPr lang="zh-CN" altLang="en-US" dirty="0"/>
+                    </a:p>
+                  </a:txBody>
+                  <a:tcPr/>
+                </a:tc>
+                <a:tc>
+                  <a:txBody>
+                    <a:bodyPr/>
+                    <a:lstStyle/>
+                    <a:p>
+                      <a:pPr algn="ctr"/>
+                      <a:r>
+                        <a:rPr lang="en-US" altLang="zh-CN" dirty="0" smtClean="0"/>
+                        <a:t>MEDIUM</a:t>
+                      </a:r>
+                      <a:endParaRPr lang="zh-CN" altLang="en-US" dirty="0"/>
+                    </a:p>
+                  </a:txBody>
+                  <a:tcPr/>
+                </a:tc>
+                <a:tc>
+                  <a:txBody>
+                    <a:bodyPr/>
+                    <a:lstStyle/>
+                    <a:p>
+                      <a:pPr algn="ctr"/>
+                      <a:r>
+                        <a:rPr lang="en-US" altLang="zh-CN" dirty="0" smtClean="0"/>
+                        <a:t>LARGE</a:t>
+                      </a:r>
+                      <a:endParaRPr lang="zh-CN" altLang="en-US" dirty="0"/>
+                    </a:p>
+                  </a:txBody>
+                  <a:tcPr/>
+                </a:tc>
+                <a:tc>
+                  <a:txBody>
+                    <a:bodyPr/>
+                    <a:lstStyle/>
+                    <a:p>
+                      <a:pPr algn="ctr"/>
+                      <a:r>
+                        <a:rPr lang="en-US" altLang="zh-CN" dirty="0" smtClean="0"/>
+                        <a:t>XLARGE</a:t>
+                      </a:r>
+                      <a:endParaRPr lang="zh-CN" altLang="en-US" dirty="0"/>
+                    </a:p>
+                  </a:txBody>
+                  <a:tcPr/>
+                </a:tc>
+                <a:tc>
+                  <a:txBody>
+                    <a:bodyPr/>
+                    <a:lstStyle/>
+                    <a:p>
+                      <a:pPr algn="ctr"/>
+                      <a:r>
+                        <a:rPr lang="en-US" altLang="zh-CN" dirty="0" smtClean="0"/>
+                        <a:t>XXLARGE</a:t>
+                      </a:r>
+                      <a:endParaRPr lang="zh-CN" altLang="en-US" dirty="0"/>
+                    </a:p>
+                  </a:txBody>
+                  <a:tcPr/>
+                </a:tc>
+                <a:tc>
+                  <a:txBody>
+                    <a:bodyPr/>
+                    <a:lstStyle/>
+                    <a:p>
+                      <a:pPr algn="ctr"/>
+                      <a:r>
+                        <a:rPr lang="en-US" altLang="zh-CN" dirty="0" smtClean="0"/>
+                        <a:t>XXXLARGE</a:t>
+                      </a:r>
+                      <a:endParaRPr lang="zh-CN" altLang="en-US" dirty="0"/>
+                    </a:p>
+                  </a:txBody>
+                  <a:tcPr/>
+                </a:tc>
+                <a:tc>
+                  <a:txBody>
+                    <a:bodyPr/>
+                    <a:lstStyle/>
+                    <a:p>
+                      <a:pPr algn="ctr"/>
+                      <a:r>
+                        <a:rPr lang="en-US" altLang="zh-CN" dirty="0" smtClean="0"/>
+                        <a:t>RAW</a:t>
+                      </a:r>
+                      <a:endParaRPr lang="zh-CN" altLang="en-US" dirty="0"/>
+                    </a:p>
+                  </a:txBody>
+                  <a:tcPr/>
+                </a:tc>
+                <a:extLst>
+                  <a:ext uri="{0D108BD9-81ED-4DB2-BD59-A6C34878D82A}">
+                    <a16:rowId xmlns:a16="http://schemas.microsoft.com/office/drawing/2014/main" val="2910164428"/>
+                  </a:ext>
+                </a:extLst>
+              </a:tr>
+              <a:tr h="370840">
+                <a:tc>
+                  <a:txBody>
+                    <a:bodyPr/>
+                    <a:lstStyle/>
+                    <a:p>
+                      <a:pPr algn="ctr"/>
+                      <a:r>
+                        <a:rPr lang="en-US" altLang="zh-CN" dirty="0" smtClean="0"/>
                         <a:t>0.1</a:t>
                       </a:r>
                       <a:endParaRPr lang="zh-CN" altLang="en-US" dirty="0"/>
@@ -3461,6 +5077,11 @@
                   </a:txBody>
                   <a:tcPr/>
                 </a:tc>
+                <a:extLst>
+                  <a:ext uri="{0D108BD9-81ED-4DB2-BD59-A6C34878D82A}">
+                    <a16:rowId xmlns:a16="http://schemas.microsoft.com/office/drawing/2014/main" val="10000"/>
+                  </a:ext>
+                </a:extLst>
               </a:tr>
             </a:tbl>
           </a:graphicData>
@@ -3476,6 +5097,13 @@
   <p:clrMapOvr>
     <a:masterClrMapping/>
   </p:clrMapOvr>
+  <p:timing>
+    <p:tnLst>
+      <p:par>
+        <p:cTn id="1" dur="indefinite" restart="never" nodeType="tmRoot"/>
+      </p:par>
+    </p:tnLst>
+  </p:timing>
 </p:sld>
 </file>
 
@@ -3531,7 +5159,9 @@
         </p:nvSpPr>
         <p:spPr/>
         <p:txBody>
-          <a:bodyPr/>
+          <a:bodyPr>
+            <a:normAutofit lnSpcReduction="10000"/>
+          </a:bodyPr>
           <a:lstStyle/>
           <a:p>
             <a:r>
@@ -3570,7 +5200,11 @@
             </a:r>
             <a:r>
               <a:rPr lang="zh-CN" altLang="en-US" dirty="0" smtClean="0"/>
-              <a:t>图片缓存，</a:t>
+              <a:t>图片缓存</a:t>
+            </a:r>
+            <a:r>
+              <a:rPr lang="zh-CN" altLang="en-US" dirty="0" smtClean="0"/>
+              <a:t>，支持</a:t>
             </a:r>
             <a:r>
               <a:rPr lang="en-US" altLang="zh-CN" dirty="0" err="1" smtClean="0"/>
@@ -3578,7 +5212,7 @@
             </a:r>
             <a:r>
               <a:rPr lang="zh-CN" altLang="en-US" dirty="0" smtClean="0"/>
-              <a:t>可配置；</a:t>
+              <a:t>；</a:t>
             </a:r>
             <a:endParaRPr lang="en-US" altLang="zh-CN" dirty="0" smtClean="0"/>
           </a:p>
@@ -3645,6 +5279,62 @@
             <a:r>
               <a:rPr lang="zh-CN" altLang="en-US" dirty="0" smtClean="0"/>
               <a:t>；</a:t>
+            </a:r>
+            <a:endParaRPr lang="en-US" altLang="zh-CN" dirty="0" smtClean="0"/>
+          </a:p>
+          <a:p>
+            <a:pPr lvl="1"/>
+            <a:r>
+              <a:rPr lang="zh-CN" altLang="en-US" dirty="0" smtClean="0"/>
+              <a:t>支持</a:t>
+            </a:r>
+            <a:r>
+              <a:rPr lang="en-US" altLang="zh-CN" dirty="0" smtClean="0"/>
+              <a:t>jpg</a:t>
+            </a:r>
+            <a:r>
+              <a:rPr lang="zh-CN" altLang="en-US" dirty="0" smtClean="0"/>
+              <a:t>，</a:t>
+            </a:r>
+            <a:r>
+              <a:rPr lang="en-US" altLang="zh-CN" dirty="0" err="1" smtClean="0"/>
+              <a:t>png</a:t>
+            </a:r>
+            <a:r>
+              <a:rPr lang="zh-CN" altLang="en-US" dirty="0" smtClean="0"/>
+              <a:t>，</a:t>
+            </a:r>
+            <a:r>
+              <a:rPr lang="en-US" altLang="zh-CN" dirty="0" smtClean="0"/>
+              <a:t>bmp</a:t>
+            </a:r>
+            <a:r>
+              <a:rPr lang="zh-CN" altLang="en-US" dirty="0" smtClean="0"/>
+              <a:t>（其中</a:t>
+            </a:r>
+            <a:r>
+              <a:rPr lang="en-US" altLang="zh-CN" dirty="0" smtClean="0"/>
+              <a:t>jpg</a:t>
+            </a:r>
+            <a:r>
+              <a:rPr lang="zh-CN" altLang="en-US" dirty="0" smtClean="0"/>
+              <a:t>和</a:t>
+            </a:r>
+            <a:r>
+              <a:rPr lang="en-US" altLang="zh-CN" dirty="0" err="1" smtClean="0"/>
+              <a:t>png</a:t>
+            </a:r>
+            <a:r>
+              <a:rPr lang="zh-CN" altLang="en-US" dirty="0" smtClean="0"/>
+              <a:t>为渐进式）；</a:t>
+            </a:r>
+            <a:endParaRPr lang="en-US" altLang="zh-CN" dirty="0" smtClean="0"/>
+          </a:p>
+          <a:p>
+            <a:pPr lvl="1"/>
+            <a:r>
+              <a:rPr lang="zh-CN" altLang="en-US" dirty="0" smtClean="0"/>
+              <a:t>支持单页面多滚动条。</a:t>
             </a:r>
             <a:endParaRPr lang="en-US" altLang="zh-CN" dirty="0" smtClean="0"/>
           </a:p>
@@ -3664,6 +5354,13 @@
   <p:clrMapOvr>
     <a:masterClrMapping/>
   </p:clrMapOvr>
+  <p:timing>
+    <p:tnLst>
+      <p:par>
+        <p:cTn id="1" dur="indefinite" restart="never" nodeType="tmRoot"/>
+      </p:par>
+    </p:tnLst>
+  </p:timing>
 </p:sld>
 </file>
 
@@ -3701,11 +5398,7 @@
           <a:p>
             <a:r>
               <a:rPr lang="zh-CN" altLang="en-US" dirty="0" smtClean="0"/>
-              <a:t>无</a:t>
-            </a:r>
-            <a:r>
-              <a:rPr lang="en-US" altLang="zh-CN" dirty="0" smtClean="0"/>
-              <a:t>CDN</a:t>
+              <a:t>使用方法</a:t>
             </a:r>
             <a:endParaRPr lang="zh-CN" altLang="en-US" dirty="0"/>
           </a:p>
@@ -3713,7 +5406,7 @@
       </p:sp>
       <p:sp>
         <p:nvSpPr>
-          <p:cNvPr id="7" name="内容占位符 6"/>
+          <p:cNvPr id="3" name="内容占位符 2"/>
           <p:cNvSpPr>
             <a:spLocks noGrp="1"/>
           </p:cNvSpPr>
@@ -3726,20 +5419,459 @@
           <a:bodyPr/>
           <a:lstStyle/>
           <a:p>
-            <a:endParaRPr lang="zh-CN" altLang="en-US"/>
+            <a:r>
+              <a:rPr lang="zh-CN" altLang="en-US" dirty="0"/>
+              <a:t>新</a:t>
+            </a:r>
+            <a:r>
+              <a:rPr lang="zh-CN" altLang="en-US" dirty="0" smtClean="0"/>
+              <a:t>设</a:t>
+            </a:r>
+            <a:r>
+              <a:rPr lang="en-US" altLang="zh-CN" dirty="0" smtClean="0"/>
+              <a:t>data-</a:t>
+            </a:r>
+            <a:r>
+              <a:rPr lang="en-US" altLang="zh-CN" dirty="0" err="1" smtClean="0"/>
+              <a:t>url</a:t>
+            </a:r>
+            <a:r>
+              <a:rPr lang="zh-CN" altLang="en-US" dirty="0" smtClean="0"/>
+              <a:t>和</a:t>
+            </a:r>
+            <a:r>
+              <a:rPr lang="en-US" altLang="zh-CN" dirty="0" smtClean="0"/>
+              <a:t>data-raw</a:t>
+            </a:r>
+            <a:r>
+              <a:rPr lang="zh-CN" altLang="en-US" dirty="0" smtClean="0"/>
+              <a:t>两个属性</a:t>
+            </a:r>
+            <a:endParaRPr lang="en-US" altLang="zh-CN" dirty="0" smtClean="0"/>
+          </a:p>
+          <a:p>
+            <a:pPr lvl="1"/>
+            <a:r>
+              <a:rPr lang="en-US" altLang="zh-CN" dirty="0"/>
+              <a:t>d</a:t>
+            </a:r>
+            <a:r>
+              <a:rPr lang="en-US" altLang="zh-CN" dirty="0" smtClean="0"/>
+              <a:t>ata-</a:t>
+            </a:r>
+            <a:r>
+              <a:rPr lang="en-US" altLang="zh-CN" dirty="0" err="1" smtClean="0"/>
+              <a:t>url</a:t>
+            </a:r>
+            <a:r>
+              <a:rPr lang="zh-CN" altLang="en-US" dirty="0" smtClean="0"/>
+              <a:t>：图片拦截</a:t>
+            </a:r>
+            <a:r>
+              <a:rPr lang="en-US" altLang="zh-CN" dirty="0" smtClean="0"/>
+              <a:t>URL</a:t>
+            </a:r>
+          </a:p>
+          <a:p>
+            <a:pPr lvl="1"/>
+            <a:r>
+              <a:rPr lang="en-US" altLang="zh-CN" dirty="0"/>
+              <a:t>d</a:t>
+            </a:r>
+            <a:r>
+              <a:rPr lang="en-US" altLang="zh-CN" dirty="0" smtClean="0"/>
+              <a:t>ata-raw</a:t>
+            </a:r>
+            <a:r>
+              <a:rPr lang="zh-CN" altLang="en-US" dirty="0" smtClean="0"/>
+              <a:t>：值为</a:t>
+            </a:r>
+            <a:r>
+              <a:rPr lang="en-US" altLang="zh-CN" dirty="0" smtClean="0"/>
+              <a:t>true</a:t>
+            </a:r>
+            <a:r>
+              <a:rPr lang="zh-CN" altLang="en-US" dirty="0" smtClean="0"/>
+              <a:t>时强制原图</a:t>
+            </a:r>
+            <a:endParaRPr lang="en-US" altLang="zh-CN" dirty="0" smtClean="0"/>
+          </a:p>
+          <a:p>
+            <a:endParaRPr lang="en-US" altLang="zh-CN" dirty="0" smtClean="0"/>
+          </a:p>
+          <a:p>
+            <a:endParaRPr lang="en-US" altLang="zh-CN" dirty="0"/>
+          </a:p>
+          <a:p>
+            <a:pPr marL="0" indent="0">
+              <a:buNone/>
+            </a:pPr>
+            <a:endParaRPr lang="en-US" altLang="zh-CN" dirty="0"/>
+          </a:p>
+          <a:p>
+            <a:endParaRPr lang="en-US" altLang="zh-CN" dirty="0"/>
+          </a:p>
+          <a:p>
+            <a:r>
+              <a:rPr lang="zh-CN" altLang="en-US" dirty="0" smtClean="0"/>
+              <a:t>可以与原</a:t>
+            </a:r>
+            <a:r>
+              <a:rPr lang="en-US" altLang="zh-CN" dirty="0" err="1" smtClean="0"/>
+              <a:t>img</a:t>
+            </a:r>
+            <a:r>
+              <a:rPr lang="zh-CN" altLang="en-US" dirty="0" smtClean="0"/>
+              <a:t>标签共存（直接指定</a:t>
+            </a:r>
+            <a:r>
+              <a:rPr lang="en-US" altLang="zh-CN" dirty="0" err="1" smtClean="0"/>
+              <a:t>src</a:t>
+            </a:r>
+            <a:r>
+              <a:rPr lang="zh-CN" altLang="en-US" dirty="0" smtClean="0"/>
+              <a:t>属性）</a:t>
+            </a:r>
+            <a:endParaRPr lang="zh-CN" altLang="en-US" dirty="0"/>
+          </a:p>
+        </p:txBody>
+      </p:sp>
+      <p:sp>
+        <p:nvSpPr>
+          <p:cNvPr id="6" name="Rectangle 3"/>
+          <p:cNvSpPr>
+            <a:spLocks noChangeArrowheads="1"/>
+          </p:cNvSpPr>
+          <p:nvPr/>
+        </p:nvSpPr>
+        <p:spPr bwMode="auto">
+          <a:xfrm>
+            <a:off x="628650" y="3401129"/>
+            <a:ext cx="7725192" cy="1200329"/>
+          </a:xfrm>
+          <a:prstGeom prst="rect">
+            <a:avLst/>
+          </a:prstGeom>
+          <a:solidFill>
+            <a:srgbClr val="2B2B2B"/>
+          </a:solidFill>
+          <a:ln>
+            <a:noFill/>
+          </a:ln>
+          <a:effectLst/>
+          <a:extLst>
+            <a:ext uri="{91240B29-F687-4F45-9708-019B960494DF}">
+              <a14:hiddenLine xmlns:a14="http://schemas.microsoft.com/office/drawing/2010/main" w="9525">
+                <a:solidFill>
+                  <a:schemeClr val="tx1"/>
+                </a:solidFill>
+                <a:miter lim="800000"/>
+                <a:headEnd/>
+                <a:tailEnd/>
+              </a14:hiddenLine>
+            </a:ext>
+            <a:ext uri="{AF507438-7753-43E0-B8FC-AC1667EBCBE1}">
+              <a14:hiddenEffects xmlns:a14="http://schemas.microsoft.com/office/drawing/2010/main">
+                <a:effectLst>
+                  <a:outerShdw dist="35921" dir="2700000" algn="ctr" rotWithShape="0">
+                    <a:schemeClr val="bg2"/>
+                  </a:outerShdw>
+                </a:effectLst>
+              </a14:hiddenEffects>
+            </a:ext>
+          </a:extLst>
+        </p:spPr>
+        <p:txBody>
+          <a:bodyPr vert="horz" wrap="none" lIns="91440" tIns="45720" rIns="91440" bIns="45720" numCol="1" anchor="ctr" anchorCtr="0" compatLnSpc="1">
+            <a:prstTxWarp prst="textNoShape">
+              <a:avLst/>
+            </a:prstTxWarp>
+            <a:spAutoFit/>
+          </a:bodyPr>
+          <a:lstStyle/>
+          <a:p>
+            <a:pPr marL="0" marR="0" lvl="0" indent="0" algn="l" defTabSz="914400" rtl="0" eaLnBrk="0" fontAlgn="base" latinLnBrk="0" hangingPunct="0">
+              <a:lnSpc>
+                <a:spcPct val="100000"/>
+              </a:lnSpc>
+              <a:spcBef>
+                <a:spcPct val="0"/>
+              </a:spcBef>
+              <a:spcAft>
+                <a:spcPct val="0"/>
+              </a:spcAft>
+              <a:buClrTx/>
+              <a:buSzTx/>
+              <a:buFontTx/>
+              <a:buNone/>
+              <a:tabLst/>
+            </a:pPr>
+            <a:r>
+              <a:rPr kumimoji="0" lang="zh-CN" altLang="zh-CN" sz="2400" b="0" i="0" u="none" strike="noStrike" cap="none" normalizeH="0" baseline="0" smtClean="0">
+                <a:ln>
+                  <a:noFill/>
+                </a:ln>
+                <a:solidFill>
+                  <a:srgbClr val="E8BF6A"/>
+                </a:solidFill>
+                <a:effectLst/>
+                <a:latin typeface="宋体" panose="02010600030101010101" pitchFamily="2" charset="-122"/>
+                <a:ea typeface="宋体" panose="02010600030101010101" pitchFamily="2" charset="-122"/>
+              </a:rPr>
+              <a:t>&lt;div </a:t>
+            </a:r>
+            <a:r>
+              <a:rPr kumimoji="0" lang="zh-CN" altLang="zh-CN" sz="2400" b="0" i="0" u="none" strike="noStrike" cap="none" normalizeH="0" baseline="0" smtClean="0">
+                <a:ln>
+                  <a:noFill/>
+                </a:ln>
+                <a:solidFill>
+                  <a:srgbClr val="BABABA"/>
+                </a:solidFill>
+                <a:effectLst/>
+                <a:latin typeface="宋体" panose="02010600030101010101" pitchFamily="2" charset="-122"/>
+                <a:ea typeface="宋体" panose="02010600030101010101" pitchFamily="2" charset="-122"/>
+              </a:rPr>
+              <a:t>style=</a:t>
+            </a:r>
+            <a:r>
+              <a:rPr kumimoji="0" lang="zh-CN" altLang="zh-CN" sz="2400" b="0" i="0" u="none" strike="noStrike" cap="none" normalizeH="0" baseline="0" smtClean="0">
+                <a:ln>
+                  <a:noFill/>
+                </a:ln>
+                <a:solidFill>
+                  <a:srgbClr val="A5C261"/>
+                </a:solidFill>
+                <a:effectLst/>
+                <a:latin typeface="宋体" panose="02010600030101010101" pitchFamily="2" charset="-122"/>
+                <a:ea typeface="宋体" panose="02010600030101010101" pitchFamily="2" charset="-122"/>
+              </a:rPr>
+              <a:t>"</a:t>
+            </a:r>
+            <a:r>
+              <a:rPr kumimoji="0" lang="zh-CN" altLang="zh-CN" sz="2400" b="0" i="0" u="none" strike="noStrike" cap="none" normalizeH="0" baseline="0" smtClean="0">
+                <a:ln>
+                  <a:noFill/>
+                </a:ln>
+                <a:solidFill>
+                  <a:srgbClr val="BABABA"/>
+                </a:solidFill>
+                <a:effectLst/>
+                <a:latin typeface="宋体" panose="02010600030101010101" pitchFamily="2" charset="-122"/>
+                <a:ea typeface="宋体" panose="02010600030101010101" pitchFamily="2" charset="-122"/>
+              </a:rPr>
+              <a:t>height</a:t>
+            </a:r>
+            <a:r>
+              <a:rPr kumimoji="0" lang="zh-CN" altLang="zh-CN" sz="2400" b="0" i="0" u="none" strike="noStrike" cap="none" normalizeH="0" baseline="0" smtClean="0">
+                <a:ln>
+                  <a:noFill/>
+                </a:ln>
+                <a:solidFill>
+                  <a:srgbClr val="A9B7C6"/>
+                </a:solidFill>
+                <a:effectLst/>
+                <a:latin typeface="宋体" panose="02010600030101010101" pitchFamily="2" charset="-122"/>
+                <a:ea typeface="宋体" panose="02010600030101010101" pitchFamily="2" charset="-122"/>
+              </a:rPr>
+              <a:t>: </a:t>
+            </a:r>
+            <a:r>
+              <a:rPr kumimoji="0" lang="zh-CN" altLang="zh-CN" sz="2400" b="0" i="0" u="none" strike="noStrike" cap="none" normalizeH="0" baseline="0" smtClean="0">
+                <a:ln>
+                  <a:noFill/>
+                </a:ln>
+                <a:solidFill>
+                  <a:srgbClr val="6897BB"/>
+                </a:solidFill>
+                <a:effectLst/>
+                <a:latin typeface="宋体" panose="02010600030101010101" pitchFamily="2" charset="-122"/>
+                <a:ea typeface="宋体" panose="02010600030101010101" pitchFamily="2" charset="-122"/>
+              </a:rPr>
+              <a:t>600</a:t>
+            </a:r>
+            <a:r>
+              <a:rPr kumimoji="0" lang="zh-CN" altLang="zh-CN" sz="2400" b="0" i="0" u="none" strike="noStrike" cap="none" normalizeH="0" baseline="0" smtClean="0">
+                <a:ln>
+                  <a:noFill/>
+                </a:ln>
+                <a:solidFill>
+                  <a:srgbClr val="A5C261"/>
+                </a:solidFill>
+                <a:effectLst/>
+                <a:latin typeface="宋体" panose="02010600030101010101" pitchFamily="2" charset="-122"/>
+                <a:ea typeface="宋体" panose="02010600030101010101" pitchFamily="2" charset="-122"/>
+              </a:rPr>
+              <a:t>px"</a:t>
+            </a:r>
+            <a:r>
+              <a:rPr kumimoji="0" lang="zh-CN" altLang="zh-CN" sz="2400" b="0" i="0" u="none" strike="noStrike" cap="none" normalizeH="0" baseline="0" smtClean="0">
+                <a:ln>
+                  <a:noFill/>
+                </a:ln>
+                <a:solidFill>
+                  <a:srgbClr val="E8BF6A"/>
+                </a:solidFill>
+                <a:effectLst/>
+                <a:latin typeface="宋体" panose="02010600030101010101" pitchFamily="2" charset="-122"/>
+                <a:ea typeface="宋体" panose="02010600030101010101" pitchFamily="2" charset="-122"/>
+              </a:rPr>
+              <a:t>&gt;</a:t>
+            </a:r>
+            <a:br>
+              <a:rPr kumimoji="0" lang="zh-CN" altLang="zh-CN" sz="2400" b="0" i="0" u="none" strike="noStrike" cap="none" normalizeH="0" baseline="0" smtClean="0">
+                <a:ln>
+                  <a:noFill/>
+                </a:ln>
+                <a:solidFill>
+                  <a:srgbClr val="E8BF6A"/>
+                </a:solidFill>
+                <a:effectLst/>
+                <a:latin typeface="宋体" panose="02010600030101010101" pitchFamily="2" charset="-122"/>
+                <a:ea typeface="宋体" panose="02010600030101010101" pitchFamily="2" charset="-122"/>
+              </a:rPr>
+            </a:br>
+            <a:r>
+              <a:rPr kumimoji="0" lang="zh-CN" altLang="zh-CN" sz="2400" b="0" i="0" u="none" strike="noStrike" cap="none" normalizeH="0" baseline="0" smtClean="0">
+                <a:ln>
+                  <a:noFill/>
+                </a:ln>
+                <a:solidFill>
+                  <a:srgbClr val="E8BF6A"/>
+                </a:solidFill>
+                <a:effectLst/>
+                <a:latin typeface="宋体" panose="02010600030101010101" pitchFamily="2" charset="-122"/>
+                <a:ea typeface="宋体" panose="02010600030101010101" pitchFamily="2" charset="-122"/>
+              </a:rPr>
+              <a:t>    &lt;img </a:t>
+            </a:r>
+            <a:r>
+              <a:rPr kumimoji="0" lang="zh-CN" altLang="zh-CN" sz="2400" b="0" i="0" u="none" strike="noStrike" cap="none" normalizeH="0" baseline="0" smtClean="0">
+                <a:ln>
+                  <a:noFill/>
+                </a:ln>
+                <a:solidFill>
+                  <a:srgbClr val="BABABA"/>
+                </a:solidFill>
+                <a:effectLst/>
+                <a:latin typeface="宋体" panose="02010600030101010101" pitchFamily="2" charset="-122"/>
+                <a:ea typeface="宋体" panose="02010600030101010101" pitchFamily="2" charset="-122"/>
+              </a:rPr>
+              <a:t>data-url=</a:t>
+            </a:r>
+            <a:r>
+              <a:rPr kumimoji="0" lang="zh-CN" altLang="zh-CN" sz="2400" b="0" i="0" u="none" strike="noStrike" cap="none" normalizeH="0" baseline="0" smtClean="0">
+                <a:ln>
+                  <a:noFill/>
+                </a:ln>
+                <a:solidFill>
+                  <a:srgbClr val="A5C261"/>
+                </a:solidFill>
+                <a:effectLst/>
+                <a:latin typeface="宋体" panose="02010600030101010101" pitchFamily="2" charset="-122"/>
+                <a:ea typeface="宋体" panose="02010600030101010101" pitchFamily="2" charset="-122"/>
+              </a:rPr>
+              <a:t>"/image/3.jpg" </a:t>
+            </a:r>
+            <a:r>
+              <a:rPr kumimoji="0" lang="zh-CN" altLang="zh-CN" sz="2400" b="0" i="0" u="none" strike="noStrike" cap="none" normalizeH="0" baseline="0" smtClean="0">
+                <a:ln>
+                  <a:noFill/>
+                </a:ln>
+                <a:solidFill>
+                  <a:srgbClr val="BABABA"/>
+                </a:solidFill>
+                <a:effectLst/>
+                <a:latin typeface="宋体" panose="02010600030101010101" pitchFamily="2" charset="-122"/>
+                <a:ea typeface="宋体" panose="02010600030101010101" pitchFamily="2" charset="-122"/>
+              </a:rPr>
+              <a:t>data-raw=</a:t>
+            </a:r>
+            <a:r>
+              <a:rPr kumimoji="0" lang="zh-CN" altLang="zh-CN" sz="2400" b="0" i="0" u="none" strike="noStrike" cap="none" normalizeH="0" baseline="0" smtClean="0">
+                <a:ln>
+                  <a:noFill/>
+                </a:ln>
+                <a:solidFill>
+                  <a:srgbClr val="A5C261"/>
+                </a:solidFill>
+                <a:effectLst/>
+                <a:latin typeface="宋体" panose="02010600030101010101" pitchFamily="2" charset="-122"/>
+                <a:ea typeface="宋体" panose="02010600030101010101" pitchFamily="2" charset="-122"/>
+              </a:rPr>
+              <a:t>"true"</a:t>
+            </a:r>
+            <a:r>
+              <a:rPr kumimoji="0" lang="zh-CN" altLang="zh-CN" sz="2400" b="0" i="0" u="none" strike="noStrike" cap="none" normalizeH="0" baseline="0" smtClean="0">
+                <a:ln>
+                  <a:noFill/>
+                </a:ln>
+                <a:solidFill>
+                  <a:srgbClr val="E8BF6A"/>
+                </a:solidFill>
+                <a:effectLst/>
+                <a:latin typeface="宋体" panose="02010600030101010101" pitchFamily="2" charset="-122"/>
+                <a:ea typeface="宋体" panose="02010600030101010101" pitchFamily="2" charset="-122"/>
+              </a:rPr>
+              <a:t>&gt;</a:t>
+            </a:r>
+            <a:br>
+              <a:rPr kumimoji="0" lang="zh-CN" altLang="zh-CN" sz="2400" b="0" i="0" u="none" strike="noStrike" cap="none" normalizeH="0" baseline="0" smtClean="0">
+                <a:ln>
+                  <a:noFill/>
+                </a:ln>
+                <a:solidFill>
+                  <a:srgbClr val="E8BF6A"/>
+                </a:solidFill>
+                <a:effectLst/>
+                <a:latin typeface="宋体" panose="02010600030101010101" pitchFamily="2" charset="-122"/>
+                <a:ea typeface="宋体" panose="02010600030101010101" pitchFamily="2" charset="-122"/>
+              </a:rPr>
+            </a:br>
+            <a:r>
+              <a:rPr kumimoji="0" lang="zh-CN" altLang="zh-CN" sz="2400" b="0" i="0" u="none" strike="noStrike" cap="none" normalizeH="0" baseline="0" smtClean="0">
+                <a:ln>
+                  <a:noFill/>
+                </a:ln>
+                <a:solidFill>
+                  <a:srgbClr val="E8BF6A"/>
+                </a:solidFill>
+                <a:effectLst/>
+                <a:latin typeface="宋体" panose="02010600030101010101" pitchFamily="2" charset="-122"/>
+                <a:ea typeface="宋体" panose="02010600030101010101" pitchFamily="2" charset="-122"/>
+              </a:rPr>
+              <a:t>&lt;/div&gt;</a:t>
+            </a:r>
+            <a:endParaRPr kumimoji="0" lang="zh-CN" altLang="zh-CN" sz="3200" b="0" i="0" u="none" strike="noStrike" cap="none" normalizeH="0" baseline="0" smtClean="0">
+              <a:ln>
+                <a:noFill/>
+              </a:ln>
+              <a:solidFill>
+                <a:schemeClr val="tx1"/>
+              </a:solidFill>
+              <a:effectLst/>
+              <a:latin typeface="Arial" panose="020B0604020202020204" pitchFamily="34" charset="0"/>
+            </a:endParaRPr>
           </a:p>
         </p:txBody>
       </p:sp>
     </p:spTree>
     <p:extLst>
       <p:ext uri="{BB962C8B-B14F-4D97-AF65-F5344CB8AC3E}">
-        <p14:creationId xmlns:p14="http://schemas.microsoft.com/office/powerpoint/2010/main" val="459247206"/>
+        <p14:creationId xmlns:p14="http://schemas.microsoft.com/office/powerpoint/2010/main" val="1872037240"/>
       </p:ext>
     </p:extLst>
   </p:cSld>
   <p:clrMapOvr>
     <a:masterClrMapping/>
   </p:clrMapOvr>
+  <p:timing>
+    <p:tnLst>
+      <p:par>
+        <p:cTn id="1" dur="indefinite" restart="never" nodeType="tmRoot"/>
+      </p:par>
+    </p:tnLst>
+  </p:timing>
 </p:sld>
 </file>
 
@@ -3783,6 +5915,1887 @@
               <a:rPr lang="en-US" altLang="zh-CN" dirty="0" smtClean="0"/>
               <a:t>CDN</a:t>
             </a:r>
+            <a:r>
+              <a:rPr lang="zh-CN" altLang="en-US" dirty="0" smtClean="0"/>
+              <a:t>配置项</a:t>
+            </a:r>
+            <a:endParaRPr lang="zh-CN" altLang="en-US" dirty="0"/>
+          </a:p>
+        </p:txBody>
+      </p:sp>
+      <p:graphicFrame>
+        <p:nvGraphicFramePr>
+          <p:cNvPr id="7" name="表格 6"/>
+          <p:cNvGraphicFramePr>
+            <a:graphicFrameLocks noGrp="1"/>
+          </p:cNvGraphicFramePr>
+          <p:nvPr>
+            <p:extLst>
+              <p:ext uri="{D42A27DB-BD31-4B8C-83A1-F6EECF244321}">
+                <p14:modId xmlns:p14="http://schemas.microsoft.com/office/powerpoint/2010/main" val="2761977035"/>
+              </p:ext>
+            </p:extLst>
+          </p:nvPr>
+        </p:nvGraphicFramePr>
+        <p:xfrm>
+          <a:off x="452580" y="1852614"/>
+          <a:ext cx="8238840" cy="3968749"/>
+        </p:xfrm>
+        <a:graphic>
+          <a:graphicData uri="http://schemas.openxmlformats.org/drawingml/2006/table">
+            <a:tbl>
+              <a:tblPr firstRow="1" bandRow="1">
+                <a:tableStyleId>{5C22544A-7EE6-4342-B048-85BDC9FD1C3A}</a:tableStyleId>
+              </a:tblPr>
+              <a:tblGrid>
+                <a:gridCol w="684000">
+                  <a:extLst>
+                    <a:ext uri="{9D8B030D-6E8A-4147-A177-3AD203B41FA5}">
+                      <a16:colId xmlns:a16="http://schemas.microsoft.com/office/drawing/2014/main" val="972681757"/>
+                    </a:ext>
+                  </a:extLst>
+                </a:gridCol>
+                <a:gridCol w="2910840">
+                  <a:extLst>
+                    <a:ext uri="{9D8B030D-6E8A-4147-A177-3AD203B41FA5}">
+                      <a16:colId xmlns:a16="http://schemas.microsoft.com/office/drawing/2014/main" val="3162198136"/>
+                    </a:ext>
+                  </a:extLst>
+                </a:gridCol>
+                <a:gridCol w="972000">
+                  <a:extLst>
+                    <a:ext uri="{9D8B030D-6E8A-4147-A177-3AD203B41FA5}">
+                      <a16:colId xmlns:a16="http://schemas.microsoft.com/office/drawing/2014/main" val="574787220"/>
+                    </a:ext>
+                  </a:extLst>
+                </a:gridCol>
+                <a:gridCol w="3672000">
+                  <a:extLst>
+                    <a:ext uri="{9D8B030D-6E8A-4147-A177-3AD203B41FA5}">
+                      <a16:colId xmlns:a16="http://schemas.microsoft.com/office/drawing/2014/main" val="3427752908"/>
+                    </a:ext>
+                  </a:extLst>
+                </a:gridCol>
+              </a:tblGrid>
+              <a:tr h="377189">
+                <a:tc>
+                  <a:txBody>
+                    <a:bodyPr/>
+                    <a:lstStyle/>
+                    <a:p>
+                      <a:pPr marL="0" marR="0" lvl="2" indent="0" algn="ctr" defTabSz="914400" rtl="0" eaLnBrk="1" fontAlgn="auto" latinLnBrk="0" hangingPunct="1">
+                        <a:lnSpc>
+                          <a:spcPct val="100000"/>
+                        </a:lnSpc>
+                        <a:spcBef>
+                          <a:spcPts val="0"/>
+                        </a:spcBef>
+                        <a:spcAft>
+                          <a:spcPts val="0"/>
+                        </a:spcAft>
+                        <a:buClrTx/>
+                        <a:buSzTx/>
+                        <a:buFontTx/>
+                        <a:buNone/>
+                        <a:tabLst/>
+                        <a:defRPr/>
+                      </a:pPr>
+                      <a:r>
+                        <a:rPr lang="zh-CN" altLang="en-US" sz="1600" kern="1200" dirty="0" smtClean="0">
+                          <a:solidFill>
+                            <a:schemeClr val="dk1"/>
+                          </a:solidFill>
+                          <a:latin typeface="黑体" panose="02010609060101010101" pitchFamily="49" charset="-122"/>
+                          <a:ea typeface="黑体" panose="02010609060101010101" pitchFamily="49" charset="-122"/>
+                          <a:cs typeface="+mn-cs"/>
+                        </a:rPr>
+                        <a:t>序号</a:t>
+                      </a:r>
+                      <a:endParaRPr lang="zh-CN" altLang="en-US" sz="1600" kern="1200" dirty="0">
+                        <a:solidFill>
+                          <a:schemeClr val="dk1"/>
+                        </a:solidFill>
+                        <a:latin typeface="黑体" panose="02010609060101010101" pitchFamily="49" charset="-122"/>
+                        <a:ea typeface="黑体" panose="02010609060101010101" pitchFamily="49" charset="-122"/>
+                        <a:cs typeface="+mn-cs"/>
+                      </a:endParaRPr>
+                    </a:p>
+                  </a:txBody>
+                  <a:tcPr anchor="ctr"/>
+                </a:tc>
+                <a:tc>
+                  <a:txBody>
+                    <a:bodyPr/>
+                    <a:lstStyle/>
+                    <a:p>
+                      <a:pPr marL="0" marR="0" lvl="2" indent="0" algn="ctr" defTabSz="914400" rtl="0" eaLnBrk="1" fontAlgn="auto" latinLnBrk="0" hangingPunct="1">
+                        <a:lnSpc>
+                          <a:spcPct val="100000"/>
+                        </a:lnSpc>
+                        <a:spcBef>
+                          <a:spcPts val="0"/>
+                        </a:spcBef>
+                        <a:spcAft>
+                          <a:spcPts val="0"/>
+                        </a:spcAft>
+                        <a:buClrTx/>
+                        <a:buSzTx/>
+                        <a:buFontTx/>
+                        <a:buNone/>
+                        <a:tabLst/>
+                        <a:defRPr/>
+                      </a:pPr>
+                      <a:r>
+                        <a:rPr lang="zh-CN" altLang="en-US" sz="1600" kern="1200" dirty="0" smtClean="0">
+                          <a:solidFill>
+                            <a:schemeClr val="dk1"/>
+                          </a:solidFill>
+                          <a:latin typeface="黑体" panose="02010609060101010101" pitchFamily="49" charset="-122"/>
+                          <a:ea typeface="黑体" panose="02010609060101010101" pitchFamily="49" charset="-122"/>
+                          <a:cs typeface="+mn-cs"/>
+                        </a:rPr>
+                        <a:t>配置名</a:t>
+                      </a:r>
+                      <a:endParaRPr lang="zh-CN" altLang="en-US" sz="1600" kern="1200" dirty="0">
+                        <a:solidFill>
+                          <a:schemeClr val="dk1"/>
+                        </a:solidFill>
+                        <a:latin typeface="黑体" panose="02010609060101010101" pitchFamily="49" charset="-122"/>
+                        <a:ea typeface="黑体" panose="02010609060101010101" pitchFamily="49" charset="-122"/>
+                        <a:cs typeface="+mn-cs"/>
+                      </a:endParaRPr>
+                    </a:p>
+                  </a:txBody>
+                  <a:tcPr anchor="ctr"/>
+                </a:tc>
+                <a:tc>
+                  <a:txBody>
+                    <a:bodyPr/>
+                    <a:lstStyle/>
+                    <a:p>
+                      <a:pPr marL="0" marR="0" lvl="2" indent="0" algn="ctr" defTabSz="914400" rtl="0" eaLnBrk="1" fontAlgn="auto" latinLnBrk="0" hangingPunct="1">
+                        <a:lnSpc>
+                          <a:spcPct val="100000"/>
+                        </a:lnSpc>
+                        <a:spcBef>
+                          <a:spcPts val="0"/>
+                        </a:spcBef>
+                        <a:spcAft>
+                          <a:spcPts val="0"/>
+                        </a:spcAft>
+                        <a:buClrTx/>
+                        <a:buSzTx/>
+                        <a:buFontTx/>
+                        <a:buNone/>
+                        <a:tabLst/>
+                        <a:defRPr/>
+                      </a:pPr>
+                      <a:r>
+                        <a:rPr lang="zh-CN" altLang="en-US" sz="1600" kern="1200" dirty="0" smtClean="0">
+                          <a:solidFill>
+                            <a:schemeClr val="dk1"/>
+                          </a:solidFill>
+                          <a:latin typeface="黑体" panose="02010609060101010101" pitchFamily="49" charset="-122"/>
+                          <a:ea typeface="黑体" panose="02010609060101010101" pitchFamily="49" charset="-122"/>
+                          <a:cs typeface="+mn-cs"/>
+                        </a:rPr>
+                        <a:t>类型</a:t>
+                      </a:r>
+                      <a:endParaRPr lang="zh-CN" altLang="en-US" sz="1600" kern="1200" dirty="0">
+                        <a:solidFill>
+                          <a:schemeClr val="dk1"/>
+                        </a:solidFill>
+                        <a:latin typeface="黑体" panose="02010609060101010101" pitchFamily="49" charset="-122"/>
+                        <a:ea typeface="黑体" panose="02010609060101010101" pitchFamily="49" charset="-122"/>
+                        <a:cs typeface="+mn-cs"/>
+                      </a:endParaRPr>
+                    </a:p>
+                  </a:txBody>
+                  <a:tcPr anchor="ctr"/>
+                </a:tc>
+                <a:tc>
+                  <a:txBody>
+                    <a:bodyPr/>
+                    <a:lstStyle/>
+                    <a:p>
+                      <a:pPr marL="0" marR="0" lvl="2" indent="0" algn="ctr" defTabSz="914400" rtl="0" eaLnBrk="1" fontAlgn="auto" latinLnBrk="0" hangingPunct="1">
+                        <a:lnSpc>
+                          <a:spcPct val="100000"/>
+                        </a:lnSpc>
+                        <a:spcBef>
+                          <a:spcPts val="0"/>
+                        </a:spcBef>
+                        <a:spcAft>
+                          <a:spcPts val="0"/>
+                        </a:spcAft>
+                        <a:buClrTx/>
+                        <a:buSzTx/>
+                        <a:buFontTx/>
+                        <a:buNone/>
+                        <a:tabLst/>
+                        <a:defRPr/>
+                      </a:pPr>
+                      <a:r>
+                        <a:rPr lang="zh-CN" altLang="en-US" sz="1600" kern="1200" dirty="0" smtClean="0">
+                          <a:solidFill>
+                            <a:schemeClr val="dk1"/>
+                          </a:solidFill>
+                          <a:latin typeface="黑体" panose="02010609060101010101" pitchFamily="49" charset="-122"/>
+                          <a:ea typeface="黑体" panose="02010609060101010101" pitchFamily="49" charset="-122"/>
+                          <a:cs typeface="+mn-cs"/>
+                        </a:rPr>
+                        <a:t>含义</a:t>
+                      </a:r>
+                      <a:endParaRPr lang="zh-CN" altLang="en-US" sz="1600" kern="1200" dirty="0">
+                        <a:solidFill>
+                          <a:schemeClr val="dk1"/>
+                        </a:solidFill>
+                        <a:latin typeface="黑体" panose="02010609060101010101" pitchFamily="49" charset="-122"/>
+                        <a:ea typeface="黑体" panose="02010609060101010101" pitchFamily="49" charset="-122"/>
+                        <a:cs typeface="+mn-cs"/>
+                      </a:endParaRPr>
+                    </a:p>
+                  </a:txBody>
+                  <a:tcPr anchor="ctr"/>
+                </a:tc>
+                <a:extLst>
+                  <a:ext uri="{0D108BD9-81ED-4DB2-BD59-A6C34878D82A}">
+                    <a16:rowId xmlns:a16="http://schemas.microsoft.com/office/drawing/2014/main" val="2830105445"/>
+                  </a:ext>
+                </a:extLst>
+              </a:tr>
+              <a:tr h="370840">
+                <a:tc>
+                  <a:txBody>
+                    <a:bodyPr/>
+                    <a:lstStyle/>
+                    <a:p>
+                      <a:pPr marL="0" marR="0" lvl="2" indent="0" algn="ctr" defTabSz="914400" rtl="0" eaLnBrk="1" fontAlgn="auto" latinLnBrk="0" hangingPunct="1">
+                        <a:lnSpc>
+                          <a:spcPct val="100000"/>
+                        </a:lnSpc>
+                        <a:spcBef>
+                          <a:spcPts val="0"/>
+                        </a:spcBef>
+                        <a:spcAft>
+                          <a:spcPts val="0"/>
+                        </a:spcAft>
+                        <a:buClrTx/>
+                        <a:buSzTx/>
+                        <a:buFontTx/>
+                        <a:buNone/>
+                        <a:tabLst/>
+                        <a:defRPr/>
+                      </a:pPr>
+                      <a:r>
+                        <a:rPr lang="en-US" altLang="zh-CN" sz="1600" kern="1200" dirty="0" smtClean="0">
+                          <a:solidFill>
+                            <a:schemeClr val="dk1"/>
+                          </a:solidFill>
+                          <a:latin typeface="黑体" panose="02010609060101010101" pitchFamily="49" charset="-122"/>
+                          <a:ea typeface="黑体" panose="02010609060101010101" pitchFamily="49" charset="-122"/>
+                          <a:cs typeface="+mn-cs"/>
+                        </a:rPr>
+                        <a:t>1</a:t>
+                      </a:r>
+                      <a:endParaRPr lang="zh-CN" altLang="en-US" sz="1600" kern="1200" dirty="0">
+                        <a:solidFill>
+                          <a:schemeClr val="dk1"/>
+                        </a:solidFill>
+                        <a:latin typeface="黑体" panose="02010609060101010101" pitchFamily="49" charset="-122"/>
+                        <a:ea typeface="黑体" panose="02010609060101010101" pitchFamily="49" charset="-122"/>
+                        <a:cs typeface="+mn-cs"/>
+                      </a:endParaRPr>
+                    </a:p>
+                  </a:txBody>
+                  <a:tcPr anchor="ctr"/>
+                </a:tc>
+                <a:tc>
+                  <a:txBody>
+                    <a:bodyPr/>
+                    <a:lstStyle/>
+                    <a:p>
+                      <a:pPr marL="0" marR="0" lvl="2" indent="0" algn="ctr" defTabSz="914400" rtl="0" eaLnBrk="1" fontAlgn="auto" latinLnBrk="0" hangingPunct="1">
+                        <a:lnSpc>
+                          <a:spcPct val="100000"/>
+                        </a:lnSpc>
+                        <a:spcBef>
+                          <a:spcPts val="0"/>
+                        </a:spcBef>
+                        <a:spcAft>
+                          <a:spcPts val="0"/>
+                        </a:spcAft>
+                        <a:buClrTx/>
+                        <a:buSzTx/>
+                        <a:buFontTx/>
+                        <a:buNone/>
+                        <a:tabLst/>
+                        <a:defRPr/>
+                      </a:pPr>
+                      <a:r>
+                        <a:rPr lang="en-US" altLang="zh-CN" sz="1600" kern="1200" dirty="0" err="1" smtClean="0">
+                          <a:solidFill>
+                            <a:schemeClr val="dk1"/>
+                          </a:solidFill>
+                          <a:latin typeface="黑体" panose="02010609060101010101" pitchFamily="49" charset="-122"/>
+                          <a:ea typeface="黑体" panose="02010609060101010101" pitchFamily="49" charset="-122"/>
+                          <a:cs typeface="+mn-cs"/>
+                        </a:rPr>
+                        <a:t>lruFreeMemorySpace</a:t>
+                      </a:r>
+                      <a:endParaRPr lang="zh-CN" altLang="en-US" sz="1600" kern="1200" dirty="0">
+                        <a:solidFill>
+                          <a:schemeClr val="dk1"/>
+                        </a:solidFill>
+                        <a:latin typeface="黑体" panose="02010609060101010101" pitchFamily="49" charset="-122"/>
+                        <a:ea typeface="黑体" panose="02010609060101010101" pitchFamily="49" charset="-122"/>
+                        <a:cs typeface="+mn-cs"/>
+                      </a:endParaRPr>
+                    </a:p>
+                  </a:txBody>
+                  <a:tcPr anchor="ctr"/>
+                </a:tc>
+                <a:tc>
+                  <a:txBody>
+                    <a:bodyPr/>
+                    <a:lstStyle/>
+                    <a:p>
+                      <a:pPr marL="0" marR="0" lvl="2" indent="0" algn="ctr" defTabSz="914400" rtl="0" eaLnBrk="1" fontAlgn="auto" latinLnBrk="0" hangingPunct="1">
+                        <a:lnSpc>
+                          <a:spcPct val="100000"/>
+                        </a:lnSpc>
+                        <a:spcBef>
+                          <a:spcPts val="0"/>
+                        </a:spcBef>
+                        <a:spcAft>
+                          <a:spcPts val="0"/>
+                        </a:spcAft>
+                        <a:buClrTx/>
+                        <a:buSzTx/>
+                        <a:buFontTx/>
+                        <a:buNone/>
+                        <a:tabLst/>
+                        <a:defRPr/>
+                      </a:pPr>
+                      <a:r>
+                        <a:rPr lang="en-US" altLang="zh-CN" sz="1600" kern="1200" dirty="0" smtClean="0">
+                          <a:solidFill>
+                            <a:schemeClr val="dk1"/>
+                          </a:solidFill>
+                          <a:latin typeface="黑体" panose="02010609060101010101" pitchFamily="49" charset="-122"/>
+                          <a:ea typeface="黑体" panose="02010609060101010101" pitchFamily="49" charset="-122"/>
+                          <a:cs typeface="+mn-cs"/>
+                        </a:rPr>
+                        <a:t>long</a:t>
+                      </a:r>
+                      <a:endParaRPr lang="zh-CN" altLang="en-US" sz="1600" kern="1200" dirty="0">
+                        <a:solidFill>
+                          <a:schemeClr val="dk1"/>
+                        </a:solidFill>
+                        <a:latin typeface="黑体" panose="02010609060101010101" pitchFamily="49" charset="-122"/>
+                        <a:ea typeface="黑体" panose="02010609060101010101" pitchFamily="49" charset="-122"/>
+                        <a:cs typeface="+mn-cs"/>
+                      </a:endParaRPr>
+                    </a:p>
+                  </a:txBody>
+                  <a:tcPr anchor="ctr"/>
+                </a:tc>
+                <a:tc>
+                  <a:txBody>
+                    <a:bodyPr/>
+                    <a:lstStyle/>
+                    <a:p>
+                      <a:pPr marL="0" marR="0" lvl="2" indent="0" algn="ctr" defTabSz="914400" rtl="0" eaLnBrk="1" fontAlgn="auto" latinLnBrk="0" hangingPunct="1">
+                        <a:lnSpc>
+                          <a:spcPct val="100000"/>
+                        </a:lnSpc>
+                        <a:spcBef>
+                          <a:spcPts val="0"/>
+                        </a:spcBef>
+                        <a:spcAft>
+                          <a:spcPts val="0"/>
+                        </a:spcAft>
+                        <a:buClrTx/>
+                        <a:buSzTx/>
+                        <a:buFontTx/>
+                        <a:buNone/>
+                        <a:tabLst/>
+                        <a:defRPr/>
+                      </a:pPr>
+                      <a:r>
+                        <a:rPr lang="zh-CN" altLang="en-US" sz="1600" kern="1200" dirty="0" smtClean="0">
+                          <a:solidFill>
+                            <a:schemeClr val="dk1"/>
+                          </a:solidFill>
+                          <a:latin typeface="黑体" panose="02010609060101010101" pitchFamily="49" charset="-122"/>
+                          <a:ea typeface="黑体" panose="02010609060101010101" pitchFamily="49" charset="-122"/>
+                          <a:cs typeface="+mn-cs"/>
+                        </a:rPr>
+                        <a:t>启用</a:t>
+                      </a:r>
+                      <a:r>
+                        <a:rPr lang="en-US" altLang="zh-CN" sz="1600" kern="1200" dirty="0" smtClean="0">
+                          <a:solidFill>
+                            <a:schemeClr val="dk1"/>
+                          </a:solidFill>
+                          <a:latin typeface="黑体" panose="02010609060101010101" pitchFamily="49" charset="-122"/>
+                          <a:ea typeface="黑体" panose="02010609060101010101" pitchFamily="49" charset="-122"/>
+                          <a:cs typeface="+mn-cs"/>
+                        </a:rPr>
+                        <a:t>LRU</a:t>
+                      </a:r>
+                      <a:r>
+                        <a:rPr lang="zh-CN" altLang="en-US" sz="1600" kern="1200" dirty="0" smtClean="0">
+                          <a:solidFill>
+                            <a:schemeClr val="dk1"/>
+                          </a:solidFill>
+                          <a:latin typeface="黑体" panose="02010609060101010101" pitchFamily="49" charset="-122"/>
+                          <a:ea typeface="黑体" panose="02010609060101010101" pitchFamily="49" charset="-122"/>
+                          <a:cs typeface="+mn-cs"/>
+                        </a:rPr>
+                        <a:t>缓存时，触发淘汰策略的空闲内存大小</a:t>
+                      </a:r>
+                    </a:p>
+                  </a:txBody>
+                  <a:tcPr anchor="ctr"/>
+                </a:tc>
+                <a:extLst>
+                  <a:ext uri="{0D108BD9-81ED-4DB2-BD59-A6C34878D82A}">
+                    <a16:rowId xmlns:a16="http://schemas.microsoft.com/office/drawing/2014/main" val="3994306409"/>
+                  </a:ext>
+                </a:extLst>
+              </a:tr>
+              <a:tr h="370840">
+                <a:tc>
+                  <a:txBody>
+                    <a:bodyPr/>
+                    <a:lstStyle/>
+                    <a:p>
+                      <a:pPr marL="0" marR="0" lvl="2" indent="0" algn="ctr" defTabSz="914400" rtl="0" eaLnBrk="1" fontAlgn="auto" latinLnBrk="0" hangingPunct="1">
+                        <a:lnSpc>
+                          <a:spcPct val="100000"/>
+                        </a:lnSpc>
+                        <a:spcBef>
+                          <a:spcPts val="0"/>
+                        </a:spcBef>
+                        <a:spcAft>
+                          <a:spcPts val="0"/>
+                        </a:spcAft>
+                        <a:buClrTx/>
+                        <a:buSzTx/>
+                        <a:buFontTx/>
+                        <a:buNone/>
+                        <a:tabLst/>
+                        <a:defRPr/>
+                      </a:pPr>
+                      <a:r>
+                        <a:rPr lang="en-US" altLang="zh-CN" sz="1600" kern="1200" dirty="0" smtClean="0">
+                          <a:solidFill>
+                            <a:schemeClr val="dk1"/>
+                          </a:solidFill>
+                          <a:latin typeface="黑体" panose="02010609060101010101" pitchFamily="49" charset="-122"/>
+                          <a:ea typeface="黑体" panose="02010609060101010101" pitchFamily="49" charset="-122"/>
+                          <a:cs typeface="+mn-cs"/>
+                        </a:rPr>
+                        <a:t>2</a:t>
+                      </a:r>
+                      <a:endParaRPr lang="zh-CN" altLang="en-US" sz="1600" kern="1200" dirty="0">
+                        <a:solidFill>
+                          <a:schemeClr val="dk1"/>
+                        </a:solidFill>
+                        <a:latin typeface="黑体" panose="02010609060101010101" pitchFamily="49" charset="-122"/>
+                        <a:ea typeface="黑体" panose="02010609060101010101" pitchFamily="49" charset="-122"/>
+                        <a:cs typeface="+mn-cs"/>
+                      </a:endParaRPr>
+                    </a:p>
+                  </a:txBody>
+                  <a:tcPr anchor="ctr"/>
+                </a:tc>
+                <a:tc>
+                  <a:txBody>
+                    <a:bodyPr/>
+                    <a:lstStyle/>
+                    <a:p>
+                      <a:pPr marL="0" marR="0" lvl="2" indent="0" algn="ctr" defTabSz="914400" rtl="0" eaLnBrk="1" fontAlgn="auto" latinLnBrk="0" hangingPunct="1">
+                        <a:lnSpc>
+                          <a:spcPct val="100000"/>
+                        </a:lnSpc>
+                        <a:spcBef>
+                          <a:spcPts val="0"/>
+                        </a:spcBef>
+                        <a:spcAft>
+                          <a:spcPts val="0"/>
+                        </a:spcAft>
+                        <a:buClrTx/>
+                        <a:buSzTx/>
+                        <a:buFontTx/>
+                        <a:buNone/>
+                        <a:tabLst/>
+                        <a:defRPr/>
+                      </a:pPr>
+                      <a:r>
+                        <a:rPr lang="en-US" altLang="zh-CN" sz="1600" kern="1200" dirty="0" err="1" smtClean="0">
+                          <a:solidFill>
+                            <a:schemeClr val="dk1"/>
+                          </a:solidFill>
+                          <a:latin typeface="黑体" panose="02010609060101010101" pitchFamily="49" charset="-122"/>
+                          <a:ea typeface="黑体" panose="02010609060101010101" pitchFamily="49" charset="-122"/>
+                          <a:cs typeface="+mn-cs"/>
+                        </a:rPr>
+                        <a:t>pxPerBandwidth</a:t>
+                      </a:r>
+                      <a:endParaRPr lang="zh-CN" altLang="en-US" sz="1600" kern="1200" dirty="0">
+                        <a:solidFill>
+                          <a:schemeClr val="dk1"/>
+                        </a:solidFill>
+                        <a:latin typeface="黑体" panose="02010609060101010101" pitchFamily="49" charset="-122"/>
+                        <a:ea typeface="黑体" panose="02010609060101010101" pitchFamily="49" charset="-122"/>
+                        <a:cs typeface="+mn-cs"/>
+                      </a:endParaRPr>
+                    </a:p>
+                  </a:txBody>
+                  <a:tcPr anchor="ctr"/>
+                </a:tc>
+                <a:tc>
+                  <a:txBody>
+                    <a:bodyPr/>
+                    <a:lstStyle/>
+                    <a:p>
+                      <a:pPr marL="0" marR="0" lvl="2" indent="0" algn="ctr" defTabSz="914400" rtl="0" eaLnBrk="1" fontAlgn="auto" latinLnBrk="0" hangingPunct="1">
+                        <a:lnSpc>
+                          <a:spcPct val="100000"/>
+                        </a:lnSpc>
+                        <a:spcBef>
+                          <a:spcPts val="0"/>
+                        </a:spcBef>
+                        <a:spcAft>
+                          <a:spcPts val="0"/>
+                        </a:spcAft>
+                        <a:buClrTx/>
+                        <a:buSzTx/>
+                        <a:buFontTx/>
+                        <a:buNone/>
+                        <a:tabLst/>
+                        <a:defRPr/>
+                      </a:pPr>
+                      <a:r>
+                        <a:rPr lang="en-US" altLang="zh-CN" sz="1600" kern="1200" dirty="0" err="1" smtClean="0">
+                          <a:solidFill>
+                            <a:schemeClr val="dk1"/>
+                          </a:solidFill>
+                          <a:latin typeface="黑体" panose="02010609060101010101" pitchFamily="49" charset="-122"/>
+                          <a:ea typeface="黑体" panose="02010609060101010101" pitchFamily="49" charset="-122"/>
+                          <a:cs typeface="+mn-cs"/>
+                        </a:rPr>
+                        <a:t>int</a:t>
+                      </a:r>
+                      <a:endParaRPr lang="zh-CN" altLang="en-US" sz="1600" kern="1200" dirty="0">
+                        <a:solidFill>
+                          <a:schemeClr val="dk1"/>
+                        </a:solidFill>
+                        <a:latin typeface="黑体" panose="02010609060101010101" pitchFamily="49" charset="-122"/>
+                        <a:ea typeface="黑体" panose="02010609060101010101" pitchFamily="49" charset="-122"/>
+                        <a:cs typeface="+mn-cs"/>
+                      </a:endParaRPr>
+                    </a:p>
+                  </a:txBody>
+                  <a:tcPr anchor="ctr"/>
+                </a:tc>
+                <a:tc>
+                  <a:txBody>
+                    <a:bodyPr/>
+                    <a:lstStyle/>
+                    <a:p>
+                      <a:pPr marL="0" marR="0" lvl="2" indent="0" algn="ctr" defTabSz="914400" rtl="0" eaLnBrk="1" fontAlgn="auto" latinLnBrk="0" hangingPunct="1">
+                        <a:lnSpc>
+                          <a:spcPct val="100000"/>
+                        </a:lnSpc>
+                        <a:spcBef>
+                          <a:spcPts val="0"/>
+                        </a:spcBef>
+                        <a:spcAft>
+                          <a:spcPts val="0"/>
+                        </a:spcAft>
+                        <a:buClrTx/>
+                        <a:buSzTx/>
+                        <a:buFontTx/>
+                        <a:buNone/>
+                        <a:tabLst/>
+                        <a:defRPr/>
+                      </a:pPr>
+                      <a:r>
+                        <a:rPr lang="zh-CN" altLang="en-US" sz="1600" kern="1200" dirty="0" smtClean="0">
+                          <a:solidFill>
+                            <a:schemeClr val="dk1"/>
+                          </a:solidFill>
+                          <a:latin typeface="黑体" panose="02010609060101010101" pitchFamily="49" charset="-122"/>
+                          <a:ea typeface="黑体" panose="02010609060101010101" pitchFamily="49" charset="-122"/>
+                          <a:cs typeface="+mn-cs"/>
+                        </a:rPr>
+                        <a:t>每</a:t>
+                      </a:r>
+                      <a:r>
+                        <a:rPr lang="en-US" altLang="zh-CN" sz="1600" kern="1200" dirty="0" smtClean="0">
+                          <a:solidFill>
+                            <a:schemeClr val="dk1"/>
+                          </a:solidFill>
+                          <a:latin typeface="黑体" panose="02010609060101010101" pitchFamily="49" charset="-122"/>
+                          <a:ea typeface="黑体" panose="02010609060101010101" pitchFamily="49" charset="-122"/>
+                          <a:cs typeface="+mn-cs"/>
+                        </a:rPr>
+                        <a:t>b/</a:t>
+                      </a:r>
+                      <a:r>
+                        <a:rPr lang="en-US" altLang="zh-CN" sz="1600" kern="1200" dirty="0" err="1" smtClean="0">
+                          <a:solidFill>
+                            <a:schemeClr val="dk1"/>
+                          </a:solidFill>
+                          <a:latin typeface="黑体" panose="02010609060101010101" pitchFamily="49" charset="-122"/>
+                          <a:ea typeface="黑体" panose="02010609060101010101" pitchFamily="49" charset="-122"/>
+                          <a:cs typeface="+mn-cs"/>
+                        </a:rPr>
+                        <a:t>ms</a:t>
+                      </a:r>
+                      <a:r>
+                        <a:rPr lang="zh-CN" altLang="en-US" sz="1600" kern="1200" dirty="0" smtClean="0">
+                          <a:solidFill>
+                            <a:schemeClr val="dk1"/>
+                          </a:solidFill>
+                          <a:latin typeface="黑体" panose="02010609060101010101" pitchFamily="49" charset="-122"/>
+                          <a:ea typeface="黑体" panose="02010609060101010101" pitchFamily="49" charset="-122"/>
+                          <a:cs typeface="+mn-cs"/>
+                        </a:rPr>
+                        <a:t>网速对应像素点的个数，用于计算小图大小</a:t>
+                      </a:r>
+                    </a:p>
+                  </a:txBody>
+                  <a:tcPr anchor="ctr"/>
+                </a:tc>
+                <a:extLst>
+                  <a:ext uri="{0D108BD9-81ED-4DB2-BD59-A6C34878D82A}">
+                    <a16:rowId xmlns:a16="http://schemas.microsoft.com/office/drawing/2014/main" val="3806995482"/>
+                  </a:ext>
+                </a:extLst>
+              </a:tr>
+              <a:tr h="370840">
+                <a:tc>
+                  <a:txBody>
+                    <a:bodyPr/>
+                    <a:lstStyle/>
+                    <a:p>
+                      <a:pPr marL="0" marR="0" lvl="2" indent="0" algn="ctr" defTabSz="914400" rtl="0" eaLnBrk="1" fontAlgn="auto" latinLnBrk="0" hangingPunct="1">
+                        <a:lnSpc>
+                          <a:spcPct val="100000"/>
+                        </a:lnSpc>
+                        <a:spcBef>
+                          <a:spcPts val="0"/>
+                        </a:spcBef>
+                        <a:spcAft>
+                          <a:spcPts val="0"/>
+                        </a:spcAft>
+                        <a:buClrTx/>
+                        <a:buSzTx/>
+                        <a:buFontTx/>
+                        <a:buNone/>
+                        <a:tabLst/>
+                        <a:defRPr/>
+                      </a:pPr>
+                      <a:r>
+                        <a:rPr lang="en-US" altLang="zh-CN" sz="1600" kern="1200" dirty="0" smtClean="0">
+                          <a:solidFill>
+                            <a:schemeClr val="dk1"/>
+                          </a:solidFill>
+                          <a:latin typeface="黑体" panose="02010609060101010101" pitchFamily="49" charset="-122"/>
+                          <a:ea typeface="黑体" panose="02010609060101010101" pitchFamily="49" charset="-122"/>
+                          <a:cs typeface="+mn-cs"/>
+                        </a:rPr>
+                        <a:t>3</a:t>
+                      </a:r>
+                      <a:endParaRPr lang="zh-CN" altLang="en-US" sz="1600" kern="1200" dirty="0">
+                        <a:solidFill>
+                          <a:schemeClr val="dk1"/>
+                        </a:solidFill>
+                        <a:latin typeface="黑体" panose="02010609060101010101" pitchFamily="49" charset="-122"/>
+                        <a:ea typeface="黑体" panose="02010609060101010101" pitchFamily="49" charset="-122"/>
+                        <a:cs typeface="+mn-cs"/>
+                      </a:endParaRPr>
+                    </a:p>
+                  </a:txBody>
+                  <a:tcPr anchor="ctr"/>
+                </a:tc>
+                <a:tc>
+                  <a:txBody>
+                    <a:bodyPr/>
+                    <a:lstStyle/>
+                    <a:p>
+                      <a:pPr marL="0" marR="0" lvl="2" indent="0" algn="ctr" defTabSz="914400" rtl="0" eaLnBrk="1" fontAlgn="auto" latinLnBrk="0" hangingPunct="1">
+                        <a:lnSpc>
+                          <a:spcPct val="100000"/>
+                        </a:lnSpc>
+                        <a:spcBef>
+                          <a:spcPts val="0"/>
+                        </a:spcBef>
+                        <a:spcAft>
+                          <a:spcPts val="0"/>
+                        </a:spcAft>
+                        <a:buClrTx/>
+                        <a:buSzTx/>
+                        <a:buFontTx/>
+                        <a:buNone/>
+                        <a:tabLst/>
+                        <a:defRPr/>
+                      </a:pPr>
+                      <a:r>
+                        <a:rPr lang="en-US" altLang="zh-CN" sz="1600" kern="1200" dirty="0" err="1" smtClean="0">
+                          <a:solidFill>
+                            <a:schemeClr val="dk1"/>
+                          </a:solidFill>
+                          <a:latin typeface="黑体" panose="02010609060101010101" pitchFamily="49" charset="-122"/>
+                          <a:ea typeface="黑体" panose="02010609060101010101" pitchFamily="49" charset="-122"/>
+                          <a:cs typeface="+mn-cs"/>
+                        </a:rPr>
+                        <a:t>bandwidthTesterPackageSize</a:t>
+                      </a:r>
+                      <a:endParaRPr lang="zh-CN" altLang="en-US" sz="1600" kern="1200" dirty="0">
+                        <a:solidFill>
+                          <a:schemeClr val="dk1"/>
+                        </a:solidFill>
+                        <a:latin typeface="黑体" panose="02010609060101010101" pitchFamily="49" charset="-122"/>
+                        <a:ea typeface="黑体" panose="02010609060101010101" pitchFamily="49" charset="-122"/>
+                        <a:cs typeface="+mn-cs"/>
+                      </a:endParaRPr>
+                    </a:p>
+                  </a:txBody>
+                  <a:tcPr anchor="ctr"/>
+                </a:tc>
+                <a:tc>
+                  <a:txBody>
+                    <a:bodyPr/>
+                    <a:lstStyle/>
+                    <a:p>
+                      <a:pPr marL="0" marR="0" lvl="2" indent="0" algn="ctr" defTabSz="914400" rtl="0" eaLnBrk="1" fontAlgn="auto" latinLnBrk="0" hangingPunct="1">
+                        <a:lnSpc>
+                          <a:spcPct val="100000"/>
+                        </a:lnSpc>
+                        <a:spcBef>
+                          <a:spcPts val="0"/>
+                        </a:spcBef>
+                        <a:spcAft>
+                          <a:spcPts val="0"/>
+                        </a:spcAft>
+                        <a:buClrTx/>
+                        <a:buSzTx/>
+                        <a:buFontTx/>
+                        <a:buNone/>
+                        <a:tabLst/>
+                        <a:defRPr/>
+                      </a:pPr>
+                      <a:r>
+                        <a:rPr lang="en-US" altLang="zh-CN" sz="1600" kern="1200" dirty="0" err="1" smtClean="0">
+                          <a:solidFill>
+                            <a:schemeClr val="dk1"/>
+                          </a:solidFill>
+                          <a:latin typeface="黑体" panose="02010609060101010101" pitchFamily="49" charset="-122"/>
+                          <a:ea typeface="黑体" panose="02010609060101010101" pitchFamily="49" charset="-122"/>
+                          <a:cs typeface="+mn-cs"/>
+                        </a:rPr>
+                        <a:t>int</a:t>
+                      </a:r>
+                      <a:endParaRPr lang="zh-CN" altLang="en-US" sz="1600" kern="1200" dirty="0">
+                        <a:solidFill>
+                          <a:schemeClr val="dk1"/>
+                        </a:solidFill>
+                        <a:latin typeface="黑体" panose="02010609060101010101" pitchFamily="49" charset="-122"/>
+                        <a:ea typeface="黑体" panose="02010609060101010101" pitchFamily="49" charset="-122"/>
+                        <a:cs typeface="+mn-cs"/>
+                      </a:endParaRPr>
+                    </a:p>
+                  </a:txBody>
+                  <a:tcPr anchor="ctr"/>
+                </a:tc>
+                <a:tc>
+                  <a:txBody>
+                    <a:bodyPr/>
+                    <a:lstStyle/>
+                    <a:p>
+                      <a:pPr marL="0" marR="0" lvl="2" indent="0" algn="ctr" defTabSz="914400" rtl="0" eaLnBrk="1" fontAlgn="auto" latinLnBrk="0" hangingPunct="1">
+                        <a:lnSpc>
+                          <a:spcPct val="100000"/>
+                        </a:lnSpc>
+                        <a:spcBef>
+                          <a:spcPts val="0"/>
+                        </a:spcBef>
+                        <a:spcAft>
+                          <a:spcPts val="0"/>
+                        </a:spcAft>
+                        <a:buClrTx/>
+                        <a:buSzTx/>
+                        <a:buFontTx/>
+                        <a:buNone/>
+                        <a:tabLst/>
+                        <a:defRPr/>
+                      </a:pPr>
+                      <a:r>
+                        <a:rPr lang="zh-CN" altLang="en-US" sz="1600" kern="1200" dirty="0" smtClean="0">
+                          <a:solidFill>
+                            <a:schemeClr val="dk1"/>
+                          </a:solidFill>
+                          <a:latin typeface="黑体" panose="02010609060101010101" pitchFamily="49" charset="-122"/>
+                          <a:ea typeface="黑体" panose="02010609060101010101" pitchFamily="49" charset="-122"/>
+                          <a:cs typeface="+mn-cs"/>
+                        </a:rPr>
+                        <a:t>网速测试控制器写回包的大小</a:t>
+                      </a:r>
+                    </a:p>
+                  </a:txBody>
+                  <a:tcPr anchor="ctr"/>
+                </a:tc>
+                <a:extLst>
+                  <a:ext uri="{0D108BD9-81ED-4DB2-BD59-A6C34878D82A}">
+                    <a16:rowId xmlns:a16="http://schemas.microsoft.com/office/drawing/2014/main" val="1653414570"/>
+                  </a:ext>
+                </a:extLst>
+              </a:tr>
+              <a:tr h="370840">
+                <a:tc>
+                  <a:txBody>
+                    <a:bodyPr/>
+                    <a:lstStyle/>
+                    <a:p>
+                      <a:pPr marL="0" marR="0" lvl="2" indent="0" algn="ctr" defTabSz="914400" rtl="0" eaLnBrk="1" fontAlgn="auto" latinLnBrk="0" hangingPunct="1">
+                        <a:lnSpc>
+                          <a:spcPct val="100000"/>
+                        </a:lnSpc>
+                        <a:spcBef>
+                          <a:spcPts val="0"/>
+                        </a:spcBef>
+                        <a:spcAft>
+                          <a:spcPts val="0"/>
+                        </a:spcAft>
+                        <a:buClrTx/>
+                        <a:buSzTx/>
+                        <a:buFontTx/>
+                        <a:buNone/>
+                        <a:tabLst/>
+                        <a:defRPr/>
+                      </a:pPr>
+                      <a:r>
+                        <a:rPr lang="en-US" altLang="zh-CN" sz="1600" kern="1200" dirty="0" smtClean="0">
+                          <a:solidFill>
+                            <a:schemeClr val="dk1"/>
+                          </a:solidFill>
+                          <a:latin typeface="黑体" panose="02010609060101010101" pitchFamily="49" charset="-122"/>
+                          <a:ea typeface="黑体" panose="02010609060101010101" pitchFamily="49" charset="-122"/>
+                          <a:cs typeface="+mn-cs"/>
+                        </a:rPr>
+                        <a:t>4</a:t>
+                      </a:r>
+                      <a:endParaRPr lang="zh-CN" altLang="en-US" sz="1600" kern="1200" dirty="0">
+                        <a:solidFill>
+                          <a:schemeClr val="dk1"/>
+                        </a:solidFill>
+                        <a:latin typeface="黑体" panose="02010609060101010101" pitchFamily="49" charset="-122"/>
+                        <a:ea typeface="黑体" panose="02010609060101010101" pitchFamily="49" charset="-122"/>
+                        <a:cs typeface="+mn-cs"/>
+                      </a:endParaRPr>
+                    </a:p>
+                  </a:txBody>
+                  <a:tcPr anchor="ctr"/>
+                </a:tc>
+                <a:tc>
+                  <a:txBody>
+                    <a:bodyPr/>
+                    <a:lstStyle/>
+                    <a:p>
+                      <a:pPr marL="0" marR="0" lvl="2" indent="0" algn="ctr" defTabSz="914400" rtl="0" eaLnBrk="1" fontAlgn="auto" latinLnBrk="0" hangingPunct="1">
+                        <a:lnSpc>
+                          <a:spcPct val="100000"/>
+                        </a:lnSpc>
+                        <a:spcBef>
+                          <a:spcPts val="0"/>
+                        </a:spcBef>
+                        <a:spcAft>
+                          <a:spcPts val="0"/>
+                        </a:spcAft>
+                        <a:buClrTx/>
+                        <a:buSzTx/>
+                        <a:buFontTx/>
+                        <a:buNone/>
+                        <a:tabLst/>
+                        <a:defRPr/>
+                      </a:pPr>
+                      <a:r>
+                        <a:rPr lang="en-US" altLang="zh-CN" sz="1600" kern="1200" dirty="0" err="1" smtClean="0">
+                          <a:solidFill>
+                            <a:schemeClr val="dk1"/>
+                          </a:solidFill>
+                          <a:latin typeface="黑体" panose="02010609060101010101" pitchFamily="49" charset="-122"/>
+                          <a:ea typeface="黑体" panose="02010609060101010101" pitchFamily="49" charset="-122"/>
+                          <a:cs typeface="+mn-cs"/>
+                        </a:rPr>
+                        <a:t>redisEnabled</a:t>
+                      </a:r>
+                      <a:endParaRPr lang="zh-CN" altLang="en-US" sz="1600" kern="1200" dirty="0">
+                        <a:solidFill>
+                          <a:schemeClr val="dk1"/>
+                        </a:solidFill>
+                        <a:latin typeface="黑体" panose="02010609060101010101" pitchFamily="49" charset="-122"/>
+                        <a:ea typeface="黑体" panose="02010609060101010101" pitchFamily="49" charset="-122"/>
+                        <a:cs typeface="+mn-cs"/>
+                      </a:endParaRPr>
+                    </a:p>
+                  </a:txBody>
+                  <a:tcPr anchor="ctr"/>
+                </a:tc>
+                <a:tc>
+                  <a:txBody>
+                    <a:bodyPr/>
+                    <a:lstStyle/>
+                    <a:p>
+                      <a:pPr marL="0" marR="0" lvl="2" indent="0" algn="ctr" defTabSz="914400" rtl="0" eaLnBrk="1" fontAlgn="auto" latinLnBrk="0" hangingPunct="1">
+                        <a:lnSpc>
+                          <a:spcPct val="100000"/>
+                        </a:lnSpc>
+                        <a:spcBef>
+                          <a:spcPts val="0"/>
+                        </a:spcBef>
+                        <a:spcAft>
+                          <a:spcPts val="0"/>
+                        </a:spcAft>
+                        <a:buClrTx/>
+                        <a:buSzTx/>
+                        <a:buFontTx/>
+                        <a:buNone/>
+                        <a:tabLst/>
+                        <a:defRPr/>
+                      </a:pPr>
+                      <a:r>
+                        <a:rPr lang="en-US" altLang="zh-CN" sz="1600" kern="1200" dirty="0" err="1" smtClean="0">
+                          <a:solidFill>
+                            <a:schemeClr val="dk1"/>
+                          </a:solidFill>
+                          <a:latin typeface="黑体" panose="02010609060101010101" pitchFamily="49" charset="-122"/>
+                          <a:ea typeface="黑体" panose="02010609060101010101" pitchFamily="49" charset="-122"/>
+                          <a:cs typeface="+mn-cs"/>
+                        </a:rPr>
+                        <a:t>boolean</a:t>
+                      </a:r>
+                      <a:endParaRPr lang="zh-CN" altLang="en-US" sz="1600" kern="1200" dirty="0">
+                        <a:solidFill>
+                          <a:schemeClr val="dk1"/>
+                        </a:solidFill>
+                        <a:latin typeface="黑体" panose="02010609060101010101" pitchFamily="49" charset="-122"/>
+                        <a:ea typeface="黑体" panose="02010609060101010101" pitchFamily="49" charset="-122"/>
+                        <a:cs typeface="+mn-cs"/>
+                      </a:endParaRPr>
+                    </a:p>
+                  </a:txBody>
+                  <a:tcPr anchor="ctr"/>
+                </a:tc>
+                <a:tc>
+                  <a:txBody>
+                    <a:bodyPr/>
+                    <a:lstStyle/>
+                    <a:p>
+                      <a:pPr marL="0" marR="0" lvl="2" indent="0" algn="ctr" defTabSz="914400" rtl="0" eaLnBrk="1" fontAlgn="auto" latinLnBrk="0" hangingPunct="1">
+                        <a:lnSpc>
+                          <a:spcPct val="100000"/>
+                        </a:lnSpc>
+                        <a:spcBef>
+                          <a:spcPts val="0"/>
+                        </a:spcBef>
+                        <a:spcAft>
+                          <a:spcPts val="0"/>
+                        </a:spcAft>
+                        <a:buClrTx/>
+                        <a:buSzTx/>
+                        <a:buFontTx/>
+                        <a:buNone/>
+                        <a:tabLst/>
+                        <a:defRPr/>
+                      </a:pPr>
+                      <a:r>
+                        <a:rPr lang="zh-CN" altLang="en-US" sz="1600" kern="1200" dirty="0" smtClean="0">
+                          <a:solidFill>
+                            <a:schemeClr val="dk1"/>
+                          </a:solidFill>
+                          <a:latin typeface="黑体" panose="02010609060101010101" pitchFamily="49" charset="-122"/>
+                          <a:ea typeface="黑体" panose="02010609060101010101" pitchFamily="49" charset="-122"/>
+                          <a:cs typeface="+mn-cs"/>
+                        </a:rPr>
+                        <a:t>是否启用</a:t>
+                      </a:r>
+                      <a:r>
+                        <a:rPr lang="en-US" altLang="zh-CN" sz="1600" kern="1200" dirty="0" err="1" smtClean="0">
+                          <a:solidFill>
+                            <a:schemeClr val="dk1"/>
+                          </a:solidFill>
+                          <a:latin typeface="黑体" panose="02010609060101010101" pitchFamily="49" charset="-122"/>
+                          <a:ea typeface="黑体" panose="02010609060101010101" pitchFamily="49" charset="-122"/>
+                          <a:cs typeface="+mn-cs"/>
+                        </a:rPr>
+                        <a:t>Redis</a:t>
+                      </a:r>
+                      <a:r>
+                        <a:rPr lang="zh-CN" altLang="en-US" sz="1600" kern="1200" dirty="0" smtClean="0">
+                          <a:solidFill>
+                            <a:schemeClr val="dk1"/>
+                          </a:solidFill>
+                          <a:latin typeface="黑体" panose="02010609060101010101" pitchFamily="49" charset="-122"/>
+                          <a:ea typeface="黑体" panose="02010609060101010101" pitchFamily="49" charset="-122"/>
+                          <a:cs typeface="+mn-cs"/>
+                        </a:rPr>
+                        <a:t>缓存</a:t>
+                      </a:r>
+                    </a:p>
+                  </a:txBody>
+                  <a:tcPr anchor="ctr"/>
+                </a:tc>
+                <a:extLst>
+                  <a:ext uri="{0D108BD9-81ED-4DB2-BD59-A6C34878D82A}">
+                    <a16:rowId xmlns:a16="http://schemas.microsoft.com/office/drawing/2014/main" val="254933040"/>
+                  </a:ext>
+                </a:extLst>
+              </a:tr>
+              <a:tr h="370840">
+                <a:tc>
+                  <a:txBody>
+                    <a:bodyPr/>
+                    <a:lstStyle/>
+                    <a:p>
+                      <a:pPr marL="0" marR="0" lvl="2" indent="0" algn="ctr" defTabSz="914400" rtl="0" eaLnBrk="1" fontAlgn="auto" latinLnBrk="0" hangingPunct="1">
+                        <a:lnSpc>
+                          <a:spcPct val="100000"/>
+                        </a:lnSpc>
+                        <a:spcBef>
+                          <a:spcPts val="0"/>
+                        </a:spcBef>
+                        <a:spcAft>
+                          <a:spcPts val="0"/>
+                        </a:spcAft>
+                        <a:buClrTx/>
+                        <a:buSzTx/>
+                        <a:buFontTx/>
+                        <a:buNone/>
+                        <a:tabLst/>
+                        <a:defRPr/>
+                      </a:pPr>
+                      <a:r>
+                        <a:rPr lang="en-US" altLang="zh-CN" sz="1600" kern="1200" dirty="0" smtClean="0">
+                          <a:solidFill>
+                            <a:schemeClr val="dk1"/>
+                          </a:solidFill>
+                          <a:latin typeface="黑体" panose="02010609060101010101" pitchFamily="49" charset="-122"/>
+                          <a:ea typeface="黑体" panose="02010609060101010101" pitchFamily="49" charset="-122"/>
+                          <a:cs typeface="+mn-cs"/>
+                        </a:rPr>
+                        <a:t>5</a:t>
+                      </a:r>
+                      <a:endParaRPr lang="zh-CN" altLang="en-US" sz="1600" kern="1200" dirty="0">
+                        <a:solidFill>
+                          <a:schemeClr val="dk1"/>
+                        </a:solidFill>
+                        <a:latin typeface="黑体" panose="02010609060101010101" pitchFamily="49" charset="-122"/>
+                        <a:ea typeface="黑体" panose="02010609060101010101" pitchFamily="49" charset="-122"/>
+                        <a:cs typeface="+mn-cs"/>
+                      </a:endParaRPr>
+                    </a:p>
+                  </a:txBody>
+                  <a:tcPr anchor="ctr"/>
+                </a:tc>
+                <a:tc>
+                  <a:txBody>
+                    <a:bodyPr/>
+                    <a:lstStyle/>
+                    <a:p>
+                      <a:pPr marL="0" marR="0" lvl="2" indent="0" algn="ctr" defTabSz="914400" rtl="0" eaLnBrk="1" fontAlgn="auto" latinLnBrk="0" hangingPunct="1">
+                        <a:lnSpc>
+                          <a:spcPct val="100000"/>
+                        </a:lnSpc>
+                        <a:spcBef>
+                          <a:spcPts val="0"/>
+                        </a:spcBef>
+                        <a:spcAft>
+                          <a:spcPts val="0"/>
+                        </a:spcAft>
+                        <a:buClrTx/>
+                        <a:buSzTx/>
+                        <a:buFontTx/>
+                        <a:buNone/>
+                        <a:tabLst/>
+                        <a:defRPr/>
+                      </a:pPr>
+                      <a:r>
+                        <a:rPr lang="en-US" altLang="zh-CN" sz="1600" kern="1200" dirty="0" err="1" smtClean="0">
+                          <a:solidFill>
+                            <a:schemeClr val="dk1"/>
+                          </a:solidFill>
+                          <a:latin typeface="黑体" panose="02010609060101010101" pitchFamily="49" charset="-122"/>
+                          <a:ea typeface="黑体" panose="02010609060101010101" pitchFamily="49" charset="-122"/>
+                          <a:cs typeface="+mn-cs"/>
+                        </a:rPr>
+                        <a:t>imageCacheRedisNodes</a:t>
+                      </a:r>
+                      <a:endParaRPr lang="zh-CN" altLang="en-US" sz="1600" kern="1200" dirty="0">
+                        <a:solidFill>
+                          <a:schemeClr val="dk1"/>
+                        </a:solidFill>
+                        <a:latin typeface="黑体" panose="02010609060101010101" pitchFamily="49" charset="-122"/>
+                        <a:ea typeface="黑体" panose="02010609060101010101" pitchFamily="49" charset="-122"/>
+                        <a:cs typeface="+mn-cs"/>
+                      </a:endParaRPr>
+                    </a:p>
+                  </a:txBody>
+                  <a:tcPr anchor="ctr"/>
+                </a:tc>
+                <a:tc>
+                  <a:txBody>
+                    <a:bodyPr/>
+                    <a:lstStyle/>
+                    <a:p>
+                      <a:pPr marL="0" marR="0" lvl="2" indent="0" algn="ctr" defTabSz="914400" rtl="0" eaLnBrk="1" fontAlgn="auto" latinLnBrk="0" hangingPunct="1">
+                        <a:lnSpc>
+                          <a:spcPct val="100000"/>
+                        </a:lnSpc>
+                        <a:spcBef>
+                          <a:spcPts val="0"/>
+                        </a:spcBef>
+                        <a:spcAft>
+                          <a:spcPts val="0"/>
+                        </a:spcAft>
+                        <a:buClrTx/>
+                        <a:buSzTx/>
+                        <a:buFontTx/>
+                        <a:buNone/>
+                        <a:tabLst/>
+                        <a:defRPr/>
+                      </a:pPr>
+                      <a:r>
+                        <a:rPr lang="en-US" altLang="zh-CN" sz="1600" kern="1200" dirty="0" smtClean="0">
+                          <a:solidFill>
+                            <a:schemeClr val="dk1"/>
+                          </a:solidFill>
+                          <a:latin typeface="黑体" panose="02010609060101010101" pitchFamily="49" charset="-122"/>
+                          <a:ea typeface="黑体" panose="02010609060101010101" pitchFamily="49" charset="-122"/>
+                          <a:cs typeface="+mn-cs"/>
+                        </a:rPr>
+                        <a:t>List </a:t>
+                      </a:r>
+                      <a:endParaRPr lang="zh-CN" altLang="en-US" sz="1600" kern="1200" dirty="0">
+                        <a:solidFill>
+                          <a:schemeClr val="dk1"/>
+                        </a:solidFill>
+                        <a:latin typeface="黑体" panose="02010609060101010101" pitchFamily="49" charset="-122"/>
+                        <a:ea typeface="黑体" panose="02010609060101010101" pitchFamily="49" charset="-122"/>
+                        <a:cs typeface="+mn-cs"/>
+                      </a:endParaRPr>
+                    </a:p>
+                  </a:txBody>
+                  <a:tcPr anchor="ctr"/>
+                </a:tc>
+                <a:tc>
+                  <a:txBody>
+                    <a:bodyPr/>
+                    <a:lstStyle/>
+                    <a:p>
+                      <a:pPr marL="0" marR="0" lvl="2" indent="0" algn="ctr" defTabSz="914400" rtl="0" eaLnBrk="1" fontAlgn="auto" latinLnBrk="0" hangingPunct="1">
+                        <a:lnSpc>
+                          <a:spcPct val="100000"/>
+                        </a:lnSpc>
+                        <a:spcBef>
+                          <a:spcPts val="0"/>
+                        </a:spcBef>
+                        <a:spcAft>
+                          <a:spcPts val="0"/>
+                        </a:spcAft>
+                        <a:buClrTx/>
+                        <a:buSzTx/>
+                        <a:buFontTx/>
+                        <a:buNone/>
+                        <a:tabLst/>
+                        <a:defRPr/>
+                      </a:pPr>
+                      <a:r>
+                        <a:rPr lang="zh-CN" altLang="en-US" sz="1600" kern="1200" dirty="0" smtClean="0">
+                          <a:solidFill>
+                            <a:schemeClr val="dk1"/>
+                          </a:solidFill>
+                          <a:latin typeface="黑体" panose="02010609060101010101" pitchFamily="49" charset="-122"/>
+                          <a:ea typeface="黑体" panose="02010609060101010101" pitchFamily="49" charset="-122"/>
+                          <a:cs typeface="+mn-cs"/>
+                        </a:rPr>
+                        <a:t>启用</a:t>
+                      </a:r>
+                      <a:r>
+                        <a:rPr lang="en-US" altLang="zh-CN" sz="1600" kern="1200" dirty="0" err="1" smtClean="0">
+                          <a:solidFill>
+                            <a:schemeClr val="dk1"/>
+                          </a:solidFill>
+                          <a:latin typeface="黑体" panose="02010609060101010101" pitchFamily="49" charset="-122"/>
+                          <a:ea typeface="黑体" panose="02010609060101010101" pitchFamily="49" charset="-122"/>
+                          <a:cs typeface="+mn-cs"/>
+                        </a:rPr>
+                        <a:t>Redis</a:t>
+                      </a:r>
+                      <a:r>
+                        <a:rPr lang="zh-CN" altLang="en-US" sz="1600" kern="1200" dirty="0" smtClean="0">
+                          <a:solidFill>
+                            <a:schemeClr val="dk1"/>
+                          </a:solidFill>
+                          <a:latin typeface="黑体" panose="02010609060101010101" pitchFamily="49" charset="-122"/>
+                          <a:ea typeface="黑体" panose="02010609060101010101" pitchFamily="49" charset="-122"/>
+                          <a:cs typeface="+mn-cs"/>
+                        </a:rPr>
+                        <a:t>缓存时，</a:t>
+                      </a:r>
+                      <a:r>
+                        <a:rPr lang="en-US" altLang="zh-CN" sz="1600" kern="1200" dirty="0" err="1" smtClean="0">
+                          <a:solidFill>
+                            <a:schemeClr val="dk1"/>
+                          </a:solidFill>
+                          <a:latin typeface="黑体" panose="02010609060101010101" pitchFamily="49" charset="-122"/>
+                          <a:ea typeface="黑体" panose="02010609060101010101" pitchFamily="49" charset="-122"/>
+                          <a:cs typeface="+mn-cs"/>
+                        </a:rPr>
+                        <a:t>Redis</a:t>
+                      </a:r>
+                      <a:r>
+                        <a:rPr lang="zh-CN" altLang="en-US" sz="1600" kern="1200" dirty="0" smtClean="0">
+                          <a:solidFill>
+                            <a:schemeClr val="dk1"/>
+                          </a:solidFill>
+                          <a:latin typeface="黑体" panose="02010609060101010101" pitchFamily="49" charset="-122"/>
+                          <a:ea typeface="黑体" panose="02010609060101010101" pitchFamily="49" charset="-122"/>
+                          <a:cs typeface="+mn-cs"/>
+                        </a:rPr>
+                        <a:t>集群节点配置</a:t>
+                      </a:r>
+                    </a:p>
+                  </a:txBody>
+                  <a:tcPr anchor="ctr"/>
+                </a:tc>
+                <a:extLst>
+                  <a:ext uri="{0D108BD9-81ED-4DB2-BD59-A6C34878D82A}">
+                    <a16:rowId xmlns:a16="http://schemas.microsoft.com/office/drawing/2014/main" val="1334252467"/>
+                  </a:ext>
+                </a:extLst>
+              </a:tr>
+              <a:tr h="370840">
+                <a:tc>
+                  <a:txBody>
+                    <a:bodyPr/>
+                    <a:lstStyle/>
+                    <a:p>
+                      <a:pPr marL="0" marR="0" lvl="2" indent="0" algn="ctr" defTabSz="914400" rtl="0" eaLnBrk="1" fontAlgn="auto" latinLnBrk="0" hangingPunct="1">
+                        <a:lnSpc>
+                          <a:spcPct val="100000"/>
+                        </a:lnSpc>
+                        <a:spcBef>
+                          <a:spcPts val="0"/>
+                        </a:spcBef>
+                        <a:spcAft>
+                          <a:spcPts val="0"/>
+                        </a:spcAft>
+                        <a:buClrTx/>
+                        <a:buSzTx/>
+                        <a:buFontTx/>
+                        <a:buNone/>
+                        <a:tabLst/>
+                        <a:defRPr/>
+                      </a:pPr>
+                      <a:r>
+                        <a:rPr lang="en-US" altLang="zh-CN" sz="1600" kern="1200" dirty="0" smtClean="0">
+                          <a:solidFill>
+                            <a:schemeClr val="dk1"/>
+                          </a:solidFill>
+                          <a:latin typeface="黑体" panose="02010609060101010101" pitchFamily="49" charset="-122"/>
+                          <a:ea typeface="黑体" panose="02010609060101010101" pitchFamily="49" charset="-122"/>
+                          <a:cs typeface="+mn-cs"/>
+                        </a:rPr>
+                        <a:t>6</a:t>
+                      </a:r>
+                      <a:endParaRPr lang="zh-CN" altLang="en-US" sz="1600" kern="1200" dirty="0">
+                        <a:solidFill>
+                          <a:schemeClr val="dk1"/>
+                        </a:solidFill>
+                        <a:latin typeface="黑体" panose="02010609060101010101" pitchFamily="49" charset="-122"/>
+                        <a:ea typeface="黑体" panose="02010609060101010101" pitchFamily="49" charset="-122"/>
+                        <a:cs typeface="+mn-cs"/>
+                      </a:endParaRPr>
+                    </a:p>
+                  </a:txBody>
+                  <a:tcPr anchor="ctr"/>
+                </a:tc>
+                <a:tc>
+                  <a:txBody>
+                    <a:bodyPr/>
+                    <a:lstStyle/>
+                    <a:p>
+                      <a:pPr marL="0" marR="0" lvl="2" indent="0" algn="ctr" defTabSz="914400" rtl="0" eaLnBrk="1" fontAlgn="auto" latinLnBrk="0" hangingPunct="1">
+                        <a:lnSpc>
+                          <a:spcPct val="100000"/>
+                        </a:lnSpc>
+                        <a:spcBef>
+                          <a:spcPts val="0"/>
+                        </a:spcBef>
+                        <a:spcAft>
+                          <a:spcPts val="0"/>
+                        </a:spcAft>
+                        <a:buClrTx/>
+                        <a:buSzTx/>
+                        <a:buFontTx/>
+                        <a:buNone/>
+                        <a:tabLst/>
+                        <a:defRPr/>
+                      </a:pPr>
+                      <a:r>
+                        <a:rPr lang="en-US" altLang="zh-CN" sz="1600" kern="1200" dirty="0" err="1" smtClean="0">
+                          <a:solidFill>
+                            <a:schemeClr val="dk1"/>
+                          </a:solidFill>
+                          <a:latin typeface="黑体" panose="02010609060101010101" pitchFamily="49" charset="-122"/>
+                          <a:ea typeface="黑体" panose="02010609060101010101" pitchFamily="49" charset="-122"/>
+                          <a:cs typeface="+mn-cs"/>
+                        </a:rPr>
+                        <a:t>imageHost</a:t>
+                      </a:r>
+                      <a:endParaRPr lang="zh-CN" altLang="en-US" sz="1600" kern="1200" dirty="0">
+                        <a:solidFill>
+                          <a:schemeClr val="dk1"/>
+                        </a:solidFill>
+                        <a:latin typeface="黑体" panose="02010609060101010101" pitchFamily="49" charset="-122"/>
+                        <a:ea typeface="黑体" panose="02010609060101010101" pitchFamily="49" charset="-122"/>
+                        <a:cs typeface="+mn-cs"/>
+                      </a:endParaRPr>
+                    </a:p>
+                  </a:txBody>
+                  <a:tcPr anchor="ctr"/>
+                </a:tc>
+                <a:tc>
+                  <a:txBody>
+                    <a:bodyPr/>
+                    <a:lstStyle/>
+                    <a:p>
+                      <a:pPr marL="0" marR="0" lvl="2" indent="0" algn="ctr" defTabSz="914400" rtl="0" eaLnBrk="1" fontAlgn="auto" latinLnBrk="0" hangingPunct="1">
+                        <a:lnSpc>
+                          <a:spcPct val="100000"/>
+                        </a:lnSpc>
+                        <a:spcBef>
+                          <a:spcPts val="0"/>
+                        </a:spcBef>
+                        <a:spcAft>
+                          <a:spcPts val="0"/>
+                        </a:spcAft>
+                        <a:buClrTx/>
+                        <a:buSzTx/>
+                        <a:buFontTx/>
+                        <a:buNone/>
+                        <a:tabLst/>
+                        <a:defRPr/>
+                      </a:pPr>
+                      <a:r>
+                        <a:rPr lang="en-US" altLang="zh-CN" sz="1600" kern="1200" dirty="0" smtClean="0">
+                          <a:solidFill>
+                            <a:schemeClr val="dk1"/>
+                          </a:solidFill>
+                          <a:latin typeface="黑体" panose="02010609060101010101" pitchFamily="49" charset="-122"/>
+                          <a:ea typeface="黑体" panose="02010609060101010101" pitchFamily="49" charset="-122"/>
+                          <a:cs typeface="+mn-cs"/>
+                        </a:rPr>
+                        <a:t>String</a:t>
+                      </a:r>
+                      <a:endParaRPr lang="zh-CN" altLang="en-US" sz="1600" kern="1200" dirty="0">
+                        <a:solidFill>
+                          <a:schemeClr val="dk1"/>
+                        </a:solidFill>
+                        <a:latin typeface="黑体" panose="02010609060101010101" pitchFamily="49" charset="-122"/>
+                        <a:ea typeface="黑体" panose="02010609060101010101" pitchFamily="49" charset="-122"/>
+                        <a:cs typeface="+mn-cs"/>
+                      </a:endParaRPr>
+                    </a:p>
+                  </a:txBody>
+                  <a:tcPr anchor="ctr"/>
+                </a:tc>
+                <a:tc>
+                  <a:txBody>
+                    <a:bodyPr/>
+                    <a:lstStyle/>
+                    <a:p>
+                      <a:pPr marL="0" marR="0" lvl="2" indent="0" algn="ctr" defTabSz="914400" rtl="0" eaLnBrk="1" fontAlgn="auto" latinLnBrk="0" hangingPunct="1">
+                        <a:lnSpc>
+                          <a:spcPct val="100000"/>
+                        </a:lnSpc>
+                        <a:spcBef>
+                          <a:spcPts val="0"/>
+                        </a:spcBef>
+                        <a:spcAft>
+                          <a:spcPts val="0"/>
+                        </a:spcAft>
+                        <a:buClrTx/>
+                        <a:buSzTx/>
+                        <a:buFontTx/>
+                        <a:buNone/>
+                        <a:tabLst/>
+                        <a:defRPr/>
+                      </a:pPr>
+                      <a:r>
+                        <a:rPr lang="zh-CN" altLang="en-US" sz="1600" kern="1200" dirty="0" smtClean="0">
+                          <a:solidFill>
+                            <a:schemeClr val="dk1"/>
+                          </a:solidFill>
+                          <a:latin typeface="黑体" panose="02010609060101010101" pitchFamily="49" charset="-122"/>
+                          <a:ea typeface="黑体" panose="02010609060101010101" pitchFamily="49" charset="-122"/>
+                          <a:cs typeface="+mn-cs"/>
+                        </a:rPr>
+                        <a:t>图片实际所在域名，如</a:t>
+                      </a:r>
+                      <a:r>
+                        <a:rPr lang="en-US" altLang="zh-CN" sz="1600" kern="1200" dirty="0" smtClean="0">
+                          <a:solidFill>
+                            <a:schemeClr val="dk1"/>
+                          </a:solidFill>
+                          <a:latin typeface="黑体" panose="02010609060101010101" pitchFamily="49" charset="-122"/>
+                          <a:ea typeface="黑体" panose="02010609060101010101" pitchFamily="49" charset="-122"/>
+                          <a:cs typeface="+mn-cs"/>
+                        </a:rPr>
+                        <a:t>"http://www.baidu.com"</a:t>
+                      </a:r>
+                    </a:p>
+                  </a:txBody>
+                  <a:tcPr anchor="ctr"/>
+                </a:tc>
+                <a:extLst>
+                  <a:ext uri="{0D108BD9-81ED-4DB2-BD59-A6C34878D82A}">
+                    <a16:rowId xmlns:a16="http://schemas.microsoft.com/office/drawing/2014/main" val="1345469901"/>
+                  </a:ext>
+                </a:extLst>
+              </a:tr>
+              <a:tr h="370840">
+                <a:tc>
+                  <a:txBody>
+                    <a:bodyPr/>
+                    <a:lstStyle/>
+                    <a:p>
+                      <a:pPr marL="0" marR="0" lvl="2" indent="0" algn="ctr" defTabSz="914400" rtl="0" eaLnBrk="1" fontAlgn="auto" latinLnBrk="0" hangingPunct="1">
+                        <a:lnSpc>
+                          <a:spcPct val="100000"/>
+                        </a:lnSpc>
+                        <a:spcBef>
+                          <a:spcPts val="0"/>
+                        </a:spcBef>
+                        <a:spcAft>
+                          <a:spcPts val="0"/>
+                        </a:spcAft>
+                        <a:buClrTx/>
+                        <a:buSzTx/>
+                        <a:buFontTx/>
+                        <a:buNone/>
+                        <a:tabLst/>
+                        <a:defRPr/>
+                      </a:pPr>
+                      <a:r>
+                        <a:rPr lang="en-US" altLang="zh-CN" sz="1600" kern="1200" dirty="0" smtClean="0">
+                          <a:solidFill>
+                            <a:schemeClr val="dk1"/>
+                          </a:solidFill>
+                          <a:latin typeface="黑体" panose="02010609060101010101" pitchFamily="49" charset="-122"/>
+                          <a:ea typeface="黑体" panose="02010609060101010101" pitchFamily="49" charset="-122"/>
+                          <a:cs typeface="+mn-cs"/>
+                        </a:rPr>
+                        <a:t>7</a:t>
+                      </a:r>
+                      <a:endParaRPr lang="zh-CN" altLang="en-US" sz="1600" kern="1200" dirty="0">
+                        <a:solidFill>
+                          <a:schemeClr val="dk1"/>
+                        </a:solidFill>
+                        <a:latin typeface="黑体" panose="02010609060101010101" pitchFamily="49" charset="-122"/>
+                        <a:ea typeface="黑体" panose="02010609060101010101" pitchFamily="49" charset="-122"/>
+                        <a:cs typeface="+mn-cs"/>
+                      </a:endParaRPr>
+                    </a:p>
+                  </a:txBody>
+                  <a:tcPr anchor="ctr"/>
+                </a:tc>
+                <a:tc>
+                  <a:txBody>
+                    <a:bodyPr/>
+                    <a:lstStyle/>
+                    <a:p>
+                      <a:pPr marL="0" marR="0" lvl="2" indent="0" algn="ctr" defTabSz="914400" rtl="0" eaLnBrk="1" fontAlgn="auto" latinLnBrk="0" hangingPunct="1">
+                        <a:lnSpc>
+                          <a:spcPct val="100000"/>
+                        </a:lnSpc>
+                        <a:spcBef>
+                          <a:spcPts val="0"/>
+                        </a:spcBef>
+                        <a:spcAft>
+                          <a:spcPts val="0"/>
+                        </a:spcAft>
+                        <a:buClrTx/>
+                        <a:buSzTx/>
+                        <a:buFontTx/>
+                        <a:buNone/>
+                        <a:tabLst/>
+                        <a:defRPr/>
+                      </a:pPr>
+                      <a:r>
+                        <a:rPr lang="en-US" altLang="zh-CN" sz="1600" kern="1200" dirty="0" err="1" smtClean="0">
+                          <a:solidFill>
+                            <a:schemeClr val="dk1"/>
+                          </a:solidFill>
+                          <a:latin typeface="黑体" panose="02010609060101010101" pitchFamily="49" charset="-122"/>
+                          <a:ea typeface="黑体" panose="02010609060101010101" pitchFamily="49" charset="-122"/>
+                          <a:cs typeface="+mn-cs"/>
+                        </a:rPr>
+                        <a:t>packageSize</a:t>
+                      </a:r>
+                      <a:endParaRPr lang="zh-CN" altLang="en-US" sz="1600" kern="1200" dirty="0">
+                        <a:solidFill>
+                          <a:schemeClr val="dk1"/>
+                        </a:solidFill>
+                        <a:latin typeface="黑体" panose="02010609060101010101" pitchFamily="49" charset="-122"/>
+                        <a:ea typeface="黑体" panose="02010609060101010101" pitchFamily="49" charset="-122"/>
+                        <a:cs typeface="+mn-cs"/>
+                      </a:endParaRPr>
+                    </a:p>
+                  </a:txBody>
+                  <a:tcPr anchor="ctr"/>
+                </a:tc>
+                <a:tc>
+                  <a:txBody>
+                    <a:bodyPr/>
+                    <a:lstStyle/>
+                    <a:p>
+                      <a:pPr marL="0" marR="0" lvl="2" indent="0" algn="ctr" defTabSz="914400" rtl="0" eaLnBrk="1" fontAlgn="auto" latinLnBrk="0" hangingPunct="1">
+                        <a:lnSpc>
+                          <a:spcPct val="100000"/>
+                        </a:lnSpc>
+                        <a:spcBef>
+                          <a:spcPts val="0"/>
+                        </a:spcBef>
+                        <a:spcAft>
+                          <a:spcPts val="0"/>
+                        </a:spcAft>
+                        <a:buClrTx/>
+                        <a:buSzTx/>
+                        <a:buFontTx/>
+                        <a:buNone/>
+                        <a:tabLst/>
+                        <a:defRPr/>
+                      </a:pPr>
+                      <a:r>
+                        <a:rPr lang="en-US" altLang="zh-CN" sz="1600" kern="1200" dirty="0" smtClean="0">
+                          <a:solidFill>
+                            <a:schemeClr val="dk1"/>
+                          </a:solidFill>
+                          <a:latin typeface="黑体" panose="02010609060101010101" pitchFamily="49" charset="-122"/>
+                          <a:ea typeface="黑体" panose="02010609060101010101" pitchFamily="49" charset="-122"/>
+                          <a:cs typeface="+mn-cs"/>
+                        </a:rPr>
+                        <a:t>--</a:t>
+                      </a:r>
+                      <a:endParaRPr lang="zh-CN" altLang="en-US" sz="1600" kern="1200" dirty="0">
+                        <a:solidFill>
+                          <a:schemeClr val="dk1"/>
+                        </a:solidFill>
+                        <a:latin typeface="黑体" panose="02010609060101010101" pitchFamily="49" charset="-122"/>
+                        <a:ea typeface="黑体" panose="02010609060101010101" pitchFamily="49" charset="-122"/>
+                        <a:cs typeface="+mn-cs"/>
+                      </a:endParaRPr>
+                    </a:p>
+                  </a:txBody>
+                  <a:tcPr anchor="ctr"/>
+                </a:tc>
+                <a:tc>
+                  <a:txBody>
+                    <a:bodyPr/>
+                    <a:lstStyle/>
+                    <a:p>
+                      <a:pPr marL="0" marR="0" lvl="2" indent="0" algn="ctr" defTabSz="914400" rtl="0" eaLnBrk="1" fontAlgn="auto" latinLnBrk="0" hangingPunct="1">
+                        <a:lnSpc>
+                          <a:spcPct val="100000"/>
+                        </a:lnSpc>
+                        <a:spcBef>
+                          <a:spcPts val="0"/>
+                        </a:spcBef>
+                        <a:spcAft>
+                          <a:spcPts val="0"/>
+                        </a:spcAft>
+                        <a:buClrTx/>
+                        <a:buSzTx/>
+                        <a:buFontTx/>
+                        <a:buNone/>
+                        <a:tabLst/>
+                        <a:defRPr/>
+                      </a:pPr>
+                      <a:r>
+                        <a:rPr lang="zh-CN" altLang="en-US" sz="1600" kern="1200" dirty="0" smtClean="0">
+                          <a:solidFill>
+                            <a:schemeClr val="dk1"/>
+                          </a:solidFill>
+                          <a:latin typeface="黑体" panose="02010609060101010101" pitchFamily="49" charset="-122"/>
+                          <a:ea typeface="黑体" panose="02010609060101010101" pitchFamily="49" charset="-122"/>
+                          <a:cs typeface="+mn-cs"/>
+                        </a:rPr>
+                        <a:t>网速测试控制器写回包的大小</a:t>
+                      </a:r>
+                    </a:p>
+                  </a:txBody>
+                  <a:tcPr anchor="ctr"/>
+                </a:tc>
+                <a:extLst>
+                  <a:ext uri="{0D108BD9-81ED-4DB2-BD59-A6C34878D82A}">
+                    <a16:rowId xmlns:a16="http://schemas.microsoft.com/office/drawing/2014/main" val="2175447637"/>
+                  </a:ext>
+                </a:extLst>
+              </a:tr>
+              <a:tr h="370840">
+                <a:tc>
+                  <a:txBody>
+                    <a:bodyPr/>
+                    <a:lstStyle/>
+                    <a:p>
+                      <a:pPr marL="0" marR="0" lvl="2" indent="0" algn="ctr" defTabSz="914400" rtl="0" eaLnBrk="1" fontAlgn="auto" latinLnBrk="0" hangingPunct="1">
+                        <a:lnSpc>
+                          <a:spcPct val="100000"/>
+                        </a:lnSpc>
+                        <a:spcBef>
+                          <a:spcPts val="0"/>
+                        </a:spcBef>
+                        <a:spcAft>
+                          <a:spcPts val="0"/>
+                        </a:spcAft>
+                        <a:buClrTx/>
+                        <a:buSzTx/>
+                        <a:buFontTx/>
+                        <a:buNone/>
+                        <a:tabLst/>
+                        <a:defRPr/>
+                      </a:pPr>
+                      <a:r>
+                        <a:rPr lang="en-US" altLang="zh-CN" sz="1600" kern="1200" dirty="0" smtClean="0">
+                          <a:solidFill>
+                            <a:schemeClr val="dk1"/>
+                          </a:solidFill>
+                          <a:latin typeface="黑体" panose="02010609060101010101" pitchFamily="49" charset="-122"/>
+                          <a:ea typeface="黑体" panose="02010609060101010101" pitchFamily="49" charset="-122"/>
+                          <a:cs typeface="+mn-cs"/>
+                        </a:rPr>
+                        <a:t>8</a:t>
+                      </a:r>
+                      <a:endParaRPr lang="zh-CN" altLang="en-US" sz="1600" kern="1200" dirty="0">
+                        <a:solidFill>
+                          <a:schemeClr val="dk1"/>
+                        </a:solidFill>
+                        <a:latin typeface="黑体" panose="02010609060101010101" pitchFamily="49" charset="-122"/>
+                        <a:ea typeface="黑体" panose="02010609060101010101" pitchFamily="49" charset="-122"/>
+                        <a:cs typeface="+mn-cs"/>
+                      </a:endParaRPr>
+                    </a:p>
+                  </a:txBody>
+                  <a:tcPr anchor="ctr"/>
+                </a:tc>
+                <a:tc>
+                  <a:txBody>
+                    <a:bodyPr/>
+                    <a:lstStyle/>
+                    <a:p>
+                      <a:pPr marL="0" marR="0" lvl="2" indent="0" algn="ctr" defTabSz="914400" rtl="0" eaLnBrk="1" fontAlgn="auto" latinLnBrk="0" hangingPunct="1">
+                        <a:lnSpc>
+                          <a:spcPct val="100000"/>
+                        </a:lnSpc>
+                        <a:spcBef>
+                          <a:spcPts val="0"/>
+                        </a:spcBef>
+                        <a:spcAft>
+                          <a:spcPts val="0"/>
+                        </a:spcAft>
+                        <a:buClrTx/>
+                        <a:buSzTx/>
+                        <a:buFontTx/>
+                        <a:buNone/>
+                        <a:tabLst/>
+                        <a:defRPr/>
+                      </a:pPr>
+                      <a:r>
+                        <a:rPr lang="en-US" altLang="zh-CN" sz="1600" kern="1200" dirty="0" err="1" smtClean="0">
+                          <a:solidFill>
+                            <a:schemeClr val="dk1"/>
+                          </a:solidFill>
+                          <a:latin typeface="黑体" panose="02010609060101010101" pitchFamily="49" charset="-122"/>
+                          <a:ea typeface="黑体" panose="02010609060101010101" pitchFamily="49" charset="-122"/>
+                          <a:cs typeface="+mn-cs"/>
+                        </a:rPr>
+                        <a:t>preloadRatio</a:t>
+                      </a:r>
+                      <a:endParaRPr lang="zh-CN" altLang="en-US" sz="1600" kern="1200" dirty="0">
+                        <a:solidFill>
+                          <a:schemeClr val="dk1"/>
+                        </a:solidFill>
+                        <a:latin typeface="黑体" panose="02010609060101010101" pitchFamily="49" charset="-122"/>
+                        <a:ea typeface="黑体" panose="02010609060101010101" pitchFamily="49" charset="-122"/>
+                        <a:cs typeface="+mn-cs"/>
+                      </a:endParaRPr>
+                    </a:p>
+                  </a:txBody>
+                  <a:tcPr anchor="ctr"/>
+                </a:tc>
+                <a:tc>
+                  <a:txBody>
+                    <a:bodyPr/>
+                    <a:lstStyle/>
+                    <a:p>
+                      <a:pPr marL="0" marR="0" lvl="2" indent="0" algn="ctr" defTabSz="914400" rtl="0" eaLnBrk="1" fontAlgn="auto" latinLnBrk="0" hangingPunct="1">
+                        <a:lnSpc>
+                          <a:spcPct val="100000"/>
+                        </a:lnSpc>
+                        <a:spcBef>
+                          <a:spcPts val="0"/>
+                        </a:spcBef>
+                        <a:spcAft>
+                          <a:spcPts val="0"/>
+                        </a:spcAft>
+                        <a:buClrTx/>
+                        <a:buSzTx/>
+                        <a:buFontTx/>
+                        <a:buNone/>
+                        <a:tabLst/>
+                        <a:defRPr/>
+                      </a:pPr>
+                      <a:r>
+                        <a:rPr lang="en-US" altLang="zh-CN" sz="1600" kern="1200" dirty="0" smtClean="0">
+                          <a:solidFill>
+                            <a:schemeClr val="dk1"/>
+                          </a:solidFill>
+                          <a:latin typeface="黑体" panose="02010609060101010101" pitchFamily="49" charset="-122"/>
+                          <a:ea typeface="黑体" panose="02010609060101010101" pitchFamily="49" charset="-122"/>
+                          <a:cs typeface="+mn-cs"/>
+                        </a:rPr>
+                        <a:t>--</a:t>
+                      </a:r>
+                      <a:endParaRPr lang="zh-CN" altLang="en-US" sz="1600" kern="1200" dirty="0">
+                        <a:solidFill>
+                          <a:schemeClr val="dk1"/>
+                        </a:solidFill>
+                        <a:latin typeface="黑体" panose="02010609060101010101" pitchFamily="49" charset="-122"/>
+                        <a:ea typeface="黑体" panose="02010609060101010101" pitchFamily="49" charset="-122"/>
+                        <a:cs typeface="+mn-cs"/>
+                      </a:endParaRPr>
+                    </a:p>
+                  </a:txBody>
+                  <a:tcPr anchor="ctr"/>
+                </a:tc>
+                <a:tc>
+                  <a:txBody>
+                    <a:bodyPr/>
+                    <a:lstStyle/>
+                    <a:p>
+                      <a:pPr marL="0" marR="0" lvl="2" indent="0" algn="ctr" defTabSz="914400" rtl="0" eaLnBrk="1" fontAlgn="auto" latinLnBrk="0" hangingPunct="1">
+                        <a:lnSpc>
+                          <a:spcPct val="100000"/>
+                        </a:lnSpc>
+                        <a:spcBef>
+                          <a:spcPts val="0"/>
+                        </a:spcBef>
+                        <a:spcAft>
+                          <a:spcPts val="0"/>
+                        </a:spcAft>
+                        <a:buClrTx/>
+                        <a:buSzTx/>
+                        <a:buFontTx/>
+                        <a:buNone/>
+                        <a:tabLst/>
+                        <a:defRPr/>
+                      </a:pPr>
+                      <a:r>
+                        <a:rPr lang="zh-CN" altLang="en-US" sz="1600" kern="1200" dirty="0" smtClean="0">
+                          <a:solidFill>
+                            <a:schemeClr val="dk1"/>
+                          </a:solidFill>
+                          <a:latin typeface="黑体" panose="02010609060101010101" pitchFamily="49" charset="-122"/>
+                          <a:ea typeface="黑体" panose="02010609060101010101" pitchFamily="49" charset="-122"/>
+                          <a:cs typeface="+mn-cs"/>
+                        </a:rPr>
+                        <a:t>页面预加载比例</a:t>
+                      </a:r>
+                      <a:endParaRPr lang="en-US" altLang="zh-CN" sz="1600" kern="1200" dirty="0" smtClean="0">
+                        <a:solidFill>
+                          <a:schemeClr val="dk1"/>
+                        </a:solidFill>
+                        <a:latin typeface="黑体" panose="02010609060101010101" pitchFamily="49" charset="-122"/>
+                        <a:ea typeface="黑体" panose="02010609060101010101" pitchFamily="49" charset="-122"/>
+                        <a:cs typeface="+mn-cs"/>
+                      </a:endParaRPr>
+                    </a:p>
+                  </a:txBody>
+                  <a:tcPr anchor="ctr"/>
+                </a:tc>
+                <a:extLst>
+                  <a:ext uri="{0D108BD9-81ED-4DB2-BD59-A6C34878D82A}">
+                    <a16:rowId xmlns:a16="http://schemas.microsoft.com/office/drawing/2014/main" val="4063934539"/>
+                  </a:ext>
+                </a:extLst>
+              </a:tr>
+            </a:tbl>
+          </a:graphicData>
+        </a:graphic>
+      </p:graphicFrame>
+    </p:spTree>
+    <p:extLst>
+      <p:ext uri="{BB962C8B-B14F-4D97-AF65-F5344CB8AC3E}">
+        <p14:creationId xmlns:p14="http://schemas.microsoft.com/office/powerpoint/2010/main" val="3326835290"/>
+      </p:ext>
+    </p:extLst>
+  </p:cSld>
+  <p:clrMapOvr>
+    <a:masterClrMapping/>
+  </p:clrMapOvr>
+  <p:timing>
+    <p:tnLst>
+      <p:par>
+        <p:cTn id="1" dur="indefinite" restart="never" nodeType="tmRoot"/>
+      </p:par>
+    </p:tnLst>
+  </p:timing>
+</p:sld>
+</file>
+
+<file path=ppt/slides/slide7.xml><?xml version="1.0" encoding="utf-8"?>
+<p:sld xmlns:a="http://schemas.openxmlformats.org/drawingml/2006/main" xmlns:r="http://schemas.openxmlformats.org/officeDocument/2006/relationships" xmlns:p="http://schemas.openxmlformats.org/presentationml/2006/main">
+  <p:cSld>
+    <p:spTree>
+      <p:nvGrpSpPr>
+        <p:cNvPr id="1" name=""/>
+        <p:cNvGrpSpPr/>
+        <p:nvPr/>
+      </p:nvGrpSpPr>
+      <p:grpSpPr>
+        <a:xfrm>
+          <a:off x="0" y="0"/>
+          <a:ext cx="0" cy="0"/>
+          <a:chOff x="0" y="0"/>
+          <a:chExt cx="0" cy="0"/>
+        </a:xfrm>
+      </p:grpSpPr>
+      <p:sp>
+        <p:nvSpPr>
+          <p:cNvPr id="2" name="标题 1"/>
+          <p:cNvSpPr>
+            <a:spLocks noGrp="1"/>
+          </p:cNvSpPr>
+          <p:nvPr>
+            <p:ph type="title"/>
+          </p:nvPr>
+        </p:nvSpPr>
+        <p:spPr/>
+        <p:txBody>
+          <a:bodyPr/>
+          <a:lstStyle/>
+          <a:p>
+            <a:r>
+              <a:rPr lang="zh-CN" altLang="en-US" dirty="0" smtClean="0"/>
+              <a:t>结构图</a:t>
+            </a:r>
             <a:endParaRPr lang="zh-CN" altLang="en-US" dirty="0"/>
           </a:p>
         </p:txBody>
@@ -3790,6 +7803,72 @@
       <p:pic>
         <p:nvPicPr>
           <p:cNvPr id="6" name="内容占位符 5"/>
+          <p:cNvPicPr>
+            <a:picLocks noGrp="1" noChangeAspect="1"/>
+          </p:cNvPicPr>
+          <p:nvPr>
+            <p:ph idx="1"/>
+          </p:nvPr>
+        </p:nvPicPr>
+        <p:blipFill>
+          <a:blip r:embed="rId2" cstate="print">
+            <a:extLst>
+              <a:ext uri="{28A0092B-C50C-407E-A947-70E740481C1C}">
+                <a14:useLocalDpi xmlns:a14="http://schemas.microsoft.com/office/drawing/2010/main" val="0"/>
+              </a:ext>
+            </a:extLst>
+          </a:blip>
+          <a:stretch>
+            <a:fillRect/>
+          </a:stretch>
+        </p:blipFill>
+        <p:spPr>
+          <a:xfrm>
+            <a:off x="633844" y="2102069"/>
+            <a:ext cx="7885071" cy="3794234"/>
+          </a:xfrm>
+        </p:spPr>
+      </p:pic>
+    </p:spTree>
+    <p:extLst>
+      <p:ext uri="{BB962C8B-B14F-4D97-AF65-F5344CB8AC3E}">
+        <p14:creationId xmlns:p14="http://schemas.microsoft.com/office/powerpoint/2010/main" val="459247206"/>
+      </p:ext>
+    </p:extLst>
+  </p:cSld>
+  <p:clrMapOvr>
+    <a:masterClrMapping/>
+  </p:clrMapOvr>
+  <p:timing>
+    <p:tnLst>
+      <p:par>
+        <p:cTn id="1" dur="indefinite" restart="never" nodeType="tmRoot"/>
+      </p:par>
+    </p:tnLst>
+  </p:timing>
+</p:sld>
+</file>
+
+<file path=ppt/slides/slide8.xml><?xml version="1.0" encoding="utf-8"?>
+<p:sld xmlns:a="http://schemas.openxmlformats.org/drawingml/2006/main" xmlns:r="http://schemas.openxmlformats.org/officeDocument/2006/relationships" xmlns:p="http://schemas.openxmlformats.org/presentationml/2006/main">
+  <p:cSld>
+    <p:spTree>
+      <p:nvGrpSpPr>
+        <p:cNvPr id="1" name=""/>
+        <p:cNvGrpSpPr/>
+        <p:nvPr/>
+      </p:nvGrpSpPr>
+      <p:grpSpPr>
+        <a:xfrm>
+          <a:off x="0" y="0"/>
+          <a:ext cx="0" cy="0"/>
+          <a:chOff x="0" y="0"/>
+          <a:chExt cx="0" cy="0"/>
+        </a:xfrm>
+      </p:grpSpPr>
+      <p:pic>
+        <p:nvPicPr>
+          <p:cNvPr id="4" name="内容占位符 3"/>
           <p:cNvPicPr>
             <a:picLocks noGrp="1" noChangeAspect="1"/>
           </p:cNvPicPr>
@@ -3811,67 +7890,8 @@
         </p:blipFill>
         <p:spPr>
           <a:xfrm>
-            <a:off x="628651" y="1304460"/>
-            <a:ext cx="7886700" cy="5393669"/>
-          </a:xfrm>
-        </p:spPr>
-      </p:pic>
-    </p:spTree>
-    <p:extLst>
-      <p:ext uri="{BB962C8B-B14F-4D97-AF65-F5344CB8AC3E}">
-        <p14:creationId xmlns:p14="http://schemas.microsoft.com/office/powerpoint/2010/main" val="1905298258"/>
-      </p:ext>
-    </p:extLst>
-  </p:cSld>
-  <p:clrMapOvr>
-    <a:masterClrMapping/>
-  </p:clrMapOvr>
-</p:sld>
-</file>
-
-<file path=ppt/slides/slide7.xml><?xml version="1.0" encoding="utf-8"?>
-<p:sld xmlns:a="http://schemas.openxmlformats.org/drawingml/2006/main" xmlns:r="http://schemas.openxmlformats.org/officeDocument/2006/relationships" xmlns:p="http://schemas.openxmlformats.org/presentationml/2006/main">
-  <p:cSld>
-    <p:spTree>
-      <p:nvGrpSpPr>
-        <p:cNvPr id="1" name=""/>
-        <p:cNvGrpSpPr/>
-        <p:nvPr/>
-      </p:nvGrpSpPr>
-      <p:grpSpPr>
-        <a:xfrm>
-          <a:off x="0" y="0"/>
-          <a:ext cx="0" cy="0"/>
-          <a:chOff x="0" y="0"/>
-          <a:chExt cx="0" cy="0"/>
-        </a:xfrm>
-      </p:grpSpPr>
-      <p:pic>
-        <p:nvPicPr>
-          <p:cNvPr id="6" name="内容占位符 5"/>
-          <p:cNvPicPr>
-            <a:picLocks noGrp="1" noChangeAspect="1"/>
-          </p:cNvPicPr>
-          <p:nvPr>
-            <p:ph idx="1"/>
-          </p:nvPr>
-        </p:nvPicPr>
-        <p:blipFill>
-          <a:blip r:embed="rId2">
-            <a:extLst>
-              <a:ext uri="{28A0092B-C50C-407E-A947-70E740481C1C}">
-                <a14:useLocalDpi xmlns:a14="http://schemas.microsoft.com/office/drawing/2010/main" val="0"/>
-              </a:ext>
-            </a:extLst>
-          </a:blip>
-          <a:stretch>
-            <a:fillRect/>
-          </a:stretch>
-        </p:blipFill>
-        <p:spPr>
-          <a:xfrm>
-            <a:off x="628650" y="977024"/>
-            <a:ext cx="7886700" cy="5778374"/>
+            <a:off x="2248307" y="365126"/>
+            <a:ext cx="6207250" cy="5811837"/>
           </a:xfrm>
         </p:spPr>
       </p:pic>
@@ -3891,13 +7911,1269 @@
           <a:lstStyle/>
           <a:p>
             <a:r>
+              <a:rPr lang="zh-CN" altLang="en-US" dirty="0" smtClean="0"/>
+              <a:t>时序图</a:t>
+            </a:r>
+            <a:endParaRPr lang="zh-CN" altLang="en-US" dirty="0"/>
+          </a:p>
+        </p:txBody>
+      </p:sp>
+    </p:spTree>
+    <p:extLst>
+      <p:ext uri="{BB962C8B-B14F-4D97-AF65-F5344CB8AC3E}">
+        <p14:creationId xmlns:p14="http://schemas.microsoft.com/office/powerpoint/2010/main" val="1905298258"/>
+      </p:ext>
+    </p:extLst>
+  </p:cSld>
+  <p:clrMapOvr>
+    <a:masterClrMapping/>
+  </p:clrMapOvr>
+  <p:timing>
+    <p:tnLst>
+      <p:par>
+        <p:cTn id="1" dur="indefinite" restart="never" nodeType="tmRoot"/>
+      </p:par>
+    </p:tnLst>
+  </p:timing>
+</p:sld>
+</file>
+
+<file path=ppt/slides/slide9.xml><?xml version="1.0" encoding="utf-8"?>
+<p:sld xmlns:a="http://schemas.openxmlformats.org/drawingml/2006/main" xmlns:r="http://schemas.openxmlformats.org/officeDocument/2006/relationships" xmlns:p="http://schemas.openxmlformats.org/presentationml/2006/main">
+  <p:cSld>
+    <p:spTree>
+      <p:nvGrpSpPr>
+        <p:cNvPr id="1" name=""/>
+        <p:cNvGrpSpPr/>
+        <p:nvPr/>
+      </p:nvGrpSpPr>
+      <p:grpSpPr>
+        <a:xfrm>
+          <a:off x="0" y="0"/>
+          <a:ext cx="0" cy="0"/>
+          <a:chOff x="0" y="0"/>
+          <a:chExt cx="0" cy="0"/>
+        </a:xfrm>
+      </p:grpSpPr>
+      <p:sp>
+        <p:nvSpPr>
+          <p:cNvPr id="2" name="标题 1"/>
+          <p:cNvSpPr>
+            <a:spLocks noGrp="1"/>
+          </p:cNvSpPr>
+          <p:nvPr>
+            <p:ph type="title"/>
+          </p:nvPr>
+        </p:nvSpPr>
+        <p:spPr/>
+        <p:txBody>
+          <a:bodyPr/>
+          <a:lstStyle/>
+          <a:p>
+            <a:r>
               <a:rPr lang="en-US" altLang="zh-CN" dirty="0" smtClean="0"/>
               <a:t>CDN</a:t>
             </a:r>
+            <a:r>
+              <a:rPr lang="zh-CN" altLang="en-US" dirty="0" smtClean="0"/>
+              <a:t>配置项</a:t>
+            </a:r>
             <a:endParaRPr lang="zh-CN" altLang="en-US" dirty="0"/>
           </a:p>
         </p:txBody>
       </p:sp>
+      <p:graphicFrame>
+        <p:nvGraphicFramePr>
+          <p:cNvPr id="7" name="表格 6"/>
+          <p:cNvGraphicFramePr>
+            <a:graphicFrameLocks noGrp="1"/>
+          </p:cNvGraphicFramePr>
+          <p:nvPr>
+            <p:extLst>
+              <p:ext uri="{D42A27DB-BD31-4B8C-83A1-F6EECF244321}">
+                <p14:modId xmlns:p14="http://schemas.microsoft.com/office/powerpoint/2010/main" val="1696347636"/>
+              </p:ext>
+            </p:extLst>
+          </p:nvPr>
+        </p:nvGraphicFramePr>
+        <p:xfrm>
+          <a:off x="452580" y="1852614"/>
+          <a:ext cx="8238840" cy="2647949"/>
+        </p:xfrm>
+        <a:graphic>
+          <a:graphicData uri="http://schemas.openxmlformats.org/drawingml/2006/table">
+            <a:tbl>
+              <a:tblPr firstRow="1" bandRow="1">
+                <a:tableStyleId>{5C22544A-7EE6-4342-B048-85BDC9FD1C3A}</a:tableStyleId>
+              </a:tblPr>
+              <a:tblGrid>
+                <a:gridCol w="684000">
+                  <a:extLst>
+                    <a:ext uri="{9D8B030D-6E8A-4147-A177-3AD203B41FA5}">
+                      <a16:colId xmlns:a16="http://schemas.microsoft.com/office/drawing/2014/main" val="972681757"/>
+                    </a:ext>
+                  </a:extLst>
+                </a:gridCol>
+                <a:gridCol w="2910840">
+                  <a:extLst>
+                    <a:ext uri="{9D8B030D-6E8A-4147-A177-3AD203B41FA5}">
+                      <a16:colId xmlns:a16="http://schemas.microsoft.com/office/drawing/2014/main" val="3162198136"/>
+                    </a:ext>
+                  </a:extLst>
+                </a:gridCol>
+                <a:gridCol w="972000">
+                  <a:extLst>
+                    <a:ext uri="{9D8B030D-6E8A-4147-A177-3AD203B41FA5}">
+                      <a16:colId xmlns:a16="http://schemas.microsoft.com/office/drawing/2014/main" val="574787220"/>
+                    </a:ext>
+                  </a:extLst>
+                </a:gridCol>
+                <a:gridCol w="3672000">
+                  <a:extLst>
+                    <a:ext uri="{9D8B030D-6E8A-4147-A177-3AD203B41FA5}">
+                      <a16:colId xmlns:a16="http://schemas.microsoft.com/office/drawing/2014/main" val="3427752908"/>
+                    </a:ext>
+                  </a:extLst>
+                </a:gridCol>
+              </a:tblGrid>
+              <a:tr h="377189">
+                <a:tc>
+                  <a:txBody>
+                    <a:bodyPr/>
+                    <a:lstStyle/>
+                    <a:p>
+                      <a:pPr marL="0" marR="0" lvl="2" indent="0" algn="ctr" defTabSz="914400" rtl="0" eaLnBrk="1" fontAlgn="auto" latinLnBrk="0" hangingPunct="1">
+                        <a:lnSpc>
+                          <a:spcPct val="100000"/>
+                        </a:lnSpc>
+                        <a:spcBef>
+                          <a:spcPts val="0"/>
+                        </a:spcBef>
+                        <a:spcAft>
+                          <a:spcPts val="0"/>
+                        </a:spcAft>
+                        <a:buClrTx/>
+                        <a:buSzTx/>
+                        <a:buFontTx/>
+                        <a:buNone/>
+                        <a:tabLst/>
+                        <a:defRPr/>
+                      </a:pPr>
+                      <a:r>
+                        <a:rPr lang="zh-CN" altLang="en-US" sz="1600" kern="1200" dirty="0" smtClean="0">
+                          <a:solidFill>
+                            <a:schemeClr val="dk1"/>
+                          </a:solidFill>
+                          <a:latin typeface="黑体" panose="02010609060101010101" pitchFamily="49" charset="-122"/>
+                          <a:ea typeface="黑体" panose="02010609060101010101" pitchFamily="49" charset="-122"/>
+                          <a:cs typeface="+mn-cs"/>
+                        </a:rPr>
+                        <a:t>序号</a:t>
+                      </a:r>
+                      <a:endParaRPr lang="zh-CN" altLang="en-US" sz="1600" kern="1200" dirty="0">
+                        <a:solidFill>
+                          <a:schemeClr val="dk1"/>
+                        </a:solidFill>
+                        <a:latin typeface="黑体" panose="02010609060101010101" pitchFamily="49" charset="-122"/>
+                        <a:ea typeface="黑体" panose="02010609060101010101" pitchFamily="49" charset="-122"/>
+                        <a:cs typeface="+mn-cs"/>
+                      </a:endParaRPr>
+                    </a:p>
+                  </a:txBody>
+                  <a:tcPr anchor="ctr"/>
+                </a:tc>
+                <a:tc>
+                  <a:txBody>
+                    <a:bodyPr/>
+                    <a:lstStyle/>
+                    <a:p>
+                      <a:pPr marL="0" marR="0" lvl="2" indent="0" algn="ctr" defTabSz="914400" rtl="0" eaLnBrk="1" fontAlgn="auto" latinLnBrk="0" hangingPunct="1">
+                        <a:lnSpc>
+                          <a:spcPct val="100000"/>
+                        </a:lnSpc>
+                        <a:spcBef>
+                          <a:spcPts val="0"/>
+                        </a:spcBef>
+                        <a:spcAft>
+                          <a:spcPts val="0"/>
+                        </a:spcAft>
+                        <a:buClrTx/>
+                        <a:buSzTx/>
+                        <a:buFontTx/>
+                        <a:buNone/>
+                        <a:tabLst/>
+                        <a:defRPr/>
+                      </a:pPr>
+                      <a:r>
+                        <a:rPr lang="zh-CN" altLang="en-US" sz="1600" kern="1200" dirty="0" smtClean="0">
+                          <a:solidFill>
+                            <a:schemeClr val="dk1"/>
+                          </a:solidFill>
+                          <a:latin typeface="黑体" panose="02010609060101010101" pitchFamily="49" charset="-122"/>
+                          <a:ea typeface="黑体" panose="02010609060101010101" pitchFamily="49" charset="-122"/>
+                          <a:cs typeface="+mn-cs"/>
+                        </a:rPr>
+                        <a:t>配置名</a:t>
+                      </a:r>
+                      <a:endParaRPr lang="zh-CN" altLang="en-US" sz="1600" kern="1200" dirty="0">
+                        <a:solidFill>
+                          <a:schemeClr val="dk1"/>
+                        </a:solidFill>
+                        <a:latin typeface="黑体" panose="02010609060101010101" pitchFamily="49" charset="-122"/>
+                        <a:ea typeface="黑体" panose="02010609060101010101" pitchFamily="49" charset="-122"/>
+                        <a:cs typeface="+mn-cs"/>
+                      </a:endParaRPr>
+                    </a:p>
+                  </a:txBody>
+                  <a:tcPr anchor="ctr"/>
+                </a:tc>
+                <a:tc>
+                  <a:txBody>
+                    <a:bodyPr/>
+                    <a:lstStyle/>
+                    <a:p>
+                      <a:pPr marL="0" marR="0" lvl="2" indent="0" algn="ctr" defTabSz="914400" rtl="0" eaLnBrk="1" fontAlgn="auto" latinLnBrk="0" hangingPunct="1">
+                        <a:lnSpc>
+                          <a:spcPct val="100000"/>
+                        </a:lnSpc>
+                        <a:spcBef>
+                          <a:spcPts val="0"/>
+                        </a:spcBef>
+                        <a:spcAft>
+                          <a:spcPts val="0"/>
+                        </a:spcAft>
+                        <a:buClrTx/>
+                        <a:buSzTx/>
+                        <a:buFontTx/>
+                        <a:buNone/>
+                        <a:tabLst/>
+                        <a:defRPr/>
+                      </a:pPr>
+                      <a:r>
+                        <a:rPr lang="zh-CN" altLang="en-US" sz="1600" kern="1200" dirty="0" smtClean="0">
+                          <a:solidFill>
+                            <a:schemeClr val="dk1"/>
+                          </a:solidFill>
+                          <a:latin typeface="黑体" panose="02010609060101010101" pitchFamily="49" charset="-122"/>
+                          <a:ea typeface="黑体" panose="02010609060101010101" pitchFamily="49" charset="-122"/>
+                          <a:cs typeface="+mn-cs"/>
+                        </a:rPr>
+                        <a:t>类型</a:t>
+                      </a:r>
+                      <a:endParaRPr lang="zh-CN" altLang="en-US" sz="1600" kern="1200" dirty="0">
+                        <a:solidFill>
+                          <a:schemeClr val="dk1"/>
+                        </a:solidFill>
+                        <a:latin typeface="黑体" panose="02010609060101010101" pitchFamily="49" charset="-122"/>
+                        <a:ea typeface="黑体" panose="02010609060101010101" pitchFamily="49" charset="-122"/>
+                        <a:cs typeface="+mn-cs"/>
+                      </a:endParaRPr>
+                    </a:p>
+                  </a:txBody>
+                  <a:tcPr anchor="ctr"/>
+                </a:tc>
+                <a:tc>
+                  <a:txBody>
+                    <a:bodyPr/>
+                    <a:lstStyle/>
+                    <a:p>
+                      <a:pPr marL="0" marR="0" lvl="2" indent="0" algn="ctr" defTabSz="914400" rtl="0" eaLnBrk="1" fontAlgn="auto" latinLnBrk="0" hangingPunct="1">
+                        <a:lnSpc>
+                          <a:spcPct val="100000"/>
+                        </a:lnSpc>
+                        <a:spcBef>
+                          <a:spcPts val="0"/>
+                        </a:spcBef>
+                        <a:spcAft>
+                          <a:spcPts val="0"/>
+                        </a:spcAft>
+                        <a:buClrTx/>
+                        <a:buSzTx/>
+                        <a:buFontTx/>
+                        <a:buNone/>
+                        <a:tabLst/>
+                        <a:defRPr/>
+                      </a:pPr>
+                      <a:r>
+                        <a:rPr lang="zh-CN" altLang="en-US" sz="1600" kern="1200" dirty="0" smtClean="0">
+                          <a:solidFill>
+                            <a:schemeClr val="dk1"/>
+                          </a:solidFill>
+                          <a:latin typeface="黑体" panose="02010609060101010101" pitchFamily="49" charset="-122"/>
+                          <a:ea typeface="黑体" panose="02010609060101010101" pitchFamily="49" charset="-122"/>
+                          <a:cs typeface="+mn-cs"/>
+                        </a:rPr>
+                        <a:t>含义</a:t>
+                      </a:r>
+                      <a:endParaRPr lang="zh-CN" altLang="en-US" sz="1600" kern="1200" dirty="0">
+                        <a:solidFill>
+                          <a:schemeClr val="dk1"/>
+                        </a:solidFill>
+                        <a:latin typeface="黑体" panose="02010609060101010101" pitchFamily="49" charset="-122"/>
+                        <a:ea typeface="黑体" panose="02010609060101010101" pitchFamily="49" charset="-122"/>
+                        <a:cs typeface="+mn-cs"/>
+                      </a:endParaRPr>
+                    </a:p>
+                  </a:txBody>
+                  <a:tcPr anchor="ctr"/>
+                </a:tc>
+                <a:extLst>
+                  <a:ext uri="{0D108BD9-81ED-4DB2-BD59-A6C34878D82A}">
+                    <a16:rowId xmlns:a16="http://schemas.microsoft.com/office/drawing/2014/main" val="2830105445"/>
+                  </a:ext>
+                </a:extLst>
+              </a:tr>
+              <a:tr h="370840">
+                <a:tc>
+                  <a:txBody>
+                    <a:bodyPr/>
+                    <a:lstStyle/>
+                    <a:p>
+                      <a:pPr marL="0" marR="0" lvl="2" indent="0" algn="ctr" defTabSz="914400" rtl="0" eaLnBrk="1" fontAlgn="auto" latinLnBrk="0" hangingPunct="1">
+                        <a:lnSpc>
+                          <a:spcPct val="100000"/>
+                        </a:lnSpc>
+                        <a:spcBef>
+                          <a:spcPts val="0"/>
+                        </a:spcBef>
+                        <a:spcAft>
+                          <a:spcPts val="0"/>
+                        </a:spcAft>
+                        <a:buClrTx/>
+                        <a:buSzTx/>
+                        <a:buFontTx/>
+                        <a:buNone/>
+                        <a:tabLst/>
+                        <a:defRPr/>
+                      </a:pPr>
+                      <a:r>
+                        <a:rPr lang="en-US" altLang="zh-CN" sz="1600" kern="1200" dirty="0" smtClean="0">
+                          <a:solidFill>
+                            <a:schemeClr val="dk1"/>
+                          </a:solidFill>
+                          <a:latin typeface="黑体" panose="02010609060101010101" pitchFamily="49" charset="-122"/>
+                          <a:ea typeface="黑体" panose="02010609060101010101" pitchFamily="49" charset="-122"/>
+                          <a:cs typeface="+mn-cs"/>
+                        </a:rPr>
+                        <a:t>1</a:t>
+                      </a:r>
+                      <a:endParaRPr lang="zh-CN" altLang="en-US" sz="1600" kern="1200" dirty="0">
+                        <a:solidFill>
+                          <a:schemeClr val="dk1"/>
+                        </a:solidFill>
+                        <a:latin typeface="黑体" panose="02010609060101010101" pitchFamily="49" charset="-122"/>
+                        <a:ea typeface="黑体" panose="02010609060101010101" pitchFamily="49" charset="-122"/>
+                        <a:cs typeface="+mn-cs"/>
+                      </a:endParaRPr>
+                    </a:p>
+                  </a:txBody>
+                  <a:tcPr anchor="ctr"/>
+                </a:tc>
+                <a:tc>
+                  <a:txBody>
+                    <a:bodyPr/>
+                    <a:lstStyle/>
+                    <a:p>
+                      <a:pPr marL="0" marR="0" lvl="2" indent="0" algn="ctr" defTabSz="914400" rtl="0" eaLnBrk="1" fontAlgn="auto" latinLnBrk="0" hangingPunct="1">
+                        <a:lnSpc>
+                          <a:spcPct val="100000"/>
+                        </a:lnSpc>
+                        <a:spcBef>
+                          <a:spcPts val="0"/>
+                        </a:spcBef>
+                        <a:spcAft>
+                          <a:spcPts val="0"/>
+                        </a:spcAft>
+                        <a:buClrTx/>
+                        <a:buSzTx/>
+                        <a:buFontTx/>
+                        <a:buNone/>
+                        <a:tabLst/>
+                        <a:defRPr/>
+                      </a:pPr>
+                      <a:r>
+                        <a:rPr lang="en-US" altLang="zh-CN" sz="1600" kern="1200" dirty="0" err="1" smtClean="0">
+                          <a:solidFill>
+                            <a:schemeClr val="dk1"/>
+                          </a:solidFill>
+                          <a:latin typeface="黑体" panose="02010609060101010101" pitchFamily="49" charset="-122"/>
+                          <a:ea typeface="黑体" panose="02010609060101010101" pitchFamily="49" charset="-122"/>
+                          <a:cs typeface="+mn-cs"/>
+                        </a:rPr>
+                        <a:t>bandwidthTesterPackageSize</a:t>
+                      </a:r>
+                      <a:endParaRPr lang="zh-CN" altLang="en-US" sz="1600" kern="1200" dirty="0">
+                        <a:solidFill>
+                          <a:schemeClr val="dk1"/>
+                        </a:solidFill>
+                        <a:latin typeface="黑体" panose="02010609060101010101" pitchFamily="49" charset="-122"/>
+                        <a:ea typeface="黑体" panose="02010609060101010101" pitchFamily="49" charset="-122"/>
+                        <a:cs typeface="+mn-cs"/>
+                      </a:endParaRPr>
+                    </a:p>
+                  </a:txBody>
+                  <a:tcPr anchor="ctr"/>
+                </a:tc>
+                <a:tc>
+                  <a:txBody>
+                    <a:bodyPr/>
+                    <a:lstStyle/>
+                    <a:p>
+                      <a:pPr marL="0" marR="0" lvl="2" indent="0" algn="ctr" defTabSz="914400" rtl="0" eaLnBrk="1" fontAlgn="auto" latinLnBrk="0" hangingPunct="1">
+                        <a:lnSpc>
+                          <a:spcPct val="100000"/>
+                        </a:lnSpc>
+                        <a:spcBef>
+                          <a:spcPts val="0"/>
+                        </a:spcBef>
+                        <a:spcAft>
+                          <a:spcPts val="0"/>
+                        </a:spcAft>
+                        <a:buClrTx/>
+                        <a:buSzTx/>
+                        <a:buFontTx/>
+                        <a:buNone/>
+                        <a:tabLst/>
+                        <a:defRPr/>
+                      </a:pPr>
+                      <a:r>
+                        <a:rPr lang="en-US" altLang="zh-CN" sz="1600" kern="1200" dirty="0" err="1" smtClean="0">
+                          <a:solidFill>
+                            <a:schemeClr val="dk1"/>
+                          </a:solidFill>
+                          <a:latin typeface="黑体" panose="02010609060101010101" pitchFamily="49" charset="-122"/>
+                          <a:ea typeface="黑体" panose="02010609060101010101" pitchFamily="49" charset="-122"/>
+                          <a:cs typeface="+mn-cs"/>
+                        </a:rPr>
+                        <a:t>int</a:t>
+                      </a:r>
+                      <a:endParaRPr lang="zh-CN" altLang="en-US" sz="1600" kern="1200" dirty="0">
+                        <a:solidFill>
+                          <a:schemeClr val="dk1"/>
+                        </a:solidFill>
+                        <a:latin typeface="黑体" panose="02010609060101010101" pitchFamily="49" charset="-122"/>
+                        <a:ea typeface="黑体" panose="02010609060101010101" pitchFamily="49" charset="-122"/>
+                        <a:cs typeface="+mn-cs"/>
+                      </a:endParaRPr>
+                    </a:p>
+                  </a:txBody>
+                  <a:tcPr anchor="ctr"/>
+                </a:tc>
+                <a:tc>
+                  <a:txBody>
+                    <a:bodyPr/>
+                    <a:lstStyle/>
+                    <a:p>
+                      <a:pPr marL="0" marR="0" lvl="2" indent="0" algn="ctr" defTabSz="914400" rtl="0" eaLnBrk="1" fontAlgn="auto" latinLnBrk="0" hangingPunct="1">
+                        <a:lnSpc>
+                          <a:spcPct val="100000"/>
+                        </a:lnSpc>
+                        <a:spcBef>
+                          <a:spcPts val="0"/>
+                        </a:spcBef>
+                        <a:spcAft>
+                          <a:spcPts val="0"/>
+                        </a:spcAft>
+                        <a:buClrTx/>
+                        <a:buSzTx/>
+                        <a:buFontTx/>
+                        <a:buNone/>
+                        <a:tabLst/>
+                        <a:defRPr/>
+                      </a:pPr>
+                      <a:r>
+                        <a:rPr lang="zh-CN" altLang="en-US" sz="1600" kern="1200" dirty="0" smtClean="0">
+                          <a:solidFill>
+                            <a:schemeClr val="dk1"/>
+                          </a:solidFill>
+                          <a:latin typeface="黑体" panose="02010609060101010101" pitchFamily="49" charset="-122"/>
+                          <a:ea typeface="黑体" panose="02010609060101010101" pitchFamily="49" charset="-122"/>
+                          <a:cs typeface="+mn-cs"/>
+                        </a:rPr>
+                        <a:t>网速测试控制器写回包的大小</a:t>
+                      </a:r>
+                    </a:p>
+                  </a:txBody>
+                  <a:tcPr anchor="ctr"/>
+                </a:tc>
+                <a:extLst>
+                  <a:ext uri="{0D108BD9-81ED-4DB2-BD59-A6C34878D82A}">
+                    <a16:rowId xmlns:a16="http://schemas.microsoft.com/office/drawing/2014/main" val="1653414570"/>
+                  </a:ext>
+                </a:extLst>
+              </a:tr>
+              <a:tr h="370840">
+                <a:tc>
+                  <a:txBody>
+                    <a:bodyPr/>
+                    <a:lstStyle/>
+                    <a:p>
+                      <a:pPr marL="0" marR="0" lvl="2" indent="0" algn="ctr" defTabSz="914400" rtl="0" eaLnBrk="1" fontAlgn="auto" latinLnBrk="0" hangingPunct="1">
+                        <a:lnSpc>
+                          <a:spcPct val="100000"/>
+                        </a:lnSpc>
+                        <a:spcBef>
+                          <a:spcPts val="0"/>
+                        </a:spcBef>
+                        <a:spcAft>
+                          <a:spcPts val="0"/>
+                        </a:spcAft>
+                        <a:buClrTx/>
+                        <a:buSzTx/>
+                        <a:buFontTx/>
+                        <a:buNone/>
+                        <a:tabLst/>
+                        <a:defRPr/>
+                      </a:pPr>
+                      <a:r>
+                        <a:rPr lang="en-US" altLang="zh-CN" sz="1600" kern="1200" dirty="0" smtClean="0">
+                          <a:solidFill>
+                            <a:schemeClr val="dk1"/>
+                          </a:solidFill>
+                          <a:latin typeface="黑体" panose="02010609060101010101" pitchFamily="49" charset="-122"/>
+                          <a:ea typeface="黑体" panose="02010609060101010101" pitchFamily="49" charset="-122"/>
+                          <a:cs typeface="+mn-cs"/>
+                        </a:rPr>
+                        <a:t>2</a:t>
+                      </a:r>
+                      <a:endParaRPr lang="zh-CN" altLang="en-US" sz="1600" kern="1200" dirty="0">
+                        <a:solidFill>
+                          <a:schemeClr val="dk1"/>
+                        </a:solidFill>
+                        <a:latin typeface="黑体" panose="02010609060101010101" pitchFamily="49" charset="-122"/>
+                        <a:ea typeface="黑体" panose="02010609060101010101" pitchFamily="49" charset="-122"/>
+                        <a:cs typeface="+mn-cs"/>
+                      </a:endParaRPr>
+                    </a:p>
+                  </a:txBody>
+                  <a:tcPr anchor="ctr"/>
+                </a:tc>
+                <a:tc>
+                  <a:txBody>
+                    <a:bodyPr/>
+                    <a:lstStyle/>
+                    <a:p>
+                      <a:pPr marL="0" marR="0" lvl="2" indent="0" algn="ctr" defTabSz="914400" rtl="0" eaLnBrk="1" fontAlgn="auto" latinLnBrk="0" hangingPunct="1">
+                        <a:lnSpc>
+                          <a:spcPct val="100000"/>
+                        </a:lnSpc>
+                        <a:spcBef>
+                          <a:spcPts val="0"/>
+                        </a:spcBef>
+                        <a:spcAft>
+                          <a:spcPts val="0"/>
+                        </a:spcAft>
+                        <a:buClrTx/>
+                        <a:buSzTx/>
+                        <a:buFontTx/>
+                        <a:buNone/>
+                        <a:tabLst/>
+                        <a:defRPr/>
+                      </a:pPr>
+                      <a:r>
+                        <a:rPr lang="en-US" altLang="zh-CN" sz="1600" kern="1200" dirty="0" err="1" smtClean="0">
+                          <a:solidFill>
+                            <a:schemeClr val="dk1"/>
+                          </a:solidFill>
+                          <a:latin typeface="黑体" panose="02010609060101010101" pitchFamily="49" charset="-122"/>
+                          <a:ea typeface="黑体" panose="02010609060101010101" pitchFamily="49" charset="-122"/>
+                          <a:cs typeface="+mn-cs"/>
+                        </a:rPr>
+                        <a:t>imageHost</a:t>
+                      </a:r>
+                      <a:endParaRPr lang="zh-CN" altLang="en-US" sz="1600" kern="1200" dirty="0">
+                        <a:solidFill>
+                          <a:schemeClr val="dk1"/>
+                        </a:solidFill>
+                        <a:latin typeface="黑体" panose="02010609060101010101" pitchFamily="49" charset="-122"/>
+                        <a:ea typeface="黑体" panose="02010609060101010101" pitchFamily="49" charset="-122"/>
+                        <a:cs typeface="+mn-cs"/>
+                      </a:endParaRPr>
+                    </a:p>
+                  </a:txBody>
+                  <a:tcPr anchor="ctr"/>
+                </a:tc>
+                <a:tc>
+                  <a:txBody>
+                    <a:bodyPr/>
+                    <a:lstStyle/>
+                    <a:p>
+                      <a:pPr marL="0" marR="0" lvl="2" indent="0" algn="ctr" defTabSz="914400" rtl="0" eaLnBrk="1" fontAlgn="auto" latinLnBrk="0" hangingPunct="1">
+                        <a:lnSpc>
+                          <a:spcPct val="100000"/>
+                        </a:lnSpc>
+                        <a:spcBef>
+                          <a:spcPts val="0"/>
+                        </a:spcBef>
+                        <a:spcAft>
+                          <a:spcPts val="0"/>
+                        </a:spcAft>
+                        <a:buClrTx/>
+                        <a:buSzTx/>
+                        <a:buFontTx/>
+                        <a:buNone/>
+                        <a:tabLst/>
+                        <a:defRPr/>
+                      </a:pPr>
+                      <a:r>
+                        <a:rPr lang="en-US" altLang="zh-CN" sz="1600" kern="1200" dirty="0" smtClean="0">
+                          <a:solidFill>
+                            <a:schemeClr val="dk1"/>
+                          </a:solidFill>
+                          <a:latin typeface="黑体" panose="02010609060101010101" pitchFamily="49" charset="-122"/>
+                          <a:ea typeface="黑体" panose="02010609060101010101" pitchFamily="49" charset="-122"/>
+                          <a:cs typeface="+mn-cs"/>
+                        </a:rPr>
+                        <a:t>String</a:t>
+                      </a:r>
+                      <a:endParaRPr lang="zh-CN" altLang="en-US" sz="1600" kern="1200" dirty="0">
+                        <a:solidFill>
+                          <a:schemeClr val="dk1"/>
+                        </a:solidFill>
+                        <a:latin typeface="黑体" panose="02010609060101010101" pitchFamily="49" charset="-122"/>
+                        <a:ea typeface="黑体" panose="02010609060101010101" pitchFamily="49" charset="-122"/>
+                        <a:cs typeface="+mn-cs"/>
+                      </a:endParaRPr>
+                    </a:p>
+                  </a:txBody>
+                  <a:tcPr anchor="ctr"/>
+                </a:tc>
+                <a:tc>
+                  <a:txBody>
+                    <a:bodyPr/>
+                    <a:lstStyle/>
+                    <a:p>
+                      <a:pPr marL="0" marR="0" lvl="2" indent="0" algn="ctr" defTabSz="914400" rtl="0" eaLnBrk="1" fontAlgn="auto" latinLnBrk="0" hangingPunct="1">
+                        <a:lnSpc>
+                          <a:spcPct val="100000"/>
+                        </a:lnSpc>
+                        <a:spcBef>
+                          <a:spcPts val="0"/>
+                        </a:spcBef>
+                        <a:spcAft>
+                          <a:spcPts val="0"/>
+                        </a:spcAft>
+                        <a:buClrTx/>
+                        <a:buSzTx/>
+                        <a:buFontTx/>
+                        <a:buNone/>
+                        <a:tabLst/>
+                        <a:defRPr/>
+                      </a:pPr>
+                      <a:r>
+                        <a:rPr lang="zh-CN" altLang="en-US" sz="1600" kern="1200" dirty="0" smtClean="0">
+                          <a:solidFill>
+                            <a:schemeClr val="dk1"/>
+                          </a:solidFill>
+                          <a:latin typeface="黑体" panose="02010609060101010101" pitchFamily="49" charset="-122"/>
+                          <a:ea typeface="黑体" panose="02010609060101010101" pitchFamily="49" charset="-122"/>
+                          <a:cs typeface="+mn-cs"/>
+                        </a:rPr>
+                        <a:t>图片实际所在域名，如</a:t>
+                      </a:r>
+                      <a:r>
+                        <a:rPr lang="en-US" altLang="zh-CN" sz="1600" kern="1200" dirty="0" smtClean="0">
+                          <a:solidFill>
+                            <a:schemeClr val="dk1"/>
+                          </a:solidFill>
+                          <a:latin typeface="黑体" panose="02010609060101010101" pitchFamily="49" charset="-122"/>
+                          <a:ea typeface="黑体" panose="02010609060101010101" pitchFamily="49" charset="-122"/>
+                          <a:cs typeface="+mn-cs"/>
+                        </a:rPr>
+                        <a:t>"http://www.baidu.com"</a:t>
+                      </a:r>
+                    </a:p>
+                  </a:txBody>
+                  <a:tcPr anchor="ctr"/>
+                </a:tc>
+                <a:extLst>
+                  <a:ext uri="{0D108BD9-81ED-4DB2-BD59-A6C34878D82A}">
+                    <a16:rowId xmlns:a16="http://schemas.microsoft.com/office/drawing/2014/main" val="1345469901"/>
+                  </a:ext>
+                </a:extLst>
+              </a:tr>
+              <a:tr h="370840">
+                <a:tc>
+                  <a:txBody>
+                    <a:bodyPr/>
+                    <a:lstStyle/>
+                    <a:p>
+                      <a:pPr marL="0" marR="0" lvl="2" indent="0" algn="ctr" defTabSz="914400" rtl="0" eaLnBrk="1" fontAlgn="auto" latinLnBrk="0" hangingPunct="1">
+                        <a:lnSpc>
+                          <a:spcPct val="100000"/>
+                        </a:lnSpc>
+                        <a:spcBef>
+                          <a:spcPts val="0"/>
+                        </a:spcBef>
+                        <a:spcAft>
+                          <a:spcPts val="0"/>
+                        </a:spcAft>
+                        <a:buClrTx/>
+                        <a:buSzTx/>
+                        <a:buFontTx/>
+                        <a:buNone/>
+                        <a:tabLst/>
+                        <a:defRPr/>
+                      </a:pPr>
+                      <a:r>
+                        <a:rPr lang="en-US" altLang="zh-CN" sz="1600" kern="1200" dirty="0" smtClean="0">
+                          <a:solidFill>
+                            <a:schemeClr val="dk1"/>
+                          </a:solidFill>
+                          <a:latin typeface="黑体" panose="02010609060101010101" pitchFamily="49" charset="-122"/>
+                          <a:ea typeface="黑体" panose="02010609060101010101" pitchFamily="49" charset="-122"/>
+                          <a:cs typeface="+mn-cs"/>
+                        </a:rPr>
+                        <a:t>3</a:t>
+                      </a:r>
+                      <a:endParaRPr lang="zh-CN" altLang="en-US" sz="1600" kern="1200" dirty="0">
+                        <a:solidFill>
+                          <a:schemeClr val="dk1"/>
+                        </a:solidFill>
+                        <a:latin typeface="黑体" panose="02010609060101010101" pitchFamily="49" charset="-122"/>
+                        <a:ea typeface="黑体" panose="02010609060101010101" pitchFamily="49" charset="-122"/>
+                        <a:cs typeface="+mn-cs"/>
+                      </a:endParaRPr>
+                    </a:p>
+                  </a:txBody>
+                  <a:tcPr anchor="ctr"/>
+                </a:tc>
+                <a:tc>
+                  <a:txBody>
+                    <a:bodyPr/>
+                    <a:lstStyle/>
+                    <a:p>
+                      <a:pPr marL="0" marR="0" lvl="2" indent="0" algn="ctr" defTabSz="914400" rtl="0" eaLnBrk="1" fontAlgn="auto" latinLnBrk="0" hangingPunct="1">
+                        <a:lnSpc>
+                          <a:spcPct val="100000"/>
+                        </a:lnSpc>
+                        <a:spcBef>
+                          <a:spcPts val="0"/>
+                        </a:spcBef>
+                        <a:spcAft>
+                          <a:spcPts val="0"/>
+                        </a:spcAft>
+                        <a:buClrTx/>
+                        <a:buSzTx/>
+                        <a:buFontTx/>
+                        <a:buNone/>
+                        <a:tabLst/>
+                        <a:defRPr/>
+                      </a:pPr>
+                      <a:r>
+                        <a:rPr lang="en-US" altLang="zh-CN" sz="1600" kern="1200" dirty="0" err="1" smtClean="0">
+                          <a:solidFill>
+                            <a:schemeClr val="dk1"/>
+                          </a:solidFill>
+                          <a:latin typeface="黑体" panose="02010609060101010101" pitchFamily="49" charset="-122"/>
+                          <a:ea typeface="黑体" panose="02010609060101010101" pitchFamily="49" charset="-122"/>
+                          <a:cs typeface="+mn-cs"/>
+                        </a:rPr>
+                        <a:t>packageSize</a:t>
+                      </a:r>
+                      <a:endParaRPr lang="zh-CN" altLang="en-US" sz="1600" kern="1200" dirty="0">
+                        <a:solidFill>
+                          <a:schemeClr val="dk1"/>
+                        </a:solidFill>
+                        <a:latin typeface="黑体" panose="02010609060101010101" pitchFamily="49" charset="-122"/>
+                        <a:ea typeface="黑体" panose="02010609060101010101" pitchFamily="49" charset="-122"/>
+                        <a:cs typeface="+mn-cs"/>
+                      </a:endParaRPr>
+                    </a:p>
+                  </a:txBody>
+                  <a:tcPr anchor="ctr"/>
+                </a:tc>
+                <a:tc>
+                  <a:txBody>
+                    <a:bodyPr/>
+                    <a:lstStyle/>
+                    <a:p>
+                      <a:pPr marL="0" marR="0" lvl="2" indent="0" algn="ctr" defTabSz="914400" rtl="0" eaLnBrk="1" fontAlgn="auto" latinLnBrk="0" hangingPunct="1">
+                        <a:lnSpc>
+                          <a:spcPct val="100000"/>
+                        </a:lnSpc>
+                        <a:spcBef>
+                          <a:spcPts val="0"/>
+                        </a:spcBef>
+                        <a:spcAft>
+                          <a:spcPts val="0"/>
+                        </a:spcAft>
+                        <a:buClrTx/>
+                        <a:buSzTx/>
+                        <a:buFontTx/>
+                        <a:buNone/>
+                        <a:tabLst/>
+                        <a:defRPr/>
+                      </a:pPr>
+                      <a:r>
+                        <a:rPr lang="en-US" altLang="zh-CN" sz="1600" kern="1200" dirty="0" smtClean="0">
+                          <a:solidFill>
+                            <a:schemeClr val="dk1"/>
+                          </a:solidFill>
+                          <a:latin typeface="黑体" panose="02010609060101010101" pitchFamily="49" charset="-122"/>
+                          <a:ea typeface="黑体" panose="02010609060101010101" pitchFamily="49" charset="-122"/>
+                          <a:cs typeface="+mn-cs"/>
+                        </a:rPr>
+                        <a:t>--</a:t>
+                      </a:r>
+                      <a:endParaRPr lang="zh-CN" altLang="en-US" sz="1600" kern="1200" dirty="0">
+                        <a:solidFill>
+                          <a:schemeClr val="dk1"/>
+                        </a:solidFill>
+                        <a:latin typeface="黑体" panose="02010609060101010101" pitchFamily="49" charset="-122"/>
+                        <a:ea typeface="黑体" panose="02010609060101010101" pitchFamily="49" charset="-122"/>
+                        <a:cs typeface="+mn-cs"/>
+                      </a:endParaRPr>
+                    </a:p>
+                  </a:txBody>
+                  <a:tcPr anchor="ctr"/>
+                </a:tc>
+                <a:tc>
+                  <a:txBody>
+                    <a:bodyPr/>
+                    <a:lstStyle/>
+                    <a:p>
+                      <a:pPr marL="0" marR="0" lvl="2" indent="0" algn="ctr" defTabSz="914400" rtl="0" eaLnBrk="1" fontAlgn="auto" latinLnBrk="0" hangingPunct="1">
+                        <a:lnSpc>
+                          <a:spcPct val="100000"/>
+                        </a:lnSpc>
+                        <a:spcBef>
+                          <a:spcPts val="0"/>
+                        </a:spcBef>
+                        <a:spcAft>
+                          <a:spcPts val="0"/>
+                        </a:spcAft>
+                        <a:buClrTx/>
+                        <a:buSzTx/>
+                        <a:buFontTx/>
+                        <a:buNone/>
+                        <a:tabLst/>
+                        <a:defRPr/>
+                      </a:pPr>
+                      <a:r>
+                        <a:rPr lang="zh-CN" altLang="en-US" sz="1600" kern="1200" dirty="0" smtClean="0">
+                          <a:solidFill>
+                            <a:schemeClr val="dk1"/>
+                          </a:solidFill>
+                          <a:latin typeface="黑体" panose="02010609060101010101" pitchFamily="49" charset="-122"/>
+                          <a:ea typeface="黑体" panose="02010609060101010101" pitchFamily="49" charset="-122"/>
+                          <a:cs typeface="+mn-cs"/>
+                        </a:rPr>
+                        <a:t>网速测试控制器写回包的大小</a:t>
+                      </a:r>
+                    </a:p>
+                  </a:txBody>
+                  <a:tcPr anchor="ctr"/>
+                </a:tc>
+                <a:extLst>
+                  <a:ext uri="{0D108BD9-81ED-4DB2-BD59-A6C34878D82A}">
+                    <a16:rowId xmlns:a16="http://schemas.microsoft.com/office/drawing/2014/main" val="2175447637"/>
+                  </a:ext>
+                </a:extLst>
+              </a:tr>
+              <a:tr h="370840">
+                <a:tc>
+                  <a:txBody>
+                    <a:bodyPr/>
+                    <a:lstStyle/>
+                    <a:p>
+                      <a:pPr marL="0" marR="0" lvl="2" indent="0" algn="ctr" defTabSz="914400" rtl="0" eaLnBrk="1" fontAlgn="auto" latinLnBrk="0" hangingPunct="1">
+                        <a:lnSpc>
+                          <a:spcPct val="100000"/>
+                        </a:lnSpc>
+                        <a:spcBef>
+                          <a:spcPts val="0"/>
+                        </a:spcBef>
+                        <a:spcAft>
+                          <a:spcPts val="0"/>
+                        </a:spcAft>
+                        <a:buClrTx/>
+                        <a:buSzTx/>
+                        <a:buFontTx/>
+                        <a:buNone/>
+                        <a:tabLst/>
+                        <a:defRPr/>
+                      </a:pPr>
+                      <a:r>
+                        <a:rPr lang="en-US" altLang="zh-CN" sz="1600" kern="1200" dirty="0" smtClean="0">
+                          <a:solidFill>
+                            <a:schemeClr val="dk1"/>
+                          </a:solidFill>
+                          <a:latin typeface="黑体" panose="02010609060101010101" pitchFamily="49" charset="-122"/>
+                          <a:ea typeface="黑体" panose="02010609060101010101" pitchFamily="49" charset="-122"/>
+                          <a:cs typeface="+mn-cs"/>
+                        </a:rPr>
+                        <a:t>4</a:t>
+                      </a:r>
+                      <a:endParaRPr lang="zh-CN" altLang="en-US" sz="1600" kern="1200" dirty="0">
+                        <a:solidFill>
+                          <a:schemeClr val="dk1"/>
+                        </a:solidFill>
+                        <a:latin typeface="黑体" panose="02010609060101010101" pitchFamily="49" charset="-122"/>
+                        <a:ea typeface="黑体" panose="02010609060101010101" pitchFamily="49" charset="-122"/>
+                        <a:cs typeface="+mn-cs"/>
+                      </a:endParaRPr>
+                    </a:p>
+                  </a:txBody>
+                  <a:tcPr anchor="ctr"/>
+                </a:tc>
+                <a:tc>
+                  <a:txBody>
+                    <a:bodyPr/>
+                    <a:lstStyle/>
+                    <a:p>
+                      <a:pPr marL="0" marR="0" lvl="2" indent="0" algn="ctr" defTabSz="914400" rtl="0" eaLnBrk="1" fontAlgn="auto" latinLnBrk="0" hangingPunct="1">
+                        <a:lnSpc>
+                          <a:spcPct val="100000"/>
+                        </a:lnSpc>
+                        <a:spcBef>
+                          <a:spcPts val="0"/>
+                        </a:spcBef>
+                        <a:spcAft>
+                          <a:spcPts val="0"/>
+                        </a:spcAft>
+                        <a:buClrTx/>
+                        <a:buSzTx/>
+                        <a:buFontTx/>
+                        <a:buNone/>
+                        <a:tabLst/>
+                        <a:defRPr/>
+                      </a:pPr>
+                      <a:r>
+                        <a:rPr lang="en-US" altLang="zh-CN" sz="1600" kern="1200" dirty="0" err="1" smtClean="0">
+                          <a:solidFill>
+                            <a:schemeClr val="dk1"/>
+                          </a:solidFill>
+                          <a:latin typeface="黑体" panose="02010609060101010101" pitchFamily="49" charset="-122"/>
+                          <a:ea typeface="黑体" panose="02010609060101010101" pitchFamily="49" charset="-122"/>
+                          <a:cs typeface="+mn-cs"/>
+                        </a:rPr>
+                        <a:t>preloadRatio</a:t>
+                      </a:r>
+                      <a:endParaRPr lang="zh-CN" altLang="en-US" sz="1600" kern="1200" dirty="0">
+                        <a:solidFill>
+                          <a:schemeClr val="dk1"/>
+                        </a:solidFill>
+                        <a:latin typeface="黑体" panose="02010609060101010101" pitchFamily="49" charset="-122"/>
+                        <a:ea typeface="黑体" panose="02010609060101010101" pitchFamily="49" charset="-122"/>
+                        <a:cs typeface="+mn-cs"/>
+                      </a:endParaRPr>
+                    </a:p>
+                  </a:txBody>
+                  <a:tcPr anchor="ctr"/>
+                </a:tc>
+                <a:tc>
+                  <a:txBody>
+                    <a:bodyPr/>
+                    <a:lstStyle/>
+                    <a:p>
+                      <a:pPr marL="0" marR="0" lvl="2" indent="0" algn="ctr" defTabSz="914400" rtl="0" eaLnBrk="1" fontAlgn="auto" latinLnBrk="0" hangingPunct="1">
+                        <a:lnSpc>
+                          <a:spcPct val="100000"/>
+                        </a:lnSpc>
+                        <a:spcBef>
+                          <a:spcPts val="0"/>
+                        </a:spcBef>
+                        <a:spcAft>
+                          <a:spcPts val="0"/>
+                        </a:spcAft>
+                        <a:buClrTx/>
+                        <a:buSzTx/>
+                        <a:buFontTx/>
+                        <a:buNone/>
+                        <a:tabLst/>
+                        <a:defRPr/>
+                      </a:pPr>
+                      <a:r>
+                        <a:rPr lang="en-US" altLang="zh-CN" sz="1600" kern="1200" dirty="0" smtClean="0">
+                          <a:solidFill>
+                            <a:schemeClr val="dk1"/>
+                          </a:solidFill>
+                          <a:latin typeface="黑体" panose="02010609060101010101" pitchFamily="49" charset="-122"/>
+                          <a:ea typeface="黑体" panose="02010609060101010101" pitchFamily="49" charset="-122"/>
+                          <a:cs typeface="+mn-cs"/>
+                        </a:rPr>
+                        <a:t>--</a:t>
+                      </a:r>
+                      <a:endParaRPr lang="zh-CN" altLang="en-US" sz="1600" kern="1200" dirty="0">
+                        <a:solidFill>
+                          <a:schemeClr val="dk1"/>
+                        </a:solidFill>
+                        <a:latin typeface="黑体" panose="02010609060101010101" pitchFamily="49" charset="-122"/>
+                        <a:ea typeface="黑体" panose="02010609060101010101" pitchFamily="49" charset="-122"/>
+                        <a:cs typeface="+mn-cs"/>
+                      </a:endParaRPr>
+                    </a:p>
+                  </a:txBody>
+                  <a:tcPr anchor="ctr"/>
+                </a:tc>
+                <a:tc>
+                  <a:txBody>
+                    <a:bodyPr/>
+                    <a:lstStyle/>
+                    <a:p>
+                      <a:pPr marL="0" marR="0" lvl="2" indent="0" algn="ctr" defTabSz="914400" rtl="0" eaLnBrk="1" fontAlgn="auto" latinLnBrk="0" hangingPunct="1">
+                        <a:lnSpc>
+                          <a:spcPct val="100000"/>
+                        </a:lnSpc>
+                        <a:spcBef>
+                          <a:spcPts val="0"/>
+                        </a:spcBef>
+                        <a:spcAft>
+                          <a:spcPts val="0"/>
+                        </a:spcAft>
+                        <a:buClrTx/>
+                        <a:buSzTx/>
+                        <a:buFontTx/>
+                        <a:buNone/>
+                        <a:tabLst/>
+                        <a:defRPr/>
+                      </a:pPr>
+                      <a:r>
+                        <a:rPr lang="zh-CN" altLang="en-US" sz="1600" kern="1200" dirty="0" smtClean="0">
+                          <a:solidFill>
+                            <a:schemeClr val="dk1"/>
+                          </a:solidFill>
+                          <a:latin typeface="黑体" panose="02010609060101010101" pitchFamily="49" charset="-122"/>
+                          <a:ea typeface="黑体" panose="02010609060101010101" pitchFamily="49" charset="-122"/>
+                          <a:cs typeface="+mn-cs"/>
+                        </a:rPr>
+                        <a:t>页面预加载比例</a:t>
+                      </a:r>
+                      <a:endParaRPr lang="en-US" altLang="zh-CN" sz="1600" kern="1200" dirty="0" smtClean="0">
+                        <a:solidFill>
+                          <a:schemeClr val="dk1"/>
+                        </a:solidFill>
+                        <a:latin typeface="黑体" panose="02010609060101010101" pitchFamily="49" charset="-122"/>
+                        <a:ea typeface="黑体" panose="02010609060101010101" pitchFamily="49" charset="-122"/>
+                        <a:cs typeface="+mn-cs"/>
+                      </a:endParaRPr>
+                    </a:p>
+                  </a:txBody>
+                  <a:tcPr anchor="ctr"/>
+                </a:tc>
+                <a:extLst>
+                  <a:ext uri="{0D108BD9-81ED-4DB2-BD59-A6C34878D82A}">
+                    <a16:rowId xmlns:a16="http://schemas.microsoft.com/office/drawing/2014/main" val="4063934539"/>
+                  </a:ext>
+                </a:extLst>
+              </a:tr>
+              <a:tr h="370840">
+                <a:tc>
+                  <a:txBody>
+                    <a:bodyPr/>
+                    <a:lstStyle/>
+                    <a:p>
+                      <a:pPr marL="0" marR="0" lvl="2" indent="0" algn="ctr" defTabSz="914400" rtl="0" eaLnBrk="1" fontAlgn="auto" latinLnBrk="0" hangingPunct="1">
+                        <a:lnSpc>
+                          <a:spcPct val="100000"/>
+                        </a:lnSpc>
+                        <a:spcBef>
+                          <a:spcPts val="0"/>
+                        </a:spcBef>
+                        <a:spcAft>
+                          <a:spcPts val="0"/>
+                        </a:spcAft>
+                        <a:buClrTx/>
+                        <a:buSzTx/>
+                        <a:buFontTx/>
+                        <a:buNone/>
+                        <a:tabLst/>
+                        <a:defRPr/>
+                      </a:pPr>
+                      <a:r>
+                        <a:rPr lang="en-US" altLang="zh-CN" sz="1600" kern="1200" dirty="0" smtClean="0">
+                          <a:solidFill>
+                            <a:schemeClr val="dk1"/>
+                          </a:solidFill>
+                          <a:latin typeface="黑体" panose="02010609060101010101" pitchFamily="49" charset="-122"/>
+                          <a:ea typeface="黑体" panose="02010609060101010101" pitchFamily="49" charset="-122"/>
+                          <a:cs typeface="+mn-cs"/>
+                        </a:rPr>
+                        <a:t>5</a:t>
+                      </a:r>
+                      <a:endParaRPr lang="zh-CN" altLang="en-US" sz="1600" kern="1200" dirty="0">
+                        <a:solidFill>
+                          <a:schemeClr val="dk1"/>
+                        </a:solidFill>
+                        <a:latin typeface="黑体" panose="02010609060101010101" pitchFamily="49" charset="-122"/>
+                        <a:ea typeface="黑体" panose="02010609060101010101" pitchFamily="49" charset="-122"/>
+                        <a:cs typeface="+mn-cs"/>
+                      </a:endParaRPr>
+                    </a:p>
+                  </a:txBody>
+                  <a:tcPr anchor="ctr"/>
+                </a:tc>
+                <a:tc>
+                  <a:txBody>
+                    <a:bodyPr/>
+                    <a:lstStyle/>
+                    <a:p>
+                      <a:pPr marL="0" marR="0" lvl="2" indent="0" algn="ctr" defTabSz="914400" rtl="0" eaLnBrk="1" fontAlgn="auto" latinLnBrk="0" hangingPunct="1">
+                        <a:lnSpc>
+                          <a:spcPct val="100000"/>
+                        </a:lnSpc>
+                        <a:spcBef>
+                          <a:spcPts val="0"/>
+                        </a:spcBef>
+                        <a:spcAft>
+                          <a:spcPts val="0"/>
+                        </a:spcAft>
+                        <a:buClrTx/>
+                        <a:buSzTx/>
+                        <a:buFontTx/>
+                        <a:buNone/>
+                        <a:tabLst/>
+                        <a:defRPr/>
+                      </a:pPr>
+                      <a:r>
+                        <a:rPr lang="en-US" altLang="zh-CN" sz="1600" kern="1200" dirty="0" err="1" smtClean="0">
+                          <a:solidFill>
+                            <a:schemeClr val="dk1"/>
+                          </a:solidFill>
+                          <a:latin typeface="黑体" panose="02010609060101010101" pitchFamily="49" charset="-122"/>
+                          <a:ea typeface="黑体" panose="02010609060101010101" pitchFamily="49" charset="-122"/>
+                          <a:cs typeface="+mn-cs"/>
+                        </a:rPr>
+                        <a:t>pxPerBandwidth</a:t>
+                      </a:r>
+                      <a:endParaRPr lang="zh-CN" altLang="en-US" sz="1600" kern="1200" dirty="0">
+                        <a:solidFill>
+                          <a:schemeClr val="dk1"/>
+                        </a:solidFill>
+                        <a:latin typeface="黑体" panose="02010609060101010101" pitchFamily="49" charset="-122"/>
+                        <a:ea typeface="黑体" panose="02010609060101010101" pitchFamily="49" charset="-122"/>
+                        <a:cs typeface="+mn-cs"/>
+                      </a:endParaRPr>
+                    </a:p>
+                  </a:txBody>
+                  <a:tcPr anchor="ctr"/>
+                </a:tc>
+                <a:tc>
+                  <a:txBody>
+                    <a:bodyPr/>
+                    <a:lstStyle/>
+                    <a:p>
+                      <a:pPr marL="0" marR="0" lvl="2" indent="0" algn="ctr" defTabSz="914400" rtl="0" eaLnBrk="1" fontAlgn="auto" latinLnBrk="0" hangingPunct="1">
+                        <a:lnSpc>
+                          <a:spcPct val="100000"/>
+                        </a:lnSpc>
+                        <a:spcBef>
+                          <a:spcPts val="0"/>
+                        </a:spcBef>
+                        <a:spcAft>
+                          <a:spcPts val="0"/>
+                        </a:spcAft>
+                        <a:buClrTx/>
+                        <a:buSzTx/>
+                        <a:buFontTx/>
+                        <a:buNone/>
+                        <a:tabLst/>
+                        <a:defRPr/>
+                      </a:pPr>
+                      <a:r>
+                        <a:rPr lang="en-US" altLang="zh-CN" sz="1600" kern="1200" dirty="0" smtClean="0">
+                          <a:solidFill>
+                            <a:schemeClr val="dk1"/>
+                          </a:solidFill>
+                          <a:latin typeface="黑体" panose="02010609060101010101" pitchFamily="49" charset="-122"/>
+                          <a:ea typeface="黑体" panose="02010609060101010101" pitchFamily="49" charset="-122"/>
+                          <a:cs typeface="+mn-cs"/>
+                        </a:rPr>
+                        <a:t>--</a:t>
+                      </a:r>
+                      <a:endParaRPr lang="zh-CN" altLang="en-US" sz="1600" kern="1200" dirty="0">
+                        <a:solidFill>
+                          <a:schemeClr val="dk1"/>
+                        </a:solidFill>
+                        <a:latin typeface="黑体" panose="02010609060101010101" pitchFamily="49" charset="-122"/>
+                        <a:ea typeface="黑体" panose="02010609060101010101" pitchFamily="49" charset="-122"/>
+                        <a:cs typeface="+mn-cs"/>
+                      </a:endParaRPr>
+                    </a:p>
+                  </a:txBody>
+                  <a:tcPr anchor="ctr"/>
+                </a:tc>
+                <a:tc>
+                  <a:txBody>
+                    <a:bodyPr/>
+                    <a:lstStyle/>
+                    <a:p>
+                      <a:pPr marL="0" marR="0" lvl="2" indent="0" algn="ctr" defTabSz="914400" rtl="0" eaLnBrk="1" fontAlgn="auto" latinLnBrk="0" hangingPunct="1">
+                        <a:lnSpc>
+                          <a:spcPct val="100000"/>
+                        </a:lnSpc>
+                        <a:spcBef>
+                          <a:spcPts val="0"/>
+                        </a:spcBef>
+                        <a:spcAft>
+                          <a:spcPts val="0"/>
+                        </a:spcAft>
+                        <a:buClrTx/>
+                        <a:buSzTx/>
+                        <a:buFontTx/>
+                        <a:buNone/>
+                        <a:tabLst/>
+                        <a:defRPr/>
+                      </a:pPr>
+                      <a:r>
+                        <a:rPr lang="zh-CN" altLang="en-US" sz="1600" kern="1200" dirty="0" smtClean="0">
+                          <a:solidFill>
+                            <a:schemeClr val="dk1"/>
+                          </a:solidFill>
+                          <a:latin typeface="黑体" panose="02010609060101010101" pitchFamily="49" charset="-122"/>
+                          <a:ea typeface="黑体" panose="02010609060101010101" pitchFamily="49" charset="-122"/>
+                          <a:cs typeface="+mn-cs"/>
+                        </a:rPr>
+                        <a:t>每</a:t>
+                      </a:r>
+                      <a:r>
+                        <a:rPr lang="en-US" altLang="zh-CN" sz="1600" kern="1200" dirty="0" smtClean="0">
+                          <a:solidFill>
+                            <a:schemeClr val="dk1"/>
+                          </a:solidFill>
+                          <a:latin typeface="黑体" panose="02010609060101010101" pitchFamily="49" charset="-122"/>
+                          <a:ea typeface="黑体" panose="02010609060101010101" pitchFamily="49" charset="-122"/>
+                          <a:cs typeface="+mn-cs"/>
+                        </a:rPr>
+                        <a:t>b/</a:t>
+                      </a:r>
+                      <a:r>
+                        <a:rPr lang="en-US" altLang="zh-CN" sz="1600" kern="1200" dirty="0" err="1" smtClean="0">
+                          <a:solidFill>
+                            <a:schemeClr val="dk1"/>
+                          </a:solidFill>
+                          <a:latin typeface="黑体" panose="02010609060101010101" pitchFamily="49" charset="-122"/>
+                          <a:ea typeface="黑体" panose="02010609060101010101" pitchFamily="49" charset="-122"/>
+                          <a:cs typeface="+mn-cs"/>
+                        </a:rPr>
+                        <a:t>ms</a:t>
+                      </a:r>
+                      <a:r>
+                        <a:rPr lang="zh-CN" altLang="en-US" sz="1600" kern="1200" dirty="0" smtClean="0">
+                          <a:solidFill>
+                            <a:schemeClr val="dk1"/>
+                          </a:solidFill>
+                          <a:latin typeface="黑体" panose="02010609060101010101" pitchFamily="49" charset="-122"/>
+                          <a:ea typeface="黑体" panose="02010609060101010101" pitchFamily="49" charset="-122"/>
+                          <a:cs typeface="+mn-cs"/>
+                        </a:rPr>
+                        <a:t>网速对应像素点的个数，用于计算小图大小</a:t>
+                      </a:r>
+                    </a:p>
+                  </a:txBody>
+                  <a:tcPr anchor="ctr"/>
+                </a:tc>
+                <a:extLst>
+                  <a:ext uri="{0D108BD9-81ED-4DB2-BD59-A6C34878D82A}">
+                    <a16:rowId xmlns:a16="http://schemas.microsoft.com/office/drawing/2014/main" val="2659599790"/>
+                  </a:ext>
+                </a:extLst>
+              </a:tr>
+            </a:tbl>
+          </a:graphicData>
+        </a:graphic>
+      </p:graphicFrame>
     </p:spTree>
     <p:extLst>
       <p:ext uri="{BB962C8B-B14F-4D97-AF65-F5344CB8AC3E}">
@@ -3908,6 +9184,13 @@
   <p:clrMapOvr>
     <a:masterClrMapping/>
   </p:clrMapOvr>
+  <p:timing>
+    <p:tnLst>
+      <p:par>
+        <p:cTn id="1" dur="indefinite" restart="never" nodeType="tmRoot"/>
+      </p:par>
+    </p:tnLst>
+  </p:timing>
 </p:sld>
 </file>
 

--- a/ImageAccelerator.pptx
+++ b/ImageAccelerator.pptx
@@ -10,12 +10,12 @@
     <p:sldId id="258" r:id="rId4"/>
     <p:sldId id="259" r:id="rId5"/>
     <p:sldId id="263" r:id="rId6"/>
-    <p:sldId id="269" r:id="rId7"/>
-    <p:sldId id="260" r:id="rId8"/>
-    <p:sldId id="262" r:id="rId9"/>
-    <p:sldId id="261" r:id="rId10"/>
-    <p:sldId id="266" r:id="rId11"/>
-    <p:sldId id="267" r:id="rId12"/>
+    <p:sldId id="260" r:id="rId7"/>
+    <p:sldId id="262" r:id="rId8"/>
+    <p:sldId id="269" r:id="rId9"/>
+    <p:sldId id="266" r:id="rId10"/>
+    <p:sldId id="267" r:id="rId11"/>
+    <p:sldId id="261" r:id="rId12"/>
     <p:sldId id="268" r:id="rId13"/>
     <p:sldId id="270" r:id="rId14"/>
   </p:sldIdLst>
@@ -3051,95 +3051,6 @@
           <a:chExt cx="0" cy="0"/>
         </a:xfrm>
       </p:grpSpPr>
-      <p:sp>
-        <p:nvSpPr>
-          <p:cNvPr id="2" name="标题 1"/>
-          <p:cNvSpPr>
-            <a:spLocks noGrp="1"/>
-          </p:cNvSpPr>
-          <p:nvPr>
-            <p:ph type="title"/>
-          </p:nvPr>
-        </p:nvSpPr>
-        <p:spPr/>
-        <p:txBody>
-          <a:bodyPr/>
-          <a:lstStyle/>
-          <a:p>
-            <a:r>
-              <a:rPr lang="zh-CN" altLang="en-US" dirty="0" smtClean="0"/>
-              <a:t>结构图</a:t>
-            </a:r>
-            <a:endParaRPr lang="zh-CN" altLang="en-US" dirty="0"/>
-          </a:p>
-        </p:txBody>
-      </p:sp>
-      <p:pic>
-        <p:nvPicPr>
-          <p:cNvPr id="6" name="内容占位符 5"/>
-          <p:cNvPicPr>
-            <a:picLocks noGrp="1" noChangeAspect="1"/>
-          </p:cNvPicPr>
-          <p:nvPr>
-            <p:ph idx="1"/>
-          </p:nvPr>
-        </p:nvPicPr>
-        <p:blipFill>
-          <a:blip r:embed="rId2" cstate="print">
-            <a:extLst>
-              <a:ext uri="{28A0092B-C50C-407E-A947-70E740481C1C}">
-                <a14:useLocalDpi xmlns:a14="http://schemas.microsoft.com/office/drawing/2010/main" val="0"/>
-              </a:ext>
-            </a:extLst>
-          </a:blip>
-          <a:stretch>
-            <a:fillRect/>
-          </a:stretch>
-        </p:blipFill>
-        <p:spPr>
-          <a:xfrm>
-            <a:off x="628650" y="2046796"/>
-            <a:ext cx="7886699" cy="3909120"/>
-          </a:xfrm>
-        </p:spPr>
-      </p:pic>
-    </p:spTree>
-    <p:extLst>
-      <p:ext uri="{BB962C8B-B14F-4D97-AF65-F5344CB8AC3E}">
-        <p14:creationId xmlns:p14="http://schemas.microsoft.com/office/powerpoint/2010/main" val="2695081195"/>
-      </p:ext>
-    </p:extLst>
-  </p:cSld>
-  <p:clrMapOvr>
-    <a:masterClrMapping/>
-  </p:clrMapOvr>
-  <p:timing>
-    <p:tnLst>
-      <p:par>
-        <p:cTn id="1" dur="indefinite" restart="never" nodeType="tmRoot"/>
-      </p:par>
-    </p:tnLst>
-  </p:timing>
-</p:sld>
-</file>
-
-<file path=ppt/slides/slide11.xml><?xml version="1.0" encoding="utf-8"?>
-<p:sld xmlns:a="http://schemas.openxmlformats.org/drawingml/2006/main" xmlns:r="http://schemas.openxmlformats.org/officeDocument/2006/relationships" xmlns:p="http://schemas.openxmlformats.org/presentationml/2006/main">
-  <p:cSld>
-    <p:spTree>
-      <p:nvGrpSpPr>
-        <p:cNvPr id="1" name=""/>
-        <p:cNvGrpSpPr/>
-        <p:nvPr/>
-      </p:nvGrpSpPr>
-      <p:grpSpPr>
-        <a:xfrm>
-          <a:off x="0" y="0"/>
-          <a:ext cx="0" cy="0"/>
-          <a:chOff x="0" y="0"/>
-          <a:chExt cx="0" cy="0"/>
-        </a:xfrm>
-      </p:grpSpPr>
       <p:pic>
         <p:nvPicPr>
           <p:cNvPr id="4" name="内容占位符 3"/>
@@ -3196,6 +3107,1539 @@
     <p:extLst>
       <p:ext uri="{BB962C8B-B14F-4D97-AF65-F5344CB8AC3E}">
         <p14:creationId xmlns:p14="http://schemas.microsoft.com/office/powerpoint/2010/main" val="1881003160"/>
+      </p:ext>
+    </p:extLst>
+  </p:cSld>
+  <p:clrMapOvr>
+    <a:masterClrMapping/>
+  </p:clrMapOvr>
+  <p:timing>
+    <p:tnLst>
+      <p:par>
+        <p:cTn id="1" dur="indefinite" restart="never" nodeType="tmRoot"/>
+      </p:par>
+    </p:tnLst>
+  </p:timing>
+</p:sld>
+</file>
+
+<file path=ppt/slides/slide11.xml><?xml version="1.0" encoding="utf-8"?>
+<p:sld xmlns:a="http://schemas.openxmlformats.org/drawingml/2006/main" xmlns:r="http://schemas.openxmlformats.org/officeDocument/2006/relationships" xmlns:p="http://schemas.openxmlformats.org/presentationml/2006/main">
+  <p:cSld>
+    <p:spTree>
+      <p:nvGrpSpPr>
+        <p:cNvPr id="1" name=""/>
+        <p:cNvGrpSpPr/>
+        <p:nvPr/>
+      </p:nvGrpSpPr>
+      <p:grpSpPr>
+        <a:xfrm>
+          <a:off x="0" y="0"/>
+          <a:ext cx="0" cy="0"/>
+          <a:chOff x="0" y="0"/>
+          <a:chExt cx="0" cy="0"/>
+        </a:xfrm>
+      </p:grpSpPr>
+      <p:sp>
+        <p:nvSpPr>
+          <p:cNvPr id="2" name="标题 1"/>
+          <p:cNvSpPr>
+            <a:spLocks noGrp="1"/>
+          </p:cNvSpPr>
+          <p:nvPr>
+            <p:ph type="title"/>
+          </p:nvPr>
+        </p:nvSpPr>
+        <p:spPr/>
+        <p:txBody>
+          <a:bodyPr/>
+          <a:lstStyle/>
+          <a:p>
+            <a:r>
+              <a:rPr lang="en-US" altLang="zh-CN" dirty="0" smtClean="0"/>
+              <a:t>CDN</a:t>
+            </a:r>
+            <a:r>
+              <a:rPr lang="zh-CN" altLang="en-US" dirty="0" smtClean="0"/>
+              <a:t>配置项</a:t>
+            </a:r>
+            <a:endParaRPr lang="zh-CN" altLang="en-US" dirty="0"/>
+          </a:p>
+        </p:txBody>
+      </p:sp>
+      <p:graphicFrame>
+        <p:nvGraphicFramePr>
+          <p:cNvPr id="7" name="表格 6"/>
+          <p:cNvGraphicFramePr>
+            <a:graphicFrameLocks noGrp="1"/>
+          </p:cNvGraphicFramePr>
+          <p:nvPr>
+            <p:extLst>
+              <p:ext uri="{D42A27DB-BD31-4B8C-83A1-F6EECF244321}">
+                <p14:modId xmlns:p14="http://schemas.microsoft.com/office/powerpoint/2010/main" val="2064442244"/>
+              </p:ext>
+            </p:extLst>
+          </p:nvPr>
+        </p:nvGraphicFramePr>
+        <p:xfrm>
+          <a:off x="452580" y="1852614"/>
+          <a:ext cx="8238840" cy="2856229"/>
+        </p:xfrm>
+        <a:graphic>
+          <a:graphicData uri="http://schemas.openxmlformats.org/drawingml/2006/table">
+            <a:tbl>
+              <a:tblPr firstRow="1" bandRow="1">
+                <a:tableStyleId>{5C22544A-7EE6-4342-B048-85BDC9FD1C3A}</a:tableStyleId>
+              </a:tblPr>
+              <a:tblGrid>
+                <a:gridCol w="611819">
+                  <a:extLst>
+                    <a:ext uri="{9D8B030D-6E8A-4147-A177-3AD203B41FA5}">
+                      <a16:colId xmlns:a16="http://schemas.microsoft.com/office/drawing/2014/main" val="972681757"/>
+                    </a:ext>
+                  </a:extLst>
+                </a:gridCol>
+                <a:gridCol w="2603665">
+                  <a:extLst>
+                    <a:ext uri="{9D8B030D-6E8A-4147-A177-3AD203B41FA5}">
+                      <a16:colId xmlns:a16="http://schemas.microsoft.com/office/drawing/2014/main" val="3162198136"/>
+                    </a:ext>
+                  </a:extLst>
+                </a:gridCol>
+                <a:gridCol w="869427">
+                  <a:extLst>
+                    <a:ext uri="{9D8B030D-6E8A-4147-A177-3AD203B41FA5}">
+                      <a16:colId xmlns:a16="http://schemas.microsoft.com/office/drawing/2014/main" val="574787220"/>
+                    </a:ext>
+                  </a:extLst>
+                </a:gridCol>
+                <a:gridCol w="869427">
+                  <a:extLst>
+                    <a:ext uri="{9D8B030D-6E8A-4147-A177-3AD203B41FA5}">
+                      <a16:colId xmlns:a16="http://schemas.microsoft.com/office/drawing/2014/main" val="2645131439"/>
+                    </a:ext>
+                  </a:extLst>
+                </a:gridCol>
+                <a:gridCol w="3284502">
+                  <a:extLst>
+                    <a:ext uri="{9D8B030D-6E8A-4147-A177-3AD203B41FA5}">
+                      <a16:colId xmlns:a16="http://schemas.microsoft.com/office/drawing/2014/main" val="3427752908"/>
+                    </a:ext>
+                  </a:extLst>
+                </a:gridCol>
+              </a:tblGrid>
+              <a:tr h="377189">
+                <a:tc>
+                  <a:txBody>
+                    <a:bodyPr/>
+                    <a:lstStyle/>
+                    <a:p>
+                      <a:pPr marL="0" marR="0" lvl="2" indent="0" algn="ctr" defTabSz="914400" rtl="0" eaLnBrk="1" fontAlgn="auto" latinLnBrk="0" hangingPunct="1">
+                        <a:lnSpc>
+                          <a:spcPct val="100000"/>
+                        </a:lnSpc>
+                        <a:spcBef>
+                          <a:spcPts val="0"/>
+                        </a:spcBef>
+                        <a:spcAft>
+                          <a:spcPts val="0"/>
+                        </a:spcAft>
+                        <a:buClrTx/>
+                        <a:buSzTx/>
+                        <a:buFontTx/>
+                        <a:buNone/>
+                        <a:tabLst/>
+                        <a:defRPr/>
+                      </a:pPr>
+                      <a:r>
+                        <a:rPr lang="zh-CN" altLang="en-US" sz="1600" kern="1200" dirty="0" smtClean="0">
+                          <a:solidFill>
+                            <a:schemeClr val="dk1"/>
+                          </a:solidFill>
+                          <a:latin typeface="黑体" panose="02010609060101010101" pitchFamily="49" charset="-122"/>
+                          <a:ea typeface="黑体" panose="02010609060101010101" pitchFamily="49" charset="-122"/>
+                          <a:cs typeface="+mn-cs"/>
+                        </a:rPr>
+                        <a:t>序号</a:t>
+                      </a:r>
+                      <a:endParaRPr lang="zh-CN" altLang="en-US" sz="1600" kern="1200" dirty="0">
+                        <a:solidFill>
+                          <a:schemeClr val="dk1"/>
+                        </a:solidFill>
+                        <a:latin typeface="黑体" panose="02010609060101010101" pitchFamily="49" charset="-122"/>
+                        <a:ea typeface="黑体" panose="02010609060101010101" pitchFamily="49" charset="-122"/>
+                        <a:cs typeface="+mn-cs"/>
+                      </a:endParaRPr>
+                    </a:p>
+                  </a:txBody>
+                  <a:tcPr anchor="ctr"/>
+                </a:tc>
+                <a:tc>
+                  <a:txBody>
+                    <a:bodyPr/>
+                    <a:lstStyle/>
+                    <a:p>
+                      <a:pPr marL="0" marR="0" lvl="2" indent="0" algn="ctr" defTabSz="914400" rtl="0" eaLnBrk="1" fontAlgn="auto" latinLnBrk="0" hangingPunct="1">
+                        <a:lnSpc>
+                          <a:spcPct val="100000"/>
+                        </a:lnSpc>
+                        <a:spcBef>
+                          <a:spcPts val="0"/>
+                        </a:spcBef>
+                        <a:spcAft>
+                          <a:spcPts val="0"/>
+                        </a:spcAft>
+                        <a:buClrTx/>
+                        <a:buSzTx/>
+                        <a:buFontTx/>
+                        <a:buNone/>
+                        <a:tabLst/>
+                        <a:defRPr/>
+                      </a:pPr>
+                      <a:r>
+                        <a:rPr lang="zh-CN" altLang="en-US" sz="1600" kern="1200" dirty="0" smtClean="0">
+                          <a:solidFill>
+                            <a:schemeClr val="dk1"/>
+                          </a:solidFill>
+                          <a:latin typeface="黑体" panose="02010609060101010101" pitchFamily="49" charset="-122"/>
+                          <a:ea typeface="黑体" panose="02010609060101010101" pitchFamily="49" charset="-122"/>
+                          <a:cs typeface="+mn-cs"/>
+                        </a:rPr>
+                        <a:t>配置名</a:t>
+                      </a:r>
+                      <a:endParaRPr lang="zh-CN" altLang="en-US" sz="1600" kern="1200" dirty="0">
+                        <a:solidFill>
+                          <a:schemeClr val="dk1"/>
+                        </a:solidFill>
+                        <a:latin typeface="黑体" panose="02010609060101010101" pitchFamily="49" charset="-122"/>
+                        <a:ea typeface="黑体" panose="02010609060101010101" pitchFamily="49" charset="-122"/>
+                        <a:cs typeface="+mn-cs"/>
+                      </a:endParaRPr>
+                    </a:p>
+                  </a:txBody>
+                  <a:tcPr anchor="ctr"/>
+                </a:tc>
+                <a:tc>
+                  <a:txBody>
+                    <a:bodyPr/>
+                    <a:lstStyle/>
+                    <a:p>
+                      <a:pPr marL="0" marR="0" lvl="2" indent="0" algn="ctr" defTabSz="914400" rtl="0" eaLnBrk="1" fontAlgn="auto" latinLnBrk="0" hangingPunct="1">
+                        <a:lnSpc>
+                          <a:spcPct val="100000"/>
+                        </a:lnSpc>
+                        <a:spcBef>
+                          <a:spcPts val="0"/>
+                        </a:spcBef>
+                        <a:spcAft>
+                          <a:spcPts val="0"/>
+                        </a:spcAft>
+                        <a:buClrTx/>
+                        <a:buSzTx/>
+                        <a:buFontTx/>
+                        <a:buNone/>
+                        <a:tabLst/>
+                        <a:defRPr/>
+                      </a:pPr>
+                      <a:r>
+                        <a:rPr lang="zh-CN" altLang="en-US" sz="1600" kern="1200" dirty="0" smtClean="0">
+                          <a:solidFill>
+                            <a:schemeClr val="dk1"/>
+                          </a:solidFill>
+                          <a:latin typeface="黑体" panose="02010609060101010101" pitchFamily="49" charset="-122"/>
+                          <a:ea typeface="黑体" panose="02010609060101010101" pitchFamily="49" charset="-122"/>
+                          <a:cs typeface="+mn-cs"/>
+                        </a:rPr>
+                        <a:t>类型</a:t>
+                      </a:r>
+                      <a:endParaRPr lang="zh-CN" altLang="en-US" sz="1600" kern="1200" dirty="0">
+                        <a:solidFill>
+                          <a:schemeClr val="dk1"/>
+                        </a:solidFill>
+                        <a:latin typeface="黑体" panose="02010609060101010101" pitchFamily="49" charset="-122"/>
+                        <a:ea typeface="黑体" panose="02010609060101010101" pitchFamily="49" charset="-122"/>
+                        <a:cs typeface="+mn-cs"/>
+                      </a:endParaRPr>
+                    </a:p>
+                  </a:txBody>
+                  <a:tcPr anchor="ctr"/>
+                </a:tc>
+                <a:tc>
+                  <a:txBody>
+                    <a:bodyPr/>
+                    <a:lstStyle/>
+                    <a:p>
+                      <a:pPr marL="0" marR="0" lvl="2" indent="0" algn="ctr" defTabSz="914400" rtl="0" eaLnBrk="1" fontAlgn="auto" latinLnBrk="0" hangingPunct="1">
+                        <a:lnSpc>
+                          <a:spcPct val="100000"/>
+                        </a:lnSpc>
+                        <a:spcBef>
+                          <a:spcPts val="0"/>
+                        </a:spcBef>
+                        <a:spcAft>
+                          <a:spcPts val="0"/>
+                        </a:spcAft>
+                        <a:buClrTx/>
+                        <a:buSzTx/>
+                        <a:buFontTx/>
+                        <a:buNone/>
+                        <a:tabLst/>
+                        <a:defRPr/>
+                      </a:pPr>
+                      <a:r>
+                        <a:rPr lang="zh-CN" altLang="en-US" sz="1600" kern="1200" dirty="0" smtClean="0">
+                          <a:solidFill>
+                            <a:schemeClr val="dk1"/>
+                          </a:solidFill>
+                          <a:latin typeface="黑体" panose="02010609060101010101" pitchFamily="49" charset="-122"/>
+                          <a:ea typeface="黑体" panose="02010609060101010101" pitchFamily="49" charset="-122"/>
+                          <a:cs typeface="+mn-cs"/>
+                        </a:rPr>
+                        <a:t>默认值</a:t>
+                      </a:r>
+                      <a:endParaRPr lang="zh-CN" altLang="en-US" sz="1600" kern="1200" dirty="0">
+                        <a:solidFill>
+                          <a:schemeClr val="dk1"/>
+                        </a:solidFill>
+                        <a:latin typeface="黑体" panose="02010609060101010101" pitchFamily="49" charset="-122"/>
+                        <a:ea typeface="黑体" panose="02010609060101010101" pitchFamily="49" charset="-122"/>
+                        <a:cs typeface="+mn-cs"/>
+                      </a:endParaRPr>
+                    </a:p>
+                  </a:txBody>
+                  <a:tcPr anchor="ctr"/>
+                </a:tc>
+                <a:tc>
+                  <a:txBody>
+                    <a:bodyPr/>
+                    <a:lstStyle/>
+                    <a:p>
+                      <a:pPr marL="0" marR="0" lvl="2" indent="0" algn="ctr" defTabSz="914400" rtl="0" eaLnBrk="1" fontAlgn="auto" latinLnBrk="0" hangingPunct="1">
+                        <a:lnSpc>
+                          <a:spcPct val="100000"/>
+                        </a:lnSpc>
+                        <a:spcBef>
+                          <a:spcPts val="0"/>
+                        </a:spcBef>
+                        <a:spcAft>
+                          <a:spcPts val="0"/>
+                        </a:spcAft>
+                        <a:buClrTx/>
+                        <a:buSzTx/>
+                        <a:buFontTx/>
+                        <a:buNone/>
+                        <a:tabLst/>
+                        <a:defRPr/>
+                      </a:pPr>
+                      <a:r>
+                        <a:rPr lang="zh-CN" altLang="en-US" sz="1600" kern="1200" dirty="0" smtClean="0">
+                          <a:solidFill>
+                            <a:schemeClr val="dk1"/>
+                          </a:solidFill>
+                          <a:latin typeface="黑体" panose="02010609060101010101" pitchFamily="49" charset="-122"/>
+                          <a:ea typeface="黑体" panose="02010609060101010101" pitchFamily="49" charset="-122"/>
+                          <a:cs typeface="+mn-cs"/>
+                        </a:rPr>
+                        <a:t>含义</a:t>
+                      </a:r>
+                      <a:endParaRPr lang="zh-CN" altLang="en-US" sz="1600" kern="1200" dirty="0">
+                        <a:solidFill>
+                          <a:schemeClr val="dk1"/>
+                        </a:solidFill>
+                        <a:latin typeface="黑体" panose="02010609060101010101" pitchFamily="49" charset="-122"/>
+                        <a:ea typeface="黑体" panose="02010609060101010101" pitchFamily="49" charset="-122"/>
+                        <a:cs typeface="+mn-cs"/>
+                      </a:endParaRPr>
+                    </a:p>
+                  </a:txBody>
+                  <a:tcPr anchor="ctr"/>
+                </a:tc>
+                <a:extLst>
+                  <a:ext uri="{0D108BD9-81ED-4DB2-BD59-A6C34878D82A}">
+                    <a16:rowId xmlns:a16="http://schemas.microsoft.com/office/drawing/2014/main" val="2830105445"/>
+                  </a:ext>
+                </a:extLst>
+              </a:tr>
+              <a:tr h="370840">
+                <a:tc>
+                  <a:txBody>
+                    <a:bodyPr/>
+                    <a:lstStyle/>
+                    <a:p>
+                      <a:pPr marL="0" marR="0" lvl="2" indent="0" algn="ctr" defTabSz="914400" rtl="0" eaLnBrk="1" fontAlgn="auto" latinLnBrk="0" hangingPunct="1">
+                        <a:lnSpc>
+                          <a:spcPct val="100000"/>
+                        </a:lnSpc>
+                        <a:spcBef>
+                          <a:spcPts val="0"/>
+                        </a:spcBef>
+                        <a:spcAft>
+                          <a:spcPts val="0"/>
+                        </a:spcAft>
+                        <a:buClrTx/>
+                        <a:buSzTx/>
+                        <a:buFontTx/>
+                        <a:buNone/>
+                        <a:tabLst/>
+                        <a:defRPr/>
+                      </a:pPr>
+                      <a:r>
+                        <a:rPr lang="en-US" altLang="zh-CN" sz="1600" kern="1200" dirty="0" smtClean="0">
+                          <a:solidFill>
+                            <a:schemeClr val="dk1"/>
+                          </a:solidFill>
+                          <a:latin typeface="黑体" panose="02010609060101010101" pitchFamily="49" charset="-122"/>
+                          <a:ea typeface="黑体" panose="02010609060101010101" pitchFamily="49" charset="-122"/>
+                          <a:cs typeface="+mn-cs"/>
+                        </a:rPr>
+                        <a:t>1</a:t>
+                      </a:r>
+                      <a:endParaRPr lang="zh-CN" altLang="en-US" sz="1600" kern="1200" dirty="0">
+                        <a:solidFill>
+                          <a:schemeClr val="dk1"/>
+                        </a:solidFill>
+                        <a:latin typeface="黑体" panose="02010609060101010101" pitchFamily="49" charset="-122"/>
+                        <a:ea typeface="黑体" panose="02010609060101010101" pitchFamily="49" charset="-122"/>
+                        <a:cs typeface="+mn-cs"/>
+                      </a:endParaRPr>
+                    </a:p>
+                  </a:txBody>
+                  <a:tcPr anchor="ctr"/>
+                </a:tc>
+                <a:tc>
+                  <a:txBody>
+                    <a:bodyPr/>
+                    <a:lstStyle/>
+                    <a:p>
+                      <a:pPr marL="0" marR="0" lvl="2" indent="0" algn="ctr" defTabSz="914400" rtl="0" eaLnBrk="1" fontAlgn="auto" latinLnBrk="0" hangingPunct="1">
+                        <a:lnSpc>
+                          <a:spcPct val="100000"/>
+                        </a:lnSpc>
+                        <a:spcBef>
+                          <a:spcPts val="0"/>
+                        </a:spcBef>
+                        <a:spcAft>
+                          <a:spcPts val="0"/>
+                        </a:spcAft>
+                        <a:buClrTx/>
+                        <a:buSzTx/>
+                        <a:buFontTx/>
+                        <a:buNone/>
+                        <a:tabLst/>
+                        <a:defRPr/>
+                      </a:pPr>
+                      <a:r>
+                        <a:rPr lang="en-US" altLang="zh-CN" sz="1600" kern="1200" dirty="0" err="1" smtClean="0">
+                          <a:solidFill>
+                            <a:schemeClr val="dk1"/>
+                          </a:solidFill>
+                          <a:latin typeface="黑体" panose="02010609060101010101" pitchFamily="49" charset="-122"/>
+                          <a:ea typeface="黑体" panose="02010609060101010101" pitchFamily="49" charset="-122"/>
+                          <a:cs typeface="+mn-cs"/>
+                        </a:rPr>
+                        <a:t>bandwidthTesterPackageSize</a:t>
+                      </a:r>
+                      <a:endParaRPr lang="zh-CN" altLang="en-US" sz="1600" kern="1200" dirty="0">
+                        <a:solidFill>
+                          <a:schemeClr val="dk1"/>
+                        </a:solidFill>
+                        <a:latin typeface="黑体" panose="02010609060101010101" pitchFamily="49" charset="-122"/>
+                        <a:ea typeface="黑体" panose="02010609060101010101" pitchFamily="49" charset="-122"/>
+                        <a:cs typeface="+mn-cs"/>
+                      </a:endParaRPr>
+                    </a:p>
+                  </a:txBody>
+                  <a:tcPr anchor="ctr"/>
+                </a:tc>
+                <a:tc>
+                  <a:txBody>
+                    <a:bodyPr/>
+                    <a:lstStyle/>
+                    <a:p>
+                      <a:pPr marL="0" marR="0" lvl="2" indent="0" algn="ctr" defTabSz="914400" rtl="0" eaLnBrk="1" fontAlgn="auto" latinLnBrk="0" hangingPunct="1">
+                        <a:lnSpc>
+                          <a:spcPct val="100000"/>
+                        </a:lnSpc>
+                        <a:spcBef>
+                          <a:spcPts val="0"/>
+                        </a:spcBef>
+                        <a:spcAft>
+                          <a:spcPts val="0"/>
+                        </a:spcAft>
+                        <a:buClrTx/>
+                        <a:buSzTx/>
+                        <a:buFontTx/>
+                        <a:buNone/>
+                        <a:tabLst/>
+                        <a:defRPr/>
+                      </a:pPr>
+                      <a:r>
+                        <a:rPr lang="en-US" altLang="zh-CN" sz="1600" kern="1200" dirty="0" err="1" smtClean="0">
+                          <a:solidFill>
+                            <a:schemeClr val="dk1"/>
+                          </a:solidFill>
+                          <a:latin typeface="黑体" panose="02010609060101010101" pitchFamily="49" charset="-122"/>
+                          <a:ea typeface="黑体" panose="02010609060101010101" pitchFamily="49" charset="-122"/>
+                          <a:cs typeface="+mn-cs"/>
+                        </a:rPr>
+                        <a:t>int</a:t>
+                      </a:r>
+                      <a:endParaRPr lang="zh-CN" altLang="en-US" sz="1600" kern="1200" dirty="0">
+                        <a:solidFill>
+                          <a:schemeClr val="dk1"/>
+                        </a:solidFill>
+                        <a:latin typeface="黑体" panose="02010609060101010101" pitchFamily="49" charset="-122"/>
+                        <a:ea typeface="黑体" panose="02010609060101010101" pitchFamily="49" charset="-122"/>
+                        <a:cs typeface="+mn-cs"/>
+                      </a:endParaRPr>
+                    </a:p>
+                  </a:txBody>
+                  <a:tcPr anchor="ctr"/>
+                </a:tc>
+                <a:tc>
+                  <a:txBody>
+                    <a:bodyPr/>
+                    <a:lstStyle/>
+                    <a:p>
+                      <a:pPr marL="0" marR="0" lvl="2" indent="0" algn="ctr" defTabSz="914400" rtl="0" eaLnBrk="1" fontAlgn="auto" latinLnBrk="0" hangingPunct="1">
+                        <a:lnSpc>
+                          <a:spcPct val="100000"/>
+                        </a:lnSpc>
+                        <a:spcBef>
+                          <a:spcPts val="0"/>
+                        </a:spcBef>
+                        <a:spcAft>
+                          <a:spcPts val="0"/>
+                        </a:spcAft>
+                        <a:buClrTx/>
+                        <a:buSzTx/>
+                        <a:buFontTx/>
+                        <a:buNone/>
+                        <a:tabLst/>
+                        <a:defRPr/>
+                      </a:pPr>
+                      <a:r>
+                        <a:rPr lang="en-US" altLang="zh-CN" sz="1600" kern="1200" dirty="0" smtClean="0">
+                          <a:solidFill>
+                            <a:schemeClr val="dk1"/>
+                          </a:solidFill>
+                          <a:latin typeface="黑体" panose="02010609060101010101" pitchFamily="49" charset="-122"/>
+                          <a:ea typeface="黑体" panose="02010609060101010101" pitchFamily="49" charset="-122"/>
+                          <a:cs typeface="+mn-cs"/>
+                        </a:rPr>
+                        <a:t>64K</a:t>
+                      </a:r>
+                      <a:endParaRPr lang="zh-CN" altLang="en-US" sz="1600" kern="1200" dirty="0">
+                        <a:solidFill>
+                          <a:schemeClr val="dk1"/>
+                        </a:solidFill>
+                        <a:latin typeface="黑体" panose="02010609060101010101" pitchFamily="49" charset="-122"/>
+                        <a:ea typeface="黑体" panose="02010609060101010101" pitchFamily="49" charset="-122"/>
+                        <a:cs typeface="+mn-cs"/>
+                      </a:endParaRPr>
+                    </a:p>
+                  </a:txBody>
+                  <a:tcPr anchor="ctr"/>
+                </a:tc>
+                <a:tc>
+                  <a:txBody>
+                    <a:bodyPr/>
+                    <a:lstStyle/>
+                    <a:p>
+                      <a:pPr marL="0" marR="0" lvl="2" indent="0" algn="ctr" defTabSz="914400" rtl="0" eaLnBrk="1" fontAlgn="auto" latinLnBrk="0" hangingPunct="1">
+                        <a:lnSpc>
+                          <a:spcPct val="100000"/>
+                        </a:lnSpc>
+                        <a:spcBef>
+                          <a:spcPts val="0"/>
+                        </a:spcBef>
+                        <a:spcAft>
+                          <a:spcPts val="0"/>
+                        </a:spcAft>
+                        <a:buClrTx/>
+                        <a:buSzTx/>
+                        <a:buFontTx/>
+                        <a:buNone/>
+                        <a:tabLst/>
+                        <a:defRPr/>
+                      </a:pPr>
+                      <a:r>
+                        <a:rPr lang="zh-CN" altLang="en-US" sz="1600" kern="1200" dirty="0" smtClean="0">
+                          <a:solidFill>
+                            <a:schemeClr val="dk1"/>
+                          </a:solidFill>
+                          <a:latin typeface="黑体" panose="02010609060101010101" pitchFamily="49" charset="-122"/>
+                          <a:ea typeface="黑体" panose="02010609060101010101" pitchFamily="49" charset="-122"/>
+                          <a:cs typeface="+mn-cs"/>
+                        </a:rPr>
+                        <a:t>网速测试控制器写回包的大小</a:t>
+                      </a:r>
+                    </a:p>
+                  </a:txBody>
+                  <a:tcPr anchor="ctr"/>
+                </a:tc>
+                <a:extLst>
+                  <a:ext uri="{0D108BD9-81ED-4DB2-BD59-A6C34878D82A}">
+                    <a16:rowId xmlns:a16="http://schemas.microsoft.com/office/drawing/2014/main" val="1653414570"/>
+                  </a:ext>
+                </a:extLst>
+              </a:tr>
+              <a:tr h="370840">
+                <a:tc>
+                  <a:txBody>
+                    <a:bodyPr/>
+                    <a:lstStyle/>
+                    <a:p>
+                      <a:pPr marL="0" marR="0" lvl="2" indent="0" algn="ctr" defTabSz="914400" rtl="0" eaLnBrk="1" fontAlgn="auto" latinLnBrk="0" hangingPunct="1">
+                        <a:lnSpc>
+                          <a:spcPct val="100000"/>
+                        </a:lnSpc>
+                        <a:spcBef>
+                          <a:spcPts val="0"/>
+                        </a:spcBef>
+                        <a:spcAft>
+                          <a:spcPts val="0"/>
+                        </a:spcAft>
+                        <a:buClrTx/>
+                        <a:buSzTx/>
+                        <a:buFontTx/>
+                        <a:buNone/>
+                        <a:tabLst/>
+                        <a:defRPr/>
+                      </a:pPr>
+                      <a:r>
+                        <a:rPr lang="en-US" altLang="zh-CN" sz="1600" kern="1200" dirty="0" smtClean="0">
+                          <a:solidFill>
+                            <a:schemeClr val="dk1"/>
+                          </a:solidFill>
+                          <a:latin typeface="黑体" panose="02010609060101010101" pitchFamily="49" charset="-122"/>
+                          <a:ea typeface="黑体" panose="02010609060101010101" pitchFamily="49" charset="-122"/>
+                          <a:cs typeface="+mn-cs"/>
+                        </a:rPr>
+                        <a:t>2</a:t>
+                      </a:r>
+                      <a:endParaRPr lang="zh-CN" altLang="en-US" sz="1600" kern="1200" dirty="0">
+                        <a:solidFill>
+                          <a:schemeClr val="dk1"/>
+                        </a:solidFill>
+                        <a:latin typeface="黑体" panose="02010609060101010101" pitchFamily="49" charset="-122"/>
+                        <a:ea typeface="黑体" panose="02010609060101010101" pitchFamily="49" charset="-122"/>
+                        <a:cs typeface="+mn-cs"/>
+                      </a:endParaRPr>
+                    </a:p>
+                  </a:txBody>
+                  <a:tcPr anchor="ctr"/>
+                </a:tc>
+                <a:tc>
+                  <a:txBody>
+                    <a:bodyPr/>
+                    <a:lstStyle/>
+                    <a:p>
+                      <a:pPr marL="0" marR="0" lvl="2" indent="0" algn="ctr" defTabSz="914400" rtl="0" eaLnBrk="1" fontAlgn="auto" latinLnBrk="0" hangingPunct="1">
+                        <a:lnSpc>
+                          <a:spcPct val="100000"/>
+                        </a:lnSpc>
+                        <a:spcBef>
+                          <a:spcPts val="0"/>
+                        </a:spcBef>
+                        <a:spcAft>
+                          <a:spcPts val="0"/>
+                        </a:spcAft>
+                        <a:buClrTx/>
+                        <a:buSzTx/>
+                        <a:buFontTx/>
+                        <a:buNone/>
+                        <a:tabLst/>
+                        <a:defRPr/>
+                      </a:pPr>
+                      <a:r>
+                        <a:rPr lang="en-US" altLang="zh-CN" sz="1600" kern="1200" dirty="0" err="1" smtClean="0">
+                          <a:solidFill>
+                            <a:schemeClr val="dk1"/>
+                          </a:solidFill>
+                          <a:latin typeface="黑体" panose="02010609060101010101" pitchFamily="49" charset="-122"/>
+                          <a:ea typeface="黑体" panose="02010609060101010101" pitchFamily="49" charset="-122"/>
+                          <a:cs typeface="+mn-cs"/>
+                        </a:rPr>
+                        <a:t>imageHost</a:t>
+                      </a:r>
+                      <a:endParaRPr lang="zh-CN" altLang="en-US" sz="1600" kern="1200" dirty="0">
+                        <a:solidFill>
+                          <a:schemeClr val="dk1"/>
+                        </a:solidFill>
+                        <a:latin typeface="黑体" panose="02010609060101010101" pitchFamily="49" charset="-122"/>
+                        <a:ea typeface="黑体" panose="02010609060101010101" pitchFamily="49" charset="-122"/>
+                        <a:cs typeface="+mn-cs"/>
+                      </a:endParaRPr>
+                    </a:p>
+                  </a:txBody>
+                  <a:tcPr anchor="ctr"/>
+                </a:tc>
+                <a:tc>
+                  <a:txBody>
+                    <a:bodyPr/>
+                    <a:lstStyle/>
+                    <a:p>
+                      <a:pPr marL="0" marR="0" lvl="2" indent="0" algn="ctr" defTabSz="914400" rtl="0" eaLnBrk="1" fontAlgn="auto" latinLnBrk="0" hangingPunct="1">
+                        <a:lnSpc>
+                          <a:spcPct val="100000"/>
+                        </a:lnSpc>
+                        <a:spcBef>
+                          <a:spcPts val="0"/>
+                        </a:spcBef>
+                        <a:spcAft>
+                          <a:spcPts val="0"/>
+                        </a:spcAft>
+                        <a:buClrTx/>
+                        <a:buSzTx/>
+                        <a:buFontTx/>
+                        <a:buNone/>
+                        <a:tabLst/>
+                        <a:defRPr/>
+                      </a:pPr>
+                      <a:r>
+                        <a:rPr lang="en-US" altLang="zh-CN" sz="1600" kern="1200" dirty="0" smtClean="0">
+                          <a:solidFill>
+                            <a:schemeClr val="dk1"/>
+                          </a:solidFill>
+                          <a:latin typeface="黑体" panose="02010609060101010101" pitchFamily="49" charset="-122"/>
+                          <a:ea typeface="黑体" panose="02010609060101010101" pitchFamily="49" charset="-122"/>
+                          <a:cs typeface="+mn-cs"/>
+                        </a:rPr>
+                        <a:t>String</a:t>
+                      </a:r>
+                      <a:endParaRPr lang="zh-CN" altLang="en-US" sz="1600" kern="1200" dirty="0">
+                        <a:solidFill>
+                          <a:schemeClr val="dk1"/>
+                        </a:solidFill>
+                        <a:latin typeface="黑体" panose="02010609060101010101" pitchFamily="49" charset="-122"/>
+                        <a:ea typeface="黑体" panose="02010609060101010101" pitchFamily="49" charset="-122"/>
+                        <a:cs typeface="+mn-cs"/>
+                      </a:endParaRPr>
+                    </a:p>
+                  </a:txBody>
+                  <a:tcPr anchor="ctr"/>
+                </a:tc>
+                <a:tc>
+                  <a:txBody>
+                    <a:bodyPr/>
+                    <a:lstStyle/>
+                    <a:p>
+                      <a:pPr marL="0" marR="0" lvl="2" indent="0" algn="ctr" defTabSz="914400" rtl="0" eaLnBrk="1" fontAlgn="auto" latinLnBrk="0" hangingPunct="1">
+                        <a:lnSpc>
+                          <a:spcPct val="100000"/>
+                        </a:lnSpc>
+                        <a:spcBef>
+                          <a:spcPts val="0"/>
+                        </a:spcBef>
+                        <a:spcAft>
+                          <a:spcPts val="0"/>
+                        </a:spcAft>
+                        <a:buClrTx/>
+                        <a:buSzTx/>
+                        <a:buFontTx/>
+                        <a:buNone/>
+                        <a:tabLst/>
+                        <a:defRPr/>
+                      </a:pPr>
+                      <a:r>
+                        <a:rPr lang="en-US" altLang="zh-CN" sz="1600" kern="1200" dirty="0" smtClean="0">
+                          <a:solidFill>
+                            <a:schemeClr val="dk1"/>
+                          </a:solidFill>
+                          <a:latin typeface="黑体" panose="02010609060101010101" pitchFamily="49" charset="-122"/>
+                          <a:ea typeface="黑体" panose="02010609060101010101" pitchFamily="49" charset="-122"/>
+                          <a:cs typeface="+mn-cs"/>
+                        </a:rPr>
+                        <a:t>null</a:t>
+                      </a:r>
+                      <a:endParaRPr lang="zh-CN" altLang="en-US" sz="1600" kern="1200" dirty="0">
+                        <a:solidFill>
+                          <a:schemeClr val="dk1"/>
+                        </a:solidFill>
+                        <a:latin typeface="黑体" panose="02010609060101010101" pitchFamily="49" charset="-122"/>
+                        <a:ea typeface="黑体" panose="02010609060101010101" pitchFamily="49" charset="-122"/>
+                        <a:cs typeface="+mn-cs"/>
+                      </a:endParaRPr>
+                    </a:p>
+                  </a:txBody>
+                  <a:tcPr anchor="ctr"/>
+                </a:tc>
+                <a:tc>
+                  <a:txBody>
+                    <a:bodyPr/>
+                    <a:lstStyle/>
+                    <a:p>
+                      <a:pPr marL="0" marR="0" lvl="2" indent="0" algn="ctr" defTabSz="914400" rtl="0" eaLnBrk="1" fontAlgn="auto" latinLnBrk="0" hangingPunct="1">
+                        <a:lnSpc>
+                          <a:spcPct val="100000"/>
+                        </a:lnSpc>
+                        <a:spcBef>
+                          <a:spcPts val="0"/>
+                        </a:spcBef>
+                        <a:spcAft>
+                          <a:spcPts val="0"/>
+                        </a:spcAft>
+                        <a:buClrTx/>
+                        <a:buSzTx/>
+                        <a:buFontTx/>
+                        <a:buNone/>
+                        <a:tabLst/>
+                        <a:defRPr/>
+                      </a:pPr>
+                      <a:r>
+                        <a:rPr lang="zh-CN" altLang="en-US" sz="1600" kern="1200" dirty="0" smtClean="0">
+                          <a:solidFill>
+                            <a:schemeClr val="dk1"/>
+                          </a:solidFill>
+                          <a:latin typeface="黑体" panose="02010609060101010101" pitchFamily="49" charset="-122"/>
+                          <a:ea typeface="黑体" panose="02010609060101010101" pitchFamily="49" charset="-122"/>
+                          <a:cs typeface="+mn-cs"/>
+                        </a:rPr>
+                        <a:t>图片实际所在域名，如</a:t>
+                      </a:r>
+                      <a:r>
+                        <a:rPr lang="en-US" altLang="zh-CN" sz="1600" kern="1200" dirty="0" smtClean="0">
+                          <a:solidFill>
+                            <a:schemeClr val="dk1"/>
+                          </a:solidFill>
+                          <a:latin typeface="黑体" panose="02010609060101010101" pitchFamily="49" charset="-122"/>
+                          <a:ea typeface="黑体" panose="02010609060101010101" pitchFamily="49" charset="-122"/>
+                          <a:cs typeface="+mn-cs"/>
+                        </a:rPr>
+                        <a:t>"http://www.baidu.com"</a:t>
+                      </a:r>
+                    </a:p>
+                  </a:txBody>
+                  <a:tcPr anchor="ctr"/>
+                </a:tc>
+                <a:extLst>
+                  <a:ext uri="{0D108BD9-81ED-4DB2-BD59-A6C34878D82A}">
+                    <a16:rowId xmlns:a16="http://schemas.microsoft.com/office/drawing/2014/main" val="1345469901"/>
+                  </a:ext>
+                </a:extLst>
+              </a:tr>
+              <a:tr h="370840">
+                <a:tc>
+                  <a:txBody>
+                    <a:bodyPr/>
+                    <a:lstStyle/>
+                    <a:p>
+                      <a:pPr marL="0" marR="0" lvl="2" indent="0" algn="ctr" defTabSz="914400" rtl="0" eaLnBrk="1" fontAlgn="auto" latinLnBrk="0" hangingPunct="1">
+                        <a:lnSpc>
+                          <a:spcPct val="100000"/>
+                        </a:lnSpc>
+                        <a:spcBef>
+                          <a:spcPts val="0"/>
+                        </a:spcBef>
+                        <a:spcAft>
+                          <a:spcPts val="0"/>
+                        </a:spcAft>
+                        <a:buClrTx/>
+                        <a:buSzTx/>
+                        <a:buFontTx/>
+                        <a:buNone/>
+                        <a:tabLst/>
+                        <a:defRPr/>
+                      </a:pPr>
+                      <a:r>
+                        <a:rPr lang="en-US" altLang="zh-CN" sz="1600" kern="1200" dirty="0" smtClean="0">
+                          <a:solidFill>
+                            <a:schemeClr val="dk1"/>
+                          </a:solidFill>
+                          <a:latin typeface="黑体" panose="02010609060101010101" pitchFamily="49" charset="-122"/>
+                          <a:ea typeface="黑体" panose="02010609060101010101" pitchFamily="49" charset="-122"/>
+                          <a:cs typeface="+mn-cs"/>
+                        </a:rPr>
+                        <a:t>3</a:t>
+                      </a:r>
+                      <a:endParaRPr lang="zh-CN" altLang="en-US" sz="1600" kern="1200" dirty="0">
+                        <a:solidFill>
+                          <a:schemeClr val="dk1"/>
+                        </a:solidFill>
+                        <a:latin typeface="黑体" panose="02010609060101010101" pitchFamily="49" charset="-122"/>
+                        <a:ea typeface="黑体" panose="02010609060101010101" pitchFamily="49" charset="-122"/>
+                        <a:cs typeface="+mn-cs"/>
+                      </a:endParaRPr>
+                    </a:p>
+                  </a:txBody>
+                  <a:tcPr anchor="ctr"/>
+                </a:tc>
+                <a:tc>
+                  <a:txBody>
+                    <a:bodyPr/>
+                    <a:lstStyle/>
+                    <a:p>
+                      <a:pPr marL="0" marR="0" lvl="2" indent="0" algn="ctr" defTabSz="914400" rtl="0" eaLnBrk="1" fontAlgn="auto" latinLnBrk="0" hangingPunct="1">
+                        <a:lnSpc>
+                          <a:spcPct val="100000"/>
+                        </a:lnSpc>
+                        <a:spcBef>
+                          <a:spcPts val="0"/>
+                        </a:spcBef>
+                        <a:spcAft>
+                          <a:spcPts val="0"/>
+                        </a:spcAft>
+                        <a:buClrTx/>
+                        <a:buSzTx/>
+                        <a:buFontTx/>
+                        <a:buNone/>
+                        <a:tabLst/>
+                        <a:defRPr/>
+                      </a:pPr>
+                      <a:r>
+                        <a:rPr lang="en-US" altLang="zh-CN" sz="1600" kern="1200" dirty="0" err="1" smtClean="0">
+                          <a:solidFill>
+                            <a:schemeClr val="dk1"/>
+                          </a:solidFill>
+                          <a:latin typeface="黑体" panose="02010609060101010101" pitchFamily="49" charset="-122"/>
+                          <a:ea typeface="黑体" panose="02010609060101010101" pitchFamily="49" charset="-122"/>
+                          <a:cs typeface="+mn-cs"/>
+                        </a:rPr>
+                        <a:t>packageSize</a:t>
+                      </a:r>
+                      <a:endParaRPr lang="zh-CN" altLang="en-US" sz="1600" kern="1200" dirty="0">
+                        <a:solidFill>
+                          <a:schemeClr val="dk1"/>
+                        </a:solidFill>
+                        <a:latin typeface="黑体" panose="02010609060101010101" pitchFamily="49" charset="-122"/>
+                        <a:ea typeface="黑体" panose="02010609060101010101" pitchFamily="49" charset="-122"/>
+                        <a:cs typeface="+mn-cs"/>
+                      </a:endParaRPr>
+                    </a:p>
+                  </a:txBody>
+                  <a:tcPr anchor="ctr"/>
+                </a:tc>
+                <a:tc>
+                  <a:txBody>
+                    <a:bodyPr/>
+                    <a:lstStyle/>
+                    <a:p>
+                      <a:pPr marL="0" marR="0" lvl="2" indent="0" algn="ctr" defTabSz="914400" rtl="0" eaLnBrk="1" fontAlgn="auto" latinLnBrk="0" hangingPunct="1">
+                        <a:lnSpc>
+                          <a:spcPct val="100000"/>
+                        </a:lnSpc>
+                        <a:spcBef>
+                          <a:spcPts val="0"/>
+                        </a:spcBef>
+                        <a:spcAft>
+                          <a:spcPts val="0"/>
+                        </a:spcAft>
+                        <a:buClrTx/>
+                        <a:buSzTx/>
+                        <a:buFontTx/>
+                        <a:buNone/>
+                        <a:tabLst/>
+                        <a:defRPr/>
+                      </a:pPr>
+                      <a:r>
+                        <a:rPr lang="en-US" altLang="zh-CN" sz="1600" kern="1200" dirty="0" smtClean="0">
+                          <a:solidFill>
+                            <a:schemeClr val="dk1"/>
+                          </a:solidFill>
+                          <a:latin typeface="黑体" panose="02010609060101010101" pitchFamily="49" charset="-122"/>
+                          <a:ea typeface="黑体" panose="02010609060101010101" pitchFamily="49" charset="-122"/>
+                          <a:cs typeface="+mn-cs"/>
+                        </a:rPr>
+                        <a:t>--</a:t>
+                      </a:r>
+                      <a:endParaRPr lang="zh-CN" altLang="en-US" sz="1600" kern="1200" dirty="0">
+                        <a:solidFill>
+                          <a:schemeClr val="dk1"/>
+                        </a:solidFill>
+                        <a:latin typeface="黑体" panose="02010609060101010101" pitchFamily="49" charset="-122"/>
+                        <a:ea typeface="黑体" panose="02010609060101010101" pitchFamily="49" charset="-122"/>
+                        <a:cs typeface="+mn-cs"/>
+                      </a:endParaRPr>
+                    </a:p>
+                  </a:txBody>
+                  <a:tcPr anchor="ctr"/>
+                </a:tc>
+                <a:tc>
+                  <a:txBody>
+                    <a:bodyPr/>
+                    <a:lstStyle/>
+                    <a:p>
+                      <a:pPr marL="0" marR="0" lvl="2" indent="0" algn="ctr" defTabSz="914400" rtl="0" eaLnBrk="1" fontAlgn="auto" latinLnBrk="0" hangingPunct="1">
+                        <a:lnSpc>
+                          <a:spcPct val="100000"/>
+                        </a:lnSpc>
+                        <a:spcBef>
+                          <a:spcPts val="0"/>
+                        </a:spcBef>
+                        <a:spcAft>
+                          <a:spcPts val="0"/>
+                        </a:spcAft>
+                        <a:buClrTx/>
+                        <a:buSzTx/>
+                        <a:buFontTx/>
+                        <a:buNone/>
+                        <a:tabLst/>
+                        <a:defRPr/>
+                      </a:pPr>
+                      <a:r>
+                        <a:rPr lang="en-US" altLang="zh-CN" sz="1600" kern="1200" dirty="0" smtClean="0">
+                          <a:solidFill>
+                            <a:schemeClr val="dk1"/>
+                          </a:solidFill>
+                          <a:latin typeface="黑体" panose="02010609060101010101" pitchFamily="49" charset="-122"/>
+                          <a:ea typeface="黑体" panose="02010609060101010101" pitchFamily="49" charset="-122"/>
+                          <a:cs typeface="+mn-cs"/>
+                        </a:rPr>
+                        <a:t>64K</a:t>
+                      </a:r>
+                      <a:endParaRPr lang="zh-CN" altLang="en-US" sz="1600" kern="1200" dirty="0">
+                        <a:solidFill>
+                          <a:schemeClr val="dk1"/>
+                        </a:solidFill>
+                        <a:latin typeface="黑体" panose="02010609060101010101" pitchFamily="49" charset="-122"/>
+                        <a:ea typeface="黑体" panose="02010609060101010101" pitchFamily="49" charset="-122"/>
+                        <a:cs typeface="+mn-cs"/>
+                      </a:endParaRPr>
+                    </a:p>
+                  </a:txBody>
+                  <a:tcPr anchor="ctr"/>
+                </a:tc>
+                <a:tc>
+                  <a:txBody>
+                    <a:bodyPr/>
+                    <a:lstStyle/>
+                    <a:p>
+                      <a:pPr marL="0" marR="0" lvl="2" indent="0" algn="ctr" defTabSz="914400" rtl="0" eaLnBrk="1" fontAlgn="auto" latinLnBrk="0" hangingPunct="1">
+                        <a:lnSpc>
+                          <a:spcPct val="100000"/>
+                        </a:lnSpc>
+                        <a:spcBef>
+                          <a:spcPts val="0"/>
+                        </a:spcBef>
+                        <a:spcAft>
+                          <a:spcPts val="0"/>
+                        </a:spcAft>
+                        <a:buClrTx/>
+                        <a:buSzTx/>
+                        <a:buFontTx/>
+                        <a:buNone/>
+                        <a:tabLst/>
+                        <a:defRPr/>
+                      </a:pPr>
+                      <a:r>
+                        <a:rPr lang="zh-CN" altLang="en-US" sz="1600" kern="1200" dirty="0" smtClean="0">
+                          <a:solidFill>
+                            <a:schemeClr val="dk1"/>
+                          </a:solidFill>
+                          <a:latin typeface="黑体" panose="02010609060101010101" pitchFamily="49" charset="-122"/>
+                          <a:ea typeface="黑体" panose="02010609060101010101" pitchFamily="49" charset="-122"/>
+                          <a:cs typeface="+mn-cs"/>
+                        </a:rPr>
+                        <a:t>网速测试控制器写回包的大小</a:t>
+                      </a:r>
+                    </a:p>
+                  </a:txBody>
+                  <a:tcPr anchor="ctr"/>
+                </a:tc>
+                <a:extLst>
+                  <a:ext uri="{0D108BD9-81ED-4DB2-BD59-A6C34878D82A}">
+                    <a16:rowId xmlns:a16="http://schemas.microsoft.com/office/drawing/2014/main" val="2175447637"/>
+                  </a:ext>
+                </a:extLst>
+              </a:tr>
+              <a:tr h="370840">
+                <a:tc>
+                  <a:txBody>
+                    <a:bodyPr/>
+                    <a:lstStyle/>
+                    <a:p>
+                      <a:pPr marL="0" marR="0" lvl="2" indent="0" algn="ctr" defTabSz="914400" rtl="0" eaLnBrk="1" fontAlgn="auto" latinLnBrk="0" hangingPunct="1">
+                        <a:lnSpc>
+                          <a:spcPct val="100000"/>
+                        </a:lnSpc>
+                        <a:spcBef>
+                          <a:spcPts val="0"/>
+                        </a:spcBef>
+                        <a:spcAft>
+                          <a:spcPts val="0"/>
+                        </a:spcAft>
+                        <a:buClrTx/>
+                        <a:buSzTx/>
+                        <a:buFontTx/>
+                        <a:buNone/>
+                        <a:tabLst/>
+                        <a:defRPr/>
+                      </a:pPr>
+                      <a:r>
+                        <a:rPr lang="en-US" altLang="zh-CN" sz="1600" kern="1200" dirty="0" smtClean="0">
+                          <a:solidFill>
+                            <a:schemeClr val="dk1"/>
+                          </a:solidFill>
+                          <a:latin typeface="黑体" panose="02010609060101010101" pitchFamily="49" charset="-122"/>
+                          <a:ea typeface="黑体" panose="02010609060101010101" pitchFamily="49" charset="-122"/>
+                          <a:cs typeface="+mn-cs"/>
+                        </a:rPr>
+                        <a:t>4</a:t>
+                      </a:r>
+                      <a:endParaRPr lang="zh-CN" altLang="en-US" sz="1600" kern="1200" dirty="0">
+                        <a:solidFill>
+                          <a:schemeClr val="dk1"/>
+                        </a:solidFill>
+                        <a:latin typeface="黑体" panose="02010609060101010101" pitchFamily="49" charset="-122"/>
+                        <a:ea typeface="黑体" panose="02010609060101010101" pitchFamily="49" charset="-122"/>
+                        <a:cs typeface="+mn-cs"/>
+                      </a:endParaRPr>
+                    </a:p>
+                  </a:txBody>
+                  <a:tcPr anchor="ctr"/>
+                </a:tc>
+                <a:tc>
+                  <a:txBody>
+                    <a:bodyPr/>
+                    <a:lstStyle/>
+                    <a:p>
+                      <a:pPr marL="0" marR="0" lvl="2" indent="0" algn="ctr" defTabSz="914400" rtl="0" eaLnBrk="1" fontAlgn="auto" latinLnBrk="0" hangingPunct="1">
+                        <a:lnSpc>
+                          <a:spcPct val="100000"/>
+                        </a:lnSpc>
+                        <a:spcBef>
+                          <a:spcPts val="0"/>
+                        </a:spcBef>
+                        <a:spcAft>
+                          <a:spcPts val="0"/>
+                        </a:spcAft>
+                        <a:buClrTx/>
+                        <a:buSzTx/>
+                        <a:buFontTx/>
+                        <a:buNone/>
+                        <a:tabLst/>
+                        <a:defRPr/>
+                      </a:pPr>
+                      <a:r>
+                        <a:rPr lang="en-US" altLang="zh-CN" sz="1600" kern="1200" dirty="0" err="1" smtClean="0">
+                          <a:solidFill>
+                            <a:schemeClr val="dk1"/>
+                          </a:solidFill>
+                          <a:latin typeface="黑体" panose="02010609060101010101" pitchFamily="49" charset="-122"/>
+                          <a:ea typeface="黑体" panose="02010609060101010101" pitchFamily="49" charset="-122"/>
+                          <a:cs typeface="+mn-cs"/>
+                        </a:rPr>
+                        <a:t>preloadRatio</a:t>
+                      </a:r>
+                      <a:endParaRPr lang="zh-CN" altLang="en-US" sz="1600" kern="1200" dirty="0">
+                        <a:solidFill>
+                          <a:schemeClr val="dk1"/>
+                        </a:solidFill>
+                        <a:latin typeface="黑体" panose="02010609060101010101" pitchFamily="49" charset="-122"/>
+                        <a:ea typeface="黑体" panose="02010609060101010101" pitchFamily="49" charset="-122"/>
+                        <a:cs typeface="+mn-cs"/>
+                      </a:endParaRPr>
+                    </a:p>
+                  </a:txBody>
+                  <a:tcPr anchor="ctr"/>
+                </a:tc>
+                <a:tc>
+                  <a:txBody>
+                    <a:bodyPr/>
+                    <a:lstStyle/>
+                    <a:p>
+                      <a:pPr marL="0" marR="0" lvl="2" indent="0" algn="ctr" defTabSz="914400" rtl="0" eaLnBrk="1" fontAlgn="auto" latinLnBrk="0" hangingPunct="1">
+                        <a:lnSpc>
+                          <a:spcPct val="100000"/>
+                        </a:lnSpc>
+                        <a:spcBef>
+                          <a:spcPts val="0"/>
+                        </a:spcBef>
+                        <a:spcAft>
+                          <a:spcPts val="0"/>
+                        </a:spcAft>
+                        <a:buClrTx/>
+                        <a:buSzTx/>
+                        <a:buFontTx/>
+                        <a:buNone/>
+                        <a:tabLst/>
+                        <a:defRPr/>
+                      </a:pPr>
+                      <a:r>
+                        <a:rPr lang="en-US" altLang="zh-CN" sz="1600" kern="1200" dirty="0" smtClean="0">
+                          <a:solidFill>
+                            <a:schemeClr val="dk1"/>
+                          </a:solidFill>
+                          <a:latin typeface="黑体" panose="02010609060101010101" pitchFamily="49" charset="-122"/>
+                          <a:ea typeface="黑体" panose="02010609060101010101" pitchFamily="49" charset="-122"/>
+                          <a:cs typeface="+mn-cs"/>
+                        </a:rPr>
+                        <a:t>--</a:t>
+                      </a:r>
+                      <a:endParaRPr lang="zh-CN" altLang="en-US" sz="1600" kern="1200" dirty="0">
+                        <a:solidFill>
+                          <a:schemeClr val="dk1"/>
+                        </a:solidFill>
+                        <a:latin typeface="黑体" panose="02010609060101010101" pitchFamily="49" charset="-122"/>
+                        <a:ea typeface="黑体" panose="02010609060101010101" pitchFamily="49" charset="-122"/>
+                        <a:cs typeface="+mn-cs"/>
+                      </a:endParaRPr>
+                    </a:p>
+                  </a:txBody>
+                  <a:tcPr anchor="ctr"/>
+                </a:tc>
+                <a:tc>
+                  <a:txBody>
+                    <a:bodyPr/>
+                    <a:lstStyle/>
+                    <a:p>
+                      <a:pPr marL="0" marR="0" lvl="2" indent="0" algn="ctr" defTabSz="914400" rtl="0" eaLnBrk="1" fontAlgn="auto" latinLnBrk="0" hangingPunct="1">
+                        <a:lnSpc>
+                          <a:spcPct val="100000"/>
+                        </a:lnSpc>
+                        <a:spcBef>
+                          <a:spcPts val="0"/>
+                        </a:spcBef>
+                        <a:spcAft>
+                          <a:spcPts val="0"/>
+                        </a:spcAft>
+                        <a:buClrTx/>
+                        <a:buSzTx/>
+                        <a:buFontTx/>
+                        <a:buNone/>
+                        <a:tabLst/>
+                        <a:defRPr/>
+                      </a:pPr>
+                      <a:r>
+                        <a:rPr lang="en-US" altLang="zh-CN" sz="1600" kern="1200" dirty="0" smtClean="0">
+                          <a:solidFill>
+                            <a:schemeClr val="dk1"/>
+                          </a:solidFill>
+                          <a:latin typeface="黑体" panose="02010609060101010101" pitchFamily="49" charset="-122"/>
+                          <a:ea typeface="黑体" panose="02010609060101010101" pitchFamily="49" charset="-122"/>
+                          <a:cs typeface="+mn-cs"/>
+                        </a:rPr>
+                        <a:t>2</a:t>
+                      </a:r>
+                      <a:endParaRPr lang="zh-CN" altLang="en-US" sz="1600" kern="1200" dirty="0">
+                        <a:solidFill>
+                          <a:schemeClr val="dk1"/>
+                        </a:solidFill>
+                        <a:latin typeface="黑体" panose="02010609060101010101" pitchFamily="49" charset="-122"/>
+                        <a:ea typeface="黑体" panose="02010609060101010101" pitchFamily="49" charset="-122"/>
+                        <a:cs typeface="+mn-cs"/>
+                      </a:endParaRPr>
+                    </a:p>
+                  </a:txBody>
+                  <a:tcPr anchor="ctr"/>
+                </a:tc>
+                <a:tc>
+                  <a:txBody>
+                    <a:bodyPr/>
+                    <a:lstStyle/>
+                    <a:p>
+                      <a:pPr marL="0" marR="0" lvl="2" indent="0" algn="ctr" defTabSz="914400" rtl="0" eaLnBrk="1" fontAlgn="auto" latinLnBrk="0" hangingPunct="1">
+                        <a:lnSpc>
+                          <a:spcPct val="100000"/>
+                        </a:lnSpc>
+                        <a:spcBef>
+                          <a:spcPts val="0"/>
+                        </a:spcBef>
+                        <a:spcAft>
+                          <a:spcPts val="0"/>
+                        </a:spcAft>
+                        <a:buClrTx/>
+                        <a:buSzTx/>
+                        <a:buFontTx/>
+                        <a:buNone/>
+                        <a:tabLst/>
+                        <a:defRPr/>
+                      </a:pPr>
+                      <a:r>
+                        <a:rPr lang="zh-CN" altLang="en-US" sz="1600" kern="1200" dirty="0" smtClean="0">
+                          <a:solidFill>
+                            <a:schemeClr val="dk1"/>
+                          </a:solidFill>
+                          <a:latin typeface="黑体" panose="02010609060101010101" pitchFamily="49" charset="-122"/>
+                          <a:ea typeface="黑体" panose="02010609060101010101" pitchFamily="49" charset="-122"/>
+                          <a:cs typeface="+mn-cs"/>
+                        </a:rPr>
+                        <a:t>页面预加载比例</a:t>
+                      </a:r>
+                      <a:endParaRPr lang="en-US" altLang="zh-CN" sz="1600" kern="1200" dirty="0" smtClean="0">
+                        <a:solidFill>
+                          <a:schemeClr val="dk1"/>
+                        </a:solidFill>
+                        <a:latin typeface="黑体" panose="02010609060101010101" pitchFamily="49" charset="-122"/>
+                        <a:ea typeface="黑体" panose="02010609060101010101" pitchFamily="49" charset="-122"/>
+                        <a:cs typeface="+mn-cs"/>
+                      </a:endParaRPr>
+                    </a:p>
+                  </a:txBody>
+                  <a:tcPr anchor="ctr"/>
+                </a:tc>
+                <a:extLst>
+                  <a:ext uri="{0D108BD9-81ED-4DB2-BD59-A6C34878D82A}">
+                    <a16:rowId xmlns:a16="http://schemas.microsoft.com/office/drawing/2014/main" val="4063934539"/>
+                  </a:ext>
+                </a:extLst>
+              </a:tr>
+              <a:tr h="370840">
+                <a:tc>
+                  <a:txBody>
+                    <a:bodyPr/>
+                    <a:lstStyle/>
+                    <a:p>
+                      <a:pPr marL="0" marR="0" lvl="2" indent="0" algn="ctr" defTabSz="914400" rtl="0" eaLnBrk="1" fontAlgn="auto" latinLnBrk="0" hangingPunct="1">
+                        <a:lnSpc>
+                          <a:spcPct val="100000"/>
+                        </a:lnSpc>
+                        <a:spcBef>
+                          <a:spcPts val="0"/>
+                        </a:spcBef>
+                        <a:spcAft>
+                          <a:spcPts val="0"/>
+                        </a:spcAft>
+                        <a:buClrTx/>
+                        <a:buSzTx/>
+                        <a:buFontTx/>
+                        <a:buNone/>
+                        <a:tabLst/>
+                        <a:defRPr/>
+                      </a:pPr>
+                      <a:r>
+                        <a:rPr lang="en-US" altLang="zh-CN" sz="1600" kern="1200" dirty="0" smtClean="0">
+                          <a:solidFill>
+                            <a:schemeClr val="dk1"/>
+                          </a:solidFill>
+                          <a:latin typeface="黑体" panose="02010609060101010101" pitchFamily="49" charset="-122"/>
+                          <a:ea typeface="黑体" panose="02010609060101010101" pitchFamily="49" charset="-122"/>
+                          <a:cs typeface="+mn-cs"/>
+                        </a:rPr>
+                        <a:t>5</a:t>
+                      </a:r>
+                      <a:endParaRPr lang="zh-CN" altLang="en-US" sz="1600" kern="1200" dirty="0">
+                        <a:solidFill>
+                          <a:schemeClr val="dk1"/>
+                        </a:solidFill>
+                        <a:latin typeface="黑体" panose="02010609060101010101" pitchFamily="49" charset="-122"/>
+                        <a:ea typeface="黑体" panose="02010609060101010101" pitchFamily="49" charset="-122"/>
+                        <a:cs typeface="+mn-cs"/>
+                      </a:endParaRPr>
+                    </a:p>
+                  </a:txBody>
+                  <a:tcPr anchor="ctr"/>
+                </a:tc>
+                <a:tc>
+                  <a:txBody>
+                    <a:bodyPr/>
+                    <a:lstStyle/>
+                    <a:p>
+                      <a:pPr marL="0" marR="0" lvl="2" indent="0" algn="ctr" defTabSz="914400" rtl="0" eaLnBrk="1" fontAlgn="auto" latinLnBrk="0" hangingPunct="1">
+                        <a:lnSpc>
+                          <a:spcPct val="100000"/>
+                        </a:lnSpc>
+                        <a:spcBef>
+                          <a:spcPts val="0"/>
+                        </a:spcBef>
+                        <a:spcAft>
+                          <a:spcPts val="0"/>
+                        </a:spcAft>
+                        <a:buClrTx/>
+                        <a:buSzTx/>
+                        <a:buFontTx/>
+                        <a:buNone/>
+                        <a:tabLst/>
+                        <a:defRPr/>
+                      </a:pPr>
+                      <a:r>
+                        <a:rPr lang="en-US" altLang="zh-CN" sz="1600" kern="1200" dirty="0" err="1" smtClean="0">
+                          <a:solidFill>
+                            <a:schemeClr val="dk1"/>
+                          </a:solidFill>
+                          <a:latin typeface="黑体" panose="02010609060101010101" pitchFamily="49" charset="-122"/>
+                          <a:ea typeface="黑体" panose="02010609060101010101" pitchFamily="49" charset="-122"/>
+                          <a:cs typeface="+mn-cs"/>
+                        </a:rPr>
+                        <a:t>pxPerBandwidth</a:t>
+                      </a:r>
+                      <a:endParaRPr lang="zh-CN" altLang="en-US" sz="1600" kern="1200" dirty="0">
+                        <a:solidFill>
+                          <a:schemeClr val="dk1"/>
+                        </a:solidFill>
+                        <a:latin typeface="黑体" panose="02010609060101010101" pitchFamily="49" charset="-122"/>
+                        <a:ea typeface="黑体" panose="02010609060101010101" pitchFamily="49" charset="-122"/>
+                        <a:cs typeface="+mn-cs"/>
+                      </a:endParaRPr>
+                    </a:p>
+                  </a:txBody>
+                  <a:tcPr anchor="ctr"/>
+                </a:tc>
+                <a:tc>
+                  <a:txBody>
+                    <a:bodyPr/>
+                    <a:lstStyle/>
+                    <a:p>
+                      <a:pPr marL="0" marR="0" lvl="2" indent="0" algn="ctr" defTabSz="914400" rtl="0" eaLnBrk="1" fontAlgn="auto" latinLnBrk="0" hangingPunct="1">
+                        <a:lnSpc>
+                          <a:spcPct val="100000"/>
+                        </a:lnSpc>
+                        <a:spcBef>
+                          <a:spcPts val="0"/>
+                        </a:spcBef>
+                        <a:spcAft>
+                          <a:spcPts val="0"/>
+                        </a:spcAft>
+                        <a:buClrTx/>
+                        <a:buSzTx/>
+                        <a:buFontTx/>
+                        <a:buNone/>
+                        <a:tabLst/>
+                        <a:defRPr/>
+                      </a:pPr>
+                      <a:r>
+                        <a:rPr lang="en-US" altLang="zh-CN" sz="1600" kern="1200" dirty="0" smtClean="0">
+                          <a:solidFill>
+                            <a:schemeClr val="dk1"/>
+                          </a:solidFill>
+                          <a:latin typeface="黑体" panose="02010609060101010101" pitchFamily="49" charset="-122"/>
+                          <a:ea typeface="黑体" panose="02010609060101010101" pitchFamily="49" charset="-122"/>
+                          <a:cs typeface="+mn-cs"/>
+                        </a:rPr>
+                        <a:t>--</a:t>
+                      </a:r>
+                      <a:endParaRPr lang="zh-CN" altLang="en-US" sz="1600" kern="1200" dirty="0">
+                        <a:solidFill>
+                          <a:schemeClr val="dk1"/>
+                        </a:solidFill>
+                        <a:latin typeface="黑体" panose="02010609060101010101" pitchFamily="49" charset="-122"/>
+                        <a:ea typeface="黑体" panose="02010609060101010101" pitchFamily="49" charset="-122"/>
+                        <a:cs typeface="+mn-cs"/>
+                      </a:endParaRPr>
+                    </a:p>
+                  </a:txBody>
+                  <a:tcPr anchor="ctr"/>
+                </a:tc>
+                <a:tc>
+                  <a:txBody>
+                    <a:bodyPr/>
+                    <a:lstStyle/>
+                    <a:p>
+                      <a:pPr marL="0" marR="0" lvl="2" indent="0" algn="ctr" defTabSz="914400" rtl="0" eaLnBrk="1" fontAlgn="auto" latinLnBrk="0" hangingPunct="1">
+                        <a:lnSpc>
+                          <a:spcPct val="100000"/>
+                        </a:lnSpc>
+                        <a:spcBef>
+                          <a:spcPts val="0"/>
+                        </a:spcBef>
+                        <a:spcAft>
+                          <a:spcPts val="0"/>
+                        </a:spcAft>
+                        <a:buClrTx/>
+                        <a:buSzTx/>
+                        <a:buFontTx/>
+                        <a:buNone/>
+                        <a:tabLst/>
+                        <a:defRPr/>
+                      </a:pPr>
+                      <a:r>
+                        <a:rPr lang="en-US" altLang="zh-CN" sz="1600" kern="1200" dirty="0" smtClean="0">
+                          <a:solidFill>
+                            <a:schemeClr val="dk1"/>
+                          </a:solidFill>
+                          <a:latin typeface="黑体" panose="02010609060101010101" pitchFamily="49" charset="-122"/>
+                          <a:ea typeface="黑体" panose="02010609060101010101" pitchFamily="49" charset="-122"/>
+                          <a:cs typeface="+mn-cs"/>
+                        </a:rPr>
+                        <a:t>5000</a:t>
+                      </a:r>
+                      <a:endParaRPr lang="zh-CN" altLang="en-US" sz="1600" kern="1200" dirty="0">
+                        <a:solidFill>
+                          <a:schemeClr val="dk1"/>
+                        </a:solidFill>
+                        <a:latin typeface="黑体" panose="02010609060101010101" pitchFamily="49" charset="-122"/>
+                        <a:ea typeface="黑体" panose="02010609060101010101" pitchFamily="49" charset="-122"/>
+                        <a:cs typeface="+mn-cs"/>
+                      </a:endParaRPr>
+                    </a:p>
+                  </a:txBody>
+                  <a:tcPr anchor="ctr"/>
+                </a:tc>
+                <a:tc>
+                  <a:txBody>
+                    <a:bodyPr/>
+                    <a:lstStyle/>
+                    <a:p>
+                      <a:pPr marL="0" marR="0" lvl="2" indent="0" algn="ctr" defTabSz="914400" rtl="0" eaLnBrk="1" fontAlgn="auto" latinLnBrk="0" hangingPunct="1">
+                        <a:lnSpc>
+                          <a:spcPct val="100000"/>
+                        </a:lnSpc>
+                        <a:spcBef>
+                          <a:spcPts val="0"/>
+                        </a:spcBef>
+                        <a:spcAft>
+                          <a:spcPts val="0"/>
+                        </a:spcAft>
+                        <a:buClrTx/>
+                        <a:buSzTx/>
+                        <a:buFontTx/>
+                        <a:buNone/>
+                        <a:tabLst/>
+                        <a:defRPr/>
+                      </a:pPr>
+                      <a:r>
+                        <a:rPr lang="zh-CN" altLang="en-US" sz="1600" kern="1200" dirty="0" smtClean="0">
+                          <a:solidFill>
+                            <a:schemeClr val="dk1"/>
+                          </a:solidFill>
+                          <a:latin typeface="黑体" panose="02010609060101010101" pitchFamily="49" charset="-122"/>
+                          <a:ea typeface="黑体" panose="02010609060101010101" pitchFamily="49" charset="-122"/>
+                          <a:cs typeface="+mn-cs"/>
+                        </a:rPr>
+                        <a:t>每</a:t>
+                      </a:r>
+                      <a:r>
+                        <a:rPr lang="en-US" altLang="zh-CN" sz="1600" kern="1200" dirty="0" smtClean="0">
+                          <a:solidFill>
+                            <a:schemeClr val="dk1"/>
+                          </a:solidFill>
+                          <a:latin typeface="黑体" panose="02010609060101010101" pitchFamily="49" charset="-122"/>
+                          <a:ea typeface="黑体" panose="02010609060101010101" pitchFamily="49" charset="-122"/>
+                          <a:cs typeface="+mn-cs"/>
+                        </a:rPr>
+                        <a:t>b/</a:t>
+                      </a:r>
+                      <a:r>
+                        <a:rPr lang="en-US" altLang="zh-CN" sz="1600" kern="1200" dirty="0" err="1" smtClean="0">
+                          <a:solidFill>
+                            <a:schemeClr val="dk1"/>
+                          </a:solidFill>
+                          <a:latin typeface="黑体" panose="02010609060101010101" pitchFamily="49" charset="-122"/>
+                          <a:ea typeface="黑体" panose="02010609060101010101" pitchFamily="49" charset="-122"/>
+                          <a:cs typeface="+mn-cs"/>
+                        </a:rPr>
+                        <a:t>ms</a:t>
+                      </a:r>
+                      <a:r>
+                        <a:rPr lang="zh-CN" altLang="en-US" sz="1600" kern="1200" dirty="0" smtClean="0">
+                          <a:solidFill>
+                            <a:schemeClr val="dk1"/>
+                          </a:solidFill>
+                          <a:latin typeface="黑体" panose="02010609060101010101" pitchFamily="49" charset="-122"/>
+                          <a:ea typeface="黑体" panose="02010609060101010101" pitchFamily="49" charset="-122"/>
+                          <a:cs typeface="+mn-cs"/>
+                        </a:rPr>
+                        <a:t>网速对应像素点的个数，用于计算小图大小</a:t>
+                      </a:r>
+                    </a:p>
+                  </a:txBody>
+                  <a:tcPr anchor="ctr"/>
+                </a:tc>
+                <a:extLst>
+                  <a:ext uri="{0D108BD9-81ED-4DB2-BD59-A6C34878D82A}">
+                    <a16:rowId xmlns:a16="http://schemas.microsoft.com/office/drawing/2014/main" val="2659599790"/>
+                  </a:ext>
+                </a:extLst>
+              </a:tr>
+            </a:tbl>
+          </a:graphicData>
+        </a:graphic>
+      </p:graphicFrame>
+    </p:spTree>
+    <p:extLst>
+      <p:ext uri="{BB962C8B-B14F-4D97-AF65-F5344CB8AC3E}">
+        <p14:creationId xmlns:p14="http://schemas.microsoft.com/office/powerpoint/2010/main" val="2345605860"/>
       </p:ext>
     </p:extLst>
   </p:cSld>
@@ -3288,522 +4732,28 @@
           <a:p>
             <a:r>
               <a:rPr lang="zh-CN" altLang="en-US" dirty="0" smtClean="0"/>
-              <a:t>图片缩放时间（千次）</a:t>
+              <a:t>图片缩放时间</a:t>
+            </a:r>
+            <a:r>
+              <a:rPr lang="zh-CN" altLang="en-US" dirty="0" smtClean="0"/>
+              <a:t>（毫秒</a:t>
+            </a:r>
+            <a:r>
+              <a:rPr lang="en-US" altLang="zh-CN" dirty="0" smtClean="0"/>
+              <a:t>/</a:t>
+            </a:r>
+            <a:r>
+              <a:rPr lang="zh-CN" altLang="en-US" dirty="0" smtClean="0"/>
+              <a:t>千</a:t>
+            </a:r>
+            <a:r>
+              <a:rPr lang="zh-CN" altLang="en-US" dirty="0" smtClean="0"/>
+              <a:t>次）</a:t>
             </a:r>
             <a:endParaRPr lang="zh-CN" altLang="en-US" dirty="0"/>
           </a:p>
         </p:txBody>
       </p:sp>
-      <p:graphicFrame>
-        <p:nvGraphicFramePr>
-          <p:cNvPr id="6" name="表格 5"/>
-          <p:cNvGraphicFramePr>
-            <a:graphicFrameLocks noGrp="1"/>
-          </p:cNvGraphicFramePr>
-          <p:nvPr>
-            <p:extLst>
-              <p:ext uri="{D42A27DB-BD31-4B8C-83A1-F6EECF244321}">
-                <p14:modId xmlns:p14="http://schemas.microsoft.com/office/powerpoint/2010/main" val="2843709977"/>
-              </p:ext>
-            </p:extLst>
-          </p:nvPr>
-        </p:nvGraphicFramePr>
-        <p:xfrm>
-          <a:off x="1236667" y="2435225"/>
-          <a:ext cx="6859581" cy="1478280"/>
-        </p:xfrm>
-        <a:graphic>
-          <a:graphicData uri="http://schemas.openxmlformats.org/drawingml/2006/table">
-            <a:tbl>
-              <a:tblPr firstRow="1" bandRow="1">
-                <a:tableStyleId>{93296810-A885-4BE3-A3E7-6D5BEEA58F35}</a:tableStyleId>
-              </a:tblPr>
-              <a:tblGrid>
-                <a:gridCol w="1479871">
-                  <a:extLst>
-                    <a:ext uri="{9D8B030D-6E8A-4147-A177-3AD203B41FA5}">
-                      <a16:colId xmlns:a16="http://schemas.microsoft.com/office/drawing/2014/main" val="1403741857"/>
-                    </a:ext>
-                  </a:extLst>
-                </a:gridCol>
-                <a:gridCol w="768530">
-                  <a:extLst>
-                    <a:ext uri="{9D8B030D-6E8A-4147-A177-3AD203B41FA5}">
-                      <a16:colId xmlns:a16="http://schemas.microsoft.com/office/drawing/2014/main" val="1621990532"/>
-                    </a:ext>
-                  </a:extLst>
-                </a:gridCol>
-                <a:gridCol w="768530">
-                  <a:extLst>
-                    <a:ext uri="{9D8B030D-6E8A-4147-A177-3AD203B41FA5}">
-                      <a16:colId xmlns:a16="http://schemas.microsoft.com/office/drawing/2014/main" val="1475528206"/>
-                    </a:ext>
-                  </a:extLst>
-                </a:gridCol>
-                <a:gridCol w="768530">
-                  <a:extLst>
-                    <a:ext uri="{9D8B030D-6E8A-4147-A177-3AD203B41FA5}">
-                      <a16:colId xmlns:a16="http://schemas.microsoft.com/office/drawing/2014/main" val="1102523084"/>
-                    </a:ext>
-                  </a:extLst>
-                </a:gridCol>
-                <a:gridCol w="768530">
-                  <a:extLst>
-                    <a:ext uri="{9D8B030D-6E8A-4147-A177-3AD203B41FA5}">
-                      <a16:colId xmlns:a16="http://schemas.microsoft.com/office/drawing/2014/main" val="3212857509"/>
-                    </a:ext>
-                  </a:extLst>
-                </a:gridCol>
-                <a:gridCol w="768530">
-                  <a:extLst>
-                    <a:ext uri="{9D8B030D-6E8A-4147-A177-3AD203B41FA5}">
-                      <a16:colId xmlns:a16="http://schemas.microsoft.com/office/drawing/2014/main" val="2645671425"/>
-                    </a:ext>
-                  </a:extLst>
-                </a:gridCol>
-                <a:gridCol w="768530">
-                  <a:extLst>
-                    <a:ext uri="{9D8B030D-6E8A-4147-A177-3AD203B41FA5}">
-                      <a16:colId xmlns:a16="http://schemas.microsoft.com/office/drawing/2014/main" val="173168317"/>
-                    </a:ext>
-                  </a:extLst>
-                </a:gridCol>
-                <a:gridCol w="768530">
-                  <a:extLst>
-                    <a:ext uri="{9D8B030D-6E8A-4147-A177-3AD203B41FA5}">
-                      <a16:colId xmlns:a16="http://schemas.microsoft.com/office/drawing/2014/main" val="3499303768"/>
-                    </a:ext>
-                  </a:extLst>
-                </a:gridCol>
-              </a:tblGrid>
-              <a:tr h="370840">
-                <a:tc>
-                  <a:txBody>
-                    <a:bodyPr/>
-                    <a:lstStyle/>
-                    <a:p>
-                      <a:pPr algn="ctr"/>
-                      <a:r>
-                        <a:rPr lang="zh-CN" altLang="en-US" dirty="0" smtClean="0"/>
-                        <a:t>原图尺寸</a:t>
-                      </a:r>
-                      <a:endParaRPr lang="zh-CN" altLang="en-US" dirty="0"/>
-                    </a:p>
-                  </a:txBody>
-                  <a:tcPr/>
-                </a:tc>
-                <a:tc>
-                  <a:txBody>
-                    <a:bodyPr/>
-                    <a:lstStyle/>
-                    <a:p>
-                      <a:pPr algn="ctr"/>
-                      <a:r>
-                        <a:rPr lang="en-US" altLang="zh-CN" dirty="0" smtClean="0"/>
-                        <a:t>0.1</a:t>
-                      </a:r>
-                      <a:endParaRPr lang="zh-CN" altLang="en-US" dirty="0"/>
-                    </a:p>
-                  </a:txBody>
-                  <a:tcPr/>
-                </a:tc>
-                <a:tc>
-                  <a:txBody>
-                    <a:bodyPr/>
-                    <a:lstStyle/>
-                    <a:p>
-                      <a:pPr algn="ctr"/>
-                      <a:r>
-                        <a:rPr lang="en-US" altLang="zh-CN" dirty="0" smtClean="0"/>
-                        <a:t>0.2</a:t>
-                      </a:r>
-                      <a:endParaRPr lang="zh-CN" altLang="en-US" dirty="0"/>
-                    </a:p>
-                  </a:txBody>
-                  <a:tcPr/>
-                </a:tc>
-                <a:tc>
-                  <a:txBody>
-                    <a:bodyPr/>
-                    <a:lstStyle/>
-                    <a:p>
-                      <a:pPr algn="ctr"/>
-                      <a:r>
-                        <a:rPr lang="en-US" altLang="zh-CN" dirty="0" smtClean="0"/>
-                        <a:t>0.3</a:t>
-                      </a:r>
-                      <a:endParaRPr lang="zh-CN" altLang="en-US" dirty="0"/>
-                    </a:p>
-                  </a:txBody>
-                  <a:tcPr/>
-                </a:tc>
-                <a:tc>
-                  <a:txBody>
-                    <a:bodyPr/>
-                    <a:lstStyle/>
-                    <a:p>
-                      <a:pPr algn="ctr"/>
-                      <a:r>
-                        <a:rPr lang="en-US" altLang="zh-CN" dirty="0" smtClean="0"/>
-                        <a:t>0.4</a:t>
-                      </a:r>
-                      <a:endParaRPr lang="zh-CN" altLang="en-US" dirty="0"/>
-                    </a:p>
-                  </a:txBody>
-                  <a:tcPr/>
-                </a:tc>
-                <a:tc>
-                  <a:txBody>
-                    <a:bodyPr/>
-                    <a:lstStyle/>
-                    <a:p>
-                      <a:pPr algn="ctr"/>
-                      <a:r>
-                        <a:rPr lang="en-US" altLang="zh-CN" dirty="0" smtClean="0"/>
-                        <a:t>0.6</a:t>
-                      </a:r>
-                      <a:endParaRPr lang="zh-CN" altLang="en-US" dirty="0"/>
-                    </a:p>
-                  </a:txBody>
-                  <a:tcPr/>
-                </a:tc>
-                <a:tc>
-                  <a:txBody>
-                    <a:bodyPr/>
-                    <a:lstStyle/>
-                    <a:p>
-                      <a:pPr algn="ctr"/>
-                      <a:r>
-                        <a:rPr lang="en-US" altLang="zh-CN" dirty="0" smtClean="0"/>
-                        <a:t>0.8</a:t>
-                      </a:r>
-                      <a:endParaRPr lang="zh-CN" altLang="en-US" dirty="0"/>
-                    </a:p>
-                  </a:txBody>
-                  <a:tcPr/>
-                </a:tc>
-                <a:tc>
-                  <a:txBody>
-                    <a:bodyPr/>
-                    <a:lstStyle/>
-                    <a:p>
-                      <a:pPr algn="ctr"/>
-                      <a:r>
-                        <a:rPr lang="en-US" altLang="zh-CN" dirty="0" smtClean="0"/>
-                        <a:t>1.0</a:t>
-                      </a:r>
-                      <a:endParaRPr lang="zh-CN" altLang="en-US" dirty="0"/>
-                    </a:p>
-                  </a:txBody>
-                  <a:tcPr/>
-                </a:tc>
-                <a:extLst>
-                  <a:ext uri="{0D108BD9-81ED-4DB2-BD59-A6C34878D82A}">
-                    <a16:rowId xmlns:a16="http://schemas.microsoft.com/office/drawing/2014/main" val="4076694766"/>
-                  </a:ext>
-                </a:extLst>
-              </a:tr>
-              <a:tr h="0">
-                <a:tc>
-                  <a:txBody>
-                    <a:bodyPr/>
-                    <a:lstStyle/>
-                    <a:p>
-                      <a:pPr algn="ctr"/>
-                      <a:r>
-                        <a:rPr lang="en-US" altLang="zh-CN" dirty="0" smtClean="0"/>
-                        <a:t>1920*1080</a:t>
-                      </a:r>
-                      <a:endParaRPr lang="zh-CN" altLang="en-US" dirty="0"/>
-                    </a:p>
-                  </a:txBody>
-                  <a:tcPr/>
-                </a:tc>
-                <a:tc>
-                  <a:txBody>
-                    <a:bodyPr/>
-                    <a:lstStyle/>
-                    <a:p>
-                      <a:pPr algn="ctr"/>
-                      <a:endParaRPr lang="zh-CN" altLang="en-US"/>
-                    </a:p>
-                  </a:txBody>
-                  <a:tcPr/>
-                </a:tc>
-                <a:tc>
-                  <a:txBody>
-                    <a:bodyPr/>
-                    <a:lstStyle/>
-                    <a:p>
-                      <a:pPr algn="ctr"/>
-                      <a:endParaRPr lang="zh-CN" altLang="en-US"/>
-                    </a:p>
-                  </a:txBody>
-                  <a:tcPr/>
-                </a:tc>
-                <a:tc>
-                  <a:txBody>
-                    <a:bodyPr/>
-                    <a:lstStyle/>
-                    <a:p>
-                      <a:pPr algn="ctr"/>
-                      <a:endParaRPr lang="zh-CN" altLang="en-US" dirty="0"/>
-                    </a:p>
-                  </a:txBody>
-                  <a:tcPr/>
-                </a:tc>
-                <a:tc>
-                  <a:txBody>
-                    <a:bodyPr/>
-                    <a:lstStyle/>
-                    <a:p>
-                      <a:pPr algn="ctr"/>
-                      <a:endParaRPr lang="zh-CN" altLang="en-US"/>
-                    </a:p>
-                  </a:txBody>
-                  <a:tcPr/>
-                </a:tc>
-                <a:tc>
-                  <a:txBody>
-                    <a:bodyPr/>
-                    <a:lstStyle/>
-                    <a:p>
-                      <a:pPr algn="ctr"/>
-                      <a:endParaRPr lang="zh-CN" altLang="en-US" dirty="0"/>
-                    </a:p>
-                  </a:txBody>
-                  <a:tcPr/>
-                </a:tc>
-                <a:tc>
-                  <a:txBody>
-                    <a:bodyPr/>
-                    <a:lstStyle/>
-                    <a:p>
-                      <a:pPr algn="ctr"/>
-                      <a:endParaRPr lang="zh-CN" altLang="en-US" dirty="0"/>
-                    </a:p>
-                  </a:txBody>
-                  <a:tcPr/>
-                </a:tc>
-                <a:tc>
-                  <a:txBody>
-                    <a:bodyPr/>
-                    <a:lstStyle/>
-                    <a:p>
-                      <a:pPr algn="ctr"/>
-                      <a:endParaRPr lang="zh-CN" altLang="en-US" dirty="0"/>
-                    </a:p>
-                  </a:txBody>
-                  <a:tcPr/>
-                </a:tc>
-                <a:extLst>
-                  <a:ext uri="{0D108BD9-81ED-4DB2-BD59-A6C34878D82A}">
-                    <a16:rowId xmlns:a16="http://schemas.microsoft.com/office/drawing/2014/main" val="2476475358"/>
-                  </a:ext>
-                </a:extLst>
-              </a:tr>
-              <a:tr h="370840">
-                <a:tc>
-                  <a:txBody>
-                    <a:bodyPr/>
-                    <a:lstStyle/>
-                    <a:p>
-                      <a:pPr algn="ctr"/>
-                      <a:r>
-                        <a:rPr lang="en-US" altLang="zh-CN" dirty="0" smtClean="0"/>
-                        <a:t>2560*1440</a:t>
-                      </a:r>
-                      <a:endParaRPr lang="zh-CN" altLang="en-US" dirty="0"/>
-                    </a:p>
-                  </a:txBody>
-                  <a:tcPr/>
-                </a:tc>
-                <a:tc>
-                  <a:txBody>
-                    <a:bodyPr/>
-                    <a:lstStyle/>
-                    <a:p>
-                      <a:pPr algn="ctr"/>
-                      <a:endParaRPr lang="zh-CN" altLang="en-US"/>
-                    </a:p>
-                  </a:txBody>
-                  <a:tcPr/>
-                </a:tc>
-                <a:tc>
-                  <a:txBody>
-                    <a:bodyPr/>
-                    <a:lstStyle/>
-                    <a:p>
-                      <a:pPr algn="ctr"/>
-                      <a:endParaRPr lang="zh-CN" altLang="en-US"/>
-                    </a:p>
-                  </a:txBody>
-                  <a:tcPr/>
-                </a:tc>
-                <a:tc>
-                  <a:txBody>
-                    <a:bodyPr/>
-                    <a:lstStyle/>
-                    <a:p>
-                      <a:pPr algn="ctr"/>
-                      <a:endParaRPr lang="zh-CN" altLang="en-US"/>
-                    </a:p>
-                  </a:txBody>
-                  <a:tcPr/>
-                </a:tc>
-                <a:tc>
-                  <a:txBody>
-                    <a:bodyPr/>
-                    <a:lstStyle/>
-                    <a:p>
-                      <a:pPr algn="ctr"/>
-                      <a:endParaRPr lang="zh-CN" altLang="en-US"/>
-                    </a:p>
-                  </a:txBody>
-                  <a:tcPr/>
-                </a:tc>
-                <a:tc>
-                  <a:txBody>
-                    <a:bodyPr/>
-                    <a:lstStyle/>
-                    <a:p>
-                      <a:pPr algn="ctr"/>
-                      <a:endParaRPr lang="zh-CN" altLang="en-US"/>
-                    </a:p>
-                  </a:txBody>
-                  <a:tcPr/>
-                </a:tc>
-                <a:tc>
-                  <a:txBody>
-                    <a:bodyPr/>
-                    <a:lstStyle/>
-                    <a:p>
-                      <a:pPr algn="ctr"/>
-                      <a:endParaRPr lang="zh-CN" altLang="en-US" dirty="0"/>
-                    </a:p>
-                  </a:txBody>
-                  <a:tcPr/>
-                </a:tc>
-                <a:tc>
-                  <a:txBody>
-                    <a:bodyPr/>
-                    <a:lstStyle/>
-                    <a:p>
-                      <a:pPr algn="ctr"/>
-                      <a:endParaRPr lang="zh-CN" altLang="en-US" dirty="0"/>
-                    </a:p>
-                  </a:txBody>
-                  <a:tcPr/>
-                </a:tc>
-                <a:extLst>
-                  <a:ext uri="{0D108BD9-81ED-4DB2-BD59-A6C34878D82A}">
-                    <a16:rowId xmlns:a16="http://schemas.microsoft.com/office/drawing/2014/main" val="3066530284"/>
-                  </a:ext>
-                </a:extLst>
-              </a:tr>
-              <a:tr h="370840">
-                <a:tc>
-                  <a:txBody>
-                    <a:bodyPr/>
-                    <a:lstStyle/>
-                    <a:p>
-                      <a:pPr algn="ctr"/>
-                      <a:r>
-                        <a:rPr lang="en-US" altLang="zh-CN" dirty="0" smtClean="0"/>
-                        <a:t>2560*1600</a:t>
-                      </a:r>
-                      <a:endParaRPr lang="zh-CN" altLang="en-US" dirty="0"/>
-                    </a:p>
-                  </a:txBody>
-                  <a:tcPr/>
-                </a:tc>
-                <a:tc>
-                  <a:txBody>
-                    <a:bodyPr/>
-                    <a:lstStyle/>
-                    <a:p>
-                      <a:pPr algn="ctr"/>
-                      <a:endParaRPr lang="zh-CN" altLang="en-US"/>
-                    </a:p>
-                  </a:txBody>
-                  <a:tcPr/>
-                </a:tc>
-                <a:tc>
-                  <a:txBody>
-                    <a:bodyPr/>
-                    <a:lstStyle/>
-                    <a:p>
-                      <a:pPr algn="ctr"/>
-                      <a:endParaRPr lang="zh-CN" altLang="en-US"/>
-                    </a:p>
-                  </a:txBody>
-                  <a:tcPr/>
-                </a:tc>
-                <a:tc>
-                  <a:txBody>
-                    <a:bodyPr/>
-                    <a:lstStyle/>
-                    <a:p>
-                      <a:pPr algn="ctr"/>
-                      <a:endParaRPr lang="zh-CN" altLang="en-US"/>
-                    </a:p>
-                  </a:txBody>
-                  <a:tcPr/>
-                </a:tc>
-                <a:tc>
-                  <a:txBody>
-                    <a:bodyPr/>
-                    <a:lstStyle/>
-                    <a:p>
-                      <a:pPr algn="ctr"/>
-                      <a:endParaRPr lang="zh-CN" altLang="en-US"/>
-                    </a:p>
-                  </a:txBody>
-                  <a:tcPr/>
-                </a:tc>
-                <a:tc>
-                  <a:txBody>
-                    <a:bodyPr/>
-                    <a:lstStyle/>
-                    <a:p>
-                      <a:pPr algn="ctr"/>
-                      <a:endParaRPr lang="zh-CN" altLang="en-US"/>
-                    </a:p>
-                  </a:txBody>
-                  <a:tcPr/>
-                </a:tc>
-                <a:tc>
-                  <a:txBody>
-                    <a:bodyPr/>
-                    <a:lstStyle/>
-                    <a:p>
-                      <a:pPr algn="ctr"/>
-                      <a:endParaRPr lang="zh-CN" altLang="en-US" dirty="0"/>
-                    </a:p>
-                  </a:txBody>
-                  <a:tcPr/>
-                </a:tc>
-                <a:tc>
-                  <a:txBody>
-                    <a:bodyPr/>
-                    <a:lstStyle/>
-                    <a:p>
-                      <a:pPr algn="ctr"/>
-                      <a:endParaRPr lang="zh-CN" altLang="en-US" dirty="0"/>
-                    </a:p>
-                  </a:txBody>
-                  <a:tcPr/>
-                </a:tc>
-                <a:extLst>
-                  <a:ext uri="{0D108BD9-81ED-4DB2-BD59-A6C34878D82A}">
-                    <a16:rowId xmlns:a16="http://schemas.microsoft.com/office/drawing/2014/main" val="3654840936"/>
-                  </a:ext>
-                </a:extLst>
-              </a:tr>
-            </a:tbl>
-          </a:graphicData>
-        </a:graphic>
-      </p:graphicFrame>
       <p:graphicFrame>
         <p:nvGraphicFramePr>
           <p:cNvPr id="8" name="表格 7"/>
@@ -5200,11 +6150,7 @@
             </a:r>
             <a:r>
               <a:rPr lang="zh-CN" altLang="en-US" dirty="0" smtClean="0"/>
-              <a:t>图片缓存</a:t>
-            </a:r>
-            <a:r>
-              <a:rPr lang="zh-CN" altLang="en-US" dirty="0" smtClean="0"/>
-              <a:t>，支持</a:t>
+              <a:t>图片缓存，支持</a:t>
             </a:r>
             <a:r>
               <a:rPr lang="en-US" altLang="zh-CN" dirty="0" err="1" smtClean="0"/>
@@ -5607,7 +6553,7 @@
               <a:tabLst/>
             </a:pPr>
             <a:r>
-              <a:rPr kumimoji="0" lang="zh-CN" altLang="zh-CN" sz="2400" b="0" i="0" u="none" strike="noStrike" cap="none" normalizeH="0" baseline="0" smtClean="0">
+              <a:rPr kumimoji="0" lang="zh-CN" altLang="zh-CN" sz="2400" b="0" i="0" u="none" strike="noStrike" cap="none" normalizeH="0" baseline="0" dirty="0" smtClean="0">
                 <a:ln>
                   <a:noFill/>
                 </a:ln>
@@ -5621,7 +6567,7 @@
               <a:t>&lt;div </a:t>
             </a:r>
             <a:r>
-              <a:rPr kumimoji="0" lang="zh-CN" altLang="zh-CN" sz="2400" b="0" i="0" u="none" strike="noStrike" cap="none" normalizeH="0" baseline="0" smtClean="0">
+              <a:rPr kumimoji="0" lang="zh-CN" altLang="zh-CN" sz="2400" b="0" i="0" u="none" strike="noStrike" cap="none" normalizeH="0" baseline="0" dirty="0" smtClean="0">
                 <a:ln>
                   <a:noFill/>
                 </a:ln>
@@ -5635,7 +6581,7 @@
               <a:t>style=</a:t>
             </a:r>
             <a:r>
-              <a:rPr kumimoji="0" lang="zh-CN" altLang="zh-CN" sz="2400" b="0" i="0" u="none" strike="noStrike" cap="none" normalizeH="0" baseline="0" smtClean="0">
+              <a:rPr kumimoji="0" lang="zh-CN" altLang="zh-CN" sz="2400" b="0" i="0" u="none" strike="noStrike" cap="none" normalizeH="0" baseline="0" dirty="0" smtClean="0">
                 <a:ln>
                   <a:noFill/>
                 </a:ln>
@@ -5649,7 +6595,7 @@
               <a:t>"</a:t>
             </a:r>
             <a:r>
-              <a:rPr kumimoji="0" lang="zh-CN" altLang="zh-CN" sz="2400" b="0" i="0" u="none" strike="noStrike" cap="none" normalizeH="0" baseline="0" smtClean="0">
+              <a:rPr kumimoji="0" lang="zh-CN" altLang="zh-CN" sz="2400" b="0" i="0" u="none" strike="noStrike" cap="none" normalizeH="0" baseline="0" dirty="0" smtClean="0">
                 <a:ln>
                   <a:noFill/>
                 </a:ln>
@@ -5663,7 +6609,7 @@
               <a:t>height</a:t>
             </a:r>
             <a:r>
-              <a:rPr kumimoji="0" lang="zh-CN" altLang="zh-CN" sz="2400" b="0" i="0" u="none" strike="noStrike" cap="none" normalizeH="0" baseline="0" smtClean="0">
+              <a:rPr kumimoji="0" lang="zh-CN" altLang="zh-CN" sz="2400" b="0" i="0" u="none" strike="noStrike" cap="none" normalizeH="0" baseline="0" dirty="0" smtClean="0">
                 <a:ln>
                   <a:noFill/>
                 </a:ln>
@@ -5677,7 +6623,7 @@
               <a:t>: </a:t>
             </a:r>
             <a:r>
-              <a:rPr kumimoji="0" lang="zh-CN" altLang="zh-CN" sz="2400" b="0" i="0" u="none" strike="noStrike" cap="none" normalizeH="0" baseline="0" smtClean="0">
+              <a:rPr kumimoji="0" lang="zh-CN" altLang="zh-CN" sz="2400" b="0" i="0" u="none" strike="noStrike" cap="none" normalizeH="0" baseline="0" dirty="0" smtClean="0">
                 <a:ln>
                   <a:noFill/>
                 </a:ln>
@@ -5691,7 +6637,7 @@
               <a:t>600</a:t>
             </a:r>
             <a:r>
-              <a:rPr kumimoji="0" lang="zh-CN" altLang="zh-CN" sz="2400" b="0" i="0" u="none" strike="noStrike" cap="none" normalizeH="0" baseline="0" smtClean="0">
+              <a:rPr kumimoji="0" lang="zh-CN" altLang="zh-CN" sz="2400" b="0" i="0" u="none" strike="noStrike" cap="none" normalizeH="0" baseline="0" dirty="0" smtClean="0">
                 <a:ln>
                   <a:noFill/>
                 </a:ln>
@@ -5705,7 +6651,7 @@
               <a:t>px"</a:t>
             </a:r>
             <a:r>
-              <a:rPr kumimoji="0" lang="zh-CN" altLang="zh-CN" sz="2400" b="0" i="0" u="none" strike="noStrike" cap="none" normalizeH="0" baseline="0" smtClean="0">
+              <a:rPr kumimoji="0" lang="zh-CN" altLang="zh-CN" sz="2400" b="0" i="0" u="none" strike="noStrike" cap="none" normalizeH="0" baseline="0" dirty="0" smtClean="0">
                 <a:ln>
                   <a:noFill/>
                 </a:ln>
@@ -5719,7 +6665,7 @@
               <a:t>&gt;</a:t>
             </a:r>
             <a:br>
-              <a:rPr kumimoji="0" lang="zh-CN" altLang="zh-CN" sz="2400" b="0" i="0" u="none" strike="noStrike" cap="none" normalizeH="0" baseline="0" smtClean="0">
+              <a:rPr kumimoji="0" lang="zh-CN" altLang="zh-CN" sz="2400" b="0" i="0" u="none" strike="noStrike" cap="none" normalizeH="0" baseline="0" dirty="0" smtClean="0">
                 <a:ln>
                   <a:noFill/>
                 </a:ln>
@@ -5732,7 +6678,7 @@
               </a:rPr>
             </a:br>
             <a:r>
-              <a:rPr kumimoji="0" lang="zh-CN" altLang="zh-CN" sz="2400" b="0" i="0" u="none" strike="noStrike" cap="none" normalizeH="0" baseline="0" smtClean="0">
+              <a:rPr kumimoji="0" lang="zh-CN" altLang="zh-CN" sz="2400" b="0" i="0" u="none" strike="noStrike" cap="none" normalizeH="0" baseline="0" dirty="0" smtClean="0">
                 <a:ln>
                   <a:noFill/>
                 </a:ln>
@@ -5746,7 +6692,7 @@
               <a:t>    &lt;img </a:t>
             </a:r>
             <a:r>
-              <a:rPr kumimoji="0" lang="zh-CN" altLang="zh-CN" sz="2400" b="0" i="0" u="none" strike="noStrike" cap="none" normalizeH="0" baseline="0" smtClean="0">
+              <a:rPr kumimoji="0" lang="zh-CN" altLang="zh-CN" sz="2400" b="0" i="0" u="none" strike="noStrike" cap="none" normalizeH="0" baseline="0" dirty="0" smtClean="0">
                 <a:ln>
                   <a:noFill/>
                 </a:ln>
@@ -5760,7 +6706,7 @@
               <a:t>data-url=</a:t>
             </a:r>
             <a:r>
-              <a:rPr kumimoji="0" lang="zh-CN" altLang="zh-CN" sz="2400" b="0" i="0" u="none" strike="noStrike" cap="none" normalizeH="0" baseline="0" smtClean="0">
+              <a:rPr kumimoji="0" lang="zh-CN" altLang="zh-CN" sz="2400" b="0" i="0" u="none" strike="noStrike" cap="none" normalizeH="0" baseline="0" dirty="0" smtClean="0">
                 <a:ln>
                   <a:noFill/>
                 </a:ln>
@@ -5774,7 +6720,7 @@
               <a:t>"/image/3.jpg" </a:t>
             </a:r>
             <a:r>
-              <a:rPr kumimoji="0" lang="zh-CN" altLang="zh-CN" sz="2400" b="0" i="0" u="none" strike="noStrike" cap="none" normalizeH="0" baseline="0" smtClean="0">
+              <a:rPr kumimoji="0" lang="zh-CN" altLang="zh-CN" sz="2400" b="0" i="0" u="none" strike="noStrike" cap="none" normalizeH="0" baseline="0" dirty="0" smtClean="0">
                 <a:ln>
                   <a:noFill/>
                 </a:ln>
@@ -5788,7 +6734,7 @@
               <a:t>data-raw=</a:t>
             </a:r>
             <a:r>
-              <a:rPr kumimoji="0" lang="zh-CN" altLang="zh-CN" sz="2400" b="0" i="0" u="none" strike="noStrike" cap="none" normalizeH="0" baseline="0" smtClean="0">
+              <a:rPr kumimoji="0" lang="zh-CN" altLang="zh-CN" sz="2400" b="0" i="0" u="none" strike="noStrike" cap="none" normalizeH="0" baseline="0" dirty="0" smtClean="0">
                 <a:ln>
                   <a:noFill/>
                 </a:ln>
@@ -5802,7 +6748,7 @@
               <a:t>"true"</a:t>
             </a:r>
             <a:r>
-              <a:rPr kumimoji="0" lang="zh-CN" altLang="zh-CN" sz="2400" b="0" i="0" u="none" strike="noStrike" cap="none" normalizeH="0" baseline="0" smtClean="0">
+              <a:rPr kumimoji="0" lang="zh-CN" altLang="zh-CN" sz="2400" b="0" i="0" u="none" strike="noStrike" cap="none" normalizeH="0" baseline="0" dirty="0" smtClean="0">
                 <a:ln>
                   <a:noFill/>
                 </a:ln>
@@ -5816,7 +6762,7 @@
               <a:t>&gt;</a:t>
             </a:r>
             <a:br>
-              <a:rPr kumimoji="0" lang="zh-CN" altLang="zh-CN" sz="2400" b="0" i="0" u="none" strike="noStrike" cap="none" normalizeH="0" baseline="0" smtClean="0">
+              <a:rPr kumimoji="0" lang="zh-CN" altLang="zh-CN" sz="2400" b="0" i="0" u="none" strike="noStrike" cap="none" normalizeH="0" baseline="0" dirty="0" smtClean="0">
                 <a:ln>
                   <a:noFill/>
                 </a:ln>
@@ -5829,7 +6775,7 @@
               </a:rPr>
             </a:br>
             <a:r>
-              <a:rPr kumimoji="0" lang="zh-CN" altLang="zh-CN" sz="2400" b="0" i="0" u="none" strike="noStrike" cap="none" normalizeH="0" baseline="0" smtClean="0">
+              <a:rPr kumimoji="0" lang="zh-CN" altLang="zh-CN" sz="2400" b="0" i="0" u="none" strike="noStrike" cap="none" normalizeH="0" baseline="0" dirty="0" smtClean="0">
                 <a:ln>
                   <a:noFill/>
                 </a:ln>
@@ -5842,7 +6788,7 @@
               </a:rPr>
               <a:t>&lt;/div&gt;</a:t>
             </a:r>
-            <a:endParaRPr kumimoji="0" lang="zh-CN" altLang="zh-CN" sz="3200" b="0" i="0" u="none" strike="noStrike" cap="none" normalizeH="0" baseline="0" smtClean="0">
+            <a:endParaRPr kumimoji="0" lang="zh-CN" altLang="zh-CN" sz="3200" b="0" i="0" u="none" strike="noStrike" cap="none" normalizeH="0" baseline="0" dirty="0" smtClean="0">
               <a:ln>
                 <a:noFill/>
               </a:ln>
@@ -5909,1891 +6855,6 @@
           <a:p>
             <a:r>
               <a:rPr lang="zh-CN" altLang="en-US" dirty="0" smtClean="0"/>
-              <a:t>无</a:t>
-            </a:r>
-            <a:r>
-              <a:rPr lang="en-US" altLang="zh-CN" dirty="0" smtClean="0"/>
-              <a:t>CDN</a:t>
-            </a:r>
-            <a:r>
-              <a:rPr lang="zh-CN" altLang="en-US" dirty="0" smtClean="0"/>
-              <a:t>配置项</a:t>
-            </a:r>
-            <a:endParaRPr lang="zh-CN" altLang="en-US" dirty="0"/>
-          </a:p>
-        </p:txBody>
-      </p:sp>
-      <p:graphicFrame>
-        <p:nvGraphicFramePr>
-          <p:cNvPr id="7" name="表格 6"/>
-          <p:cNvGraphicFramePr>
-            <a:graphicFrameLocks noGrp="1"/>
-          </p:cNvGraphicFramePr>
-          <p:nvPr>
-            <p:extLst>
-              <p:ext uri="{D42A27DB-BD31-4B8C-83A1-F6EECF244321}">
-                <p14:modId xmlns:p14="http://schemas.microsoft.com/office/powerpoint/2010/main" val="2761977035"/>
-              </p:ext>
-            </p:extLst>
-          </p:nvPr>
-        </p:nvGraphicFramePr>
-        <p:xfrm>
-          <a:off x="452580" y="1852614"/>
-          <a:ext cx="8238840" cy="3968749"/>
-        </p:xfrm>
-        <a:graphic>
-          <a:graphicData uri="http://schemas.openxmlformats.org/drawingml/2006/table">
-            <a:tbl>
-              <a:tblPr firstRow="1" bandRow="1">
-                <a:tableStyleId>{5C22544A-7EE6-4342-B048-85BDC9FD1C3A}</a:tableStyleId>
-              </a:tblPr>
-              <a:tblGrid>
-                <a:gridCol w="684000">
-                  <a:extLst>
-                    <a:ext uri="{9D8B030D-6E8A-4147-A177-3AD203B41FA5}">
-                      <a16:colId xmlns:a16="http://schemas.microsoft.com/office/drawing/2014/main" val="972681757"/>
-                    </a:ext>
-                  </a:extLst>
-                </a:gridCol>
-                <a:gridCol w="2910840">
-                  <a:extLst>
-                    <a:ext uri="{9D8B030D-6E8A-4147-A177-3AD203B41FA5}">
-                      <a16:colId xmlns:a16="http://schemas.microsoft.com/office/drawing/2014/main" val="3162198136"/>
-                    </a:ext>
-                  </a:extLst>
-                </a:gridCol>
-                <a:gridCol w="972000">
-                  <a:extLst>
-                    <a:ext uri="{9D8B030D-6E8A-4147-A177-3AD203B41FA5}">
-                      <a16:colId xmlns:a16="http://schemas.microsoft.com/office/drawing/2014/main" val="574787220"/>
-                    </a:ext>
-                  </a:extLst>
-                </a:gridCol>
-                <a:gridCol w="3672000">
-                  <a:extLst>
-                    <a:ext uri="{9D8B030D-6E8A-4147-A177-3AD203B41FA5}">
-                      <a16:colId xmlns:a16="http://schemas.microsoft.com/office/drawing/2014/main" val="3427752908"/>
-                    </a:ext>
-                  </a:extLst>
-                </a:gridCol>
-              </a:tblGrid>
-              <a:tr h="377189">
-                <a:tc>
-                  <a:txBody>
-                    <a:bodyPr/>
-                    <a:lstStyle/>
-                    <a:p>
-                      <a:pPr marL="0" marR="0" lvl="2" indent="0" algn="ctr" defTabSz="914400" rtl="0" eaLnBrk="1" fontAlgn="auto" latinLnBrk="0" hangingPunct="1">
-                        <a:lnSpc>
-                          <a:spcPct val="100000"/>
-                        </a:lnSpc>
-                        <a:spcBef>
-                          <a:spcPts val="0"/>
-                        </a:spcBef>
-                        <a:spcAft>
-                          <a:spcPts val="0"/>
-                        </a:spcAft>
-                        <a:buClrTx/>
-                        <a:buSzTx/>
-                        <a:buFontTx/>
-                        <a:buNone/>
-                        <a:tabLst/>
-                        <a:defRPr/>
-                      </a:pPr>
-                      <a:r>
-                        <a:rPr lang="zh-CN" altLang="en-US" sz="1600" kern="1200" dirty="0" smtClean="0">
-                          <a:solidFill>
-                            <a:schemeClr val="dk1"/>
-                          </a:solidFill>
-                          <a:latin typeface="黑体" panose="02010609060101010101" pitchFamily="49" charset="-122"/>
-                          <a:ea typeface="黑体" panose="02010609060101010101" pitchFamily="49" charset="-122"/>
-                          <a:cs typeface="+mn-cs"/>
-                        </a:rPr>
-                        <a:t>序号</a:t>
-                      </a:r>
-                      <a:endParaRPr lang="zh-CN" altLang="en-US" sz="1600" kern="1200" dirty="0">
-                        <a:solidFill>
-                          <a:schemeClr val="dk1"/>
-                        </a:solidFill>
-                        <a:latin typeface="黑体" panose="02010609060101010101" pitchFamily="49" charset="-122"/>
-                        <a:ea typeface="黑体" panose="02010609060101010101" pitchFamily="49" charset="-122"/>
-                        <a:cs typeface="+mn-cs"/>
-                      </a:endParaRPr>
-                    </a:p>
-                  </a:txBody>
-                  <a:tcPr anchor="ctr"/>
-                </a:tc>
-                <a:tc>
-                  <a:txBody>
-                    <a:bodyPr/>
-                    <a:lstStyle/>
-                    <a:p>
-                      <a:pPr marL="0" marR="0" lvl="2" indent="0" algn="ctr" defTabSz="914400" rtl="0" eaLnBrk="1" fontAlgn="auto" latinLnBrk="0" hangingPunct="1">
-                        <a:lnSpc>
-                          <a:spcPct val="100000"/>
-                        </a:lnSpc>
-                        <a:spcBef>
-                          <a:spcPts val="0"/>
-                        </a:spcBef>
-                        <a:spcAft>
-                          <a:spcPts val="0"/>
-                        </a:spcAft>
-                        <a:buClrTx/>
-                        <a:buSzTx/>
-                        <a:buFontTx/>
-                        <a:buNone/>
-                        <a:tabLst/>
-                        <a:defRPr/>
-                      </a:pPr>
-                      <a:r>
-                        <a:rPr lang="zh-CN" altLang="en-US" sz="1600" kern="1200" dirty="0" smtClean="0">
-                          <a:solidFill>
-                            <a:schemeClr val="dk1"/>
-                          </a:solidFill>
-                          <a:latin typeface="黑体" panose="02010609060101010101" pitchFamily="49" charset="-122"/>
-                          <a:ea typeface="黑体" panose="02010609060101010101" pitchFamily="49" charset="-122"/>
-                          <a:cs typeface="+mn-cs"/>
-                        </a:rPr>
-                        <a:t>配置名</a:t>
-                      </a:r>
-                      <a:endParaRPr lang="zh-CN" altLang="en-US" sz="1600" kern="1200" dirty="0">
-                        <a:solidFill>
-                          <a:schemeClr val="dk1"/>
-                        </a:solidFill>
-                        <a:latin typeface="黑体" panose="02010609060101010101" pitchFamily="49" charset="-122"/>
-                        <a:ea typeface="黑体" panose="02010609060101010101" pitchFamily="49" charset="-122"/>
-                        <a:cs typeface="+mn-cs"/>
-                      </a:endParaRPr>
-                    </a:p>
-                  </a:txBody>
-                  <a:tcPr anchor="ctr"/>
-                </a:tc>
-                <a:tc>
-                  <a:txBody>
-                    <a:bodyPr/>
-                    <a:lstStyle/>
-                    <a:p>
-                      <a:pPr marL="0" marR="0" lvl="2" indent="0" algn="ctr" defTabSz="914400" rtl="0" eaLnBrk="1" fontAlgn="auto" latinLnBrk="0" hangingPunct="1">
-                        <a:lnSpc>
-                          <a:spcPct val="100000"/>
-                        </a:lnSpc>
-                        <a:spcBef>
-                          <a:spcPts val="0"/>
-                        </a:spcBef>
-                        <a:spcAft>
-                          <a:spcPts val="0"/>
-                        </a:spcAft>
-                        <a:buClrTx/>
-                        <a:buSzTx/>
-                        <a:buFontTx/>
-                        <a:buNone/>
-                        <a:tabLst/>
-                        <a:defRPr/>
-                      </a:pPr>
-                      <a:r>
-                        <a:rPr lang="zh-CN" altLang="en-US" sz="1600" kern="1200" dirty="0" smtClean="0">
-                          <a:solidFill>
-                            <a:schemeClr val="dk1"/>
-                          </a:solidFill>
-                          <a:latin typeface="黑体" panose="02010609060101010101" pitchFamily="49" charset="-122"/>
-                          <a:ea typeface="黑体" panose="02010609060101010101" pitchFamily="49" charset="-122"/>
-                          <a:cs typeface="+mn-cs"/>
-                        </a:rPr>
-                        <a:t>类型</a:t>
-                      </a:r>
-                      <a:endParaRPr lang="zh-CN" altLang="en-US" sz="1600" kern="1200" dirty="0">
-                        <a:solidFill>
-                          <a:schemeClr val="dk1"/>
-                        </a:solidFill>
-                        <a:latin typeface="黑体" panose="02010609060101010101" pitchFamily="49" charset="-122"/>
-                        <a:ea typeface="黑体" panose="02010609060101010101" pitchFamily="49" charset="-122"/>
-                        <a:cs typeface="+mn-cs"/>
-                      </a:endParaRPr>
-                    </a:p>
-                  </a:txBody>
-                  <a:tcPr anchor="ctr"/>
-                </a:tc>
-                <a:tc>
-                  <a:txBody>
-                    <a:bodyPr/>
-                    <a:lstStyle/>
-                    <a:p>
-                      <a:pPr marL="0" marR="0" lvl="2" indent="0" algn="ctr" defTabSz="914400" rtl="0" eaLnBrk="1" fontAlgn="auto" latinLnBrk="0" hangingPunct="1">
-                        <a:lnSpc>
-                          <a:spcPct val="100000"/>
-                        </a:lnSpc>
-                        <a:spcBef>
-                          <a:spcPts val="0"/>
-                        </a:spcBef>
-                        <a:spcAft>
-                          <a:spcPts val="0"/>
-                        </a:spcAft>
-                        <a:buClrTx/>
-                        <a:buSzTx/>
-                        <a:buFontTx/>
-                        <a:buNone/>
-                        <a:tabLst/>
-                        <a:defRPr/>
-                      </a:pPr>
-                      <a:r>
-                        <a:rPr lang="zh-CN" altLang="en-US" sz="1600" kern="1200" dirty="0" smtClean="0">
-                          <a:solidFill>
-                            <a:schemeClr val="dk1"/>
-                          </a:solidFill>
-                          <a:latin typeface="黑体" panose="02010609060101010101" pitchFamily="49" charset="-122"/>
-                          <a:ea typeface="黑体" panose="02010609060101010101" pitchFamily="49" charset="-122"/>
-                          <a:cs typeface="+mn-cs"/>
-                        </a:rPr>
-                        <a:t>含义</a:t>
-                      </a:r>
-                      <a:endParaRPr lang="zh-CN" altLang="en-US" sz="1600" kern="1200" dirty="0">
-                        <a:solidFill>
-                          <a:schemeClr val="dk1"/>
-                        </a:solidFill>
-                        <a:latin typeface="黑体" panose="02010609060101010101" pitchFamily="49" charset="-122"/>
-                        <a:ea typeface="黑体" panose="02010609060101010101" pitchFamily="49" charset="-122"/>
-                        <a:cs typeface="+mn-cs"/>
-                      </a:endParaRPr>
-                    </a:p>
-                  </a:txBody>
-                  <a:tcPr anchor="ctr"/>
-                </a:tc>
-                <a:extLst>
-                  <a:ext uri="{0D108BD9-81ED-4DB2-BD59-A6C34878D82A}">
-                    <a16:rowId xmlns:a16="http://schemas.microsoft.com/office/drawing/2014/main" val="2830105445"/>
-                  </a:ext>
-                </a:extLst>
-              </a:tr>
-              <a:tr h="370840">
-                <a:tc>
-                  <a:txBody>
-                    <a:bodyPr/>
-                    <a:lstStyle/>
-                    <a:p>
-                      <a:pPr marL="0" marR="0" lvl="2" indent="0" algn="ctr" defTabSz="914400" rtl="0" eaLnBrk="1" fontAlgn="auto" latinLnBrk="0" hangingPunct="1">
-                        <a:lnSpc>
-                          <a:spcPct val="100000"/>
-                        </a:lnSpc>
-                        <a:spcBef>
-                          <a:spcPts val="0"/>
-                        </a:spcBef>
-                        <a:spcAft>
-                          <a:spcPts val="0"/>
-                        </a:spcAft>
-                        <a:buClrTx/>
-                        <a:buSzTx/>
-                        <a:buFontTx/>
-                        <a:buNone/>
-                        <a:tabLst/>
-                        <a:defRPr/>
-                      </a:pPr>
-                      <a:r>
-                        <a:rPr lang="en-US" altLang="zh-CN" sz="1600" kern="1200" dirty="0" smtClean="0">
-                          <a:solidFill>
-                            <a:schemeClr val="dk1"/>
-                          </a:solidFill>
-                          <a:latin typeface="黑体" panose="02010609060101010101" pitchFamily="49" charset="-122"/>
-                          <a:ea typeface="黑体" panose="02010609060101010101" pitchFamily="49" charset="-122"/>
-                          <a:cs typeface="+mn-cs"/>
-                        </a:rPr>
-                        <a:t>1</a:t>
-                      </a:r>
-                      <a:endParaRPr lang="zh-CN" altLang="en-US" sz="1600" kern="1200" dirty="0">
-                        <a:solidFill>
-                          <a:schemeClr val="dk1"/>
-                        </a:solidFill>
-                        <a:latin typeface="黑体" panose="02010609060101010101" pitchFamily="49" charset="-122"/>
-                        <a:ea typeface="黑体" panose="02010609060101010101" pitchFamily="49" charset="-122"/>
-                        <a:cs typeface="+mn-cs"/>
-                      </a:endParaRPr>
-                    </a:p>
-                  </a:txBody>
-                  <a:tcPr anchor="ctr"/>
-                </a:tc>
-                <a:tc>
-                  <a:txBody>
-                    <a:bodyPr/>
-                    <a:lstStyle/>
-                    <a:p>
-                      <a:pPr marL="0" marR="0" lvl="2" indent="0" algn="ctr" defTabSz="914400" rtl="0" eaLnBrk="1" fontAlgn="auto" latinLnBrk="0" hangingPunct="1">
-                        <a:lnSpc>
-                          <a:spcPct val="100000"/>
-                        </a:lnSpc>
-                        <a:spcBef>
-                          <a:spcPts val="0"/>
-                        </a:spcBef>
-                        <a:spcAft>
-                          <a:spcPts val="0"/>
-                        </a:spcAft>
-                        <a:buClrTx/>
-                        <a:buSzTx/>
-                        <a:buFontTx/>
-                        <a:buNone/>
-                        <a:tabLst/>
-                        <a:defRPr/>
-                      </a:pPr>
-                      <a:r>
-                        <a:rPr lang="en-US" altLang="zh-CN" sz="1600" kern="1200" dirty="0" err="1" smtClean="0">
-                          <a:solidFill>
-                            <a:schemeClr val="dk1"/>
-                          </a:solidFill>
-                          <a:latin typeface="黑体" panose="02010609060101010101" pitchFamily="49" charset="-122"/>
-                          <a:ea typeface="黑体" panose="02010609060101010101" pitchFamily="49" charset="-122"/>
-                          <a:cs typeface="+mn-cs"/>
-                        </a:rPr>
-                        <a:t>lruFreeMemorySpace</a:t>
-                      </a:r>
-                      <a:endParaRPr lang="zh-CN" altLang="en-US" sz="1600" kern="1200" dirty="0">
-                        <a:solidFill>
-                          <a:schemeClr val="dk1"/>
-                        </a:solidFill>
-                        <a:latin typeface="黑体" panose="02010609060101010101" pitchFamily="49" charset="-122"/>
-                        <a:ea typeface="黑体" panose="02010609060101010101" pitchFamily="49" charset="-122"/>
-                        <a:cs typeface="+mn-cs"/>
-                      </a:endParaRPr>
-                    </a:p>
-                  </a:txBody>
-                  <a:tcPr anchor="ctr"/>
-                </a:tc>
-                <a:tc>
-                  <a:txBody>
-                    <a:bodyPr/>
-                    <a:lstStyle/>
-                    <a:p>
-                      <a:pPr marL="0" marR="0" lvl="2" indent="0" algn="ctr" defTabSz="914400" rtl="0" eaLnBrk="1" fontAlgn="auto" latinLnBrk="0" hangingPunct="1">
-                        <a:lnSpc>
-                          <a:spcPct val="100000"/>
-                        </a:lnSpc>
-                        <a:spcBef>
-                          <a:spcPts val="0"/>
-                        </a:spcBef>
-                        <a:spcAft>
-                          <a:spcPts val="0"/>
-                        </a:spcAft>
-                        <a:buClrTx/>
-                        <a:buSzTx/>
-                        <a:buFontTx/>
-                        <a:buNone/>
-                        <a:tabLst/>
-                        <a:defRPr/>
-                      </a:pPr>
-                      <a:r>
-                        <a:rPr lang="en-US" altLang="zh-CN" sz="1600" kern="1200" dirty="0" smtClean="0">
-                          <a:solidFill>
-                            <a:schemeClr val="dk1"/>
-                          </a:solidFill>
-                          <a:latin typeface="黑体" panose="02010609060101010101" pitchFamily="49" charset="-122"/>
-                          <a:ea typeface="黑体" panose="02010609060101010101" pitchFamily="49" charset="-122"/>
-                          <a:cs typeface="+mn-cs"/>
-                        </a:rPr>
-                        <a:t>long</a:t>
-                      </a:r>
-                      <a:endParaRPr lang="zh-CN" altLang="en-US" sz="1600" kern="1200" dirty="0">
-                        <a:solidFill>
-                          <a:schemeClr val="dk1"/>
-                        </a:solidFill>
-                        <a:latin typeface="黑体" panose="02010609060101010101" pitchFamily="49" charset="-122"/>
-                        <a:ea typeface="黑体" panose="02010609060101010101" pitchFamily="49" charset="-122"/>
-                        <a:cs typeface="+mn-cs"/>
-                      </a:endParaRPr>
-                    </a:p>
-                  </a:txBody>
-                  <a:tcPr anchor="ctr"/>
-                </a:tc>
-                <a:tc>
-                  <a:txBody>
-                    <a:bodyPr/>
-                    <a:lstStyle/>
-                    <a:p>
-                      <a:pPr marL="0" marR="0" lvl="2" indent="0" algn="ctr" defTabSz="914400" rtl="0" eaLnBrk="1" fontAlgn="auto" latinLnBrk="0" hangingPunct="1">
-                        <a:lnSpc>
-                          <a:spcPct val="100000"/>
-                        </a:lnSpc>
-                        <a:spcBef>
-                          <a:spcPts val="0"/>
-                        </a:spcBef>
-                        <a:spcAft>
-                          <a:spcPts val="0"/>
-                        </a:spcAft>
-                        <a:buClrTx/>
-                        <a:buSzTx/>
-                        <a:buFontTx/>
-                        <a:buNone/>
-                        <a:tabLst/>
-                        <a:defRPr/>
-                      </a:pPr>
-                      <a:r>
-                        <a:rPr lang="zh-CN" altLang="en-US" sz="1600" kern="1200" dirty="0" smtClean="0">
-                          <a:solidFill>
-                            <a:schemeClr val="dk1"/>
-                          </a:solidFill>
-                          <a:latin typeface="黑体" panose="02010609060101010101" pitchFamily="49" charset="-122"/>
-                          <a:ea typeface="黑体" panose="02010609060101010101" pitchFamily="49" charset="-122"/>
-                          <a:cs typeface="+mn-cs"/>
-                        </a:rPr>
-                        <a:t>启用</a:t>
-                      </a:r>
-                      <a:r>
-                        <a:rPr lang="en-US" altLang="zh-CN" sz="1600" kern="1200" dirty="0" smtClean="0">
-                          <a:solidFill>
-                            <a:schemeClr val="dk1"/>
-                          </a:solidFill>
-                          <a:latin typeface="黑体" panose="02010609060101010101" pitchFamily="49" charset="-122"/>
-                          <a:ea typeface="黑体" panose="02010609060101010101" pitchFamily="49" charset="-122"/>
-                          <a:cs typeface="+mn-cs"/>
-                        </a:rPr>
-                        <a:t>LRU</a:t>
-                      </a:r>
-                      <a:r>
-                        <a:rPr lang="zh-CN" altLang="en-US" sz="1600" kern="1200" dirty="0" smtClean="0">
-                          <a:solidFill>
-                            <a:schemeClr val="dk1"/>
-                          </a:solidFill>
-                          <a:latin typeface="黑体" panose="02010609060101010101" pitchFamily="49" charset="-122"/>
-                          <a:ea typeface="黑体" panose="02010609060101010101" pitchFamily="49" charset="-122"/>
-                          <a:cs typeface="+mn-cs"/>
-                        </a:rPr>
-                        <a:t>缓存时，触发淘汰策略的空闲内存大小</a:t>
-                      </a:r>
-                    </a:p>
-                  </a:txBody>
-                  <a:tcPr anchor="ctr"/>
-                </a:tc>
-                <a:extLst>
-                  <a:ext uri="{0D108BD9-81ED-4DB2-BD59-A6C34878D82A}">
-                    <a16:rowId xmlns:a16="http://schemas.microsoft.com/office/drawing/2014/main" val="3994306409"/>
-                  </a:ext>
-                </a:extLst>
-              </a:tr>
-              <a:tr h="370840">
-                <a:tc>
-                  <a:txBody>
-                    <a:bodyPr/>
-                    <a:lstStyle/>
-                    <a:p>
-                      <a:pPr marL="0" marR="0" lvl="2" indent="0" algn="ctr" defTabSz="914400" rtl="0" eaLnBrk="1" fontAlgn="auto" latinLnBrk="0" hangingPunct="1">
-                        <a:lnSpc>
-                          <a:spcPct val="100000"/>
-                        </a:lnSpc>
-                        <a:spcBef>
-                          <a:spcPts val="0"/>
-                        </a:spcBef>
-                        <a:spcAft>
-                          <a:spcPts val="0"/>
-                        </a:spcAft>
-                        <a:buClrTx/>
-                        <a:buSzTx/>
-                        <a:buFontTx/>
-                        <a:buNone/>
-                        <a:tabLst/>
-                        <a:defRPr/>
-                      </a:pPr>
-                      <a:r>
-                        <a:rPr lang="en-US" altLang="zh-CN" sz="1600" kern="1200" dirty="0" smtClean="0">
-                          <a:solidFill>
-                            <a:schemeClr val="dk1"/>
-                          </a:solidFill>
-                          <a:latin typeface="黑体" panose="02010609060101010101" pitchFamily="49" charset="-122"/>
-                          <a:ea typeface="黑体" panose="02010609060101010101" pitchFamily="49" charset="-122"/>
-                          <a:cs typeface="+mn-cs"/>
-                        </a:rPr>
-                        <a:t>2</a:t>
-                      </a:r>
-                      <a:endParaRPr lang="zh-CN" altLang="en-US" sz="1600" kern="1200" dirty="0">
-                        <a:solidFill>
-                          <a:schemeClr val="dk1"/>
-                        </a:solidFill>
-                        <a:latin typeface="黑体" panose="02010609060101010101" pitchFamily="49" charset="-122"/>
-                        <a:ea typeface="黑体" panose="02010609060101010101" pitchFamily="49" charset="-122"/>
-                        <a:cs typeface="+mn-cs"/>
-                      </a:endParaRPr>
-                    </a:p>
-                  </a:txBody>
-                  <a:tcPr anchor="ctr"/>
-                </a:tc>
-                <a:tc>
-                  <a:txBody>
-                    <a:bodyPr/>
-                    <a:lstStyle/>
-                    <a:p>
-                      <a:pPr marL="0" marR="0" lvl="2" indent="0" algn="ctr" defTabSz="914400" rtl="0" eaLnBrk="1" fontAlgn="auto" latinLnBrk="0" hangingPunct="1">
-                        <a:lnSpc>
-                          <a:spcPct val="100000"/>
-                        </a:lnSpc>
-                        <a:spcBef>
-                          <a:spcPts val="0"/>
-                        </a:spcBef>
-                        <a:spcAft>
-                          <a:spcPts val="0"/>
-                        </a:spcAft>
-                        <a:buClrTx/>
-                        <a:buSzTx/>
-                        <a:buFontTx/>
-                        <a:buNone/>
-                        <a:tabLst/>
-                        <a:defRPr/>
-                      </a:pPr>
-                      <a:r>
-                        <a:rPr lang="en-US" altLang="zh-CN" sz="1600" kern="1200" dirty="0" err="1" smtClean="0">
-                          <a:solidFill>
-                            <a:schemeClr val="dk1"/>
-                          </a:solidFill>
-                          <a:latin typeface="黑体" panose="02010609060101010101" pitchFamily="49" charset="-122"/>
-                          <a:ea typeface="黑体" panose="02010609060101010101" pitchFamily="49" charset="-122"/>
-                          <a:cs typeface="+mn-cs"/>
-                        </a:rPr>
-                        <a:t>pxPerBandwidth</a:t>
-                      </a:r>
-                      <a:endParaRPr lang="zh-CN" altLang="en-US" sz="1600" kern="1200" dirty="0">
-                        <a:solidFill>
-                          <a:schemeClr val="dk1"/>
-                        </a:solidFill>
-                        <a:latin typeface="黑体" panose="02010609060101010101" pitchFamily="49" charset="-122"/>
-                        <a:ea typeface="黑体" panose="02010609060101010101" pitchFamily="49" charset="-122"/>
-                        <a:cs typeface="+mn-cs"/>
-                      </a:endParaRPr>
-                    </a:p>
-                  </a:txBody>
-                  <a:tcPr anchor="ctr"/>
-                </a:tc>
-                <a:tc>
-                  <a:txBody>
-                    <a:bodyPr/>
-                    <a:lstStyle/>
-                    <a:p>
-                      <a:pPr marL="0" marR="0" lvl="2" indent="0" algn="ctr" defTabSz="914400" rtl="0" eaLnBrk="1" fontAlgn="auto" latinLnBrk="0" hangingPunct="1">
-                        <a:lnSpc>
-                          <a:spcPct val="100000"/>
-                        </a:lnSpc>
-                        <a:spcBef>
-                          <a:spcPts val="0"/>
-                        </a:spcBef>
-                        <a:spcAft>
-                          <a:spcPts val="0"/>
-                        </a:spcAft>
-                        <a:buClrTx/>
-                        <a:buSzTx/>
-                        <a:buFontTx/>
-                        <a:buNone/>
-                        <a:tabLst/>
-                        <a:defRPr/>
-                      </a:pPr>
-                      <a:r>
-                        <a:rPr lang="en-US" altLang="zh-CN" sz="1600" kern="1200" dirty="0" err="1" smtClean="0">
-                          <a:solidFill>
-                            <a:schemeClr val="dk1"/>
-                          </a:solidFill>
-                          <a:latin typeface="黑体" panose="02010609060101010101" pitchFamily="49" charset="-122"/>
-                          <a:ea typeface="黑体" panose="02010609060101010101" pitchFamily="49" charset="-122"/>
-                          <a:cs typeface="+mn-cs"/>
-                        </a:rPr>
-                        <a:t>int</a:t>
-                      </a:r>
-                      <a:endParaRPr lang="zh-CN" altLang="en-US" sz="1600" kern="1200" dirty="0">
-                        <a:solidFill>
-                          <a:schemeClr val="dk1"/>
-                        </a:solidFill>
-                        <a:latin typeface="黑体" panose="02010609060101010101" pitchFamily="49" charset="-122"/>
-                        <a:ea typeface="黑体" panose="02010609060101010101" pitchFamily="49" charset="-122"/>
-                        <a:cs typeface="+mn-cs"/>
-                      </a:endParaRPr>
-                    </a:p>
-                  </a:txBody>
-                  <a:tcPr anchor="ctr"/>
-                </a:tc>
-                <a:tc>
-                  <a:txBody>
-                    <a:bodyPr/>
-                    <a:lstStyle/>
-                    <a:p>
-                      <a:pPr marL="0" marR="0" lvl="2" indent="0" algn="ctr" defTabSz="914400" rtl="0" eaLnBrk="1" fontAlgn="auto" latinLnBrk="0" hangingPunct="1">
-                        <a:lnSpc>
-                          <a:spcPct val="100000"/>
-                        </a:lnSpc>
-                        <a:spcBef>
-                          <a:spcPts val="0"/>
-                        </a:spcBef>
-                        <a:spcAft>
-                          <a:spcPts val="0"/>
-                        </a:spcAft>
-                        <a:buClrTx/>
-                        <a:buSzTx/>
-                        <a:buFontTx/>
-                        <a:buNone/>
-                        <a:tabLst/>
-                        <a:defRPr/>
-                      </a:pPr>
-                      <a:r>
-                        <a:rPr lang="zh-CN" altLang="en-US" sz="1600" kern="1200" dirty="0" smtClean="0">
-                          <a:solidFill>
-                            <a:schemeClr val="dk1"/>
-                          </a:solidFill>
-                          <a:latin typeface="黑体" panose="02010609060101010101" pitchFamily="49" charset="-122"/>
-                          <a:ea typeface="黑体" panose="02010609060101010101" pitchFamily="49" charset="-122"/>
-                          <a:cs typeface="+mn-cs"/>
-                        </a:rPr>
-                        <a:t>每</a:t>
-                      </a:r>
-                      <a:r>
-                        <a:rPr lang="en-US" altLang="zh-CN" sz="1600" kern="1200" dirty="0" smtClean="0">
-                          <a:solidFill>
-                            <a:schemeClr val="dk1"/>
-                          </a:solidFill>
-                          <a:latin typeface="黑体" panose="02010609060101010101" pitchFamily="49" charset="-122"/>
-                          <a:ea typeface="黑体" panose="02010609060101010101" pitchFamily="49" charset="-122"/>
-                          <a:cs typeface="+mn-cs"/>
-                        </a:rPr>
-                        <a:t>b/</a:t>
-                      </a:r>
-                      <a:r>
-                        <a:rPr lang="en-US" altLang="zh-CN" sz="1600" kern="1200" dirty="0" err="1" smtClean="0">
-                          <a:solidFill>
-                            <a:schemeClr val="dk1"/>
-                          </a:solidFill>
-                          <a:latin typeface="黑体" panose="02010609060101010101" pitchFamily="49" charset="-122"/>
-                          <a:ea typeface="黑体" panose="02010609060101010101" pitchFamily="49" charset="-122"/>
-                          <a:cs typeface="+mn-cs"/>
-                        </a:rPr>
-                        <a:t>ms</a:t>
-                      </a:r>
-                      <a:r>
-                        <a:rPr lang="zh-CN" altLang="en-US" sz="1600" kern="1200" dirty="0" smtClean="0">
-                          <a:solidFill>
-                            <a:schemeClr val="dk1"/>
-                          </a:solidFill>
-                          <a:latin typeface="黑体" panose="02010609060101010101" pitchFamily="49" charset="-122"/>
-                          <a:ea typeface="黑体" panose="02010609060101010101" pitchFamily="49" charset="-122"/>
-                          <a:cs typeface="+mn-cs"/>
-                        </a:rPr>
-                        <a:t>网速对应像素点的个数，用于计算小图大小</a:t>
-                      </a:r>
-                    </a:p>
-                  </a:txBody>
-                  <a:tcPr anchor="ctr"/>
-                </a:tc>
-                <a:extLst>
-                  <a:ext uri="{0D108BD9-81ED-4DB2-BD59-A6C34878D82A}">
-                    <a16:rowId xmlns:a16="http://schemas.microsoft.com/office/drawing/2014/main" val="3806995482"/>
-                  </a:ext>
-                </a:extLst>
-              </a:tr>
-              <a:tr h="370840">
-                <a:tc>
-                  <a:txBody>
-                    <a:bodyPr/>
-                    <a:lstStyle/>
-                    <a:p>
-                      <a:pPr marL="0" marR="0" lvl="2" indent="0" algn="ctr" defTabSz="914400" rtl="0" eaLnBrk="1" fontAlgn="auto" latinLnBrk="0" hangingPunct="1">
-                        <a:lnSpc>
-                          <a:spcPct val="100000"/>
-                        </a:lnSpc>
-                        <a:spcBef>
-                          <a:spcPts val="0"/>
-                        </a:spcBef>
-                        <a:spcAft>
-                          <a:spcPts val="0"/>
-                        </a:spcAft>
-                        <a:buClrTx/>
-                        <a:buSzTx/>
-                        <a:buFontTx/>
-                        <a:buNone/>
-                        <a:tabLst/>
-                        <a:defRPr/>
-                      </a:pPr>
-                      <a:r>
-                        <a:rPr lang="en-US" altLang="zh-CN" sz="1600" kern="1200" dirty="0" smtClean="0">
-                          <a:solidFill>
-                            <a:schemeClr val="dk1"/>
-                          </a:solidFill>
-                          <a:latin typeface="黑体" panose="02010609060101010101" pitchFamily="49" charset="-122"/>
-                          <a:ea typeface="黑体" panose="02010609060101010101" pitchFamily="49" charset="-122"/>
-                          <a:cs typeface="+mn-cs"/>
-                        </a:rPr>
-                        <a:t>3</a:t>
-                      </a:r>
-                      <a:endParaRPr lang="zh-CN" altLang="en-US" sz="1600" kern="1200" dirty="0">
-                        <a:solidFill>
-                          <a:schemeClr val="dk1"/>
-                        </a:solidFill>
-                        <a:latin typeface="黑体" panose="02010609060101010101" pitchFamily="49" charset="-122"/>
-                        <a:ea typeface="黑体" panose="02010609060101010101" pitchFamily="49" charset="-122"/>
-                        <a:cs typeface="+mn-cs"/>
-                      </a:endParaRPr>
-                    </a:p>
-                  </a:txBody>
-                  <a:tcPr anchor="ctr"/>
-                </a:tc>
-                <a:tc>
-                  <a:txBody>
-                    <a:bodyPr/>
-                    <a:lstStyle/>
-                    <a:p>
-                      <a:pPr marL="0" marR="0" lvl="2" indent="0" algn="ctr" defTabSz="914400" rtl="0" eaLnBrk="1" fontAlgn="auto" latinLnBrk="0" hangingPunct="1">
-                        <a:lnSpc>
-                          <a:spcPct val="100000"/>
-                        </a:lnSpc>
-                        <a:spcBef>
-                          <a:spcPts val="0"/>
-                        </a:spcBef>
-                        <a:spcAft>
-                          <a:spcPts val="0"/>
-                        </a:spcAft>
-                        <a:buClrTx/>
-                        <a:buSzTx/>
-                        <a:buFontTx/>
-                        <a:buNone/>
-                        <a:tabLst/>
-                        <a:defRPr/>
-                      </a:pPr>
-                      <a:r>
-                        <a:rPr lang="en-US" altLang="zh-CN" sz="1600" kern="1200" dirty="0" err="1" smtClean="0">
-                          <a:solidFill>
-                            <a:schemeClr val="dk1"/>
-                          </a:solidFill>
-                          <a:latin typeface="黑体" panose="02010609060101010101" pitchFamily="49" charset="-122"/>
-                          <a:ea typeface="黑体" panose="02010609060101010101" pitchFamily="49" charset="-122"/>
-                          <a:cs typeface="+mn-cs"/>
-                        </a:rPr>
-                        <a:t>bandwidthTesterPackageSize</a:t>
-                      </a:r>
-                      <a:endParaRPr lang="zh-CN" altLang="en-US" sz="1600" kern="1200" dirty="0">
-                        <a:solidFill>
-                          <a:schemeClr val="dk1"/>
-                        </a:solidFill>
-                        <a:latin typeface="黑体" panose="02010609060101010101" pitchFamily="49" charset="-122"/>
-                        <a:ea typeface="黑体" panose="02010609060101010101" pitchFamily="49" charset="-122"/>
-                        <a:cs typeface="+mn-cs"/>
-                      </a:endParaRPr>
-                    </a:p>
-                  </a:txBody>
-                  <a:tcPr anchor="ctr"/>
-                </a:tc>
-                <a:tc>
-                  <a:txBody>
-                    <a:bodyPr/>
-                    <a:lstStyle/>
-                    <a:p>
-                      <a:pPr marL="0" marR="0" lvl="2" indent="0" algn="ctr" defTabSz="914400" rtl="0" eaLnBrk="1" fontAlgn="auto" latinLnBrk="0" hangingPunct="1">
-                        <a:lnSpc>
-                          <a:spcPct val="100000"/>
-                        </a:lnSpc>
-                        <a:spcBef>
-                          <a:spcPts val="0"/>
-                        </a:spcBef>
-                        <a:spcAft>
-                          <a:spcPts val="0"/>
-                        </a:spcAft>
-                        <a:buClrTx/>
-                        <a:buSzTx/>
-                        <a:buFontTx/>
-                        <a:buNone/>
-                        <a:tabLst/>
-                        <a:defRPr/>
-                      </a:pPr>
-                      <a:r>
-                        <a:rPr lang="en-US" altLang="zh-CN" sz="1600" kern="1200" dirty="0" err="1" smtClean="0">
-                          <a:solidFill>
-                            <a:schemeClr val="dk1"/>
-                          </a:solidFill>
-                          <a:latin typeface="黑体" panose="02010609060101010101" pitchFamily="49" charset="-122"/>
-                          <a:ea typeface="黑体" panose="02010609060101010101" pitchFamily="49" charset="-122"/>
-                          <a:cs typeface="+mn-cs"/>
-                        </a:rPr>
-                        <a:t>int</a:t>
-                      </a:r>
-                      <a:endParaRPr lang="zh-CN" altLang="en-US" sz="1600" kern="1200" dirty="0">
-                        <a:solidFill>
-                          <a:schemeClr val="dk1"/>
-                        </a:solidFill>
-                        <a:latin typeface="黑体" panose="02010609060101010101" pitchFamily="49" charset="-122"/>
-                        <a:ea typeface="黑体" panose="02010609060101010101" pitchFamily="49" charset="-122"/>
-                        <a:cs typeface="+mn-cs"/>
-                      </a:endParaRPr>
-                    </a:p>
-                  </a:txBody>
-                  <a:tcPr anchor="ctr"/>
-                </a:tc>
-                <a:tc>
-                  <a:txBody>
-                    <a:bodyPr/>
-                    <a:lstStyle/>
-                    <a:p>
-                      <a:pPr marL="0" marR="0" lvl="2" indent="0" algn="ctr" defTabSz="914400" rtl="0" eaLnBrk="1" fontAlgn="auto" latinLnBrk="0" hangingPunct="1">
-                        <a:lnSpc>
-                          <a:spcPct val="100000"/>
-                        </a:lnSpc>
-                        <a:spcBef>
-                          <a:spcPts val="0"/>
-                        </a:spcBef>
-                        <a:spcAft>
-                          <a:spcPts val="0"/>
-                        </a:spcAft>
-                        <a:buClrTx/>
-                        <a:buSzTx/>
-                        <a:buFontTx/>
-                        <a:buNone/>
-                        <a:tabLst/>
-                        <a:defRPr/>
-                      </a:pPr>
-                      <a:r>
-                        <a:rPr lang="zh-CN" altLang="en-US" sz="1600" kern="1200" dirty="0" smtClean="0">
-                          <a:solidFill>
-                            <a:schemeClr val="dk1"/>
-                          </a:solidFill>
-                          <a:latin typeface="黑体" panose="02010609060101010101" pitchFamily="49" charset="-122"/>
-                          <a:ea typeface="黑体" panose="02010609060101010101" pitchFamily="49" charset="-122"/>
-                          <a:cs typeface="+mn-cs"/>
-                        </a:rPr>
-                        <a:t>网速测试控制器写回包的大小</a:t>
-                      </a:r>
-                    </a:p>
-                  </a:txBody>
-                  <a:tcPr anchor="ctr"/>
-                </a:tc>
-                <a:extLst>
-                  <a:ext uri="{0D108BD9-81ED-4DB2-BD59-A6C34878D82A}">
-                    <a16:rowId xmlns:a16="http://schemas.microsoft.com/office/drawing/2014/main" val="1653414570"/>
-                  </a:ext>
-                </a:extLst>
-              </a:tr>
-              <a:tr h="370840">
-                <a:tc>
-                  <a:txBody>
-                    <a:bodyPr/>
-                    <a:lstStyle/>
-                    <a:p>
-                      <a:pPr marL="0" marR="0" lvl="2" indent="0" algn="ctr" defTabSz="914400" rtl="0" eaLnBrk="1" fontAlgn="auto" latinLnBrk="0" hangingPunct="1">
-                        <a:lnSpc>
-                          <a:spcPct val="100000"/>
-                        </a:lnSpc>
-                        <a:spcBef>
-                          <a:spcPts val="0"/>
-                        </a:spcBef>
-                        <a:spcAft>
-                          <a:spcPts val="0"/>
-                        </a:spcAft>
-                        <a:buClrTx/>
-                        <a:buSzTx/>
-                        <a:buFontTx/>
-                        <a:buNone/>
-                        <a:tabLst/>
-                        <a:defRPr/>
-                      </a:pPr>
-                      <a:r>
-                        <a:rPr lang="en-US" altLang="zh-CN" sz="1600" kern="1200" dirty="0" smtClean="0">
-                          <a:solidFill>
-                            <a:schemeClr val="dk1"/>
-                          </a:solidFill>
-                          <a:latin typeface="黑体" panose="02010609060101010101" pitchFamily="49" charset="-122"/>
-                          <a:ea typeface="黑体" panose="02010609060101010101" pitchFamily="49" charset="-122"/>
-                          <a:cs typeface="+mn-cs"/>
-                        </a:rPr>
-                        <a:t>4</a:t>
-                      </a:r>
-                      <a:endParaRPr lang="zh-CN" altLang="en-US" sz="1600" kern="1200" dirty="0">
-                        <a:solidFill>
-                          <a:schemeClr val="dk1"/>
-                        </a:solidFill>
-                        <a:latin typeface="黑体" panose="02010609060101010101" pitchFamily="49" charset="-122"/>
-                        <a:ea typeface="黑体" panose="02010609060101010101" pitchFamily="49" charset="-122"/>
-                        <a:cs typeface="+mn-cs"/>
-                      </a:endParaRPr>
-                    </a:p>
-                  </a:txBody>
-                  <a:tcPr anchor="ctr"/>
-                </a:tc>
-                <a:tc>
-                  <a:txBody>
-                    <a:bodyPr/>
-                    <a:lstStyle/>
-                    <a:p>
-                      <a:pPr marL="0" marR="0" lvl="2" indent="0" algn="ctr" defTabSz="914400" rtl="0" eaLnBrk="1" fontAlgn="auto" latinLnBrk="0" hangingPunct="1">
-                        <a:lnSpc>
-                          <a:spcPct val="100000"/>
-                        </a:lnSpc>
-                        <a:spcBef>
-                          <a:spcPts val="0"/>
-                        </a:spcBef>
-                        <a:spcAft>
-                          <a:spcPts val="0"/>
-                        </a:spcAft>
-                        <a:buClrTx/>
-                        <a:buSzTx/>
-                        <a:buFontTx/>
-                        <a:buNone/>
-                        <a:tabLst/>
-                        <a:defRPr/>
-                      </a:pPr>
-                      <a:r>
-                        <a:rPr lang="en-US" altLang="zh-CN" sz="1600" kern="1200" dirty="0" err="1" smtClean="0">
-                          <a:solidFill>
-                            <a:schemeClr val="dk1"/>
-                          </a:solidFill>
-                          <a:latin typeface="黑体" panose="02010609060101010101" pitchFamily="49" charset="-122"/>
-                          <a:ea typeface="黑体" panose="02010609060101010101" pitchFamily="49" charset="-122"/>
-                          <a:cs typeface="+mn-cs"/>
-                        </a:rPr>
-                        <a:t>redisEnabled</a:t>
-                      </a:r>
-                      <a:endParaRPr lang="zh-CN" altLang="en-US" sz="1600" kern="1200" dirty="0">
-                        <a:solidFill>
-                          <a:schemeClr val="dk1"/>
-                        </a:solidFill>
-                        <a:latin typeface="黑体" panose="02010609060101010101" pitchFamily="49" charset="-122"/>
-                        <a:ea typeface="黑体" panose="02010609060101010101" pitchFamily="49" charset="-122"/>
-                        <a:cs typeface="+mn-cs"/>
-                      </a:endParaRPr>
-                    </a:p>
-                  </a:txBody>
-                  <a:tcPr anchor="ctr"/>
-                </a:tc>
-                <a:tc>
-                  <a:txBody>
-                    <a:bodyPr/>
-                    <a:lstStyle/>
-                    <a:p>
-                      <a:pPr marL="0" marR="0" lvl="2" indent="0" algn="ctr" defTabSz="914400" rtl="0" eaLnBrk="1" fontAlgn="auto" latinLnBrk="0" hangingPunct="1">
-                        <a:lnSpc>
-                          <a:spcPct val="100000"/>
-                        </a:lnSpc>
-                        <a:spcBef>
-                          <a:spcPts val="0"/>
-                        </a:spcBef>
-                        <a:spcAft>
-                          <a:spcPts val="0"/>
-                        </a:spcAft>
-                        <a:buClrTx/>
-                        <a:buSzTx/>
-                        <a:buFontTx/>
-                        <a:buNone/>
-                        <a:tabLst/>
-                        <a:defRPr/>
-                      </a:pPr>
-                      <a:r>
-                        <a:rPr lang="en-US" altLang="zh-CN" sz="1600" kern="1200" dirty="0" err="1" smtClean="0">
-                          <a:solidFill>
-                            <a:schemeClr val="dk1"/>
-                          </a:solidFill>
-                          <a:latin typeface="黑体" panose="02010609060101010101" pitchFamily="49" charset="-122"/>
-                          <a:ea typeface="黑体" panose="02010609060101010101" pitchFamily="49" charset="-122"/>
-                          <a:cs typeface="+mn-cs"/>
-                        </a:rPr>
-                        <a:t>boolean</a:t>
-                      </a:r>
-                      <a:endParaRPr lang="zh-CN" altLang="en-US" sz="1600" kern="1200" dirty="0">
-                        <a:solidFill>
-                          <a:schemeClr val="dk1"/>
-                        </a:solidFill>
-                        <a:latin typeface="黑体" panose="02010609060101010101" pitchFamily="49" charset="-122"/>
-                        <a:ea typeface="黑体" panose="02010609060101010101" pitchFamily="49" charset="-122"/>
-                        <a:cs typeface="+mn-cs"/>
-                      </a:endParaRPr>
-                    </a:p>
-                  </a:txBody>
-                  <a:tcPr anchor="ctr"/>
-                </a:tc>
-                <a:tc>
-                  <a:txBody>
-                    <a:bodyPr/>
-                    <a:lstStyle/>
-                    <a:p>
-                      <a:pPr marL="0" marR="0" lvl="2" indent="0" algn="ctr" defTabSz="914400" rtl="0" eaLnBrk="1" fontAlgn="auto" latinLnBrk="0" hangingPunct="1">
-                        <a:lnSpc>
-                          <a:spcPct val="100000"/>
-                        </a:lnSpc>
-                        <a:spcBef>
-                          <a:spcPts val="0"/>
-                        </a:spcBef>
-                        <a:spcAft>
-                          <a:spcPts val="0"/>
-                        </a:spcAft>
-                        <a:buClrTx/>
-                        <a:buSzTx/>
-                        <a:buFontTx/>
-                        <a:buNone/>
-                        <a:tabLst/>
-                        <a:defRPr/>
-                      </a:pPr>
-                      <a:r>
-                        <a:rPr lang="zh-CN" altLang="en-US" sz="1600" kern="1200" dirty="0" smtClean="0">
-                          <a:solidFill>
-                            <a:schemeClr val="dk1"/>
-                          </a:solidFill>
-                          <a:latin typeface="黑体" panose="02010609060101010101" pitchFamily="49" charset="-122"/>
-                          <a:ea typeface="黑体" panose="02010609060101010101" pitchFamily="49" charset="-122"/>
-                          <a:cs typeface="+mn-cs"/>
-                        </a:rPr>
-                        <a:t>是否启用</a:t>
-                      </a:r>
-                      <a:r>
-                        <a:rPr lang="en-US" altLang="zh-CN" sz="1600" kern="1200" dirty="0" err="1" smtClean="0">
-                          <a:solidFill>
-                            <a:schemeClr val="dk1"/>
-                          </a:solidFill>
-                          <a:latin typeface="黑体" panose="02010609060101010101" pitchFamily="49" charset="-122"/>
-                          <a:ea typeface="黑体" panose="02010609060101010101" pitchFamily="49" charset="-122"/>
-                          <a:cs typeface="+mn-cs"/>
-                        </a:rPr>
-                        <a:t>Redis</a:t>
-                      </a:r>
-                      <a:r>
-                        <a:rPr lang="zh-CN" altLang="en-US" sz="1600" kern="1200" dirty="0" smtClean="0">
-                          <a:solidFill>
-                            <a:schemeClr val="dk1"/>
-                          </a:solidFill>
-                          <a:latin typeface="黑体" panose="02010609060101010101" pitchFamily="49" charset="-122"/>
-                          <a:ea typeface="黑体" panose="02010609060101010101" pitchFamily="49" charset="-122"/>
-                          <a:cs typeface="+mn-cs"/>
-                        </a:rPr>
-                        <a:t>缓存</a:t>
-                      </a:r>
-                    </a:p>
-                  </a:txBody>
-                  <a:tcPr anchor="ctr"/>
-                </a:tc>
-                <a:extLst>
-                  <a:ext uri="{0D108BD9-81ED-4DB2-BD59-A6C34878D82A}">
-                    <a16:rowId xmlns:a16="http://schemas.microsoft.com/office/drawing/2014/main" val="254933040"/>
-                  </a:ext>
-                </a:extLst>
-              </a:tr>
-              <a:tr h="370840">
-                <a:tc>
-                  <a:txBody>
-                    <a:bodyPr/>
-                    <a:lstStyle/>
-                    <a:p>
-                      <a:pPr marL="0" marR="0" lvl="2" indent="0" algn="ctr" defTabSz="914400" rtl="0" eaLnBrk="1" fontAlgn="auto" latinLnBrk="0" hangingPunct="1">
-                        <a:lnSpc>
-                          <a:spcPct val="100000"/>
-                        </a:lnSpc>
-                        <a:spcBef>
-                          <a:spcPts val="0"/>
-                        </a:spcBef>
-                        <a:spcAft>
-                          <a:spcPts val="0"/>
-                        </a:spcAft>
-                        <a:buClrTx/>
-                        <a:buSzTx/>
-                        <a:buFontTx/>
-                        <a:buNone/>
-                        <a:tabLst/>
-                        <a:defRPr/>
-                      </a:pPr>
-                      <a:r>
-                        <a:rPr lang="en-US" altLang="zh-CN" sz="1600" kern="1200" dirty="0" smtClean="0">
-                          <a:solidFill>
-                            <a:schemeClr val="dk1"/>
-                          </a:solidFill>
-                          <a:latin typeface="黑体" panose="02010609060101010101" pitchFamily="49" charset="-122"/>
-                          <a:ea typeface="黑体" panose="02010609060101010101" pitchFamily="49" charset="-122"/>
-                          <a:cs typeface="+mn-cs"/>
-                        </a:rPr>
-                        <a:t>5</a:t>
-                      </a:r>
-                      <a:endParaRPr lang="zh-CN" altLang="en-US" sz="1600" kern="1200" dirty="0">
-                        <a:solidFill>
-                          <a:schemeClr val="dk1"/>
-                        </a:solidFill>
-                        <a:latin typeface="黑体" panose="02010609060101010101" pitchFamily="49" charset="-122"/>
-                        <a:ea typeface="黑体" panose="02010609060101010101" pitchFamily="49" charset="-122"/>
-                        <a:cs typeface="+mn-cs"/>
-                      </a:endParaRPr>
-                    </a:p>
-                  </a:txBody>
-                  <a:tcPr anchor="ctr"/>
-                </a:tc>
-                <a:tc>
-                  <a:txBody>
-                    <a:bodyPr/>
-                    <a:lstStyle/>
-                    <a:p>
-                      <a:pPr marL="0" marR="0" lvl="2" indent="0" algn="ctr" defTabSz="914400" rtl="0" eaLnBrk="1" fontAlgn="auto" latinLnBrk="0" hangingPunct="1">
-                        <a:lnSpc>
-                          <a:spcPct val="100000"/>
-                        </a:lnSpc>
-                        <a:spcBef>
-                          <a:spcPts val="0"/>
-                        </a:spcBef>
-                        <a:spcAft>
-                          <a:spcPts val="0"/>
-                        </a:spcAft>
-                        <a:buClrTx/>
-                        <a:buSzTx/>
-                        <a:buFontTx/>
-                        <a:buNone/>
-                        <a:tabLst/>
-                        <a:defRPr/>
-                      </a:pPr>
-                      <a:r>
-                        <a:rPr lang="en-US" altLang="zh-CN" sz="1600" kern="1200" dirty="0" err="1" smtClean="0">
-                          <a:solidFill>
-                            <a:schemeClr val="dk1"/>
-                          </a:solidFill>
-                          <a:latin typeface="黑体" panose="02010609060101010101" pitchFamily="49" charset="-122"/>
-                          <a:ea typeface="黑体" panose="02010609060101010101" pitchFamily="49" charset="-122"/>
-                          <a:cs typeface="+mn-cs"/>
-                        </a:rPr>
-                        <a:t>imageCacheRedisNodes</a:t>
-                      </a:r>
-                      <a:endParaRPr lang="zh-CN" altLang="en-US" sz="1600" kern="1200" dirty="0">
-                        <a:solidFill>
-                          <a:schemeClr val="dk1"/>
-                        </a:solidFill>
-                        <a:latin typeface="黑体" panose="02010609060101010101" pitchFamily="49" charset="-122"/>
-                        <a:ea typeface="黑体" panose="02010609060101010101" pitchFamily="49" charset="-122"/>
-                        <a:cs typeface="+mn-cs"/>
-                      </a:endParaRPr>
-                    </a:p>
-                  </a:txBody>
-                  <a:tcPr anchor="ctr"/>
-                </a:tc>
-                <a:tc>
-                  <a:txBody>
-                    <a:bodyPr/>
-                    <a:lstStyle/>
-                    <a:p>
-                      <a:pPr marL="0" marR="0" lvl="2" indent="0" algn="ctr" defTabSz="914400" rtl="0" eaLnBrk="1" fontAlgn="auto" latinLnBrk="0" hangingPunct="1">
-                        <a:lnSpc>
-                          <a:spcPct val="100000"/>
-                        </a:lnSpc>
-                        <a:spcBef>
-                          <a:spcPts val="0"/>
-                        </a:spcBef>
-                        <a:spcAft>
-                          <a:spcPts val="0"/>
-                        </a:spcAft>
-                        <a:buClrTx/>
-                        <a:buSzTx/>
-                        <a:buFontTx/>
-                        <a:buNone/>
-                        <a:tabLst/>
-                        <a:defRPr/>
-                      </a:pPr>
-                      <a:r>
-                        <a:rPr lang="en-US" altLang="zh-CN" sz="1600" kern="1200" dirty="0" smtClean="0">
-                          <a:solidFill>
-                            <a:schemeClr val="dk1"/>
-                          </a:solidFill>
-                          <a:latin typeface="黑体" panose="02010609060101010101" pitchFamily="49" charset="-122"/>
-                          <a:ea typeface="黑体" panose="02010609060101010101" pitchFamily="49" charset="-122"/>
-                          <a:cs typeface="+mn-cs"/>
-                        </a:rPr>
-                        <a:t>List </a:t>
-                      </a:r>
-                      <a:endParaRPr lang="zh-CN" altLang="en-US" sz="1600" kern="1200" dirty="0">
-                        <a:solidFill>
-                          <a:schemeClr val="dk1"/>
-                        </a:solidFill>
-                        <a:latin typeface="黑体" panose="02010609060101010101" pitchFamily="49" charset="-122"/>
-                        <a:ea typeface="黑体" panose="02010609060101010101" pitchFamily="49" charset="-122"/>
-                        <a:cs typeface="+mn-cs"/>
-                      </a:endParaRPr>
-                    </a:p>
-                  </a:txBody>
-                  <a:tcPr anchor="ctr"/>
-                </a:tc>
-                <a:tc>
-                  <a:txBody>
-                    <a:bodyPr/>
-                    <a:lstStyle/>
-                    <a:p>
-                      <a:pPr marL="0" marR="0" lvl="2" indent="0" algn="ctr" defTabSz="914400" rtl="0" eaLnBrk="1" fontAlgn="auto" latinLnBrk="0" hangingPunct="1">
-                        <a:lnSpc>
-                          <a:spcPct val="100000"/>
-                        </a:lnSpc>
-                        <a:spcBef>
-                          <a:spcPts val="0"/>
-                        </a:spcBef>
-                        <a:spcAft>
-                          <a:spcPts val="0"/>
-                        </a:spcAft>
-                        <a:buClrTx/>
-                        <a:buSzTx/>
-                        <a:buFontTx/>
-                        <a:buNone/>
-                        <a:tabLst/>
-                        <a:defRPr/>
-                      </a:pPr>
-                      <a:r>
-                        <a:rPr lang="zh-CN" altLang="en-US" sz="1600" kern="1200" dirty="0" smtClean="0">
-                          <a:solidFill>
-                            <a:schemeClr val="dk1"/>
-                          </a:solidFill>
-                          <a:latin typeface="黑体" panose="02010609060101010101" pitchFamily="49" charset="-122"/>
-                          <a:ea typeface="黑体" panose="02010609060101010101" pitchFamily="49" charset="-122"/>
-                          <a:cs typeface="+mn-cs"/>
-                        </a:rPr>
-                        <a:t>启用</a:t>
-                      </a:r>
-                      <a:r>
-                        <a:rPr lang="en-US" altLang="zh-CN" sz="1600" kern="1200" dirty="0" err="1" smtClean="0">
-                          <a:solidFill>
-                            <a:schemeClr val="dk1"/>
-                          </a:solidFill>
-                          <a:latin typeface="黑体" panose="02010609060101010101" pitchFamily="49" charset="-122"/>
-                          <a:ea typeface="黑体" panose="02010609060101010101" pitchFamily="49" charset="-122"/>
-                          <a:cs typeface="+mn-cs"/>
-                        </a:rPr>
-                        <a:t>Redis</a:t>
-                      </a:r>
-                      <a:r>
-                        <a:rPr lang="zh-CN" altLang="en-US" sz="1600" kern="1200" dirty="0" smtClean="0">
-                          <a:solidFill>
-                            <a:schemeClr val="dk1"/>
-                          </a:solidFill>
-                          <a:latin typeface="黑体" panose="02010609060101010101" pitchFamily="49" charset="-122"/>
-                          <a:ea typeface="黑体" panose="02010609060101010101" pitchFamily="49" charset="-122"/>
-                          <a:cs typeface="+mn-cs"/>
-                        </a:rPr>
-                        <a:t>缓存时，</a:t>
-                      </a:r>
-                      <a:r>
-                        <a:rPr lang="en-US" altLang="zh-CN" sz="1600" kern="1200" dirty="0" err="1" smtClean="0">
-                          <a:solidFill>
-                            <a:schemeClr val="dk1"/>
-                          </a:solidFill>
-                          <a:latin typeface="黑体" panose="02010609060101010101" pitchFamily="49" charset="-122"/>
-                          <a:ea typeface="黑体" panose="02010609060101010101" pitchFamily="49" charset="-122"/>
-                          <a:cs typeface="+mn-cs"/>
-                        </a:rPr>
-                        <a:t>Redis</a:t>
-                      </a:r>
-                      <a:r>
-                        <a:rPr lang="zh-CN" altLang="en-US" sz="1600" kern="1200" dirty="0" smtClean="0">
-                          <a:solidFill>
-                            <a:schemeClr val="dk1"/>
-                          </a:solidFill>
-                          <a:latin typeface="黑体" panose="02010609060101010101" pitchFamily="49" charset="-122"/>
-                          <a:ea typeface="黑体" panose="02010609060101010101" pitchFamily="49" charset="-122"/>
-                          <a:cs typeface="+mn-cs"/>
-                        </a:rPr>
-                        <a:t>集群节点配置</a:t>
-                      </a:r>
-                    </a:p>
-                  </a:txBody>
-                  <a:tcPr anchor="ctr"/>
-                </a:tc>
-                <a:extLst>
-                  <a:ext uri="{0D108BD9-81ED-4DB2-BD59-A6C34878D82A}">
-                    <a16:rowId xmlns:a16="http://schemas.microsoft.com/office/drawing/2014/main" val="1334252467"/>
-                  </a:ext>
-                </a:extLst>
-              </a:tr>
-              <a:tr h="370840">
-                <a:tc>
-                  <a:txBody>
-                    <a:bodyPr/>
-                    <a:lstStyle/>
-                    <a:p>
-                      <a:pPr marL="0" marR="0" lvl="2" indent="0" algn="ctr" defTabSz="914400" rtl="0" eaLnBrk="1" fontAlgn="auto" latinLnBrk="0" hangingPunct="1">
-                        <a:lnSpc>
-                          <a:spcPct val="100000"/>
-                        </a:lnSpc>
-                        <a:spcBef>
-                          <a:spcPts val="0"/>
-                        </a:spcBef>
-                        <a:spcAft>
-                          <a:spcPts val="0"/>
-                        </a:spcAft>
-                        <a:buClrTx/>
-                        <a:buSzTx/>
-                        <a:buFontTx/>
-                        <a:buNone/>
-                        <a:tabLst/>
-                        <a:defRPr/>
-                      </a:pPr>
-                      <a:r>
-                        <a:rPr lang="en-US" altLang="zh-CN" sz="1600" kern="1200" dirty="0" smtClean="0">
-                          <a:solidFill>
-                            <a:schemeClr val="dk1"/>
-                          </a:solidFill>
-                          <a:latin typeface="黑体" panose="02010609060101010101" pitchFamily="49" charset="-122"/>
-                          <a:ea typeface="黑体" panose="02010609060101010101" pitchFamily="49" charset="-122"/>
-                          <a:cs typeface="+mn-cs"/>
-                        </a:rPr>
-                        <a:t>6</a:t>
-                      </a:r>
-                      <a:endParaRPr lang="zh-CN" altLang="en-US" sz="1600" kern="1200" dirty="0">
-                        <a:solidFill>
-                          <a:schemeClr val="dk1"/>
-                        </a:solidFill>
-                        <a:latin typeface="黑体" panose="02010609060101010101" pitchFamily="49" charset="-122"/>
-                        <a:ea typeface="黑体" panose="02010609060101010101" pitchFamily="49" charset="-122"/>
-                        <a:cs typeface="+mn-cs"/>
-                      </a:endParaRPr>
-                    </a:p>
-                  </a:txBody>
-                  <a:tcPr anchor="ctr"/>
-                </a:tc>
-                <a:tc>
-                  <a:txBody>
-                    <a:bodyPr/>
-                    <a:lstStyle/>
-                    <a:p>
-                      <a:pPr marL="0" marR="0" lvl="2" indent="0" algn="ctr" defTabSz="914400" rtl="0" eaLnBrk="1" fontAlgn="auto" latinLnBrk="0" hangingPunct="1">
-                        <a:lnSpc>
-                          <a:spcPct val="100000"/>
-                        </a:lnSpc>
-                        <a:spcBef>
-                          <a:spcPts val="0"/>
-                        </a:spcBef>
-                        <a:spcAft>
-                          <a:spcPts val="0"/>
-                        </a:spcAft>
-                        <a:buClrTx/>
-                        <a:buSzTx/>
-                        <a:buFontTx/>
-                        <a:buNone/>
-                        <a:tabLst/>
-                        <a:defRPr/>
-                      </a:pPr>
-                      <a:r>
-                        <a:rPr lang="en-US" altLang="zh-CN" sz="1600" kern="1200" dirty="0" err="1" smtClean="0">
-                          <a:solidFill>
-                            <a:schemeClr val="dk1"/>
-                          </a:solidFill>
-                          <a:latin typeface="黑体" panose="02010609060101010101" pitchFamily="49" charset="-122"/>
-                          <a:ea typeface="黑体" panose="02010609060101010101" pitchFamily="49" charset="-122"/>
-                          <a:cs typeface="+mn-cs"/>
-                        </a:rPr>
-                        <a:t>imageHost</a:t>
-                      </a:r>
-                      <a:endParaRPr lang="zh-CN" altLang="en-US" sz="1600" kern="1200" dirty="0">
-                        <a:solidFill>
-                          <a:schemeClr val="dk1"/>
-                        </a:solidFill>
-                        <a:latin typeface="黑体" panose="02010609060101010101" pitchFamily="49" charset="-122"/>
-                        <a:ea typeface="黑体" panose="02010609060101010101" pitchFamily="49" charset="-122"/>
-                        <a:cs typeface="+mn-cs"/>
-                      </a:endParaRPr>
-                    </a:p>
-                  </a:txBody>
-                  <a:tcPr anchor="ctr"/>
-                </a:tc>
-                <a:tc>
-                  <a:txBody>
-                    <a:bodyPr/>
-                    <a:lstStyle/>
-                    <a:p>
-                      <a:pPr marL="0" marR="0" lvl="2" indent="0" algn="ctr" defTabSz="914400" rtl="0" eaLnBrk="1" fontAlgn="auto" latinLnBrk="0" hangingPunct="1">
-                        <a:lnSpc>
-                          <a:spcPct val="100000"/>
-                        </a:lnSpc>
-                        <a:spcBef>
-                          <a:spcPts val="0"/>
-                        </a:spcBef>
-                        <a:spcAft>
-                          <a:spcPts val="0"/>
-                        </a:spcAft>
-                        <a:buClrTx/>
-                        <a:buSzTx/>
-                        <a:buFontTx/>
-                        <a:buNone/>
-                        <a:tabLst/>
-                        <a:defRPr/>
-                      </a:pPr>
-                      <a:r>
-                        <a:rPr lang="en-US" altLang="zh-CN" sz="1600" kern="1200" dirty="0" smtClean="0">
-                          <a:solidFill>
-                            <a:schemeClr val="dk1"/>
-                          </a:solidFill>
-                          <a:latin typeface="黑体" panose="02010609060101010101" pitchFamily="49" charset="-122"/>
-                          <a:ea typeface="黑体" panose="02010609060101010101" pitchFamily="49" charset="-122"/>
-                          <a:cs typeface="+mn-cs"/>
-                        </a:rPr>
-                        <a:t>String</a:t>
-                      </a:r>
-                      <a:endParaRPr lang="zh-CN" altLang="en-US" sz="1600" kern="1200" dirty="0">
-                        <a:solidFill>
-                          <a:schemeClr val="dk1"/>
-                        </a:solidFill>
-                        <a:latin typeface="黑体" panose="02010609060101010101" pitchFamily="49" charset="-122"/>
-                        <a:ea typeface="黑体" panose="02010609060101010101" pitchFamily="49" charset="-122"/>
-                        <a:cs typeface="+mn-cs"/>
-                      </a:endParaRPr>
-                    </a:p>
-                  </a:txBody>
-                  <a:tcPr anchor="ctr"/>
-                </a:tc>
-                <a:tc>
-                  <a:txBody>
-                    <a:bodyPr/>
-                    <a:lstStyle/>
-                    <a:p>
-                      <a:pPr marL="0" marR="0" lvl="2" indent="0" algn="ctr" defTabSz="914400" rtl="0" eaLnBrk="1" fontAlgn="auto" latinLnBrk="0" hangingPunct="1">
-                        <a:lnSpc>
-                          <a:spcPct val="100000"/>
-                        </a:lnSpc>
-                        <a:spcBef>
-                          <a:spcPts val="0"/>
-                        </a:spcBef>
-                        <a:spcAft>
-                          <a:spcPts val="0"/>
-                        </a:spcAft>
-                        <a:buClrTx/>
-                        <a:buSzTx/>
-                        <a:buFontTx/>
-                        <a:buNone/>
-                        <a:tabLst/>
-                        <a:defRPr/>
-                      </a:pPr>
-                      <a:r>
-                        <a:rPr lang="zh-CN" altLang="en-US" sz="1600" kern="1200" dirty="0" smtClean="0">
-                          <a:solidFill>
-                            <a:schemeClr val="dk1"/>
-                          </a:solidFill>
-                          <a:latin typeface="黑体" panose="02010609060101010101" pitchFamily="49" charset="-122"/>
-                          <a:ea typeface="黑体" panose="02010609060101010101" pitchFamily="49" charset="-122"/>
-                          <a:cs typeface="+mn-cs"/>
-                        </a:rPr>
-                        <a:t>图片实际所在域名，如</a:t>
-                      </a:r>
-                      <a:r>
-                        <a:rPr lang="en-US" altLang="zh-CN" sz="1600" kern="1200" dirty="0" smtClean="0">
-                          <a:solidFill>
-                            <a:schemeClr val="dk1"/>
-                          </a:solidFill>
-                          <a:latin typeface="黑体" panose="02010609060101010101" pitchFamily="49" charset="-122"/>
-                          <a:ea typeface="黑体" panose="02010609060101010101" pitchFamily="49" charset="-122"/>
-                          <a:cs typeface="+mn-cs"/>
-                        </a:rPr>
-                        <a:t>"http://www.baidu.com"</a:t>
-                      </a:r>
-                    </a:p>
-                  </a:txBody>
-                  <a:tcPr anchor="ctr"/>
-                </a:tc>
-                <a:extLst>
-                  <a:ext uri="{0D108BD9-81ED-4DB2-BD59-A6C34878D82A}">
-                    <a16:rowId xmlns:a16="http://schemas.microsoft.com/office/drawing/2014/main" val="1345469901"/>
-                  </a:ext>
-                </a:extLst>
-              </a:tr>
-              <a:tr h="370840">
-                <a:tc>
-                  <a:txBody>
-                    <a:bodyPr/>
-                    <a:lstStyle/>
-                    <a:p>
-                      <a:pPr marL="0" marR="0" lvl="2" indent="0" algn="ctr" defTabSz="914400" rtl="0" eaLnBrk="1" fontAlgn="auto" latinLnBrk="0" hangingPunct="1">
-                        <a:lnSpc>
-                          <a:spcPct val="100000"/>
-                        </a:lnSpc>
-                        <a:spcBef>
-                          <a:spcPts val="0"/>
-                        </a:spcBef>
-                        <a:spcAft>
-                          <a:spcPts val="0"/>
-                        </a:spcAft>
-                        <a:buClrTx/>
-                        <a:buSzTx/>
-                        <a:buFontTx/>
-                        <a:buNone/>
-                        <a:tabLst/>
-                        <a:defRPr/>
-                      </a:pPr>
-                      <a:r>
-                        <a:rPr lang="en-US" altLang="zh-CN" sz="1600" kern="1200" dirty="0" smtClean="0">
-                          <a:solidFill>
-                            <a:schemeClr val="dk1"/>
-                          </a:solidFill>
-                          <a:latin typeface="黑体" panose="02010609060101010101" pitchFamily="49" charset="-122"/>
-                          <a:ea typeface="黑体" panose="02010609060101010101" pitchFamily="49" charset="-122"/>
-                          <a:cs typeface="+mn-cs"/>
-                        </a:rPr>
-                        <a:t>7</a:t>
-                      </a:r>
-                      <a:endParaRPr lang="zh-CN" altLang="en-US" sz="1600" kern="1200" dirty="0">
-                        <a:solidFill>
-                          <a:schemeClr val="dk1"/>
-                        </a:solidFill>
-                        <a:latin typeface="黑体" panose="02010609060101010101" pitchFamily="49" charset="-122"/>
-                        <a:ea typeface="黑体" panose="02010609060101010101" pitchFamily="49" charset="-122"/>
-                        <a:cs typeface="+mn-cs"/>
-                      </a:endParaRPr>
-                    </a:p>
-                  </a:txBody>
-                  <a:tcPr anchor="ctr"/>
-                </a:tc>
-                <a:tc>
-                  <a:txBody>
-                    <a:bodyPr/>
-                    <a:lstStyle/>
-                    <a:p>
-                      <a:pPr marL="0" marR="0" lvl="2" indent="0" algn="ctr" defTabSz="914400" rtl="0" eaLnBrk="1" fontAlgn="auto" latinLnBrk="0" hangingPunct="1">
-                        <a:lnSpc>
-                          <a:spcPct val="100000"/>
-                        </a:lnSpc>
-                        <a:spcBef>
-                          <a:spcPts val="0"/>
-                        </a:spcBef>
-                        <a:spcAft>
-                          <a:spcPts val="0"/>
-                        </a:spcAft>
-                        <a:buClrTx/>
-                        <a:buSzTx/>
-                        <a:buFontTx/>
-                        <a:buNone/>
-                        <a:tabLst/>
-                        <a:defRPr/>
-                      </a:pPr>
-                      <a:r>
-                        <a:rPr lang="en-US" altLang="zh-CN" sz="1600" kern="1200" dirty="0" err="1" smtClean="0">
-                          <a:solidFill>
-                            <a:schemeClr val="dk1"/>
-                          </a:solidFill>
-                          <a:latin typeface="黑体" panose="02010609060101010101" pitchFamily="49" charset="-122"/>
-                          <a:ea typeface="黑体" panose="02010609060101010101" pitchFamily="49" charset="-122"/>
-                          <a:cs typeface="+mn-cs"/>
-                        </a:rPr>
-                        <a:t>packageSize</a:t>
-                      </a:r>
-                      <a:endParaRPr lang="zh-CN" altLang="en-US" sz="1600" kern="1200" dirty="0">
-                        <a:solidFill>
-                          <a:schemeClr val="dk1"/>
-                        </a:solidFill>
-                        <a:latin typeface="黑体" panose="02010609060101010101" pitchFamily="49" charset="-122"/>
-                        <a:ea typeface="黑体" panose="02010609060101010101" pitchFamily="49" charset="-122"/>
-                        <a:cs typeface="+mn-cs"/>
-                      </a:endParaRPr>
-                    </a:p>
-                  </a:txBody>
-                  <a:tcPr anchor="ctr"/>
-                </a:tc>
-                <a:tc>
-                  <a:txBody>
-                    <a:bodyPr/>
-                    <a:lstStyle/>
-                    <a:p>
-                      <a:pPr marL="0" marR="0" lvl="2" indent="0" algn="ctr" defTabSz="914400" rtl="0" eaLnBrk="1" fontAlgn="auto" latinLnBrk="0" hangingPunct="1">
-                        <a:lnSpc>
-                          <a:spcPct val="100000"/>
-                        </a:lnSpc>
-                        <a:spcBef>
-                          <a:spcPts val="0"/>
-                        </a:spcBef>
-                        <a:spcAft>
-                          <a:spcPts val="0"/>
-                        </a:spcAft>
-                        <a:buClrTx/>
-                        <a:buSzTx/>
-                        <a:buFontTx/>
-                        <a:buNone/>
-                        <a:tabLst/>
-                        <a:defRPr/>
-                      </a:pPr>
-                      <a:r>
-                        <a:rPr lang="en-US" altLang="zh-CN" sz="1600" kern="1200" dirty="0" smtClean="0">
-                          <a:solidFill>
-                            <a:schemeClr val="dk1"/>
-                          </a:solidFill>
-                          <a:latin typeface="黑体" panose="02010609060101010101" pitchFamily="49" charset="-122"/>
-                          <a:ea typeface="黑体" panose="02010609060101010101" pitchFamily="49" charset="-122"/>
-                          <a:cs typeface="+mn-cs"/>
-                        </a:rPr>
-                        <a:t>--</a:t>
-                      </a:r>
-                      <a:endParaRPr lang="zh-CN" altLang="en-US" sz="1600" kern="1200" dirty="0">
-                        <a:solidFill>
-                          <a:schemeClr val="dk1"/>
-                        </a:solidFill>
-                        <a:latin typeface="黑体" panose="02010609060101010101" pitchFamily="49" charset="-122"/>
-                        <a:ea typeface="黑体" panose="02010609060101010101" pitchFamily="49" charset="-122"/>
-                        <a:cs typeface="+mn-cs"/>
-                      </a:endParaRPr>
-                    </a:p>
-                  </a:txBody>
-                  <a:tcPr anchor="ctr"/>
-                </a:tc>
-                <a:tc>
-                  <a:txBody>
-                    <a:bodyPr/>
-                    <a:lstStyle/>
-                    <a:p>
-                      <a:pPr marL="0" marR="0" lvl="2" indent="0" algn="ctr" defTabSz="914400" rtl="0" eaLnBrk="1" fontAlgn="auto" latinLnBrk="0" hangingPunct="1">
-                        <a:lnSpc>
-                          <a:spcPct val="100000"/>
-                        </a:lnSpc>
-                        <a:spcBef>
-                          <a:spcPts val="0"/>
-                        </a:spcBef>
-                        <a:spcAft>
-                          <a:spcPts val="0"/>
-                        </a:spcAft>
-                        <a:buClrTx/>
-                        <a:buSzTx/>
-                        <a:buFontTx/>
-                        <a:buNone/>
-                        <a:tabLst/>
-                        <a:defRPr/>
-                      </a:pPr>
-                      <a:r>
-                        <a:rPr lang="zh-CN" altLang="en-US" sz="1600" kern="1200" dirty="0" smtClean="0">
-                          <a:solidFill>
-                            <a:schemeClr val="dk1"/>
-                          </a:solidFill>
-                          <a:latin typeface="黑体" panose="02010609060101010101" pitchFamily="49" charset="-122"/>
-                          <a:ea typeface="黑体" panose="02010609060101010101" pitchFamily="49" charset="-122"/>
-                          <a:cs typeface="+mn-cs"/>
-                        </a:rPr>
-                        <a:t>网速测试控制器写回包的大小</a:t>
-                      </a:r>
-                    </a:p>
-                  </a:txBody>
-                  <a:tcPr anchor="ctr"/>
-                </a:tc>
-                <a:extLst>
-                  <a:ext uri="{0D108BD9-81ED-4DB2-BD59-A6C34878D82A}">
-                    <a16:rowId xmlns:a16="http://schemas.microsoft.com/office/drawing/2014/main" val="2175447637"/>
-                  </a:ext>
-                </a:extLst>
-              </a:tr>
-              <a:tr h="370840">
-                <a:tc>
-                  <a:txBody>
-                    <a:bodyPr/>
-                    <a:lstStyle/>
-                    <a:p>
-                      <a:pPr marL="0" marR="0" lvl="2" indent="0" algn="ctr" defTabSz="914400" rtl="0" eaLnBrk="1" fontAlgn="auto" latinLnBrk="0" hangingPunct="1">
-                        <a:lnSpc>
-                          <a:spcPct val="100000"/>
-                        </a:lnSpc>
-                        <a:spcBef>
-                          <a:spcPts val="0"/>
-                        </a:spcBef>
-                        <a:spcAft>
-                          <a:spcPts val="0"/>
-                        </a:spcAft>
-                        <a:buClrTx/>
-                        <a:buSzTx/>
-                        <a:buFontTx/>
-                        <a:buNone/>
-                        <a:tabLst/>
-                        <a:defRPr/>
-                      </a:pPr>
-                      <a:r>
-                        <a:rPr lang="en-US" altLang="zh-CN" sz="1600" kern="1200" dirty="0" smtClean="0">
-                          <a:solidFill>
-                            <a:schemeClr val="dk1"/>
-                          </a:solidFill>
-                          <a:latin typeface="黑体" panose="02010609060101010101" pitchFamily="49" charset="-122"/>
-                          <a:ea typeface="黑体" panose="02010609060101010101" pitchFamily="49" charset="-122"/>
-                          <a:cs typeface="+mn-cs"/>
-                        </a:rPr>
-                        <a:t>8</a:t>
-                      </a:r>
-                      <a:endParaRPr lang="zh-CN" altLang="en-US" sz="1600" kern="1200" dirty="0">
-                        <a:solidFill>
-                          <a:schemeClr val="dk1"/>
-                        </a:solidFill>
-                        <a:latin typeface="黑体" panose="02010609060101010101" pitchFamily="49" charset="-122"/>
-                        <a:ea typeface="黑体" panose="02010609060101010101" pitchFamily="49" charset="-122"/>
-                        <a:cs typeface="+mn-cs"/>
-                      </a:endParaRPr>
-                    </a:p>
-                  </a:txBody>
-                  <a:tcPr anchor="ctr"/>
-                </a:tc>
-                <a:tc>
-                  <a:txBody>
-                    <a:bodyPr/>
-                    <a:lstStyle/>
-                    <a:p>
-                      <a:pPr marL="0" marR="0" lvl="2" indent="0" algn="ctr" defTabSz="914400" rtl="0" eaLnBrk="1" fontAlgn="auto" latinLnBrk="0" hangingPunct="1">
-                        <a:lnSpc>
-                          <a:spcPct val="100000"/>
-                        </a:lnSpc>
-                        <a:spcBef>
-                          <a:spcPts val="0"/>
-                        </a:spcBef>
-                        <a:spcAft>
-                          <a:spcPts val="0"/>
-                        </a:spcAft>
-                        <a:buClrTx/>
-                        <a:buSzTx/>
-                        <a:buFontTx/>
-                        <a:buNone/>
-                        <a:tabLst/>
-                        <a:defRPr/>
-                      </a:pPr>
-                      <a:r>
-                        <a:rPr lang="en-US" altLang="zh-CN" sz="1600" kern="1200" dirty="0" err="1" smtClean="0">
-                          <a:solidFill>
-                            <a:schemeClr val="dk1"/>
-                          </a:solidFill>
-                          <a:latin typeface="黑体" panose="02010609060101010101" pitchFamily="49" charset="-122"/>
-                          <a:ea typeface="黑体" panose="02010609060101010101" pitchFamily="49" charset="-122"/>
-                          <a:cs typeface="+mn-cs"/>
-                        </a:rPr>
-                        <a:t>preloadRatio</a:t>
-                      </a:r>
-                      <a:endParaRPr lang="zh-CN" altLang="en-US" sz="1600" kern="1200" dirty="0">
-                        <a:solidFill>
-                          <a:schemeClr val="dk1"/>
-                        </a:solidFill>
-                        <a:latin typeface="黑体" panose="02010609060101010101" pitchFamily="49" charset="-122"/>
-                        <a:ea typeface="黑体" panose="02010609060101010101" pitchFamily="49" charset="-122"/>
-                        <a:cs typeface="+mn-cs"/>
-                      </a:endParaRPr>
-                    </a:p>
-                  </a:txBody>
-                  <a:tcPr anchor="ctr"/>
-                </a:tc>
-                <a:tc>
-                  <a:txBody>
-                    <a:bodyPr/>
-                    <a:lstStyle/>
-                    <a:p>
-                      <a:pPr marL="0" marR="0" lvl="2" indent="0" algn="ctr" defTabSz="914400" rtl="0" eaLnBrk="1" fontAlgn="auto" latinLnBrk="0" hangingPunct="1">
-                        <a:lnSpc>
-                          <a:spcPct val="100000"/>
-                        </a:lnSpc>
-                        <a:spcBef>
-                          <a:spcPts val="0"/>
-                        </a:spcBef>
-                        <a:spcAft>
-                          <a:spcPts val="0"/>
-                        </a:spcAft>
-                        <a:buClrTx/>
-                        <a:buSzTx/>
-                        <a:buFontTx/>
-                        <a:buNone/>
-                        <a:tabLst/>
-                        <a:defRPr/>
-                      </a:pPr>
-                      <a:r>
-                        <a:rPr lang="en-US" altLang="zh-CN" sz="1600" kern="1200" dirty="0" smtClean="0">
-                          <a:solidFill>
-                            <a:schemeClr val="dk1"/>
-                          </a:solidFill>
-                          <a:latin typeface="黑体" panose="02010609060101010101" pitchFamily="49" charset="-122"/>
-                          <a:ea typeface="黑体" panose="02010609060101010101" pitchFamily="49" charset="-122"/>
-                          <a:cs typeface="+mn-cs"/>
-                        </a:rPr>
-                        <a:t>--</a:t>
-                      </a:r>
-                      <a:endParaRPr lang="zh-CN" altLang="en-US" sz="1600" kern="1200" dirty="0">
-                        <a:solidFill>
-                          <a:schemeClr val="dk1"/>
-                        </a:solidFill>
-                        <a:latin typeface="黑体" panose="02010609060101010101" pitchFamily="49" charset="-122"/>
-                        <a:ea typeface="黑体" panose="02010609060101010101" pitchFamily="49" charset="-122"/>
-                        <a:cs typeface="+mn-cs"/>
-                      </a:endParaRPr>
-                    </a:p>
-                  </a:txBody>
-                  <a:tcPr anchor="ctr"/>
-                </a:tc>
-                <a:tc>
-                  <a:txBody>
-                    <a:bodyPr/>
-                    <a:lstStyle/>
-                    <a:p>
-                      <a:pPr marL="0" marR="0" lvl="2" indent="0" algn="ctr" defTabSz="914400" rtl="0" eaLnBrk="1" fontAlgn="auto" latinLnBrk="0" hangingPunct="1">
-                        <a:lnSpc>
-                          <a:spcPct val="100000"/>
-                        </a:lnSpc>
-                        <a:spcBef>
-                          <a:spcPts val="0"/>
-                        </a:spcBef>
-                        <a:spcAft>
-                          <a:spcPts val="0"/>
-                        </a:spcAft>
-                        <a:buClrTx/>
-                        <a:buSzTx/>
-                        <a:buFontTx/>
-                        <a:buNone/>
-                        <a:tabLst/>
-                        <a:defRPr/>
-                      </a:pPr>
-                      <a:r>
-                        <a:rPr lang="zh-CN" altLang="en-US" sz="1600" kern="1200" dirty="0" smtClean="0">
-                          <a:solidFill>
-                            <a:schemeClr val="dk1"/>
-                          </a:solidFill>
-                          <a:latin typeface="黑体" panose="02010609060101010101" pitchFamily="49" charset="-122"/>
-                          <a:ea typeface="黑体" panose="02010609060101010101" pitchFamily="49" charset="-122"/>
-                          <a:cs typeface="+mn-cs"/>
-                        </a:rPr>
-                        <a:t>页面预加载比例</a:t>
-                      </a:r>
-                      <a:endParaRPr lang="en-US" altLang="zh-CN" sz="1600" kern="1200" dirty="0" smtClean="0">
-                        <a:solidFill>
-                          <a:schemeClr val="dk1"/>
-                        </a:solidFill>
-                        <a:latin typeface="黑体" panose="02010609060101010101" pitchFamily="49" charset="-122"/>
-                        <a:ea typeface="黑体" panose="02010609060101010101" pitchFamily="49" charset="-122"/>
-                        <a:cs typeface="+mn-cs"/>
-                      </a:endParaRPr>
-                    </a:p>
-                  </a:txBody>
-                  <a:tcPr anchor="ctr"/>
-                </a:tc>
-                <a:extLst>
-                  <a:ext uri="{0D108BD9-81ED-4DB2-BD59-A6C34878D82A}">
-                    <a16:rowId xmlns:a16="http://schemas.microsoft.com/office/drawing/2014/main" val="4063934539"/>
-                  </a:ext>
-                </a:extLst>
-              </a:tr>
-            </a:tbl>
-          </a:graphicData>
-        </a:graphic>
-      </p:graphicFrame>
-    </p:spTree>
-    <p:extLst>
-      <p:ext uri="{BB962C8B-B14F-4D97-AF65-F5344CB8AC3E}">
-        <p14:creationId xmlns:p14="http://schemas.microsoft.com/office/powerpoint/2010/main" val="3326835290"/>
-      </p:ext>
-    </p:extLst>
-  </p:cSld>
-  <p:clrMapOvr>
-    <a:masterClrMapping/>
-  </p:clrMapOvr>
-  <p:timing>
-    <p:tnLst>
-      <p:par>
-        <p:cTn id="1" dur="indefinite" restart="never" nodeType="tmRoot"/>
-      </p:par>
-    </p:tnLst>
-  </p:timing>
-</p:sld>
-</file>
-
-<file path=ppt/slides/slide7.xml><?xml version="1.0" encoding="utf-8"?>
-<p:sld xmlns:a="http://schemas.openxmlformats.org/drawingml/2006/main" xmlns:r="http://schemas.openxmlformats.org/officeDocument/2006/relationships" xmlns:p="http://schemas.openxmlformats.org/presentationml/2006/main">
-  <p:cSld>
-    <p:spTree>
-      <p:nvGrpSpPr>
-        <p:cNvPr id="1" name=""/>
-        <p:cNvGrpSpPr/>
-        <p:nvPr/>
-      </p:nvGrpSpPr>
-      <p:grpSpPr>
-        <a:xfrm>
-          <a:off x="0" y="0"/>
-          <a:ext cx="0" cy="0"/>
-          <a:chOff x="0" y="0"/>
-          <a:chExt cx="0" cy="0"/>
-        </a:xfrm>
-      </p:grpSpPr>
-      <p:sp>
-        <p:nvSpPr>
-          <p:cNvPr id="2" name="标题 1"/>
-          <p:cNvSpPr>
-            <a:spLocks noGrp="1"/>
-          </p:cNvSpPr>
-          <p:nvPr>
-            <p:ph type="title"/>
-          </p:nvPr>
-        </p:nvSpPr>
-        <p:spPr/>
-        <p:txBody>
-          <a:bodyPr/>
-          <a:lstStyle/>
-          <a:p>
-            <a:r>
-              <a:rPr lang="zh-CN" altLang="en-US" dirty="0" smtClean="0"/>
               <a:t>结构图</a:t>
             </a:r>
             <a:endParaRPr lang="zh-CN" altLang="en-US" dirty="0"/>
@@ -7849,7 +6910,7 @@
 </p:sld>
 </file>
 
-<file path=ppt/slides/slide8.xml><?xml version="1.0" encoding="utf-8"?>
+<file path=ppt/slides/slide7.xml><?xml version="1.0" encoding="utf-8"?>
 <p:sld xmlns:a="http://schemas.openxmlformats.org/drawingml/2006/main" xmlns:r="http://schemas.openxmlformats.org/officeDocument/2006/relationships" xmlns:p="http://schemas.openxmlformats.org/presentationml/2006/main">
   <p:cSld>
     <p:spTree>
@@ -7938,6 +6999,2303 @@
 </p:sld>
 </file>
 
+<file path=ppt/slides/slide8.xml><?xml version="1.0" encoding="utf-8"?>
+<p:sld xmlns:a="http://schemas.openxmlformats.org/drawingml/2006/main" xmlns:r="http://schemas.openxmlformats.org/officeDocument/2006/relationships" xmlns:p="http://schemas.openxmlformats.org/presentationml/2006/main">
+  <p:cSld>
+    <p:spTree>
+      <p:nvGrpSpPr>
+        <p:cNvPr id="1" name=""/>
+        <p:cNvGrpSpPr/>
+        <p:nvPr/>
+      </p:nvGrpSpPr>
+      <p:grpSpPr>
+        <a:xfrm>
+          <a:off x="0" y="0"/>
+          <a:ext cx="0" cy="0"/>
+          <a:chOff x="0" y="0"/>
+          <a:chExt cx="0" cy="0"/>
+        </a:xfrm>
+      </p:grpSpPr>
+      <p:sp>
+        <p:nvSpPr>
+          <p:cNvPr id="2" name="标题 1"/>
+          <p:cNvSpPr>
+            <a:spLocks noGrp="1"/>
+          </p:cNvSpPr>
+          <p:nvPr>
+            <p:ph type="title"/>
+          </p:nvPr>
+        </p:nvSpPr>
+        <p:spPr/>
+        <p:txBody>
+          <a:bodyPr/>
+          <a:lstStyle/>
+          <a:p>
+            <a:r>
+              <a:rPr lang="zh-CN" altLang="en-US" dirty="0" smtClean="0"/>
+              <a:t>无</a:t>
+            </a:r>
+            <a:r>
+              <a:rPr lang="en-US" altLang="zh-CN" dirty="0" smtClean="0"/>
+              <a:t>CDN</a:t>
+            </a:r>
+            <a:r>
+              <a:rPr lang="zh-CN" altLang="en-US" dirty="0" smtClean="0"/>
+              <a:t>配置项</a:t>
+            </a:r>
+            <a:endParaRPr lang="zh-CN" altLang="en-US" dirty="0"/>
+          </a:p>
+        </p:txBody>
+      </p:sp>
+      <p:graphicFrame>
+        <p:nvGraphicFramePr>
+          <p:cNvPr id="7" name="表格 6"/>
+          <p:cNvGraphicFramePr>
+            <a:graphicFrameLocks noGrp="1"/>
+          </p:cNvGraphicFramePr>
+          <p:nvPr>
+            <p:extLst>
+              <p:ext uri="{D42A27DB-BD31-4B8C-83A1-F6EECF244321}">
+                <p14:modId xmlns:p14="http://schemas.microsoft.com/office/powerpoint/2010/main" val="1626945451"/>
+              </p:ext>
+            </p:extLst>
+          </p:nvPr>
+        </p:nvGraphicFramePr>
+        <p:xfrm>
+          <a:off x="452580" y="1690689"/>
+          <a:ext cx="8238840" cy="4593589"/>
+        </p:xfrm>
+        <a:graphic>
+          <a:graphicData uri="http://schemas.openxmlformats.org/drawingml/2006/table">
+            <a:tbl>
+              <a:tblPr firstRow="1" bandRow="1">
+                <a:tableStyleId>{5C22544A-7EE6-4342-B048-85BDC9FD1C3A}</a:tableStyleId>
+              </a:tblPr>
+              <a:tblGrid>
+                <a:gridCol w="611819">
+                  <a:extLst>
+                    <a:ext uri="{9D8B030D-6E8A-4147-A177-3AD203B41FA5}">
+                      <a16:colId xmlns:a16="http://schemas.microsoft.com/office/drawing/2014/main" val="972681757"/>
+                    </a:ext>
+                  </a:extLst>
+                </a:gridCol>
+                <a:gridCol w="2603665">
+                  <a:extLst>
+                    <a:ext uri="{9D8B030D-6E8A-4147-A177-3AD203B41FA5}">
+                      <a16:colId xmlns:a16="http://schemas.microsoft.com/office/drawing/2014/main" val="3162198136"/>
+                    </a:ext>
+                  </a:extLst>
+                </a:gridCol>
+                <a:gridCol w="869427">
+                  <a:extLst>
+                    <a:ext uri="{9D8B030D-6E8A-4147-A177-3AD203B41FA5}">
+                      <a16:colId xmlns:a16="http://schemas.microsoft.com/office/drawing/2014/main" val="574787220"/>
+                    </a:ext>
+                  </a:extLst>
+                </a:gridCol>
+                <a:gridCol w="869427">
+                  <a:extLst>
+                    <a:ext uri="{9D8B030D-6E8A-4147-A177-3AD203B41FA5}">
+                      <a16:colId xmlns:a16="http://schemas.microsoft.com/office/drawing/2014/main" val="1003053652"/>
+                    </a:ext>
+                  </a:extLst>
+                </a:gridCol>
+                <a:gridCol w="3284502">
+                  <a:extLst>
+                    <a:ext uri="{9D8B030D-6E8A-4147-A177-3AD203B41FA5}">
+                      <a16:colId xmlns:a16="http://schemas.microsoft.com/office/drawing/2014/main" val="3427752908"/>
+                    </a:ext>
+                  </a:extLst>
+                </a:gridCol>
+              </a:tblGrid>
+              <a:tr h="377189">
+                <a:tc>
+                  <a:txBody>
+                    <a:bodyPr/>
+                    <a:lstStyle/>
+                    <a:p>
+                      <a:pPr marL="0" marR="0" lvl="2" indent="0" algn="ctr" defTabSz="914400" rtl="0" eaLnBrk="1" fontAlgn="auto" latinLnBrk="0" hangingPunct="1">
+                        <a:lnSpc>
+                          <a:spcPct val="100000"/>
+                        </a:lnSpc>
+                        <a:spcBef>
+                          <a:spcPts val="0"/>
+                        </a:spcBef>
+                        <a:spcAft>
+                          <a:spcPts val="0"/>
+                        </a:spcAft>
+                        <a:buClrTx/>
+                        <a:buSzTx/>
+                        <a:buFontTx/>
+                        <a:buNone/>
+                        <a:tabLst/>
+                        <a:defRPr/>
+                      </a:pPr>
+                      <a:r>
+                        <a:rPr lang="zh-CN" altLang="en-US" sz="1600" kern="1200" dirty="0" smtClean="0">
+                          <a:solidFill>
+                            <a:schemeClr val="dk1"/>
+                          </a:solidFill>
+                          <a:latin typeface="黑体" panose="02010609060101010101" pitchFamily="49" charset="-122"/>
+                          <a:ea typeface="黑体" panose="02010609060101010101" pitchFamily="49" charset="-122"/>
+                          <a:cs typeface="+mn-cs"/>
+                        </a:rPr>
+                        <a:t>序号</a:t>
+                      </a:r>
+                      <a:endParaRPr lang="zh-CN" altLang="en-US" sz="1600" kern="1200" dirty="0">
+                        <a:solidFill>
+                          <a:schemeClr val="dk1"/>
+                        </a:solidFill>
+                        <a:latin typeface="黑体" panose="02010609060101010101" pitchFamily="49" charset="-122"/>
+                        <a:ea typeface="黑体" panose="02010609060101010101" pitchFamily="49" charset="-122"/>
+                        <a:cs typeface="+mn-cs"/>
+                      </a:endParaRPr>
+                    </a:p>
+                  </a:txBody>
+                  <a:tcPr anchor="ctr"/>
+                </a:tc>
+                <a:tc>
+                  <a:txBody>
+                    <a:bodyPr/>
+                    <a:lstStyle/>
+                    <a:p>
+                      <a:pPr marL="0" marR="0" lvl="2" indent="0" algn="ctr" defTabSz="914400" rtl="0" eaLnBrk="1" fontAlgn="auto" latinLnBrk="0" hangingPunct="1">
+                        <a:lnSpc>
+                          <a:spcPct val="100000"/>
+                        </a:lnSpc>
+                        <a:spcBef>
+                          <a:spcPts val="0"/>
+                        </a:spcBef>
+                        <a:spcAft>
+                          <a:spcPts val="0"/>
+                        </a:spcAft>
+                        <a:buClrTx/>
+                        <a:buSzTx/>
+                        <a:buFontTx/>
+                        <a:buNone/>
+                        <a:tabLst/>
+                        <a:defRPr/>
+                      </a:pPr>
+                      <a:r>
+                        <a:rPr lang="zh-CN" altLang="en-US" sz="1600" kern="1200" dirty="0" smtClean="0">
+                          <a:solidFill>
+                            <a:schemeClr val="dk1"/>
+                          </a:solidFill>
+                          <a:latin typeface="黑体" panose="02010609060101010101" pitchFamily="49" charset="-122"/>
+                          <a:ea typeface="黑体" panose="02010609060101010101" pitchFamily="49" charset="-122"/>
+                          <a:cs typeface="+mn-cs"/>
+                        </a:rPr>
+                        <a:t>配置名</a:t>
+                      </a:r>
+                      <a:endParaRPr lang="zh-CN" altLang="en-US" sz="1600" kern="1200" dirty="0">
+                        <a:solidFill>
+                          <a:schemeClr val="dk1"/>
+                        </a:solidFill>
+                        <a:latin typeface="黑体" panose="02010609060101010101" pitchFamily="49" charset="-122"/>
+                        <a:ea typeface="黑体" panose="02010609060101010101" pitchFamily="49" charset="-122"/>
+                        <a:cs typeface="+mn-cs"/>
+                      </a:endParaRPr>
+                    </a:p>
+                  </a:txBody>
+                  <a:tcPr anchor="ctr"/>
+                </a:tc>
+                <a:tc>
+                  <a:txBody>
+                    <a:bodyPr/>
+                    <a:lstStyle/>
+                    <a:p>
+                      <a:pPr marL="0" marR="0" lvl="2" indent="0" algn="ctr" defTabSz="914400" rtl="0" eaLnBrk="1" fontAlgn="auto" latinLnBrk="0" hangingPunct="1">
+                        <a:lnSpc>
+                          <a:spcPct val="100000"/>
+                        </a:lnSpc>
+                        <a:spcBef>
+                          <a:spcPts val="0"/>
+                        </a:spcBef>
+                        <a:spcAft>
+                          <a:spcPts val="0"/>
+                        </a:spcAft>
+                        <a:buClrTx/>
+                        <a:buSzTx/>
+                        <a:buFontTx/>
+                        <a:buNone/>
+                        <a:tabLst/>
+                        <a:defRPr/>
+                      </a:pPr>
+                      <a:r>
+                        <a:rPr lang="zh-CN" altLang="en-US" sz="1600" kern="1200" dirty="0" smtClean="0">
+                          <a:solidFill>
+                            <a:schemeClr val="dk1"/>
+                          </a:solidFill>
+                          <a:latin typeface="黑体" panose="02010609060101010101" pitchFamily="49" charset="-122"/>
+                          <a:ea typeface="黑体" panose="02010609060101010101" pitchFamily="49" charset="-122"/>
+                          <a:cs typeface="+mn-cs"/>
+                        </a:rPr>
+                        <a:t>类型</a:t>
+                      </a:r>
+                      <a:endParaRPr lang="zh-CN" altLang="en-US" sz="1600" kern="1200" dirty="0">
+                        <a:solidFill>
+                          <a:schemeClr val="dk1"/>
+                        </a:solidFill>
+                        <a:latin typeface="黑体" panose="02010609060101010101" pitchFamily="49" charset="-122"/>
+                        <a:ea typeface="黑体" panose="02010609060101010101" pitchFamily="49" charset="-122"/>
+                        <a:cs typeface="+mn-cs"/>
+                      </a:endParaRPr>
+                    </a:p>
+                  </a:txBody>
+                  <a:tcPr anchor="ctr"/>
+                </a:tc>
+                <a:tc>
+                  <a:txBody>
+                    <a:bodyPr/>
+                    <a:lstStyle/>
+                    <a:p>
+                      <a:pPr marL="0" marR="0" lvl="2" indent="0" algn="ctr" defTabSz="914400" rtl="0" eaLnBrk="1" fontAlgn="auto" latinLnBrk="0" hangingPunct="1">
+                        <a:lnSpc>
+                          <a:spcPct val="100000"/>
+                        </a:lnSpc>
+                        <a:spcBef>
+                          <a:spcPts val="0"/>
+                        </a:spcBef>
+                        <a:spcAft>
+                          <a:spcPts val="0"/>
+                        </a:spcAft>
+                        <a:buClrTx/>
+                        <a:buSzTx/>
+                        <a:buFontTx/>
+                        <a:buNone/>
+                        <a:tabLst/>
+                        <a:defRPr/>
+                      </a:pPr>
+                      <a:r>
+                        <a:rPr lang="zh-CN" altLang="en-US" sz="1600" kern="1200" dirty="0" smtClean="0">
+                          <a:solidFill>
+                            <a:schemeClr val="dk1"/>
+                          </a:solidFill>
+                          <a:latin typeface="黑体" panose="02010609060101010101" pitchFamily="49" charset="-122"/>
+                          <a:ea typeface="黑体" panose="02010609060101010101" pitchFamily="49" charset="-122"/>
+                          <a:cs typeface="+mn-cs"/>
+                        </a:rPr>
+                        <a:t>默认值</a:t>
+                      </a:r>
+                      <a:endParaRPr lang="zh-CN" altLang="en-US" sz="1600" kern="1200" dirty="0">
+                        <a:solidFill>
+                          <a:schemeClr val="dk1"/>
+                        </a:solidFill>
+                        <a:latin typeface="黑体" panose="02010609060101010101" pitchFamily="49" charset="-122"/>
+                        <a:ea typeface="黑体" panose="02010609060101010101" pitchFamily="49" charset="-122"/>
+                        <a:cs typeface="+mn-cs"/>
+                      </a:endParaRPr>
+                    </a:p>
+                  </a:txBody>
+                  <a:tcPr anchor="ctr"/>
+                </a:tc>
+                <a:tc>
+                  <a:txBody>
+                    <a:bodyPr/>
+                    <a:lstStyle/>
+                    <a:p>
+                      <a:pPr marL="0" marR="0" lvl="2" indent="0" algn="ctr" defTabSz="914400" rtl="0" eaLnBrk="1" fontAlgn="auto" latinLnBrk="0" hangingPunct="1">
+                        <a:lnSpc>
+                          <a:spcPct val="100000"/>
+                        </a:lnSpc>
+                        <a:spcBef>
+                          <a:spcPts val="0"/>
+                        </a:spcBef>
+                        <a:spcAft>
+                          <a:spcPts val="0"/>
+                        </a:spcAft>
+                        <a:buClrTx/>
+                        <a:buSzTx/>
+                        <a:buFontTx/>
+                        <a:buNone/>
+                        <a:tabLst/>
+                        <a:defRPr/>
+                      </a:pPr>
+                      <a:r>
+                        <a:rPr lang="zh-CN" altLang="en-US" sz="1600" kern="1200" dirty="0" smtClean="0">
+                          <a:solidFill>
+                            <a:schemeClr val="dk1"/>
+                          </a:solidFill>
+                          <a:latin typeface="黑体" panose="02010609060101010101" pitchFamily="49" charset="-122"/>
+                          <a:ea typeface="黑体" panose="02010609060101010101" pitchFamily="49" charset="-122"/>
+                          <a:cs typeface="+mn-cs"/>
+                        </a:rPr>
+                        <a:t>含义</a:t>
+                      </a:r>
+                      <a:endParaRPr lang="zh-CN" altLang="en-US" sz="1600" kern="1200" dirty="0">
+                        <a:solidFill>
+                          <a:schemeClr val="dk1"/>
+                        </a:solidFill>
+                        <a:latin typeface="黑体" panose="02010609060101010101" pitchFamily="49" charset="-122"/>
+                        <a:ea typeface="黑体" panose="02010609060101010101" pitchFamily="49" charset="-122"/>
+                        <a:cs typeface="+mn-cs"/>
+                      </a:endParaRPr>
+                    </a:p>
+                  </a:txBody>
+                  <a:tcPr anchor="ctr"/>
+                </a:tc>
+                <a:extLst>
+                  <a:ext uri="{0D108BD9-81ED-4DB2-BD59-A6C34878D82A}">
+                    <a16:rowId xmlns:a16="http://schemas.microsoft.com/office/drawing/2014/main" val="2830105445"/>
+                  </a:ext>
+                </a:extLst>
+              </a:tr>
+              <a:tr h="370840">
+                <a:tc>
+                  <a:txBody>
+                    <a:bodyPr/>
+                    <a:lstStyle/>
+                    <a:p>
+                      <a:pPr marL="0" marR="0" lvl="2" indent="0" algn="ctr" defTabSz="914400" rtl="0" eaLnBrk="1" fontAlgn="auto" latinLnBrk="0" hangingPunct="1">
+                        <a:lnSpc>
+                          <a:spcPct val="100000"/>
+                        </a:lnSpc>
+                        <a:spcBef>
+                          <a:spcPts val="0"/>
+                        </a:spcBef>
+                        <a:spcAft>
+                          <a:spcPts val="0"/>
+                        </a:spcAft>
+                        <a:buClrTx/>
+                        <a:buSzTx/>
+                        <a:buFontTx/>
+                        <a:buNone/>
+                        <a:tabLst/>
+                        <a:defRPr/>
+                      </a:pPr>
+                      <a:r>
+                        <a:rPr lang="en-US" altLang="zh-CN" sz="1600" kern="1200" dirty="0" smtClean="0">
+                          <a:solidFill>
+                            <a:schemeClr val="dk1"/>
+                          </a:solidFill>
+                          <a:latin typeface="黑体" panose="02010609060101010101" pitchFamily="49" charset="-122"/>
+                          <a:ea typeface="黑体" panose="02010609060101010101" pitchFamily="49" charset="-122"/>
+                          <a:cs typeface="+mn-cs"/>
+                        </a:rPr>
+                        <a:t>1</a:t>
+                      </a:r>
+                      <a:endParaRPr lang="zh-CN" altLang="en-US" sz="1600" kern="1200" dirty="0">
+                        <a:solidFill>
+                          <a:schemeClr val="dk1"/>
+                        </a:solidFill>
+                        <a:latin typeface="黑体" panose="02010609060101010101" pitchFamily="49" charset="-122"/>
+                        <a:ea typeface="黑体" panose="02010609060101010101" pitchFamily="49" charset="-122"/>
+                        <a:cs typeface="+mn-cs"/>
+                      </a:endParaRPr>
+                    </a:p>
+                  </a:txBody>
+                  <a:tcPr anchor="ctr"/>
+                </a:tc>
+                <a:tc>
+                  <a:txBody>
+                    <a:bodyPr/>
+                    <a:lstStyle/>
+                    <a:p>
+                      <a:pPr marL="0" marR="0" lvl="2" indent="0" algn="ctr" defTabSz="914400" rtl="0" eaLnBrk="1" fontAlgn="auto" latinLnBrk="0" hangingPunct="1">
+                        <a:lnSpc>
+                          <a:spcPct val="100000"/>
+                        </a:lnSpc>
+                        <a:spcBef>
+                          <a:spcPts val="0"/>
+                        </a:spcBef>
+                        <a:spcAft>
+                          <a:spcPts val="0"/>
+                        </a:spcAft>
+                        <a:buClrTx/>
+                        <a:buSzTx/>
+                        <a:buFontTx/>
+                        <a:buNone/>
+                        <a:tabLst/>
+                        <a:defRPr/>
+                      </a:pPr>
+                      <a:r>
+                        <a:rPr lang="en-US" altLang="zh-CN" sz="1600" kern="1200" dirty="0" err="1" smtClean="0">
+                          <a:solidFill>
+                            <a:schemeClr val="dk1"/>
+                          </a:solidFill>
+                          <a:latin typeface="黑体" panose="02010609060101010101" pitchFamily="49" charset="-122"/>
+                          <a:ea typeface="黑体" panose="02010609060101010101" pitchFamily="49" charset="-122"/>
+                          <a:cs typeface="+mn-cs"/>
+                        </a:rPr>
+                        <a:t>lruFreeMemorySpace</a:t>
+                      </a:r>
+                      <a:endParaRPr lang="zh-CN" altLang="en-US" sz="1600" kern="1200" dirty="0">
+                        <a:solidFill>
+                          <a:schemeClr val="dk1"/>
+                        </a:solidFill>
+                        <a:latin typeface="黑体" panose="02010609060101010101" pitchFamily="49" charset="-122"/>
+                        <a:ea typeface="黑体" panose="02010609060101010101" pitchFamily="49" charset="-122"/>
+                        <a:cs typeface="+mn-cs"/>
+                      </a:endParaRPr>
+                    </a:p>
+                  </a:txBody>
+                  <a:tcPr anchor="ctr"/>
+                </a:tc>
+                <a:tc>
+                  <a:txBody>
+                    <a:bodyPr/>
+                    <a:lstStyle/>
+                    <a:p>
+                      <a:pPr marL="0" marR="0" lvl="2" indent="0" algn="ctr" defTabSz="914400" rtl="0" eaLnBrk="1" fontAlgn="auto" latinLnBrk="0" hangingPunct="1">
+                        <a:lnSpc>
+                          <a:spcPct val="100000"/>
+                        </a:lnSpc>
+                        <a:spcBef>
+                          <a:spcPts val="0"/>
+                        </a:spcBef>
+                        <a:spcAft>
+                          <a:spcPts val="0"/>
+                        </a:spcAft>
+                        <a:buClrTx/>
+                        <a:buSzTx/>
+                        <a:buFontTx/>
+                        <a:buNone/>
+                        <a:tabLst/>
+                        <a:defRPr/>
+                      </a:pPr>
+                      <a:r>
+                        <a:rPr lang="en-US" altLang="zh-CN" sz="1600" kern="1200" dirty="0" smtClean="0">
+                          <a:solidFill>
+                            <a:schemeClr val="dk1"/>
+                          </a:solidFill>
+                          <a:latin typeface="黑体" panose="02010609060101010101" pitchFamily="49" charset="-122"/>
+                          <a:ea typeface="黑体" panose="02010609060101010101" pitchFamily="49" charset="-122"/>
+                          <a:cs typeface="+mn-cs"/>
+                        </a:rPr>
+                        <a:t>long</a:t>
+                      </a:r>
+                      <a:endParaRPr lang="zh-CN" altLang="en-US" sz="1600" kern="1200" dirty="0">
+                        <a:solidFill>
+                          <a:schemeClr val="dk1"/>
+                        </a:solidFill>
+                        <a:latin typeface="黑体" panose="02010609060101010101" pitchFamily="49" charset="-122"/>
+                        <a:ea typeface="黑体" panose="02010609060101010101" pitchFamily="49" charset="-122"/>
+                        <a:cs typeface="+mn-cs"/>
+                      </a:endParaRPr>
+                    </a:p>
+                  </a:txBody>
+                  <a:tcPr anchor="ctr"/>
+                </a:tc>
+                <a:tc>
+                  <a:txBody>
+                    <a:bodyPr/>
+                    <a:lstStyle/>
+                    <a:p>
+                      <a:pPr marL="0" marR="0" lvl="2" indent="0" algn="ctr" defTabSz="914400" rtl="0" eaLnBrk="1" fontAlgn="auto" latinLnBrk="0" hangingPunct="1">
+                        <a:lnSpc>
+                          <a:spcPct val="100000"/>
+                        </a:lnSpc>
+                        <a:spcBef>
+                          <a:spcPts val="0"/>
+                        </a:spcBef>
+                        <a:spcAft>
+                          <a:spcPts val="0"/>
+                        </a:spcAft>
+                        <a:buClrTx/>
+                        <a:buSzTx/>
+                        <a:buFontTx/>
+                        <a:buNone/>
+                        <a:tabLst/>
+                        <a:defRPr/>
+                      </a:pPr>
+                      <a:r>
+                        <a:rPr lang="en-US" altLang="zh-CN" sz="1600" kern="1200" dirty="0" smtClean="0">
+                          <a:solidFill>
+                            <a:schemeClr val="dk1"/>
+                          </a:solidFill>
+                          <a:latin typeface="黑体" panose="02010609060101010101" pitchFamily="49" charset="-122"/>
+                          <a:ea typeface="黑体" panose="02010609060101010101" pitchFamily="49" charset="-122"/>
+                          <a:cs typeface="+mn-cs"/>
+                        </a:rPr>
+                        <a:t>1G</a:t>
+                      </a:r>
+                      <a:endParaRPr lang="zh-CN" altLang="en-US" sz="1600" kern="1200" dirty="0">
+                        <a:solidFill>
+                          <a:schemeClr val="dk1"/>
+                        </a:solidFill>
+                        <a:latin typeface="黑体" panose="02010609060101010101" pitchFamily="49" charset="-122"/>
+                        <a:ea typeface="黑体" panose="02010609060101010101" pitchFamily="49" charset="-122"/>
+                        <a:cs typeface="+mn-cs"/>
+                      </a:endParaRPr>
+                    </a:p>
+                  </a:txBody>
+                  <a:tcPr anchor="ctr"/>
+                </a:tc>
+                <a:tc>
+                  <a:txBody>
+                    <a:bodyPr/>
+                    <a:lstStyle/>
+                    <a:p>
+                      <a:pPr marL="0" marR="0" lvl="2" indent="0" algn="ctr" defTabSz="914400" rtl="0" eaLnBrk="1" fontAlgn="auto" latinLnBrk="0" hangingPunct="1">
+                        <a:lnSpc>
+                          <a:spcPct val="100000"/>
+                        </a:lnSpc>
+                        <a:spcBef>
+                          <a:spcPts val="0"/>
+                        </a:spcBef>
+                        <a:spcAft>
+                          <a:spcPts val="0"/>
+                        </a:spcAft>
+                        <a:buClrTx/>
+                        <a:buSzTx/>
+                        <a:buFontTx/>
+                        <a:buNone/>
+                        <a:tabLst/>
+                        <a:defRPr/>
+                      </a:pPr>
+                      <a:r>
+                        <a:rPr lang="zh-CN" altLang="en-US" sz="1600" kern="1200" dirty="0" smtClean="0">
+                          <a:solidFill>
+                            <a:schemeClr val="dk1"/>
+                          </a:solidFill>
+                          <a:latin typeface="黑体" panose="02010609060101010101" pitchFamily="49" charset="-122"/>
+                          <a:ea typeface="黑体" panose="02010609060101010101" pitchFamily="49" charset="-122"/>
+                          <a:cs typeface="+mn-cs"/>
+                        </a:rPr>
+                        <a:t>启用</a:t>
+                      </a:r>
+                      <a:r>
+                        <a:rPr lang="en-US" altLang="zh-CN" sz="1600" kern="1200" dirty="0" smtClean="0">
+                          <a:solidFill>
+                            <a:schemeClr val="dk1"/>
+                          </a:solidFill>
+                          <a:latin typeface="黑体" panose="02010609060101010101" pitchFamily="49" charset="-122"/>
+                          <a:ea typeface="黑体" panose="02010609060101010101" pitchFamily="49" charset="-122"/>
+                          <a:cs typeface="+mn-cs"/>
+                        </a:rPr>
+                        <a:t>LRU</a:t>
+                      </a:r>
+                      <a:r>
+                        <a:rPr lang="zh-CN" altLang="en-US" sz="1600" kern="1200" dirty="0" smtClean="0">
+                          <a:solidFill>
+                            <a:schemeClr val="dk1"/>
+                          </a:solidFill>
+                          <a:latin typeface="黑体" panose="02010609060101010101" pitchFamily="49" charset="-122"/>
+                          <a:ea typeface="黑体" panose="02010609060101010101" pitchFamily="49" charset="-122"/>
+                          <a:cs typeface="+mn-cs"/>
+                        </a:rPr>
+                        <a:t>缓存时，触发淘汰策略的空闲内存大小</a:t>
+                      </a:r>
+                    </a:p>
+                  </a:txBody>
+                  <a:tcPr anchor="ctr"/>
+                </a:tc>
+                <a:extLst>
+                  <a:ext uri="{0D108BD9-81ED-4DB2-BD59-A6C34878D82A}">
+                    <a16:rowId xmlns:a16="http://schemas.microsoft.com/office/drawing/2014/main" val="3994306409"/>
+                  </a:ext>
+                </a:extLst>
+              </a:tr>
+              <a:tr h="370840">
+                <a:tc>
+                  <a:txBody>
+                    <a:bodyPr/>
+                    <a:lstStyle/>
+                    <a:p>
+                      <a:pPr marL="0" marR="0" lvl="2" indent="0" algn="ctr" defTabSz="914400" rtl="0" eaLnBrk="1" fontAlgn="auto" latinLnBrk="0" hangingPunct="1">
+                        <a:lnSpc>
+                          <a:spcPct val="100000"/>
+                        </a:lnSpc>
+                        <a:spcBef>
+                          <a:spcPts val="0"/>
+                        </a:spcBef>
+                        <a:spcAft>
+                          <a:spcPts val="0"/>
+                        </a:spcAft>
+                        <a:buClrTx/>
+                        <a:buSzTx/>
+                        <a:buFontTx/>
+                        <a:buNone/>
+                        <a:tabLst/>
+                        <a:defRPr/>
+                      </a:pPr>
+                      <a:r>
+                        <a:rPr lang="en-US" altLang="zh-CN" sz="1600" kern="1200" dirty="0" smtClean="0">
+                          <a:solidFill>
+                            <a:schemeClr val="dk1"/>
+                          </a:solidFill>
+                          <a:latin typeface="黑体" panose="02010609060101010101" pitchFamily="49" charset="-122"/>
+                          <a:ea typeface="黑体" panose="02010609060101010101" pitchFamily="49" charset="-122"/>
+                          <a:cs typeface="+mn-cs"/>
+                        </a:rPr>
+                        <a:t>2</a:t>
+                      </a:r>
+                      <a:endParaRPr lang="zh-CN" altLang="en-US" sz="1600" kern="1200" dirty="0">
+                        <a:solidFill>
+                          <a:schemeClr val="dk1"/>
+                        </a:solidFill>
+                        <a:latin typeface="黑体" panose="02010609060101010101" pitchFamily="49" charset="-122"/>
+                        <a:ea typeface="黑体" panose="02010609060101010101" pitchFamily="49" charset="-122"/>
+                        <a:cs typeface="+mn-cs"/>
+                      </a:endParaRPr>
+                    </a:p>
+                  </a:txBody>
+                  <a:tcPr anchor="ctr"/>
+                </a:tc>
+                <a:tc>
+                  <a:txBody>
+                    <a:bodyPr/>
+                    <a:lstStyle/>
+                    <a:p>
+                      <a:pPr marL="0" marR="0" lvl="2" indent="0" algn="ctr" defTabSz="914400" rtl="0" eaLnBrk="1" fontAlgn="auto" latinLnBrk="0" hangingPunct="1">
+                        <a:lnSpc>
+                          <a:spcPct val="100000"/>
+                        </a:lnSpc>
+                        <a:spcBef>
+                          <a:spcPts val="0"/>
+                        </a:spcBef>
+                        <a:spcAft>
+                          <a:spcPts val="0"/>
+                        </a:spcAft>
+                        <a:buClrTx/>
+                        <a:buSzTx/>
+                        <a:buFontTx/>
+                        <a:buNone/>
+                        <a:tabLst/>
+                        <a:defRPr/>
+                      </a:pPr>
+                      <a:r>
+                        <a:rPr lang="en-US" altLang="zh-CN" sz="1600" kern="1200" dirty="0" err="1" smtClean="0">
+                          <a:solidFill>
+                            <a:schemeClr val="dk1"/>
+                          </a:solidFill>
+                          <a:latin typeface="黑体" panose="02010609060101010101" pitchFamily="49" charset="-122"/>
+                          <a:ea typeface="黑体" panose="02010609060101010101" pitchFamily="49" charset="-122"/>
+                          <a:cs typeface="+mn-cs"/>
+                        </a:rPr>
+                        <a:t>pxPerBandwidth</a:t>
+                      </a:r>
+                      <a:endParaRPr lang="zh-CN" altLang="en-US" sz="1600" kern="1200" dirty="0">
+                        <a:solidFill>
+                          <a:schemeClr val="dk1"/>
+                        </a:solidFill>
+                        <a:latin typeface="黑体" panose="02010609060101010101" pitchFamily="49" charset="-122"/>
+                        <a:ea typeface="黑体" panose="02010609060101010101" pitchFamily="49" charset="-122"/>
+                        <a:cs typeface="+mn-cs"/>
+                      </a:endParaRPr>
+                    </a:p>
+                  </a:txBody>
+                  <a:tcPr anchor="ctr"/>
+                </a:tc>
+                <a:tc>
+                  <a:txBody>
+                    <a:bodyPr/>
+                    <a:lstStyle/>
+                    <a:p>
+                      <a:pPr marL="0" marR="0" lvl="2" indent="0" algn="ctr" defTabSz="914400" rtl="0" eaLnBrk="1" fontAlgn="auto" latinLnBrk="0" hangingPunct="1">
+                        <a:lnSpc>
+                          <a:spcPct val="100000"/>
+                        </a:lnSpc>
+                        <a:spcBef>
+                          <a:spcPts val="0"/>
+                        </a:spcBef>
+                        <a:spcAft>
+                          <a:spcPts val="0"/>
+                        </a:spcAft>
+                        <a:buClrTx/>
+                        <a:buSzTx/>
+                        <a:buFontTx/>
+                        <a:buNone/>
+                        <a:tabLst/>
+                        <a:defRPr/>
+                      </a:pPr>
+                      <a:r>
+                        <a:rPr lang="en-US" altLang="zh-CN" sz="1600" kern="1200" dirty="0" err="1" smtClean="0">
+                          <a:solidFill>
+                            <a:schemeClr val="dk1"/>
+                          </a:solidFill>
+                          <a:latin typeface="黑体" panose="02010609060101010101" pitchFamily="49" charset="-122"/>
+                          <a:ea typeface="黑体" panose="02010609060101010101" pitchFamily="49" charset="-122"/>
+                          <a:cs typeface="+mn-cs"/>
+                        </a:rPr>
+                        <a:t>int</a:t>
+                      </a:r>
+                      <a:endParaRPr lang="zh-CN" altLang="en-US" sz="1600" kern="1200" dirty="0">
+                        <a:solidFill>
+                          <a:schemeClr val="dk1"/>
+                        </a:solidFill>
+                        <a:latin typeface="黑体" panose="02010609060101010101" pitchFamily="49" charset="-122"/>
+                        <a:ea typeface="黑体" panose="02010609060101010101" pitchFamily="49" charset="-122"/>
+                        <a:cs typeface="+mn-cs"/>
+                      </a:endParaRPr>
+                    </a:p>
+                  </a:txBody>
+                  <a:tcPr anchor="ctr"/>
+                </a:tc>
+                <a:tc>
+                  <a:txBody>
+                    <a:bodyPr/>
+                    <a:lstStyle/>
+                    <a:p>
+                      <a:pPr marL="0" marR="0" lvl="2" indent="0" algn="ctr" defTabSz="914400" rtl="0" eaLnBrk="1" fontAlgn="auto" latinLnBrk="0" hangingPunct="1">
+                        <a:lnSpc>
+                          <a:spcPct val="100000"/>
+                        </a:lnSpc>
+                        <a:spcBef>
+                          <a:spcPts val="0"/>
+                        </a:spcBef>
+                        <a:spcAft>
+                          <a:spcPts val="0"/>
+                        </a:spcAft>
+                        <a:buClrTx/>
+                        <a:buSzTx/>
+                        <a:buFontTx/>
+                        <a:buNone/>
+                        <a:tabLst/>
+                        <a:defRPr/>
+                      </a:pPr>
+                      <a:r>
+                        <a:rPr lang="en-US" altLang="zh-CN" sz="1600" kern="1200" dirty="0" smtClean="0">
+                          <a:solidFill>
+                            <a:schemeClr val="dk1"/>
+                          </a:solidFill>
+                          <a:latin typeface="黑体" panose="02010609060101010101" pitchFamily="49" charset="-122"/>
+                          <a:ea typeface="黑体" panose="02010609060101010101" pitchFamily="49" charset="-122"/>
+                          <a:cs typeface="+mn-cs"/>
+                        </a:rPr>
+                        <a:t>5000</a:t>
+                      </a:r>
+                      <a:endParaRPr lang="zh-CN" altLang="en-US" sz="1600" kern="1200" dirty="0">
+                        <a:solidFill>
+                          <a:schemeClr val="dk1"/>
+                        </a:solidFill>
+                        <a:latin typeface="黑体" panose="02010609060101010101" pitchFamily="49" charset="-122"/>
+                        <a:ea typeface="黑体" panose="02010609060101010101" pitchFamily="49" charset="-122"/>
+                        <a:cs typeface="+mn-cs"/>
+                      </a:endParaRPr>
+                    </a:p>
+                  </a:txBody>
+                  <a:tcPr anchor="ctr"/>
+                </a:tc>
+                <a:tc>
+                  <a:txBody>
+                    <a:bodyPr/>
+                    <a:lstStyle/>
+                    <a:p>
+                      <a:pPr marL="0" marR="0" lvl="2" indent="0" algn="ctr" defTabSz="914400" rtl="0" eaLnBrk="1" fontAlgn="auto" latinLnBrk="0" hangingPunct="1">
+                        <a:lnSpc>
+                          <a:spcPct val="100000"/>
+                        </a:lnSpc>
+                        <a:spcBef>
+                          <a:spcPts val="0"/>
+                        </a:spcBef>
+                        <a:spcAft>
+                          <a:spcPts val="0"/>
+                        </a:spcAft>
+                        <a:buClrTx/>
+                        <a:buSzTx/>
+                        <a:buFontTx/>
+                        <a:buNone/>
+                        <a:tabLst/>
+                        <a:defRPr/>
+                      </a:pPr>
+                      <a:r>
+                        <a:rPr lang="zh-CN" altLang="en-US" sz="1600" kern="1200" dirty="0" smtClean="0">
+                          <a:solidFill>
+                            <a:schemeClr val="dk1"/>
+                          </a:solidFill>
+                          <a:latin typeface="黑体" panose="02010609060101010101" pitchFamily="49" charset="-122"/>
+                          <a:ea typeface="黑体" panose="02010609060101010101" pitchFamily="49" charset="-122"/>
+                          <a:cs typeface="+mn-cs"/>
+                        </a:rPr>
+                        <a:t>每</a:t>
+                      </a:r>
+                      <a:r>
+                        <a:rPr lang="en-US" altLang="zh-CN" sz="1600" kern="1200" dirty="0" smtClean="0">
+                          <a:solidFill>
+                            <a:schemeClr val="dk1"/>
+                          </a:solidFill>
+                          <a:latin typeface="黑体" panose="02010609060101010101" pitchFamily="49" charset="-122"/>
+                          <a:ea typeface="黑体" panose="02010609060101010101" pitchFamily="49" charset="-122"/>
+                          <a:cs typeface="+mn-cs"/>
+                        </a:rPr>
+                        <a:t>b/</a:t>
+                      </a:r>
+                      <a:r>
+                        <a:rPr lang="en-US" altLang="zh-CN" sz="1600" kern="1200" dirty="0" err="1" smtClean="0">
+                          <a:solidFill>
+                            <a:schemeClr val="dk1"/>
+                          </a:solidFill>
+                          <a:latin typeface="黑体" panose="02010609060101010101" pitchFamily="49" charset="-122"/>
+                          <a:ea typeface="黑体" panose="02010609060101010101" pitchFamily="49" charset="-122"/>
+                          <a:cs typeface="+mn-cs"/>
+                        </a:rPr>
+                        <a:t>ms</a:t>
+                      </a:r>
+                      <a:r>
+                        <a:rPr lang="zh-CN" altLang="en-US" sz="1600" kern="1200" dirty="0" smtClean="0">
+                          <a:solidFill>
+                            <a:schemeClr val="dk1"/>
+                          </a:solidFill>
+                          <a:latin typeface="黑体" panose="02010609060101010101" pitchFamily="49" charset="-122"/>
+                          <a:ea typeface="黑体" panose="02010609060101010101" pitchFamily="49" charset="-122"/>
+                          <a:cs typeface="+mn-cs"/>
+                        </a:rPr>
+                        <a:t>网速对应像素点的个数，用于计算小图大小</a:t>
+                      </a:r>
+                    </a:p>
+                  </a:txBody>
+                  <a:tcPr anchor="ctr"/>
+                </a:tc>
+                <a:extLst>
+                  <a:ext uri="{0D108BD9-81ED-4DB2-BD59-A6C34878D82A}">
+                    <a16:rowId xmlns:a16="http://schemas.microsoft.com/office/drawing/2014/main" val="3806995482"/>
+                  </a:ext>
+                </a:extLst>
+              </a:tr>
+              <a:tr h="370840">
+                <a:tc>
+                  <a:txBody>
+                    <a:bodyPr/>
+                    <a:lstStyle/>
+                    <a:p>
+                      <a:pPr marL="0" marR="0" lvl="2" indent="0" algn="ctr" defTabSz="914400" rtl="0" eaLnBrk="1" fontAlgn="auto" latinLnBrk="0" hangingPunct="1">
+                        <a:lnSpc>
+                          <a:spcPct val="100000"/>
+                        </a:lnSpc>
+                        <a:spcBef>
+                          <a:spcPts val="0"/>
+                        </a:spcBef>
+                        <a:spcAft>
+                          <a:spcPts val="0"/>
+                        </a:spcAft>
+                        <a:buClrTx/>
+                        <a:buSzTx/>
+                        <a:buFontTx/>
+                        <a:buNone/>
+                        <a:tabLst/>
+                        <a:defRPr/>
+                      </a:pPr>
+                      <a:r>
+                        <a:rPr lang="en-US" altLang="zh-CN" sz="1600" kern="1200" dirty="0" smtClean="0">
+                          <a:solidFill>
+                            <a:schemeClr val="dk1"/>
+                          </a:solidFill>
+                          <a:latin typeface="黑体" panose="02010609060101010101" pitchFamily="49" charset="-122"/>
+                          <a:ea typeface="黑体" panose="02010609060101010101" pitchFamily="49" charset="-122"/>
+                          <a:cs typeface="+mn-cs"/>
+                        </a:rPr>
+                        <a:t>3</a:t>
+                      </a:r>
+                      <a:endParaRPr lang="zh-CN" altLang="en-US" sz="1600" kern="1200" dirty="0">
+                        <a:solidFill>
+                          <a:schemeClr val="dk1"/>
+                        </a:solidFill>
+                        <a:latin typeface="黑体" panose="02010609060101010101" pitchFamily="49" charset="-122"/>
+                        <a:ea typeface="黑体" panose="02010609060101010101" pitchFamily="49" charset="-122"/>
+                        <a:cs typeface="+mn-cs"/>
+                      </a:endParaRPr>
+                    </a:p>
+                  </a:txBody>
+                  <a:tcPr anchor="ctr"/>
+                </a:tc>
+                <a:tc>
+                  <a:txBody>
+                    <a:bodyPr/>
+                    <a:lstStyle/>
+                    <a:p>
+                      <a:pPr marL="0" marR="0" lvl="2" indent="0" algn="ctr" defTabSz="914400" rtl="0" eaLnBrk="1" fontAlgn="auto" latinLnBrk="0" hangingPunct="1">
+                        <a:lnSpc>
+                          <a:spcPct val="100000"/>
+                        </a:lnSpc>
+                        <a:spcBef>
+                          <a:spcPts val="0"/>
+                        </a:spcBef>
+                        <a:spcAft>
+                          <a:spcPts val="0"/>
+                        </a:spcAft>
+                        <a:buClrTx/>
+                        <a:buSzTx/>
+                        <a:buFontTx/>
+                        <a:buNone/>
+                        <a:tabLst/>
+                        <a:defRPr/>
+                      </a:pPr>
+                      <a:r>
+                        <a:rPr lang="en-US" altLang="zh-CN" sz="1600" kern="1200" dirty="0" err="1" smtClean="0">
+                          <a:solidFill>
+                            <a:schemeClr val="dk1"/>
+                          </a:solidFill>
+                          <a:latin typeface="黑体" panose="02010609060101010101" pitchFamily="49" charset="-122"/>
+                          <a:ea typeface="黑体" panose="02010609060101010101" pitchFamily="49" charset="-122"/>
+                          <a:cs typeface="+mn-cs"/>
+                        </a:rPr>
+                        <a:t>bandwidthTesterPackageSize</a:t>
+                      </a:r>
+                      <a:endParaRPr lang="zh-CN" altLang="en-US" sz="1600" kern="1200" dirty="0">
+                        <a:solidFill>
+                          <a:schemeClr val="dk1"/>
+                        </a:solidFill>
+                        <a:latin typeface="黑体" panose="02010609060101010101" pitchFamily="49" charset="-122"/>
+                        <a:ea typeface="黑体" panose="02010609060101010101" pitchFamily="49" charset="-122"/>
+                        <a:cs typeface="+mn-cs"/>
+                      </a:endParaRPr>
+                    </a:p>
+                  </a:txBody>
+                  <a:tcPr anchor="ctr"/>
+                </a:tc>
+                <a:tc>
+                  <a:txBody>
+                    <a:bodyPr/>
+                    <a:lstStyle/>
+                    <a:p>
+                      <a:pPr marL="0" marR="0" lvl="2" indent="0" algn="ctr" defTabSz="914400" rtl="0" eaLnBrk="1" fontAlgn="auto" latinLnBrk="0" hangingPunct="1">
+                        <a:lnSpc>
+                          <a:spcPct val="100000"/>
+                        </a:lnSpc>
+                        <a:spcBef>
+                          <a:spcPts val="0"/>
+                        </a:spcBef>
+                        <a:spcAft>
+                          <a:spcPts val="0"/>
+                        </a:spcAft>
+                        <a:buClrTx/>
+                        <a:buSzTx/>
+                        <a:buFontTx/>
+                        <a:buNone/>
+                        <a:tabLst/>
+                        <a:defRPr/>
+                      </a:pPr>
+                      <a:r>
+                        <a:rPr lang="en-US" altLang="zh-CN" sz="1600" kern="1200" dirty="0" err="1" smtClean="0">
+                          <a:solidFill>
+                            <a:schemeClr val="dk1"/>
+                          </a:solidFill>
+                          <a:latin typeface="黑体" panose="02010609060101010101" pitchFamily="49" charset="-122"/>
+                          <a:ea typeface="黑体" panose="02010609060101010101" pitchFamily="49" charset="-122"/>
+                          <a:cs typeface="+mn-cs"/>
+                        </a:rPr>
+                        <a:t>int</a:t>
+                      </a:r>
+                      <a:endParaRPr lang="zh-CN" altLang="en-US" sz="1600" kern="1200" dirty="0">
+                        <a:solidFill>
+                          <a:schemeClr val="dk1"/>
+                        </a:solidFill>
+                        <a:latin typeface="黑体" panose="02010609060101010101" pitchFamily="49" charset="-122"/>
+                        <a:ea typeface="黑体" panose="02010609060101010101" pitchFamily="49" charset="-122"/>
+                        <a:cs typeface="+mn-cs"/>
+                      </a:endParaRPr>
+                    </a:p>
+                  </a:txBody>
+                  <a:tcPr anchor="ctr"/>
+                </a:tc>
+                <a:tc>
+                  <a:txBody>
+                    <a:bodyPr/>
+                    <a:lstStyle/>
+                    <a:p>
+                      <a:pPr marL="0" marR="0" lvl="2" indent="0" algn="ctr" defTabSz="914400" rtl="0" eaLnBrk="1" fontAlgn="auto" latinLnBrk="0" hangingPunct="1">
+                        <a:lnSpc>
+                          <a:spcPct val="100000"/>
+                        </a:lnSpc>
+                        <a:spcBef>
+                          <a:spcPts val="0"/>
+                        </a:spcBef>
+                        <a:spcAft>
+                          <a:spcPts val="0"/>
+                        </a:spcAft>
+                        <a:buClrTx/>
+                        <a:buSzTx/>
+                        <a:buFontTx/>
+                        <a:buNone/>
+                        <a:tabLst/>
+                        <a:defRPr/>
+                      </a:pPr>
+                      <a:r>
+                        <a:rPr lang="en-US" altLang="zh-CN" sz="1600" kern="1200" dirty="0" smtClean="0">
+                          <a:solidFill>
+                            <a:schemeClr val="dk1"/>
+                          </a:solidFill>
+                          <a:latin typeface="黑体" panose="02010609060101010101" pitchFamily="49" charset="-122"/>
+                          <a:ea typeface="黑体" panose="02010609060101010101" pitchFamily="49" charset="-122"/>
+                          <a:cs typeface="+mn-cs"/>
+                        </a:rPr>
+                        <a:t>64K</a:t>
+                      </a:r>
+                      <a:endParaRPr lang="zh-CN" altLang="en-US" sz="1600" kern="1200" dirty="0">
+                        <a:solidFill>
+                          <a:schemeClr val="dk1"/>
+                        </a:solidFill>
+                        <a:latin typeface="黑体" panose="02010609060101010101" pitchFamily="49" charset="-122"/>
+                        <a:ea typeface="黑体" panose="02010609060101010101" pitchFamily="49" charset="-122"/>
+                        <a:cs typeface="+mn-cs"/>
+                      </a:endParaRPr>
+                    </a:p>
+                  </a:txBody>
+                  <a:tcPr anchor="ctr"/>
+                </a:tc>
+                <a:tc>
+                  <a:txBody>
+                    <a:bodyPr/>
+                    <a:lstStyle/>
+                    <a:p>
+                      <a:pPr marL="0" marR="0" lvl="2" indent="0" algn="ctr" defTabSz="914400" rtl="0" eaLnBrk="1" fontAlgn="auto" latinLnBrk="0" hangingPunct="1">
+                        <a:lnSpc>
+                          <a:spcPct val="100000"/>
+                        </a:lnSpc>
+                        <a:spcBef>
+                          <a:spcPts val="0"/>
+                        </a:spcBef>
+                        <a:spcAft>
+                          <a:spcPts val="0"/>
+                        </a:spcAft>
+                        <a:buClrTx/>
+                        <a:buSzTx/>
+                        <a:buFontTx/>
+                        <a:buNone/>
+                        <a:tabLst/>
+                        <a:defRPr/>
+                      </a:pPr>
+                      <a:r>
+                        <a:rPr lang="zh-CN" altLang="en-US" sz="1600" kern="1200" dirty="0" smtClean="0">
+                          <a:solidFill>
+                            <a:schemeClr val="dk1"/>
+                          </a:solidFill>
+                          <a:latin typeface="黑体" panose="02010609060101010101" pitchFamily="49" charset="-122"/>
+                          <a:ea typeface="黑体" panose="02010609060101010101" pitchFamily="49" charset="-122"/>
+                          <a:cs typeface="+mn-cs"/>
+                        </a:rPr>
+                        <a:t>网速测试控制器写回包的大小</a:t>
+                      </a:r>
+                    </a:p>
+                  </a:txBody>
+                  <a:tcPr anchor="ctr"/>
+                </a:tc>
+                <a:extLst>
+                  <a:ext uri="{0D108BD9-81ED-4DB2-BD59-A6C34878D82A}">
+                    <a16:rowId xmlns:a16="http://schemas.microsoft.com/office/drawing/2014/main" val="1653414570"/>
+                  </a:ext>
+                </a:extLst>
+              </a:tr>
+              <a:tr h="370840">
+                <a:tc>
+                  <a:txBody>
+                    <a:bodyPr/>
+                    <a:lstStyle/>
+                    <a:p>
+                      <a:pPr marL="0" marR="0" lvl="2" indent="0" algn="ctr" defTabSz="914400" rtl="0" eaLnBrk="1" fontAlgn="auto" latinLnBrk="0" hangingPunct="1">
+                        <a:lnSpc>
+                          <a:spcPct val="100000"/>
+                        </a:lnSpc>
+                        <a:spcBef>
+                          <a:spcPts val="0"/>
+                        </a:spcBef>
+                        <a:spcAft>
+                          <a:spcPts val="0"/>
+                        </a:spcAft>
+                        <a:buClrTx/>
+                        <a:buSzTx/>
+                        <a:buFontTx/>
+                        <a:buNone/>
+                        <a:tabLst/>
+                        <a:defRPr/>
+                      </a:pPr>
+                      <a:r>
+                        <a:rPr lang="en-US" altLang="zh-CN" sz="1600" kern="1200" dirty="0" smtClean="0">
+                          <a:solidFill>
+                            <a:schemeClr val="dk1"/>
+                          </a:solidFill>
+                          <a:latin typeface="黑体" panose="02010609060101010101" pitchFamily="49" charset="-122"/>
+                          <a:ea typeface="黑体" panose="02010609060101010101" pitchFamily="49" charset="-122"/>
+                          <a:cs typeface="+mn-cs"/>
+                        </a:rPr>
+                        <a:t>4</a:t>
+                      </a:r>
+                      <a:endParaRPr lang="zh-CN" altLang="en-US" sz="1600" kern="1200" dirty="0">
+                        <a:solidFill>
+                          <a:schemeClr val="dk1"/>
+                        </a:solidFill>
+                        <a:latin typeface="黑体" panose="02010609060101010101" pitchFamily="49" charset="-122"/>
+                        <a:ea typeface="黑体" panose="02010609060101010101" pitchFamily="49" charset="-122"/>
+                        <a:cs typeface="+mn-cs"/>
+                      </a:endParaRPr>
+                    </a:p>
+                  </a:txBody>
+                  <a:tcPr anchor="ctr"/>
+                </a:tc>
+                <a:tc>
+                  <a:txBody>
+                    <a:bodyPr/>
+                    <a:lstStyle/>
+                    <a:p>
+                      <a:pPr marL="0" marR="0" lvl="2" indent="0" algn="ctr" defTabSz="914400" rtl="0" eaLnBrk="1" fontAlgn="auto" latinLnBrk="0" hangingPunct="1">
+                        <a:lnSpc>
+                          <a:spcPct val="100000"/>
+                        </a:lnSpc>
+                        <a:spcBef>
+                          <a:spcPts val="0"/>
+                        </a:spcBef>
+                        <a:spcAft>
+                          <a:spcPts val="0"/>
+                        </a:spcAft>
+                        <a:buClrTx/>
+                        <a:buSzTx/>
+                        <a:buFontTx/>
+                        <a:buNone/>
+                        <a:tabLst/>
+                        <a:defRPr/>
+                      </a:pPr>
+                      <a:r>
+                        <a:rPr lang="en-US" altLang="zh-CN" sz="1600" kern="1200" dirty="0" err="1" smtClean="0">
+                          <a:solidFill>
+                            <a:schemeClr val="dk1"/>
+                          </a:solidFill>
+                          <a:latin typeface="黑体" panose="02010609060101010101" pitchFamily="49" charset="-122"/>
+                          <a:ea typeface="黑体" panose="02010609060101010101" pitchFamily="49" charset="-122"/>
+                          <a:cs typeface="+mn-cs"/>
+                        </a:rPr>
+                        <a:t>redisEnabled</a:t>
+                      </a:r>
+                      <a:endParaRPr lang="zh-CN" altLang="en-US" sz="1600" kern="1200" dirty="0">
+                        <a:solidFill>
+                          <a:schemeClr val="dk1"/>
+                        </a:solidFill>
+                        <a:latin typeface="黑体" panose="02010609060101010101" pitchFamily="49" charset="-122"/>
+                        <a:ea typeface="黑体" panose="02010609060101010101" pitchFamily="49" charset="-122"/>
+                        <a:cs typeface="+mn-cs"/>
+                      </a:endParaRPr>
+                    </a:p>
+                  </a:txBody>
+                  <a:tcPr anchor="ctr"/>
+                </a:tc>
+                <a:tc>
+                  <a:txBody>
+                    <a:bodyPr/>
+                    <a:lstStyle/>
+                    <a:p>
+                      <a:pPr marL="0" marR="0" lvl="2" indent="0" algn="ctr" defTabSz="914400" rtl="0" eaLnBrk="1" fontAlgn="auto" latinLnBrk="0" hangingPunct="1">
+                        <a:lnSpc>
+                          <a:spcPct val="100000"/>
+                        </a:lnSpc>
+                        <a:spcBef>
+                          <a:spcPts val="0"/>
+                        </a:spcBef>
+                        <a:spcAft>
+                          <a:spcPts val="0"/>
+                        </a:spcAft>
+                        <a:buClrTx/>
+                        <a:buSzTx/>
+                        <a:buFontTx/>
+                        <a:buNone/>
+                        <a:tabLst/>
+                        <a:defRPr/>
+                      </a:pPr>
+                      <a:r>
+                        <a:rPr lang="en-US" altLang="zh-CN" sz="1600" kern="1200" dirty="0" err="1" smtClean="0">
+                          <a:solidFill>
+                            <a:schemeClr val="dk1"/>
+                          </a:solidFill>
+                          <a:latin typeface="黑体" panose="02010609060101010101" pitchFamily="49" charset="-122"/>
+                          <a:ea typeface="黑体" panose="02010609060101010101" pitchFamily="49" charset="-122"/>
+                          <a:cs typeface="+mn-cs"/>
+                        </a:rPr>
+                        <a:t>boolean</a:t>
+                      </a:r>
+                      <a:endParaRPr lang="zh-CN" altLang="en-US" sz="1600" kern="1200" dirty="0">
+                        <a:solidFill>
+                          <a:schemeClr val="dk1"/>
+                        </a:solidFill>
+                        <a:latin typeface="黑体" panose="02010609060101010101" pitchFamily="49" charset="-122"/>
+                        <a:ea typeface="黑体" panose="02010609060101010101" pitchFamily="49" charset="-122"/>
+                        <a:cs typeface="+mn-cs"/>
+                      </a:endParaRPr>
+                    </a:p>
+                  </a:txBody>
+                  <a:tcPr anchor="ctr"/>
+                </a:tc>
+                <a:tc>
+                  <a:txBody>
+                    <a:bodyPr/>
+                    <a:lstStyle/>
+                    <a:p>
+                      <a:pPr marL="0" marR="0" lvl="2" indent="0" algn="ctr" defTabSz="914400" rtl="0" eaLnBrk="1" fontAlgn="auto" latinLnBrk="0" hangingPunct="1">
+                        <a:lnSpc>
+                          <a:spcPct val="100000"/>
+                        </a:lnSpc>
+                        <a:spcBef>
+                          <a:spcPts val="0"/>
+                        </a:spcBef>
+                        <a:spcAft>
+                          <a:spcPts val="0"/>
+                        </a:spcAft>
+                        <a:buClrTx/>
+                        <a:buSzTx/>
+                        <a:buFontTx/>
+                        <a:buNone/>
+                        <a:tabLst/>
+                        <a:defRPr/>
+                      </a:pPr>
+                      <a:r>
+                        <a:rPr lang="en-US" altLang="zh-CN" sz="1600" kern="1200" dirty="0" smtClean="0">
+                          <a:solidFill>
+                            <a:schemeClr val="dk1"/>
+                          </a:solidFill>
+                          <a:latin typeface="黑体" panose="02010609060101010101" pitchFamily="49" charset="-122"/>
+                          <a:ea typeface="黑体" panose="02010609060101010101" pitchFamily="49" charset="-122"/>
+                          <a:cs typeface="+mn-cs"/>
+                        </a:rPr>
+                        <a:t>False</a:t>
+                      </a:r>
+                      <a:endParaRPr lang="zh-CN" altLang="en-US" sz="1600" kern="1200" dirty="0">
+                        <a:solidFill>
+                          <a:schemeClr val="dk1"/>
+                        </a:solidFill>
+                        <a:latin typeface="黑体" panose="02010609060101010101" pitchFamily="49" charset="-122"/>
+                        <a:ea typeface="黑体" panose="02010609060101010101" pitchFamily="49" charset="-122"/>
+                        <a:cs typeface="+mn-cs"/>
+                      </a:endParaRPr>
+                    </a:p>
+                  </a:txBody>
+                  <a:tcPr anchor="ctr"/>
+                </a:tc>
+                <a:tc>
+                  <a:txBody>
+                    <a:bodyPr/>
+                    <a:lstStyle/>
+                    <a:p>
+                      <a:pPr marL="0" marR="0" lvl="2" indent="0" algn="ctr" defTabSz="914400" rtl="0" eaLnBrk="1" fontAlgn="auto" latinLnBrk="0" hangingPunct="1">
+                        <a:lnSpc>
+                          <a:spcPct val="100000"/>
+                        </a:lnSpc>
+                        <a:spcBef>
+                          <a:spcPts val="0"/>
+                        </a:spcBef>
+                        <a:spcAft>
+                          <a:spcPts val="0"/>
+                        </a:spcAft>
+                        <a:buClrTx/>
+                        <a:buSzTx/>
+                        <a:buFontTx/>
+                        <a:buNone/>
+                        <a:tabLst/>
+                        <a:defRPr/>
+                      </a:pPr>
+                      <a:r>
+                        <a:rPr lang="zh-CN" altLang="en-US" sz="1600" kern="1200" dirty="0" smtClean="0">
+                          <a:solidFill>
+                            <a:schemeClr val="dk1"/>
+                          </a:solidFill>
+                          <a:latin typeface="黑体" panose="02010609060101010101" pitchFamily="49" charset="-122"/>
+                          <a:ea typeface="黑体" panose="02010609060101010101" pitchFamily="49" charset="-122"/>
+                          <a:cs typeface="+mn-cs"/>
+                        </a:rPr>
+                        <a:t>是否启用</a:t>
+                      </a:r>
+                      <a:r>
+                        <a:rPr lang="en-US" altLang="zh-CN" sz="1600" kern="1200" dirty="0" err="1" smtClean="0">
+                          <a:solidFill>
+                            <a:schemeClr val="dk1"/>
+                          </a:solidFill>
+                          <a:latin typeface="黑体" panose="02010609060101010101" pitchFamily="49" charset="-122"/>
+                          <a:ea typeface="黑体" panose="02010609060101010101" pitchFamily="49" charset="-122"/>
+                          <a:cs typeface="+mn-cs"/>
+                        </a:rPr>
+                        <a:t>Redis</a:t>
+                      </a:r>
+                      <a:r>
+                        <a:rPr lang="zh-CN" altLang="en-US" sz="1600" kern="1200" dirty="0" smtClean="0">
+                          <a:solidFill>
+                            <a:schemeClr val="dk1"/>
+                          </a:solidFill>
+                          <a:latin typeface="黑体" panose="02010609060101010101" pitchFamily="49" charset="-122"/>
+                          <a:ea typeface="黑体" panose="02010609060101010101" pitchFamily="49" charset="-122"/>
+                          <a:cs typeface="+mn-cs"/>
+                        </a:rPr>
+                        <a:t>缓存</a:t>
+                      </a:r>
+                    </a:p>
+                  </a:txBody>
+                  <a:tcPr anchor="ctr"/>
+                </a:tc>
+                <a:extLst>
+                  <a:ext uri="{0D108BD9-81ED-4DB2-BD59-A6C34878D82A}">
+                    <a16:rowId xmlns:a16="http://schemas.microsoft.com/office/drawing/2014/main" val="254933040"/>
+                  </a:ext>
+                </a:extLst>
+              </a:tr>
+              <a:tr h="370840">
+                <a:tc>
+                  <a:txBody>
+                    <a:bodyPr/>
+                    <a:lstStyle/>
+                    <a:p>
+                      <a:pPr marL="0" marR="0" lvl="2" indent="0" algn="ctr" defTabSz="914400" rtl="0" eaLnBrk="1" fontAlgn="auto" latinLnBrk="0" hangingPunct="1">
+                        <a:lnSpc>
+                          <a:spcPct val="100000"/>
+                        </a:lnSpc>
+                        <a:spcBef>
+                          <a:spcPts val="0"/>
+                        </a:spcBef>
+                        <a:spcAft>
+                          <a:spcPts val="0"/>
+                        </a:spcAft>
+                        <a:buClrTx/>
+                        <a:buSzTx/>
+                        <a:buFontTx/>
+                        <a:buNone/>
+                        <a:tabLst/>
+                        <a:defRPr/>
+                      </a:pPr>
+                      <a:r>
+                        <a:rPr lang="en-US" altLang="zh-CN" sz="1600" kern="1200" dirty="0" smtClean="0">
+                          <a:solidFill>
+                            <a:schemeClr val="dk1"/>
+                          </a:solidFill>
+                          <a:latin typeface="黑体" panose="02010609060101010101" pitchFamily="49" charset="-122"/>
+                          <a:ea typeface="黑体" panose="02010609060101010101" pitchFamily="49" charset="-122"/>
+                          <a:cs typeface="+mn-cs"/>
+                        </a:rPr>
+                        <a:t>5</a:t>
+                      </a:r>
+                      <a:endParaRPr lang="zh-CN" altLang="en-US" sz="1600" kern="1200" dirty="0">
+                        <a:solidFill>
+                          <a:schemeClr val="dk1"/>
+                        </a:solidFill>
+                        <a:latin typeface="黑体" panose="02010609060101010101" pitchFamily="49" charset="-122"/>
+                        <a:ea typeface="黑体" panose="02010609060101010101" pitchFamily="49" charset="-122"/>
+                        <a:cs typeface="+mn-cs"/>
+                      </a:endParaRPr>
+                    </a:p>
+                  </a:txBody>
+                  <a:tcPr anchor="ctr"/>
+                </a:tc>
+                <a:tc>
+                  <a:txBody>
+                    <a:bodyPr/>
+                    <a:lstStyle/>
+                    <a:p>
+                      <a:pPr marL="0" marR="0" lvl="2" indent="0" algn="ctr" defTabSz="914400" rtl="0" eaLnBrk="1" fontAlgn="auto" latinLnBrk="0" hangingPunct="1">
+                        <a:lnSpc>
+                          <a:spcPct val="100000"/>
+                        </a:lnSpc>
+                        <a:spcBef>
+                          <a:spcPts val="0"/>
+                        </a:spcBef>
+                        <a:spcAft>
+                          <a:spcPts val="0"/>
+                        </a:spcAft>
+                        <a:buClrTx/>
+                        <a:buSzTx/>
+                        <a:buFontTx/>
+                        <a:buNone/>
+                        <a:tabLst/>
+                        <a:defRPr/>
+                      </a:pPr>
+                      <a:r>
+                        <a:rPr lang="en-US" altLang="zh-CN" sz="1600" kern="1200" dirty="0" err="1" smtClean="0">
+                          <a:solidFill>
+                            <a:schemeClr val="dk1"/>
+                          </a:solidFill>
+                          <a:latin typeface="黑体" panose="02010609060101010101" pitchFamily="49" charset="-122"/>
+                          <a:ea typeface="黑体" panose="02010609060101010101" pitchFamily="49" charset="-122"/>
+                          <a:cs typeface="+mn-cs"/>
+                        </a:rPr>
+                        <a:t>imageCacheRedisNodes</a:t>
+                      </a:r>
+                      <a:endParaRPr lang="zh-CN" altLang="en-US" sz="1600" kern="1200" dirty="0">
+                        <a:solidFill>
+                          <a:schemeClr val="dk1"/>
+                        </a:solidFill>
+                        <a:latin typeface="黑体" panose="02010609060101010101" pitchFamily="49" charset="-122"/>
+                        <a:ea typeface="黑体" panose="02010609060101010101" pitchFamily="49" charset="-122"/>
+                        <a:cs typeface="+mn-cs"/>
+                      </a:endParaRPr>
+                    </a:p>
+                  </a:txBody>
+                  <a:tcPr anchor="ctr"/>
+                </a:tc>
+                <a:tc>
+                  <a:txBody>
+                    <a:bodyPr/>
+                    <a:lstStyle/>
+                    <a:p>
+                      <a:pPr marL="0" marR="0" lvl="2" indent="0" algn="ctr" defTabSz="914400" rtl="0" eaLnBrk="1" fontAlgn="auto" latinLnBrk="0" hangingPunct="1">
+                        <a:lnSpc>
+                          <a:spcPct val="100000"/>
+                        </a:lnSpc>
+                        <a:spcBef>
+                          <a:spcPts val="0"/>
+                        </a:spcBef>
+                        <a:spcAft>
+                          <a:spcPts val="0"/>
+                        </a:spcAft>
+                        <a:buClrTx/>
+                        <a:buSzTx/>
+                        <a:buFontTx/>
+                        <a:buNone/>
+                        <a:tabLst/>
+                        <a:defRPr/>
+                      </a:pPr>
+                      <a:r>
+                        <a:rPr lang="en-US" altLang="zh-CN" sz="1600" kern="1200" dirty="0" smtClean="0">
+                          <a:solidFill>
+                            <a:schemeClr val="dk1"/>
+                          </a:solidFill>
+                          <a:latin typeface="黑体" panose="02010609060101010101" pitchFamily="49" charset="-122"/>
+                          <a:ea typeface="黑体" panose="02010609060101010101" pitchFamily="49" charset="-122"/>
+                          <a:cs typeface="+mn-cs"/>
+                        </a:rPr>
+                        <a:t>List </a:t>
+                      </a:r>
+                      <a:endParaRPr lang="zh-CN" altLang="en-US" sz="1600" kern="1200" dirty="0">
+                        <a:solidFill>
+                          <a:schemeClr val="dk1"/>
+                        </a:solidFill>
+                        <a:latin typeface="黑体" panose="02010609060101010101" pitchFamily="49" charset="-122"/>
+                        <a:ea typeface="黑体" panose="02010609060101010101" pitchFamily="49" charset="-122"/>
+                        <a:cs typeface="+mn-cs"/>
+                      </a:endParaRPr>
+                    </a:p>
+                  </a:txBody>
+                  <a:tcPr anchor="ctr"/>
+                </a:tc>
+                <a:tc>
+                  <a:txBody>
+                    <a:bodyPr/>
+                    <a:lstStyle/>
+                    <a:p>
+                      <a:pPr marL="0" marR="0" lvl="2" indent="0" algn="ctr" defTabSz="914400" rtl="0" eaLnBrk="1" fontAlgn="auto" latinLnBrk="0" hangingPunct="1">
+                        <a:lnSpc>
+                          <a:spcPct val="100000"/>
+                        </a:lnSpc>
+                        <a:spcBef>
+                          <a:spcPts val="0"/>
+                        </a:spcBef>
+                        <a:spcAft>
+                          <a:spcPts val="0"/>
+                        </a:spcAft>
+                        <a:buClrTx/>
+                        <a:buSzTx/>
+                        <a:buFontTx/>
+                        <a:buNone/>
+                        <a:tabLst/>
+                        <a:defRPr/>
+                      </a:pPr>
+                      <a:r>
+                        <a:rPr lang="en-US" altLang="zh-CN" sz="1600" kern="1200" dirty="0" smtClean="0">
+                          <a:solidFill>
+                            <a:schemeClr val="dk1"/>
+                          </a:solidFill>
+                          <a:latin typeface="黑体" panose="02010609060101010101" pitchFamily="49" charset="-122"/>
+                          <a:ea typeface="黑体" panose="02010609060101010101" pitchFamily="49" charset="-122"/>
+                          <a:cs typeface="+mn-cs"/>
+                        </a:rPr>
+                        <a:t>null</a:t>
+                      </a:r>
+                      <a:endParaRPr lang="zh-CN" altLang="en-US" sz="1600" kern="1200" dirty="0">
+                        <a:solidFill>
+                          <a:schemeClr val="dk1"/>
+                        </a:solidFill>
+                        <a:latin typeface="黑体" panose="02010609060101010101" pitchFamily="49" charset="-122"/>
+                        <a:ea typeface="黑体" panose="02010609060101010101" pitchFamily="49" charset="-122"/>
+                        <a:cs typeface="+mn-cs"/>
+                      </a:endParaRPr>
+                    </a:p>
+                  </a:txBody>
+                  <a:tcPr anchor="ctr"/>
+                </a:tc>
+                <a:tc>
+                  <a:txBody>
+                    <a:bodyPr/>
+                    <a:lstStyle/>
+                    <a:p>
+                      <a:pPr marL="0" marR="0" lvl="2" indent="0" algn="ctr" defTabSz="914400" rtl="0" eaLnBrk="1" fontAlgn="auto" latinLnBrk="0" hangingPunct="1">
+                        <a:lnSpc>
+                          <a:spcPct val="100000"/>
+                        </a:lnSpc>
+                        <a:spcBef>
+                          <a:spcPts val="0"/>
+                        </a:spcBef>
+                        <a:spcAft>
+                          <a:spcPts val="0"/>
+                        </a:spcAft>
+                        <a:buClrTx/>
+                        <a:buSzTx/>
+                        <a:buFontTx/>
+                        <a:buNone/>
+                        <a:tabLst/>
+                        <a:defRPr/>
+                      </a:pPr>
+                      <a:r>
+                        <a:rPr lang="zh-CN" altLang="en-US" sz="1600" kern="1200" dirty="0" smtClean="0">
+                          <a:solidFill>
+                            <a:schemeClr val="dk1"/>
+                          </a:solidFill>
+                          <a:latin typeface="黑体" panose="02010609060101010101" pitchFamily="49" charset="-122"/>
+                          <a:ea typeface="黑体" panose="02010609060101010101" pitchFamily="49" charset="-122"/>
+                          <a:cs typeface="+mn-cs"/>
+                        </a:rPr>
+                        <a:t>启用</a:t>
+                      </a:r>
+                      <a:r>
+                        <a:rPr lang="en-US" altLang="zh-CN" sz="1600" kern="1200" dirty="0" err="1" smtClean="0">
+                          <a:solidFill>
+                            <a:schemeClr val="dk1"/>
+                          </a:solidFill>
+                          <a:latin typeface="黑体" panose="02010609060101010101" pitchFamily="49" charset="-122"/>
+                          <a:ea typeface="黑体" panose="02010609060101010101" pitchFamily="49" charset="-122"/>
+                          <a:cs typeface="+mn-cs"/>
+                        </a:rPr>
+                        <a:t>Redis</a:t>
+                      </a:r>
+                      <a:r>
+                        <a:rPr lang="zh-CN" altLang="en-US" sz="1600" kern="1200" dirty="0" smtClean="0">
+                          <a:solidFill>
+                            <a:schemeClr val="dk1"/>
+                          </a:solidFill>
+                          <a:latin typeface="黑体" panose="02010609060101010101" pitchFamily="49" charset="-122"/>
+                          <a:ea typeface="黑体" panose="02010609060101010101" pitchFamily="49" charset="-122"/>
+                          <a:cs typeface="+mn-cs"/>
+                        </a:rPr>
+                        <a:t>缓存时，</a:t>
+                      </a:r>
+                      <a:r>
+                        <a:rPr lang="en-US" altLang="zh-CN" sz="1600" kern="1200" dirty="0" err="1" smtClean="0">
+                          <a:solidFill>
+                            <a:schemeClr val="dk1"/>
+                          </a:solidFill>
+                          <a:latin typeface="黑体" panose="02010609060101010101" pitchFamily="49" charset="-122"/>
+                          <a:ea typeface="黑体" panose="02010609060101010101" pitchFamily="49" charset="-122"/>
+                          <a:cs typeface="+mn-cs"/>
+                        </a:rPr>
+                        <a:t>Redis</a:t>
+                      </a:r>
+                      <a:r>
+                        <a:rPr lang="zh-CN" altLang="en-US" sz="1600" kern="1200" dirty="0" smtClean="0">
+                          <a:solidFill>
+                            <a:schemeClr val="dk1"/>
+                          </a:solidFill>
+                          <a:latin typeface="黑体" panose="02010609060101010101" pitchFamily="49" charset="-122"/>
+                          <a:ea typeface="黑体" panose="02010609060101010101" pitchFamily="49" charset="-122"/>
+                          <a:cs typeface="+mn-cs"/>
+                        </a:rPr>
+                        <a:t>集群节点配置</a:t>
+                      </a:r>
+                    </a:p>
+                  </a:txBody>
+                  <a:tcPr anchor="ctr"/>
+                </a:tc>
+                <a:extLst>
+                  <a:ext uri="{0D108BD9-81ED-4DB2-BD59-A6C34878D82A}">
+                    <a16:rowId xmlns:a16="http://schemas.microsoft.com/office/drawing/2014/main" val="1334252467"/>
+                  </a:ext>
+                </a:extLst>
+              </a:tr>
+              <a:tr h="370840">
+                <a:tc>
+                  <a:txBody>
+                    <a:bodyPr/>
+                    <a:lstStyle/>
+                    <a:p>
+                      <a:pPr marL="0" marR="0" lvl="2" indent="0" algn="ctr" defTabSz="914400" rtl="0" eaLnBrk="1" fontAlgn="auto" latinLnBrk="0" hangingPunct="1">
+                        <a:lnSpc>
+                          <a:spcPct val="100000"/>
+                        </a:lnSpc>
+                        <a:spcBef>
+                          <a:spcPts val="0"/>
+                        </a:spcBef>
+                        <a:spcAft>
+                          <a:spcPts val="0"/>
+                        </a:spcAft>
+                        <a:buClrTx/>
+                        <a:buSzTx/>
+                        <a:buFontTx/>
+                        <a:buNone/>
+                        <a:tabLst/>
+                        <a:defRPr/>
+                      </a:pPr>
+                      <a:r>
+                        <a:rPr lang="en-US" altLang="zh-CN" sz="1600" kern="1200" dirty="0" smtClean="0">
+                          <a:solidFill>
+                            <a:schemeClr val="dk1"/>
+                          </a:solidFill>
+                          <a:latin typeface="黑体" panose="02010609060101010101" pitchFamily="49" charset="-122"/>
+                          <a:ea typeface="黑体" panose="02010609060101010101" pitchFamily="49" charset="-122"/>
+                          <a:cs typeface="+mn-cs"/>
+                        </a:rPr>
+                        <a:t>6</a:t>
+                      </a:r>
+                      <a:endParaRPr lang="zh-CN" altLang="en-US" sz="1600" kern="1200" dirty="0">
+                        <a:solidFill>
+                          <a:schemeClr val="dk1"/>
+                        </a:solidFill>
+                        <a:latin typeface="黑体" panose="02010609060101010101" pitchFamily="49" charset="-122"/>
+                        <a:ea typeface="黑体" panose="02010609060101010101" pitchFamily="49" charset="-122"/>
+                        <a:cs typeface="+mn-cs"/>
+                      </a:endParaRPr>
+                    </a:p>
+                  </a:txBody>
+                  <a:tcPr anchor="ctr"/>
+                </a:tc>
+                <a:tc>
+                  <a:txBody>
+                    <a:bodyPr/>
+                    <a:lstStyle/>
+                    <a:p>
+                      <a:pPr marL="0" marR="0" lvl="2" indent="0" algn="ctr" defTabSz="914400" rtl="0" eaLnBrk="1" fontAlgn="auto" latinLnBrk="0" hangingPunct="1">
+                        <a:lnSpc>
+                          <a:spcPct val="100000"/>
+                        </a:lnSpc>
+                        <a:spcBef>
+                          <a:spcPts val="0"/>
+                        </a:spcBef>
+                        <a:spcAft>
+                          <a:spcPts val="0"/>
+                        </a:spcAft>
+                        <a:buClrTx/>
+                        <a:buSzTx/>
+                        <a:buFontTx/>
+                        <a:buNone/>
+                        <a:tabLst/>
+                        <a:defRPr/>
+                      </a:pPr>
+                      <a:r>
+                        <a:rPr lang="en-US" altLang="zh-CN" sz="1600" kern="1200" dirty="0" err="1" smtClean="0">
+                          <a:solidFill>
+                            <a:schemeClr val="dk1"/>
+                          </a:solidFill>
+                          <a:latin typeface="黑体" panose="02010609060101010101" pitchFamily="49" charset="-122"/>
+                          <a:ea typeface="黑体" panose="02010609060101010101" pitchFamily="49" charset="-122"/>
+                          <a:cs typeface="+mn-cs"/>
+                        </a:rPr>
+                        <a:t>imageHost</a:t>
+                      </a:r>
+                      <a:endParaRPr lang="zh-CN" altLang="en-US" sz="1600" kern="1200" dirty="0">
+                        <a:solidFill>
+                          <a:schemeClr val="dk1"/>
+                        </a:solidFill>
+                        <a:latin typeface="黑体" panose="02010609060101010101" pitchFamily="49" charset="-122"/>
+                        <a:ea typeface="黑体" panose="02010609060101010101" pitchFamily="49" charset="-122"/>
+                        <a:cs typeface="+mn-cs"/>
+                      </a:endParaRPr>
+                    </a:p>
+                  </a:txBody>
+                  <a:tcPr anchor="ctr"/>
+                </a:tc>
+                <a:tc>
+                  <a:txBody>
+                    <a:bodyPr/>
+                    <a:lstStyle/>
+                    <a:p>
+                      <a:pPr marL="0" marR="0" lvl="2" indent="0" algn="ctr" defTabSz="914400" rtl="0" eaLnBrk="1" fontAlgn="auto" latinLnBrk="0" hangingPunct="1">
+                        <a:lnSpc>
+                          <a:spcPct val="100000"/>
+                        </a:lnSpc>
+                        <a:spcBef>
+                          <a:spcPts val="0"/>
+                        </a:spcBef>
+                        <a:spcAft>
+                          <a:spcPts val="0"/>
+                        </a:spcAft>
+                        <a:buClrTx/>
+                        <a:buSzTx/>
+                        <a:buFontTx/>
+                        <a:buNone/>
+                        <a:tabLst/>
+                        <a:defRPr/>
+                      </a:pPr>
+                      <a:r>
+                        <a:rPr lang="en-US" altLang="zh-CN" sz="1600" kern="1200" dirty="0" smtClean="0">
+                          <a:solidFill>
+                            <a:schemeClr val="dk1"/>
+                          </a:solidFill>
+                          <a:latin typeface="黑体" panose="02010609060101010101" pitchFamily="49" charset="-122"/>
+                          <a:ea typeface="黑体" panose="02010609060101010101" pitchFamily="49" charset="-122"/>
+                          <a:cs typeface="+mn-cs"/>
+                        </a:rPr>
+                        <a:t>String</a:t>
+                      </a:r>
+                      <a:endParaRPr lang="zh-CN" altLang="en-US" sz="1600" kern="1200" dirty="0">
+                        <a:solidFill>
+                          <a:schemeClr val="dk1"/>
+                        </a:solidFill>
+                        <a:latin typeface="黑体" panose="02010609060101010101" pitchFamily="49" charset="-122"/>
+                        <a:ea typeface="黑体" panose="02010609060101010101" pitchFamily="49" charset="-122"/>
+                        <a:cs typeface="+mn-cs"/>
+                      </a:endParaRPr>
+                    </a:p>
+                  </a:txBody>
+                  <a:tcPr anchor="ctr"/>
+                </a:tc>
+                <a:tc>
+                  <a:txBody>
+                    <a:bodyPr/>
+                    <a:lstStyle/>
+                    <a:p>
+                      <a:pPr marL="0" marR="0" lvl="2" indent="0" algn="ctr" defTabSz="914400" rtl="0" eaLnBrk="1" fontAlgn="auto" latinLnBrk="0" hangingPunct="1">
+                        <a:lnSpc>
+                          <a:spcPct val="100000"/>
+                        </a:lnSpc>
+                        <a:spcBef>
+                          <a:spcPts val="0"/>
+                        </a:spcBef>
+                        <a:spcAft>
+                          <a:spcPts val="0"/>
+                        </a:spcAft>
+                        <a:buClrTx/>
+                        <a:buSzTx/>
+                        <a:buFontTx/>
+                        <a:buNone/>
+                        <a:tabLst/>
+                        <a:defRPr/>
+                      </a:pPr>
+                      <a:r>
+                        <a:rPr lang="en-US" altLang="zh-CN" sz="1600" kern="1200" dirty="0" smtClean="0">
+                          <a:solidFill>
+                            <a:schemeClr val="dk1"/>
+                          </a:solidFill>
+                          <a:latin typeface="黑体" panose="02010609060101010101" pitchFamily="49" charset="-122"/>
+                          <a:ea typeface="黑体" panose="02010609060101010101" pitchFamily="49" charset="-122"/>
+                          <a:cs typeface="+mn-cs"/>
+                        </a:rPr>
+                        <a:t>null</a:t>
+                      </a:r>
+                      <a:endParaRPr lang="zh-CN" altLang="en-US" sz="1600" kern="1200" dirty="0">
+                        <a:solidFill>
+                          <a:schemeClr val="dk1"/>
+                        </a:solidFill>
+                        <a:latin typeface="黑体" panose="02010609060101010101" pitchFamily="49" charset="-122"/>
+                        <a:ea typeface="黑体" panose="02010609060101010101" pitchFamily="49" charset="-122"/>
+                        <a:cs typeface="+mn-cs"/>
+                      </a:endParaRPr>
+                    </a:p>
+                  </a:txBody>
+                  <a:tcPr anchor="ctr"/>
+                </a:tc>
+                <a:tc>
+                  <a:txBody>
+                    <a:bodyPr/>
+                    <a:lstStyle/>
+                    <a:p>
+                      <a:pPr marL="0" marR="0" lvl="2" indent="0" algn="ctr" defTabSz="914400" rtl="0" eaLnBrk="1" fontAlgn="auto" latinLnBrk="0" hangingPunct="1">
+                        <a:lnSpc>
+                          <a:spcPct val="100000"/>
+                        </a:lnSpc>
+                        <a:spcBef>
+                          <a:spcPts val="0"/>
+                        </a:spcBef>
+                        <a:spcAft>
+                          <a:spcPts val="0"/>
+                        </a:spcAft>
+                        <a:buClrTx/>
+                        <a:buSzTx/>
+                        <a:buFontTx/>
+                        <a:buNone/>
+                        <a:tabLst/>
+                        <a:defRPr/>
+                      </a:pPr>
+                      <a:r>
+                        <a:rPr lang="zh-CN" altLang="en-US" sz="1600" kern="1200" dirty="0" smtClean="0">
+                          <a:solidFill>
+                            <a:schemeClr val="dk1"/>
+                          </a:solidFill>
+                          <a:latin typeface="黑体" panose="02010609060101010101" pitchFamily="49" charset="-122"/>
+                          <a:ea typeface="黑体" panose="02010609060101010101" pitchFamily="49" charset="-122"/>
+                          <a:cs typeface="+mn-cs"/>
+                        </a:rPr>
+                        <a:t>图片实际所在域名，如</a:t>
+                      </a:r>
+                      <a:r>
+                        <a:rPr lang="en-US" altLang="zh-CN" sz="1600" kern="1200" dirty="0" smtClean="0">
+                          <a:solidFill>
+                            <a:schemeClr val="dk1"/>
+                          </a:solidFill>
+                          <a:latin typeface="黑体" panose="02010609060101010101" pitchFamily="49" charset="-122"/>
+                          <a:ea typeface="黑体" panose="02010609060101010101" pitchFamily="49" charset="-122"/>
+                          <a:cs typeface="+mn-cs"/>
+                        </a:rPr>
+                        <a:t>"http://www.baidu.com"</a:t>
+                      </a:r>
+                    </a:p>
+                  </a:txBody>
+                  <a:tcPr anchor="ctr"/>
+                </a:tc>
+                <a:extLst>
+                  <a:ext uri="{0D108BD9-81ED-4DB2-BD59-A6C34878D82A}">
+                    <a16:rowId xmlns:a16="http://schemas.microsoft.com/office/drawing/2014/main" val="1345469901"/>
+                  </a:ext>
+                </a:extLst>
+              </a:tr>
+              <a:tr h="370840">
+                <a:tc>
+                  <a:txBody>
+                    <a:bodyPr/>
+                    <a:lstStyle/>
+                    <a:p>
+                      <a:pPr marL="0" marR="0" lvl="2" indent="0" algn="ctr" defTabSz="914400" rtl="0" eaLnBrk="1" fontAlgn="auto" latinLnBrk="0" hangingPunct="1">
+                        <a:lnSpc>
+                          <a:spcPct val="100000"/>
+                        </a:lnSpc>
+                        <a:spcBef>
+                          <a:spcPts val="0"/>
+                        </a:spcBef>
+                        <a:spcAft>
+                          <a:spcPts val="0"/>
+                        </a:spcAft>
+                        <a:buClrTx/>
+                        <a:buSzTx/>
+                        <a:buFontTx/>
+                        <a:buNone/>
+                        <a:tabLst/>
+                        <a:defRPr/>
+                      </a:pPr>
+                      <a:r>
+                        <a:rPr lang="en-US" altLang="zh-CN" sz="1600" kern="1200" dirty="0" smtClean="0">
+                          <a:solidFill>
+                            <a:schemeClr val="dk1"/>
+                          </a:solidFill>
+                          <a:latin typeface="黑体" panose="02010609060101010101" pitchFamily="49" charset="-122"/>
+                          <a:ea typeface="黑体" panose="02010609060101010101" pitchFamily="49" charset="-122"/>
+                          <a:cs typeface="+mn-cs"/>
+                        </a:rPr>
+                        <a:t>7</a:t>
+                      </a:r>
+                      <a:endParaRPr lang="zh-CN" altLang="en-US" sz="1600" kern="1200" dirty="0">
+                        <a:solidFill>
+                          <a:schemeClr val="dk1"/>
+                        </a:solidFill>
+                        <a:latin typeface="黑体" panose="02010609060101010101" pitchFamily="49" charset="-122"/>
+                        <a:ea typeface="黑体" panose="02010609060101010101" pitchFamily="49" charset="-122"/>
+                        <a:cs typeface="+mn-cs"/>
+                      </a:endParaRPr>
+                    </a:p>
+                  </a:txBody>
+                  <a:tcPr anchor="ctr"/>
+                </a:tc>
+                <a:tc>
+                  <a:txBody>
+                    <a:bodyPr/>
+                    <a:lstStyle/>
+                    <a:p>
+                      <a:pPr marL="0" marR="0" lvl="2" indent="0" algn="ctr" defTabSz="914400" rtl="0" eaLnBrk="1" fontAlgn="auto" latinLnBrk="0" hangingPunct="1">
+                        <a:lnSpc>
+                          <a:spcPct val="100000"/>
+                        </a:lnSpc>
+                        <a:spcBef>
+                          <a:spcPts val="0"/>
+                        </a:spcBef>
+                        <a:spcAft>
+                          <a:spcPts val="0"/>
+                        </a:spcAft>
+                        <a:buClrTx/>
+                        <a:buSzTx/>
+                        <a:buFontTx/>
+                        <a:buNone/>
+                        <a:tabLst/>
+                        <a:defRPr/>
+                      </a:pPr>
+                      <a:r>
+                        <a:rPr lang="en-US" altLang="zh-CN" sz="1600" kern="1200" dirty="0" err="1" smtClean="0">
+                          <a:solidFill>
+                            <a:schemeClr val="dk1"/>
+                          </a:solidFill>
+                          <a:latin typeface="黑体" panose="02010609060101010101" pitchFamily="49" charset="-122"/>
+                          <a:ea typeface="黑体" panose="02010609060101010101" pitchFamily="49" charset="-122"/>
+                          <a:cs typeface="+mn-cs"/>
+                        </a:rPr>
+                        <a:t>packageSize</a:t>
+                      </a:r>
+                      <a:endParaRPr lang="zh-CN" altLang="en-US" sz="1600" kern="1200" dirty="0">
+                        <a:solidFill>
+                          <a:schemeClr val="dk1"/>
+                        </a:solidFill>
+                        <a:latin typeface="黑体" panose="02010609060101010101" pitchFamily="49" charset="-122"/>
+                        <a:ea typeface="黑体" panose="02010609060101010101" pitchFamily="49" charset="-122"/>
+                        <a:cs typeface="+mn-cs"/>
+                      </a:endParaRPr>
+                    </a:p>
+                  </a:txBody>
+                  <a:tcPr anchor="ctr"/>
+                </a:tc>
+                <a:tc>
+                  <a:txBody>
+                    <a:bodyPr/>
+                    <a:lstStyle/>
+                    <a:p>
+                      <a:pPr marL="0" marR="0" lvl="2" indent="0" algn="ctr" defTabSz="914400" rtl="0" eaLnBrk="1" fontAlgn="auto" latinLnBrk="0" hangingPunct="1">
+                        <a:lnSpc>
+                          <a:spcPct val="100000"/>
+                        </a:lnSpc>
+                        <a:spcBef>
+                          <a:spcPts val="0"/>
+                        </a:spcBef>
+                        <a:spcAft>
+                          <a:spcPts val="0"/>
+                        </a:spcAft>
+                        <a:buClrTx/>
+                        <a:buSzTx/>
+                        <a:buFontTx/>
+                        <a:buNone/>
+                        <a:tabLst/>
+                        <a:defRPr/>
+                      </a:pPr>
+                      <a:r>
+                        <a:rPr lang="en-US" altLang="zh-CN" sz="1600" kern="1200" dirty="0" smtClean="0">
+                          <a:solidFill>
+                            <a:schemeClr val="dk1"/>
+                          </a:solidFill>
+                          <a:latin typeface="黑体" panose="02010609060101010101" pitchFamily="49" charset="-122"/>
+                          <a:ea typeface="黑体" panose="02010609060101010101" pitchFamily="49" charset="-122"/>
+                          <a:cs typeface="+mn-cs"/>
+                        </a:rPr>
+                        <a:t>--</a:t>
+                      </a:r>
+                      <a:endParaRPr lang="zh-CN" altLang="en-US" sz="1600" kern="1200" dirty="0">
+                        <a:solidFill>
+                          <a:schemeClr val="dk1"/>
+                        </a:solidFill>
+                        <a:latin typeface="黑体" panose="02010609060101010101" pitchFamily="49" charset="-122"/>
+                        <a:ea typeface="黑体" panose="02010609060101010101" pitchFamily="49" charset="-122"/>
+                        <a:cs typeface="+mn-cs"/>
+                      </a:endParaRPr>
+                    </a:p>
+                  </a:txBody>
+                  <a:tcPr anchor="ctr"/>
+                </a:tc>
+                <a:tc>
+                  <a:txBody>
+                    <a:bodyPr/>
+                    <a:lstStyle/>
+                    <a:p>
+                      <a:pPr marL="0" marR="0" lvl="2" indent="0" algn="ctr" defTabSz="914400" rtl="0" eaLnBrk="1" fontAlgn="auto" latinLnBrk="0" hangingPunct="1">
+                        <a:lnSpc>
+                          <a:spcPct val="100000"/>
+                        </a:lnSpc>
+                        <a:spcBef>
+                          <a:spcPts val="0"/>
+                        </a:spcBef>
+                        <a:spcAft>
+                          <a:spcPts val="0"/>
+                        </a:spcAft>
+                        <a:buClrTx/>
+                        <a:buSzTx/>
+                        <a:buFontTx/>
+                        <a:buNone/>
+                        <a:tabLst/>
+                        <a:defRPr/>
+                      </a:pPr>
+                      <a:r>
+                        <a:rPr lang="en-US" altLang="zh-CN" sz="1600" kern="1200" dirty="0" smtClean="0">
+                          <a:solidFill>
+                            <a:schemeClr val="dk1"/>
+                          </a:solidFill>
+                          <a:latin typeface="黑体" panose="02010609060101010101" pitchFamily="49" charset="-122"/>
+                          <a:ea typeface="黑体" panose="02010609060101010101" pitchFamily="49" charset="-122"/>
+                          <a:cs typeface="+mn-cs"/>
+                        </a:rPr>
+                        <a:t>64K</a:t>
+                      </a:r>
+                      <a:endParaRPr lang="zh-CN" altLang="en-US" sz="1600" kern="1200" dirty="0">
+                        <a:solidFill>
+                          <a:schemeClr val="dk1"/>
+                        </a:solidFill>
+                        <a:latin typeface="黑体" panose="02010609060101010101" pitchFamily="49" charset="-122"/>
+                        <a:ea typeface="黑体" panose="02010609060101010101" pitchFamily="49" charset="-122"/>
+                        <a:cs typeface="+mn-cs"/>
+                      </a:endParaRPr>
+                    </a:p>
+                  </a:txBody>
+                  <a:tcPr anchor="ctr"/>
+                </a:tc>
+                <a:tc>
+                  <a:txBody>
+                    <a:bodyPr/>
+                    <a:lstStyle/>
+                    <a:p>
+                      <a:pPr marL="0" marR="0" lvl="2" indent="0" algn="ctr" defTabSz="914400" rtl="0" eaLnBrk="1" fontAlgn="auto" latinLnBrk="0" hangingPunct="1">
+                        <a:lnSpc>
+                          <a:spcPct val="100000"/>
+                        </a:lnSpc>
+                        <a:spcBef>
+                          <a:spcPts val="0"/>
+                        </a:spcBef>
+                        <a:spcAft>
+                          <a:spcPts val="0"/>
+                        </a:spcAft>
+                        <a:buClrTx/>
+                        <a:buSzTx/>
+                        <a:buFontTx/>
+                        <a:buNone/>
+                        <a:tabLst/>
+                        <a:defRPr/>
+                      </a:pPr>
+                      <a:r>
+                        <a:rPr lang="zh-CN" altLang="en-US" sz="1600" kern="1200" dirty="0" smtClean="0">
+                          <a:solidFill>
+                            <a:schemeClr val="dk1"/>
+                          </a:solidFill>
+                          <a:latin typeface="黑体" panose="02010609060101010101" pitchFamily="49" charset="-122"/>
+                          <a:ea typeface="黑体" panose="02010609060101010101" pitchFamily="49" charset="-122"/>
+                          <a:cs typeface="+mn-cs"/>
+                        </a:rPr>
+                        <a:t>网速测试控制器写回包的大小</a:t>
+                      </a:r>
+                    </a:p>
+                  </a:txBody>
+                  <a:tcPr anchor="ctr"/>
+                </a:tc>
+                <a:extLst>
+                  <a:ext uri="{0D108BD9-81ED-4DB2-BD59-A6C34878D82A}">
+                    <a16:rowId xmlns:a16="http://schemas.microsoft.com/office/drawing/2014/main" val="2175447637"/>
+                  </a:ext>
+                </a:extLst>
+              </a:tr>
+              <a:tr h="370840">
+                <a:tc>
+                  <a:txBody>
+                    <a:bodyPr/>
+                    <a:lstStyle/>
+                    <a:p>
+                      <a:pPr marL="0" marR="0" lvl="2" indent="0" algn="ctr" defTabSz="914400" rtl="0" eaLnBrk="1" fontAlgn="auto" latinLnBrk="0" hangingPunct="1">
+                        <a:lnSpc>
+                          <a:spcPct val="100000"/>
+                        </a:lnSpc>
+                        <a:spcBef>
+                          <a:spcPts val="0"/>
+                        </a:spcBef>
+                        <a:spcAft>
+                          <a:spcPts val="0"/>
+                        </a:spcAft>
+                        <a:buClrTx/>
+                        <a:buSzTx/>
+                        <a:buFontTx/>
+                        <a:buNone/>
+                        <a:tabLst/>
+                        <a:defRPr/>
+                      </a:pPr>
+                      <a:r>
+                        <a:rPr lang="en-US" altLang="zh-CN" sz="1600" kern="1200" dirty="0" smtClean="0">
+                          <a:solidFill>
+                            <a:schemeClr val="dk1"/>
+                          </a:solidFill>
+                          <a:latin typeface="黑体" panose="02010609060101010101" pitchFamily="49" charset="-122"/>
+                          <a:ea typeface="黑体" panose="02010609060101010101" pitchFamily="49" charset="-122"/>
+                          <a:cs typeface="+mn-cs"/>
+                        </a:rPr>
+                        <a:t>8</a:t>
+                      </a:r>
+                      <a:endParaRPr lang="zh-CN" altLang="en-US" sz="1600" kern="1200" dirty="0">
+                        <a:solidFill>
+                          <a:schemeClr val="dk1"/>
+                        </a:solidFill>
+                        <a:latin typeface="黑体" panose="02010609060101010101" pitchFamily="49" charset="-122"/>
+                        <a:ea typeface="黑体" panose="02010609060101010101" pitchFamily="49" charset="-122"/>
+                        <a:cs typeface="+mn-cs"/>
+                      </a:endParaRPr>
+                    </a:p>
+                  </a:txBody>
+                  <a:tcPr anchor="ctr"/>
+                </a:tc>
+                <a:tc>
+                  <a:txBody>
+                    <a:bodyPr/>
+                    <a:lstStyle/>
+                    <a:p>
+                      <a:pPr marL="0" marR="0" lvl="2" indent="0" algn="ctr" defTabSz="914400" rtl="0" eaLnBrk="1" fontAlgn="auto" latinLnBrk="0" hangingPunct="1">
+                        <a:lnSpc>
+                          <a:spcPct val="100000"/>
+                        </a:lnSpc>
+                        <a:spcBef>
+                          <a:spcPts val="0"/>
+                        </a:spcBef>
+                        <a:spcAft>
+                          <a:spcPts val="0"/>
+                        </a:spcAft>
+                        <a:buClrTx/>
+                        <a:buSzTx/>
+                        <a:buFontTx/>
+                        <a:buNone/>
+                        <a:tabLst/>
+                        <a:defRPr/>
+                      </a:pPr>
+                      <a:r>
+                        <a:rPr lang="en-US" altLang="zh-CN" sz="1600" kern="1200" dirty="0" err="1" smtClean="0">
+                          <a:solidFill>
+                            <a:schemeClr val="dk1"/>
+                          </a:solidFill>
+                          <a:latin typeface="黑体" panose="02010609060101010101" pitchFamily="49" charset="-122"/>
+                          <a:ea typeface="黑体" panose="02010609060101010101" pitchFamily="49" charset="-122"/>
+                          <a:cs typeface="+mn-cs"/>
+                        </a:rPr>
+                        <a:t>preloadRatio</a:t>
+                      </a:r>
+                      <a:endParaRPr lang="zh-CN" altLang="en-US" sz="1600" kern="1200" dirty="0">
+                        <a:solidFill>
+                          <a:schemeClr val="dk1"/>
+                        </a:solidFill>
+                        <a:latin typeface="黑体" panose="02010609060101010101" pitchFamily="49" charset="-122"/>
+                        <a:ea typeface="黑体" panose="02010609060101010101" pitchFamily="49" charset="-122"/>
+                        <a:cs typeface="+mn-cs"/>
+                      </a:endParaRPr>
+                    </a:p>
+                  </a:txBody>
+                  <a:tcPr anchor="ctr"/>
+                </a:tc>
+                <a:tc>
+                  <a:txBody>
+                    <a:bodyPr/>
+                    <a:lstStyle/>
+                    <a:p>
+                      <a:pPr marL="0" marR="0" lvl="2" indent="0" algn="ctr" defTabSz="914400" rtl="0" eaLnBrk="1" fontAlgn="auto" latinLnBrk="0" hangingPunct="1">
+                        <a:lnSpc>
+                          <a:spcPct val="100000"/>
+                        </a:lnSpc>
+                        <a:spcBef>
+                          <a:spcPts val="0"/>
+                        </a:spcBef>
+                        <a:spcAft>
+                          <a:spcPts val="0"/>
+                        </a:spcAft>
+                        <a:buClrTx/>
+                        <a:buSzTx/>
+                        <a:buFontTx/>
+                        <a:buNone/>
+                        <a:tabLst/>
+                        <a:defRPr/>
+                      </a:pPr>
+                      <a:r>
+                        <a:rPr lang="en-US" altLang="zh-CN" sz="1600" kern="1200" dirty="0" smtClean="0">
+                          <a:solidFill>
+                            <a:schemeClr val="dk1"/>
+                          </a:solidFill>
+                          <a:latin typeface="黑体" panose="02010609060101010101" pitchFamily="49" charset="-122"/>
+                          <a:ea typeface="黑体" panose="02010609060101010101" pitchFamily="49" charset="-122"/>
+                          <a:cs typeface="+mn-cs"/>
+                        </a:rPr>
+                        <a:t>--</a:t>
+                      </a:r>
+                      <a:endParaRPr lang="zh-CN" altLang="en-US" sz="1600" kern="1200" dirty="0">
+                        <a:solidFill>
+                          <a:schemeClr val="dk1"/>
+                        </a:solidFill>
+                        <a:latin typeface="黑体" panose="02010609060101010101" pitchFamily="49" charset="-122"/>
+                        <a:ea typeface="黑体" panose="02010609060101010101" pitchFamily="49" charset="-122"/>
+                        <a:cs typeface="+mn-cs"/>
+                      </a:endParaRPr>
+                    </a:p>
+                  </a:txBody>
+                  <a:tcPr anchor="ctr"/>
+                </a:tc>
+                <a:tc>
+                  <a:txBody>
+                    <a:bodyPr/>
+                    <a:lstStyle/>
+                    <a:p>
+                      <a:pPr marL="0" marR="0" lvl="2" indent="0" algn="ctr" defTabSz="914400" rtl="0" eaLnBrk="1" fontAlgn="auto" latinLnBrk="0" hangingPunct="1">
+                        <a:lnSpc>
+                          <a:spcPct val="100000"/>
+                        </a:lnSpc>
+                        <a:spcBef>
+                          <a:spcPts val="0"/>
+                        </a:spcBef>
+                        <a:spcAft>
+                          <a:spcPts val="0"/>
+                        </a:spcAft>
+                        <a:buClrTx/>
+                        <a:buSzTx/>
+                        <a:buFontTx/>
+                        <a:buNone/>
+                        <a:tabLst/>
+                        <a:defRPr/>
+                      </a:pPr>
+                      <a:r>
+                        <a:rPr lang="en-US" altLang="zh-CN" sz="1600" kern="1200" dirty="0" smtClean="0">
+                          <a:solidFill>
+                            <a:schemeClr val="dk1"/>
+                          </a:solidFill>
+                          <a:latin typeface="黑体" panose="02010609060101010101" pitchFamily="49" charset="-122"/>
+                          <a:ea typeface="黑体" panose="02010609060101010101" pitchFamily="49" charset="-122"/>
+                          <a:cs typeface="+mn-cs"/>
+                        </a:rPr>
+                        <a:t>2</a:t>
+                      </a:r>
+                      <a:endParaRPr lang="zh-CN" altLang="en-US" sz="1600" kern="1200" dirty="0">
+                        <a:solidFill>
+                          <a:schemeClr val="dk1"/>
+                        </a:solidFill>
+                        <a:latin typeface="黑体" panose="02010609060101010101" pitchFamily="49" charset="-122"/>
+                        <a:ea typeface="黑体" panose="02010609060101010101" pitchFamily="49" charset="-122"/>
+                        <a:cs typeface="+mn-cs"/>
+                      </a:endParaRPr>
+                    </a:p>
+                  </a:txBody>
+                  <a:tcPr anchor="ctr"/>
+                </a:tc>
+                <a:tc>
+                  <a:txBody>
+                    <a:bodyPr/>
+                    <a:lstStyle/>
+                    <a:p>
+                      <a:pPr marL="0" marR="0" lvl="2" indent="0" algn="ctr" defTabSz="914400" rtl="0" eaLnBrk="1" fontAlgn="auto" latinLnBrk="0" hangingPunct="1">
+                        <a:lnSpc>
+                          <a:spcPct val="100000"/>
+                        </a:lnSpc>
+                        <a:spcBef>
+                          <a:spcPts val="0"/>
+                        </a:spcBef>
+                        <a:spcAft>
+                          <a:spcPts val="0"/>
+                        </a:spcAft>
+                        <a:buClrTx/>
+                        <a:buSzTx/>
+                        <a:buFontTx/>
+                        <a:buNone/>
+                        <a:tabLst/>
+                        <a:defRPr/>
+                      </a:pPr>
+                      <a:r>
+                        <a:rPr lang="zh-CN" altLang="en-US" sz="1600" kern="1200" dirty="0" smtClean="0">
+                          <a:solidFill>
+                            <a:schemeClr val="dk1"/>
+                          </a:solidFill>
+                          <a:latin typeface="黑体" panose="02010609060101010101" pitchFamily="49" charset="-122"/>
+                          <a:ea typeface="黑体" panose="02010609060101010101" pitchFamily="49" charset="-122"/>
+                          <a:cs typeface="+mn-cs"/>
+                        </a:rPr>
+                        <a:t>页面预加载比例</a:t>
+                      </a:r>
+                      <a:endParaRPr lang="en-US" altLang="zh-CN" sz="1600" kern="1200" dirty="0" smtClean="0">
+                        <a:solidFill>
+                          <a:schemeClr val="dk1"/>
+                        </a:solidFill>
+                        <a:latin typeface="黑体" panose="02010609060101010101" pitchFamily="49" charset="-122"/>
+                        <a:ea typeface="黑体" panose="02010609060101010101" pitchFamily="49" charset="-122"/>
+                        <a:cs typeface="+mn-cs"/>
+                      </a:endParaRPr>
+                    </a:p>
+                  </a:txBody>
+                  <a:tcPr anchor="ctr"/>
+                </a:tc>
+                <a:extLst>
+                  <a:ext uri="{0D108BD9-81ED-4DB2-BD59-A6C34878D82A}">
+                    <a16:rowId xmlns:a16="http://schemas.microsoft.com/office/drawing/2014/main" val="4063934539"/>
+                  </a:ext>
+                </a:extLst>
+              </a:tr>
+            </a:tbl>
+          </a:graphicData>
+        </a:graphic>
+      </p:graphicFrame>
+    </p:spTree>
+    <p:extLst>
+      <p:ext uri="{BB962C8B-B14F-4D97-AF65-F5344CB8AC3E}">
+        <p14:creationId xmlns:p14="http://schemas.microsoft.com/office/powerpoint/2010/main" val="3326835290"/>
+      </p:ext>
+    </p:extLst>
+  </p:cSld>
+  <p:clrMapOvr>
+    <a:masterClrMapping/>
+  </p:clrMapOvr>
+  <p:timing>
+    <p:tnLst>
+      <p:par>
+        <p:cTn id="1" dur="indefinite" restart="never" nodeType="tmRoot"/>
+      </p:par>
+    </p:tnLst>
+  </p:timing>
+</p:sld>
+</file>
+
 <file path=ppt/slides/slide9.xml><?xml version="1.0" encoding="utf-8"?>
 <p:sld xmlns:a="http://schemas.openxmlformats.org/drawingml/2006/main" xmlns:r="http://schemas.openxmlformats.org/officeDocument/2006/relationships" xmlns:p="http://schemas.openxmlformats.org/presentationml/2006/main">
   <p:cSld>
@@ -7971,1213 +9329,46 @@
           <a:lstStyle/>
           <a:p>
             <a:r>
-              <a:rPr lang="en-US" altLang="zh-CN" dirty="0" smtClean="0"/>
-              <a:t>CDN</a:t>
-            </a:r>
-            <a:r>
               <a:rPr lang="zh-CN" altLang="en-US" dirty="0" smtClean="0"/>
-              <a:t>配置项</a:t>
+              <a:t>结构图</a:t>
             </a:r>
             <a:endParaRPr lang="zh-CN" altLang="en-US" dirty="0"/>
           </a:p>
         </p:txBody>
       </p:sp>
-      <p:graphicFrame>
-        <p:nvGraphicFramePr>
-          <p:cNvPr id="7" name="表格 6"/>
-          <p:cNvGraphicFramePr>
-            <a:graphicFrameLocks noGrp="1"/>
-          </p:cNvGraphicFramePr>
+      <p:pic>
+        <p:nvPicPr>
+          <p:cNvPr id="6" name="内容占位符 5"/>
+          <p:cNvPicPr>
+            <a:picLocks noGrp="1" noChangeAspect="1"/>
+          </p:cNvPicPr>
           <p:nvPr>
-            <p:extLst>
-              <p:ext uri="{D42A27DB-BD31-4B8C-83A1-F6EECF244321}">
-                <p14:modId xmlns:p14="http://schemas.microsoft.com/office/powerpoint/2010/main" val="1696347636"/>
-              </p:ext>
-            </p:extLst>
+            <p:ph idx="1"/>
           </p:nvPr>
-        </p:nvGraphicFramePr>
-        <p:xfrm>
-          <a:off x="452580" y="1852614"/>
-          <a:ext cx="8238840" cy="2647949"/>
-        </p:xfrm>
-        <a:graphic>
-          <a:graphicData uri="http://schemas.openxmlformats.org/drawingml/2006/table">
-            <a:tbl>
-              <a:tblPr firstRow="1" bandRow="1">
-                <a:tableStyleId>{5C22544A-7EE6-4342-B048-85BDC9FD1C3A}</a:tableStyleId>
-              </a:tblPr>
-              <a:tblGrid>
-                <a:gridCol w="684000">
-                  <a:extLst>
-                    <a:ext uri="{9D8B030D-6E8A-4147-A177-3AD203B41FA5}">
-                      <a16:colId xmlns:a16="http://schemas.microsoft.com/office/drawing/2014/main" val="972681757"/>
-                    </a:ext>
-                  </a:extLst>
-                </a:gridCol>
-                <a:gridCol w="2910840">
-                  <a:extLst>
-                    <a:ext uri="{9D8B030D-6E8A-4147-A177-3AD203B41FA5}">
-                      <a16:colId xmlns:a16="http://schemas.microsoft.com/office/drawing/2014/main" val="3162198136"/>
-                    </a:ext>
-                  </a:extLst>
-                </a:gridCol>
-                <a:gridCol w="972000">
-                  <a:extLst>
-                    <a:ext uri="{9D8B030D-6E8A-4147-A177-3AD203B41FA5}">
-                      <a16:colId xmlns:a16="http://schemas.microsoft.com/office/drawing/2014/main" val="574787220"/>
-                    </a:ext>
-                  </a:extLst>
-                </a:gridCol>
-                <a:gridCol w="3672000">
-                  <a:extLst>
-                    <a:ext uri="{9D8B030D-6E8A-4147-A177-3AD203B41FA5}">
-                      <a16:colId xmlns:a16="http://schemas.microsoft.com/office/drawing/2014/main" val="3427752908"/>
-                    </a:ext>
-                  </a:extLst>
-                </a:gridCol>
-              </a:tblGrid>
-              <a:tr h="377189">
-                <a:tc>
-                  <a:txBody>
-                    <a:bodyPr/>
-                    <a:lstStyle/>
-                    <a:p>
-                      <a:pPr marL="0" marR="0" lvl="2" indent="0" algn="ctr" defTabSz="914400" rtl="0" eaLnBrk="1" fontAlgn="auto" latinLnBrk="0" hangingPunct="1">
-                        <a:lnSpc>
-                          <a:spcPct val="100000"/>
-                        </a:lnSpc>
-                        <a:spcBef>
-                          <a:spcPts val="0"/>
-                        </a:spcBef>
-                        <a:spcAft>
-                          <a:spcPts val="0"/>
-                        </a:spcAft>
-                        <a:buClrTx/>
-                        <a:buSzTx/>
-                        <a:buFontTx/>
-                        <a:buNone/>
-                        <a:tabLst/>
-                        <a:defRPr/>
-                      </a:pPr>
-                      <a:r>
-                        <a:rPr lang="zh-CN" altLang="en-US" sz="1600" kern="1200" dirty="0" smtClean="0">
-                          <a:solidFill>
-                            <a:schemeClr val="dk1"/>
-                          </a:solidFill>
-                          <a:latin typeface="黑体" panose="02010609060101010101" pitchFamily="49" charset="-122"/>
-                          <a:ea typeface="黑体" panose="02010609060101010101" pitchFamily="49" charset="-122"/>
-                          <a:cs typeface="+mn-cs"/>
-                        </a:rPr>
-                        <a:t>序号</a:t>
-                      </a:r>
-                      <a:endParaRPr lang="zh-CN" altLang="en-US" sz="1600" kern="1200" dirty="0">
-                        <a:solidFill>
-                          <a:schemeClr val="dk1"/>
-                        </a:solidFill>
-                        <a:latin typeface="黑体" panose="02010609060101010101" pitchFamily="49" charset="-122"/>
-                        <a:ea typeface="黑体" panose="02010609060101010101" pitchFamily="49" charset="-122"/>
-                        <a:cs typeface="+mn-cs"/>
-                      </a:endParaRPr>
-                    </a:p>
-                  </a:txBody>
-                  <a:tcPr anchor="ctr"/>
-                </a:tc>
-                <a:tc>
-                  <a:txBody>
-                    <a:bodyPr/>
-                    <a:lstStyle/>
-                    <a:p>
-                      <a:pPr marL="0" marR="0" lvl="2" indent="0" algn="ctr" defTabSz="914400" rtl="0" eaLnBrk="1" fontAlgn="auto" latinLnBrk="0" hangingPunct="1">
-                        <a:lnSpc>
-                          <a:spcPct val="100000"/>
-                        </a:lnSpc>
-                        <a:spcBef>
-                          <a:spcPts val="0"/>
-                        </a:spcBef>
-                        <a:spcAft>
-                          <a:spcPts val="0"/>
-                        </a:spcAft>
-                        <a:buClrTx/>
-                        <a:buSzTx/>
-                        <a:buFontTx/>
-                        <a:buNone/>
-                        <a:tabLst/>
-                        <a:defRPr/>
-                      </a:pPr>
-                      <a:r>
-                        <a:rPr lang="zh-CN" altLang="en-US" sz="1600" kern="1200" dirty="0" smtClean="0">
-                          <a:solidFill>
-                            <a:schemeClr val="dk1"/>
-                          </a:solidFill>
-                          <a:latin typeface="黑体" panose="02010609060101010101" pitchFamily="49" charset="-122"/>
-                          <a:ea typeface="黑体" panose="02010609060101010101" pitchFamily="49" charset="-122"/>
-                          <a:cs typeface="+mn-cs"/>
-                        </a:rPr>
-                        <a:t>配置名</a:t>
-                      </a:r>
-                      <a:endParaRPr lang="zh-CN" altLang="en-US" sz="1600" kern="1200" dirty="0">
-                        <a:solidFill>
-                          <a:schemeClr val="dk1"/>
-                        </a:solidFill>
-                        <a:latin typeface="黑体" panose="02010609060101010101" pitchFamily="49" charset="-122"/>
-                        <a:ea typeface="黑体" panose="02010609060101010101" pitchFamily="49" charset="-122"/>
-                        <a:cs typeface="+mn-cs"/>
-                      </a:endParaRPr>
-                    </a:p>
-                  </a:txBody>
-                  <a:tcPr anchor="ctr"/>
-                </a:tc>
-                <a:tc>
-                  <a:txBody>
-                    <a:bodyPr/>
-                    <a:lstStyle/>
-                    <a:p>
-                      <a:pPr marL="0" marR="0" lvl="2" indent="0" algn="ctr" defTabSz="914400" rtl="0" eaLnBrk="1" fontAlgn="auto" latinLnBrk="0" hangingPunct="1">
-                        <a:lnSpc>
-                          <a:spcPct val="100000"/>
-                        </a:lnSpc>
-                        <a:spcBef>
-                          <a:spcPts val="0"/>
-                        </a:spcBef>
-                        <a:spcAft>
-                          <a:spcPts val="0"/>
-                        </a:spcAft>
-                        <a:buClrTx/>
-                        <a:buSzTx/>
-                        <a:buFontTx/>
-                        <a:buNone/>
-                        <a:tabLst/>
-                        <a:defRPr/>
-                      </a:pPr>
-                      <a:r>
-                        <a:rPr lang="zh-CN" altLang="en-US" sz="1600" kern="1200" dirty="0" smtClean="0">
-                          <a:solidFill>
-                            <a:schemeClr val="dk1"/>
-                          </a:solidFill>
-                          <a:latin typeface="黑体" panose="02010609060101010101" pitchFamily="49" charset="-122"/>
-                          <a:ea typeface="黑体" panose="02010609060101010101" pitchFamily="49" charset="-122"/>
-                          <a:cs typeface="+mn-cs"/>
-                        </a:rPr>
-                        <a:t>类型</a:t>
-                      </a:r>
-                      <a:endParaRPr lang="zh-CN" altLang="en-US" sz="1600" kern="1200" dirty="0">
-                        <a:solidFill>
-                          <a:schemeClr val="dk1"/>
-                        </a:solidFill>
-                        <a:latin typeface="黑体" panose="02010609060101010101" pitchFamily="49" charset="-122"/>
-                        <a:ea typeface="黑体" panose="02010609060101010101" pitchFamily="49" charset="-122"/>
-                        <a:cs typeface="+mn-cs"/>
-                      </a:endParaRPr>
-                    </a:p>
-                  </a:txBody>
-                  <a:tcPr anchor="ctr"/>
-                </a:tc>
-                <a:tc>
-                  <a:txBody>
-                    <a:bodyPr/>
-                    <a:lstStyle/>
-                    <a:p>
-                      <a:pPr marL="0" marR="0" lvl="2" indent="0" algn="ctr" defTabSz="914400" rtl="0" eaLnBrk="1" fontAlgn="auto" latinLnBrk="0" hangingPunct="1">
-                        <a:lnSpc>
-                          <a:spcPct val="100000"/>
-                        </a:lnSpc>
-                        <a:spcBef>
-                          <a:spcPts val="0"/>
-                        </a:spcBef>
-                        <a:spcAft>
-                          <a:spcPts val="0"/>
-                        </a:spcAft>
-                        <a:buClrTx/>
-                        <a:buSzTx/>
-                        <a:buFontTx/>
-                        <a:buNone/>
-                        <a:tabLst/>
-                        <a:defRPr/>
-                      </a:pPr>
-                      <a:r>
-                        <a:rPr lang="zh-CN" altLang="en-US" sz="1600" kern="1200" dirty="0" smtClean="0">
-                          <a:solidFill>
-                            <a:schemeClr val="dk1"/>
-                          </a:solidFill>
-                          <a:latin typeface="黑体" panose="02010609060101010101" pitchFamily="49" charset="-122"/>
-                          <a:ea typeface="黑体" panose="02010609060101010101" pitchFamily="49" charset="-122"/>
-                          <a:cs typeface="+mn-cs"/>
-                        </a:rPr>
-                        <a:t>含义</a:t>
-                      </a:r>
-                      <a:endParaRPr lang="zh-CN" altLang="en-US" sz="1600" kern="1200" dirty="0">
-                        <a:solidFill>
-                          <a:schemeClr val="dk1"/>
-                        </a:solidFill>
-                        <a:latin typeface="黑体" panose="02010609060101010101" pitchFamily="49" charset="-122"/>
-                        <a:ea typeface="黑体" panose="02010609060101010101" pitchFamily="49" charset="-122"/>
-                        <a:cs typeface="+mn-cs"/>
-                      </a:endParaRPr>
-                    </a:p>
-                  </a:txBody>
-                  <a:tcPr anchor="ctr"/>
-                </a:tc>
-                <a:extLst>
-                  <a:ext uri="{0D108BD9-81ED-4DB2-BD59-A6C34878D82A}">
-                    <a16:rowId xmlns:a16="http://schemas.microsoft.com/office/drawing/2014/main" val="2830105445"/>
-                  </a:ext>
-                </a:extLst>
-              </a:tr>
-              <a:tr h="370840">
-                <a:tc>
-                  <a:txBody>
-                    <a:bodyPr/>
-                    <a:lstStyle/>
-                    <a:p>
-                      <a:pPr marL="0" marR="0" lvl="2" indent="0" algn="ctr" defTabSz="914400" rtl="0" eaLnBrk="1" fontAlgn="auto" latinLnBrk="0" hangingPunct="1">
-                        <a:lnSpc>
-                          <a:spcPct val="100000"/>
-                        </a:lnSpc>
-                        <a:spcBef>
-                          <a:spcPts val="0"/>
-                        </a:spcBef>
-                        <a:spcAft>
-                          <a:spcPts val="0"/>
-                        </a:spcAft>
-                        <a:buClrTx/>
-                        <a:buSzTx/>
-                        <a:buFontTx/>
-                        <a:buNone/>
-                        <a:tabLst/>
-                        <a:defRPr/>
-                      </a:pPr>
-                      <a:r>
-                        <a:rPr lang="en-US" altLang="zh-CN" sz="1600" kern="1200" dirty="0" smtClean="0">
-                          <a:solidFill>
-                            <a:schemeClr val="dk1"/>
-                          </a:solidFill>
-                          <a:latin typeface="黑体" panose="02010609060101010101" pitchFamily="49" charset="-122"/>
-                          <a:ea typeface="黑体" panose="02010609060101010101" pitchFamily="49" charset="-122"/>
-                          <a:cs typeface="+mn-cs"/>
-                        </a:rPr>
-                        <a:t>1</a:t>
-                      </a:r>
-                      <a:endParaRPr lang="zh-CN" altLang="en-US" sz="1600" kern="1200" dirty="0">
-                        <a:solidFill>
-                          <a:schemeClr val="dk1"/>
-                        </a:solidFill>
-                        <a:latin typeface="黑体" panose="02010609060101010101" pitchFamily="49" charset="-122"/>
-                        <a:ea typeface="黑体" panose="02010609060101010101" pitchFamily="49" charset="-122"/>
-                        <a:cs typeface="+mn-cs"/>
-                      </a:endParaRPr>
-                    </a:p>
-                  </a:txBody>
-                  <a:tcPr anchor="ctr"/>
-                </a:tc>
-                <a:tc>
-                  <a:txBody>
-                    <a:bodyPr/>
-                    <a:lstStyle/>
-                    <a:p>
-                      <a:pPr marL="0" marR="0" lvl="2" indent="0" algn="ctr" defTabSz="914400" rtl="0" eaLnBrk="1" fontAlgn="auto" latinLnBrk="0" hangingPunct="1">
-                        <a:lnSpc>
-                          <a:spcPct val="100000"/>
-                        </a:lnSpc>
-                        <a:spcBef>
-                          <a:spcPts val="0"/>
-                        </a:spcBef>
-                        <a:spcAft>
-                          <a:spcPts val="0"/>
-                        </a:spcAft>
-                        <a:buClrTx/>
-                        <a:buSzTx/>
-                        <a:buFontTx/>
-                        <a:buNone/>
-                        <a:tabLst/>
-                        <a:defRPr/>
-                      </a:pPr>
-                      <a:r>
-                        <a:rPr lang="en-US" altLang="zh-CN" sz="1600" kern="1200" dirty="0" err="1" smtClean="0">
-                          <a:solidFill>
-                            <a:schemeClr val="dk1"/>
-                          </a:solidFill>
-                          <a:latin typeface="黑体" panose="02010609060101010101" pitchFamily="49" charset="-122"/>
-                          <a:ea typeface="黑体" panose="02010609060101010101" pitchFamily="49" charset="-122"/>
-                          <a:cs typeface="+mn-cs"/>
-                        </a:rPr>
-                        <a:t>bandwidthTesterPackageSize</a:t>
-                      </a:r>
-                      <a:endParaRPr lang="zh-CN" altLang="en-US" sz="1600" kern="1200" dirty="0">
-                        <a:solidFill>
-                          <a:schemeClr val="dk1"/>
-                        </a:solidFill>
-                        <a:latin typeface="黑体" panose="02010609060101010101" pitchFamily="49" charset="-122"/>
-                        <a:ea typeface="黑体" panose="02010609060101010101" pitchFamily="49" charset="-122"/>
-                        <a:cs typeface="+mn-cs"/>
-                      </a:endParaRPr>
-                    </a:p>
-                  </a:txBody>
-                  <a:tcPr anchor="ctr"/>
-                </a:tc>
-                <a:tc>
-                  <a:txBody>
-                    <a:bodyPr/>
-                    <a:lstStyle/>
-                    <a:p>
-                      <a:pPr marL="0" marR="0" lvl="2" indent="0" algn="ctr" defTabSz="914400" rtl="0" eaLnBrk="1" fontAlgn="auto" latinLnBrk="0" hangingPunct="1">
-                        <a:lnSpc>
-                          <a:spcPct val="100000"/>
-                        </a:lnSpc>
-                        <a:spcBef>
-                          <a:spcPts val="0"/>
-                        </a:spcBef>
-                        <a:spcAft>
-                          <a:spcPts val="0"/>
-                        </a:spcAft>
-                        <a:buClrTx/>
-                        <a:buSzTx/>
-                        <a:buFontTx/>
-                        <a:buNone/>
-                        <a:tabLst/>
-                        <a:defRPr/>
-                      </a:pPr>
-                      <a:r>
-                        <a:rPr lang="en-US" altLang="zh-CN" sz="1600" kern="1200" dirty="0" err="1" smtClean="0">
-                          <a:solidFill>
-                            <a:schemeClr val="dk1"/>
-                          </a:solidFill>
-                          <a:latin typeface="黑体" panose="02010609060101010101" pitchFamily="49" charset="-122"/>
-                          <a:ea typeface="黑体" panose="02010609060101010101" pitchFamily="49" charset="-122"/>
-                          <a:cs typeface="+mn-cs"/>
-                        </a:rPr>
-                        <a:t>int</a:t>
-                      </a:r>
-                      <a:endParaRPr lang="zh-CN" altLang="en-US" sz="1600" kern="1200" dirty="0">
-                        <a:solidFill>
-                          <a:schemeClr val="dk1"/>
-                        </a:solidFill>
-                        <a:latin typeface="黑体" panose="02010609060101010101" pitchFamily="49" charset="-122"/>
-                        <a:ea typeface="黑体" panose="02010609060101010101" pitchFamily="49" charset="-122"/>
-                        <a:cs typeface="+mn-cs"/>
-                      </a:endParaRPr>
-                    </a:p>
-                  </a:txBody>
-                  <a:tcPr anchor="ctr"/>
-                </a:tc>
-                <a:tc>
-                  <a:txBody>
-                    <a:bodyPr/>
-                    <a:lstStyle/>
-                    <a:p>
-                      <a:pPr marL="0" marR="0" lvl="2" indent="0" algn="ctr" defTabSz="914400" rtl="0" eaLnBrk="1" fontAlgn="auto" latinLnBrk="0" hangingPunct="1">
-                        <a:lnSpc>
-                          <a:spcPct val="100000"/>
-                        </a:lnSpc>
-                        <a:spcBef>
-                          <a:spcPts val="0"/>
-                        </a:spcBef>
-                        <a:spcAft>
-                          <a:spcPts val="0"/>
-                        </a:spcAft>
-                        <a:buClrTx/>
-                        <a:buSzTx/>
-                        <a:buFontTx/>
-                        <a:buNone/>
-                        <a:tabLst/>
-                        <a:defRPr/>
-                      </a:pPr>
-                      <a:r>
-                        <a:rPr lang="zh-CN" altLang="en-US" sz="1600" kern="1200" dirty="0" smtClean="0">
-                          <a:solidFill>
-                            <a:schemeClr val="dk1"/>
-                          </a:solidFill>
-                          <a:latin typeface="黑体" panose="02010609060101010101" pitchFamily="49" charset="-122"/>
-                          <a:ea typeface="黑体" panose="02010609060101010101" pitchFamily="49" charset="-122"/>
-                          <a:cs typeface="+mn-cs"/>
-                        </a:rPr>
-                        <a:t>网速测试控制器写回包的大小</a:t>
-                      </a:r>
-                    </a:p>
-                  </a:txBody>
-                  <a:tcPr anchor="ctr"/>
-                </a:tc>
-                <a:extLst>
-                  <a:ext uri="{0D108BD9-81ED-4DB2-BD59-A6C34878D82A}">
-                    <a16:rowId xmlns:a16="http://schemas.microsoft.com/office/drawing/2014/main" val="1653414570"/>
-                  </a:ext>
-                </a:extLst>
-              </a:tr>
-              <a:tr h="370840">
-                <a:tc>
-                  <a:txBody>
-                    <a:bodyPr/>
-                    <a:lstStyle/>
-                    <a:p>
-                      <a:pPr marL="0" marR="0" lvl="2" indent="0" algn="ctr" defTabSz="914400" rtl="0" eaLnBrk="1" fontAlgn="auto" latinLnBrk="0" hangingPunct="1">
-                        <a:lnSpc>
-                          <a:spcPct val="100000"/>
-                        </a:lnSpc>
-                        <a:spcBef>
-                          <a:spcPts val="0"/>
-                        </a:spcBef>
-                        <a:spcAft>
-                          <a:spcPts val="0"/>
-                        </a:spcAft>
-                        <a:buClrTx/>
-                        <a:buSzTx/>
-                        <a:buFontTx/>
-                        <a:buNone/>
-                        <a:tabLst/>
-                        <a:defRPr/>
-                      </a:pPr>
-                      <a:r>
-                        <a:rPr lang="en-US" altLang="zh-CN" sz="1600" kern="1200" dirty="0" smtClean="0">
-                          <a:solidFill>
-                            <a:schemeClr val="dk1"/>
-                          </a:solidFill>
-                          <a:latin typeface="黑体" panose="02010609060101010101" pitchFamily="49" charset="-122"/>
-                          <a:ea typeface="黑体" panose="02010609060101010101" pitchFamily="49" charset="-122"/>
-                          <a:cs typeface="+mn-cs"/>
-                        </a:rPr>
-                        <a:t>2</a:t>
-                      </a:r>
-                      <a:endParaRPr lang="zh-CN" altLang="en-US" sz="1600" kern="1200" dirty="0">
-                        <a:solidFill>
-                          <a:schemeClr val="dk1"/>
-                        </a:solidFill>
-                        <a:latin typeface="黑体" panose="02010609060101010101" pitchFamily="49" charset="-122"/>
-                        <a:ea typeface="黑体" panose="02010609060101010101" pitchFamily="49" charset="-122"/>
-                        <a:cs typeface="+mn-cs"/>
-                      </a:endParaRPr>
-                    </a:p>
-                  </a:txBody>
-                  <a:tcPr anchor="ctr"/>
-                </a:tc>
-                <a:tc>
-                  <a:txBody>
-                    <a:bodyPr/>
-                    <a:lstStyle/>
-                    <a:p>
-                      <a:pPr marL="0" marR="0" lvl="2" indent="0" algn="ctr" defTabSz="914400" rtl="0" eaLnBrk="1" fontAlgn="auto" latinLnBrk="0" hangingPunct="1">
-                        <a:lnSpc>
-                          <a:spcPct val="100000"/>
-                        </a:lnSpc>
-                        <a:spcBef>
-                          <a:spcPts val="0"/>
-                        </a:spcBef>
-                        <a:spcAft>
-                          <a:spcPts val="0"/>
-                        </a:spcAft>
-                        <a:buClrTx/>
-                        <a:buSzTx/>
-                        <a:buFontTx/>
-                        <a:buNone/>
-                        <a:tabLst/>
-                        <a:defRPr/>
-                      </a:pPr>
-                      <a:r>
-                        <a:rPr lang="en-US" altLang="zh-CN" sz="1600" kern="1200" dirty="0" err="1" smtClean="0">
-                          <a:solidFill>
-                            <a:schemeClr val="dk1"/>
-                          </a:solidFill>
-                          <a:latin typeface="黑体" panose="02010609060101010101" pitchFamily="49" charset="-122"/>
-                          <a:ea typeface="黑体" panose="02010609060101010101" pitchFamily="49" charset="-122"/>
-                          <a:cs typeface="+mn-cs"/>
-                        </a:rPr>
-                        <a:t>imageHost</a:t>
-                      </a:r>
-                      <a:endParaRPr lang="zh-CN" altLang="en-US" sz="1600" kern="1200" dirty="0">
-                        <a:solidFill>
-                          <a:schemeClr val="dk1"/>
-                        </a:solidFill>
-                        <a:latin typeface="黑体" panose="02010609060101010101" pitchFamily="49" charset="-122"/>
-                        <a:ea typeface="黑体" panose="02010609060101010101" pitchFamily="49" charset="-122"/>
-                        <a:cs typeface="+mn-cs"/>
-                      </a:endParaRPr>
-                    </a:p>
-                  </a:txBody>
-                  <a:tcPr anchor="ctr"/>
-                </a:tc>
-                <a:tc>
-                  <a:txBody>
-                    <a:bodyPr/>
-                    <a:lstStyle/>
-                    <a:p>
-                      <a:pPr marL="0" marR="0" lvl="2" indent="0" algn="ctr" defTabSz="914400" rtl="0" eaLnBrk="1" fontAlgn="auto" latinLnBrk="0" hangingPunct="1">
-                        <a:lnSpc>
-                          <a:spcPct val="100000"/>
-                        </a:lnSpc>
-                        <a:spcBef>
-                          <a:spcPts val="0"/>
-                        </a:spcBef>
-                        <a:spcAft>
-                          <a:spcPts val="0"/>
-                        </a:spcAft>
-                        <a:buClrTx/>
-                        <a:buSzTx/>
-                        <a:buFontTx/>
-                        <a:buNone/>
-                        <a:tabLst/>
-                        <a:defRPr/>
-                      </a:pPr>
-                      <a:r>
-                        <a:rPr lang="en-US" altLang="zh-CN" sz="1600" kern="1200" dirty="0" smtClean="0">
-                          <a:solidFill>
-                            <a:schemeClr val="dk1"/>
-                          </a:solidFill>
-                          <a:latin typeface="黑体" panose="02010609060101010101" pitchFamily="49" charset="-122"/>
-                          <a:ea typeface="黑体" panose="02010609060101010101" pitchFamily="49" charset="-122"/>
-                          <a:cs typeface="+mn-cs"/>
-                        </a:rPr>
-                        <a:t>String</a:t>
-                      </a:r>
-                      <a:endParaRPr lang="zh-CN" altLang="en-US" sz="1600" kern="1200" dirty="0">
-                        <a:solidFill>
-                          <a:schemeClr val="dk1"/>
-                        </a:solidFill>
-                        <a:latin typeface="黑体" panose="02010609060101010101" pitchFamily="49" charset="-122"/>
-                        <a:ea typeface="黑体" panose="02010609060101010101" pitchFamily="49" charset="-122"/>
-                        <a:cs typeface="+mn-cs"/>
-                      </a:endParaRPr>
-                    </a:p>
-                  </a:txBody>
-                  <a:tcPr anchor="ctr"/>
-                </a:tc>
-                <a:tc>
-                  <a:txBody>
-                    <a:bodyPr/>
-                    <a:lstStyle/>
-                    <a:p>
-                      <a:pPr marL="0" marR="0" lvl="2" indent="0" algn="ctr" defTabSz="914400" rtl="0" eaLnBrk="1" fontAlgn="auto" latinLnBrk="0" hangingPunct="1">
-                        <a:lnSpc>
-                          <a:spcPct val="100000"/>
-                        </a:lnSpc>
-                        <a:spcBef>
-                          <a:spcPts val="0"/>
-                        </a:spcBef>
-                        <a:spcAft>
-                          <a:spcPts val="0"/>
-                        </a:spcAft>
-                        <a:buClrTx/>
-                        <a:buSzTx/>
-                        <a:buFontTx/>
-                        <a:buNone/>
-                        <a:tabLst/>
-                        <a:defRPr/>
-                      </a:pPr>
-                      <a:r>
-                        <a:rPr lang="zh-CN" altLang="en-US" sz="1600" kern="1200" dirty="0" smtClean="0">
-                          <a:solidFill>
-                            <a:schemeClr val="dk1"/>
-                          </a:solidFill>
-                          <a:latin typeface="黑体" panose="02010609060101010101" pitchFamily="49" charset="-122"/>
-                          <a:ea typeface="黑体" panose="02010609060101010101" pitchFamily="49" charset="-122"/>
-                          <a:cs typeface="+mn-cs"/>
-                        </a:rPr>
-                        <a:t>图片实际所在域名，如</a:t>
-                      </a:r>
-                      <a:r>
-                        <a:rPr lang="en-US" altLang="zh-CN" sz="1600" kern="1200" dirty="0" smtClean="0">
-                          <a:solidFill>
-                            <a:schemeClr val="dk1"/>
-                          </a:solidFill>
-                          <a:latin typeface="黑体" panose="02010609060101010101" pitchFamily="49" charset="-122"/>
-                          <a:ea typeface="黑体" panose="02010609060101010101" pitchFamily="49" charset="-122"/>
-                          <a:cs typeface="+mn-cs"/>
-                        </a:rPr>
-                        <a:t>"http://www.baidu.com"</a:t>
-                      </a:r>
-                    </a:p>
-                  </a:txBody>
-                  <a:tcPr anchor="ctr"/>
-                </a:tc>
-                <a:extLst>
-                  <a:ext uri="{0D108BD9-81ED-4DB2-BD59-A6C34878D82A}">
-                    <a16:rowId xmlns:a16="http://schemas.microsoft.com/office/drawing/2014/main" val="1345469901"/>
-                  </a:ext>
-                </a:extLst>
-              </a:tr>
-              <a:tr h="370840">
-                <a:tc>
-                  <a:txBody>
-                    <a:bodyPr/>
-                    <a:lstStyle/>
-                    <a:p>
-                      <a:pPr marL="0" marR="0" lvl="2" indent="0" algn="ctr" defTabSz="914400" rtl="0" eaLnBrk="1" fontAlgn="auto" latinLnBrk="0" hangingPunct="1">
-                        <a:lnSpc>
-                          <a:spcPct val="100000"/>
-                        </a:lnSpc>
-                        <a:spcBef>
-                          <a:spcPts val="0"/>
-                        </a:spcBef>
-                        <a:spcAft>
-                          <a:spcPts val="0"/>
-                        </a:spcAft>
-                        <a:buClrTx/>
-                        <a:buSzTx/>
-                        <a:buFontTx/>
-                        <a:buNone/>
-                        <a:tabLst/>
-                        <a:defRPr/>
-                      </a:pPr>
-                      <a:r>
-                        <a:rPr lang="en-US" altLang="zh-CN" sz="1600" kern="1200" dirty="0" smtClean="0">
-                          <a:solidFill>
-                            <a:schemeClr val="dk1"/>
-                          </a:solidFill>
-                          <a:latin typeface="黑体" panose="02010609060101010101" pitchFamily="49" charset="-122"/>
-                          <a:ea typeface="黑体" panose="02010609060101010101" pitchFamily="49" charset="-122"/>
-                          <a:cs typeface="+mn-cs"/>
-                        </a:rPr>
-                        <a:t>3</a:t>
-                      </a:r>
-                      <a:endParaRPr lang="zh-CN" altLang="en-US" sz="1600" kern="1200" dirty="0">
-                        <a:solidFill>
-                          <a:schemeClr val="dk1"/>
-                        </a:solidFill>
-                        <a:latin typeface="黑体" panose="02010609060101010101" pitchFamily="49" charset="-122"/>
-                        <a:ea typeface="黑体" panose="02010609060101010101" pitchFamily="49" charset="-122"/>
-                        <a:cs typeface="+mn-cs"/>
-                      </a:endParaRPr>
-                    </a:p>
-                  </a:txBody>
-                  <a:tcPr anchor="ctr"/>
-                </a:tc>
-                <a:tc>
-                  <a:txBody>
-                    <a:bodyPr/>
-                    <a:lstStyle/>
-                    <a:p>
-                      <a:pPr marL="0" marR="0" lvl="2" indent="0" algn="ctr" defTabSz="914400" rtl="0" eaLnBrk="1" fontAlgn="auto" latinLnBrk="0" hangingPunct="1">
-                        <a:lnSpc>
-                          <a:spcPct val="100000"/>
-                        </a:lnSpc>
-                        <a:spcBef>
-                          <a:spcPts val="0"/>
-                        </a:spcBef>
-                        <a:spcAft>
-                          <a:spcPts val="0"/>
-                        </a:spcAft>
-                        <a:buClrTx/>
-                        <a:buSzTx/>
-                        <a:buFontTx/>
-                        <a:buNone/>
-                        <a:tabLst/>
-                        <a:defRPr/>
-                      </a:pPr>
-                      <a:r>
-                        <a:rPr lang="en-US" altLang="zh-CN" sz="1600" kern="1200" dirty="0" err="1" smtClean="0">
-                          <a:solidFill>
-                            <a:schemeClr val="dk1"/>
-                          </a:solidFill>
-                          <a:latin typeface="黑体" panose="02010609060101010101" pitchFamily="49" charset="-122"/>
-                          <a:ea typeface="黑体" panose="02010609060101010101" pitchFamily="49" charset="-122"/>
-                          <a:cs typeface="+mn-cs"/>
-                        </a:rPr>
-                        <a:t>packageSize</a:t>
-                      </a:r>
-                      <a:endParaRPr lang="zh-CN" altLang="en-US" sz="1600" kern="1200" dirty="0">
-                        <a:solidFill>
-                          <a:schemeClr val="dk1"/>
-                        </a:solidFill>
-                        <a:latin typeface="黑体" panose="02010609060101010101" pitchFamily="49" charset="-122"/>
-                        <a:ea typeface="黑体" panose="02010609060101010101" pitchFamily="49" charset="-122"/>
-                        <a:cs typeface="+mn-cs"/>
-                      </a:endParaRPr>
-                    </a:p>
-                  </a:txBody>
-                  <a:tcPr anchor="ctr"/>
-                </a:tc>
-                <a:tc>
-                  <a:txBody>
-                    <a:bodyPr/>
-                    <a:lstStyle/>
-                    <a:p>
-                      <a:pPr marL="0" marR="0" lvl="2" indent="0" algn="ctr" defTabSz="914400" rtl="0" eaLnBrk="1" fontAlgn="auto" latinLnBrk="0" hangingPunct="1">
-                        <a:lnSpc>
-                          <a:spcPct val="100000"/>
-                        </a:lnSpc>
-                        <a:spcBef>
-                          <a:spcPts val="0"/>
-                        </a:spcBef>
-                        <a:spcAft>
-                          <a:spcPts val="0"/>
-                        </a:spcAft>
-                        <a:buClrTx/>
-                        <a:buSzTx/>
-                        <a:buFontTx/>
-                        <a:buNone/>
-                        <a:tabLst/>
-                        <a:defRPr/>
-                      </a:pPr>
-                      <a:r>
-                        <a:rPr lang="en-US" altLang="zh-CN" sz="1600" kern="1200" dirty="0" smtClean="0">
-                          <a:solidFill>
-                            <a:schemeClr val="dk1"/>
-                          </a:solidFill>
-                          <a:latin typeface="黑体" panose="02010609060101010101" pitchFamily="49" charset="-122"/>
-                          <a:ea typeface="黑体" panose="02010609060101010101" pitchFamily="49" charset="-122"/>
-                          <a:cs typeface="+mn-cs"/>
-                        </a:rPr>
-                        <a:t>--</a:t>
-                      </a:r>
-                      <a:endParaRPr lang="zh-CN" altLang="en-US" sz="1600" kern="1200" dirty="0">
-                        <a:solidFill>
-                          <a:schemeClr val="dk1"/>
-                        </a:solidFill>
-                        <a:latin typeface="黑体" panose="02010609060101010101" pitchFamily="49" charset="-122"/>
-                        <a:ea typeface="黑体" panose="02010609060101010101" pitchFamily="49" charset="-122"/>
-                        <a:cs typeface="+mn-cs"/>
-                      </a:endParaRPr>
-                    </a:p>
-                  </a:txBody>
-                  <a:tcPr anchor="ctr"/>
-                </a:tc>
-                <a:tc>
-                  <a:txBody>
-                    <a:bodyPr/>
-                    <a:lstStyle/>
-                    <a:p>
-                      <a:pPr marL="0" marR="0" lvl="2" indent="0" algn="ctr" defTabSz="914400" rtl="0" eaLnBrk="1" fontAlgn="auto" latinLnBrk="0" hangingPunct="1">
-                        <a:lnSpc>
-                          <a:spcPct val="100000"/>
-                        </a:lnSpc>
-                        <a:spcBef>
-                          <a:spcPts val="0"/>
-                        </a:spcBef>
-                        <a:spcAft>
-                          <a:spcPts val="0"/>
-                        </a:spcAft>
-                        <a:buClrTx/>
-                        <a:buSzTx/>
-                        <a:buFontTx/>
-                        <a:buNone/>
-                        <a:tabLst/>
-                        <a:defRPr/>
-                      </a:pPr>
-                      <a:r>
-                        <a:rPr lang="zh-CN" altLang="en-US" sz="1600" kern="1200" dirty="0" smtClean="0">
-                          <a:solidFill>
-                            <a:schemeClr val="dk1"/>
-                          </a:solidFill>
-                          <a:latin typeface="黑体" panose="02010609060101010101" pitchFamily="49" charset="-122"/>
-                          <a:ea typeface="黑体" panose="02010609060101010101" pitchFamily="49" charset="-122"/>
-                          <a:cs typeface="+mn-cs"/>
-                        </a:rPr>
-                        <a:t>网速测试控制器写回包的大小</a:t>
-                      </a:r>
-                    </a:p>
-                  </a:txBody>
-                  <a:tcPr anchor="ctr"/>
-                </a:tc>
-                <a:extLst>
-                  <a:ext uri="{0D108BD9-81ED-4DB2-BD59-A6C34878D82A}">
-                    <a16:rowId xmlns:a16="http://schemas.microsoft.com/office/drawing/2014/main" val="2175447637"/>
-                  </a:ext>
-                </a:extLst>
-              </a:tr>
-              <a:tr h="370840">
-                <a:tc>
-                  <a:txBody>
-                    <a:bodyPr/>
-                    <a:lstStyle/>
-                    <a:p>
-                      <a:pPr marL="0" marR="0" lvl="2" indent="0" algn="ctr" defTabSz="914400" rtl="0" eaLnBrk="1" fontAlgn="auto" latinLnBrk="0" hangingPunct="1">
-                        <a:lnSpc>
-                          <a:spcPct val="100000"/>
-                        </a:lnSpc>
-                        <a:spcBef>
-                          <a:spcPts val="0"/>
-                        </a:spcBef>
-                        <a:spcAft>
-                          <a:spcPts val="0"/>
-                        </a:spcAft>
-                        <a:buClrTx/>
-                        <a:buSzTx/>
-                        <a:buFontTx/>
-                        <a:buNone/>
-                        <a:tabLst/>
-                        <a:defRPr/>
-                      </a:pPr>
-                      <a:r>
-                        <a:rPr lang="en-US" altLang="zh-CN" sz="1600" kern="1200" dirty="0" smtClean="0">
-                          <a:solidFill>
-                            <a:schemeClr val="dk1"/>
-                          </a:solidFill>
-                          <a:latin typeface="黑体" panose="02010609060101010101" pitchFamily="49" charset="-122"/>
-                          <a:ea typeface="黑体" panose="02010609060101010101" pitchFamily="49" charset="-122"/>
-                          <a:cs typeface="+mn-cs"/>
-                        </a:rPr>
-                        <a:t>4</a:t>
-                      </a:r>
-                      <a:endParaRPr lang="zh-CN" altLang="en-US" sz="1600" kern="1200" dirty="0">
-                        <a:solidFill>
-                          <a:schemeClr val="dk1"/>
-                        </a:solidFill>
-                        <a:latin typeface="黑体" panose="02010609060101010101" pitchFamily="49" charset="-122"/>
-                        <a:ea typeface="黑体" panose="02010609060101010101" pitchFamily="49" charset="-122"/>
-                        <a:cs typeface="+mn-cs"/>
-                      </a:endParaRPr>
-                    </a:p>
-                  </a:txBody>
-                  <a:tcPr anchor="ctr"/>
-                </a:tc>
-                <a:tc>
-                  <a:txBody>
-                    <a:bodyPr/>
-                    <a:lstStyle/>
-                    <a:p>
-                      <a:pPr marL="0" marR="0" lvl="2" indent="0" algn="ctr" defTabSz="914400" rtl="0" eaLnBrk="1" fontAlgn="auto" latinLnBrk="0" hangingPunct="1">
-                        <a:lnSpc>
-                          <a:spcPct val="100000"/>
-                        </a:lnSpc>
-                        <a:spcBef>
-                          <a:spcPts val="0"/>
-                        </a:spcBef>
-                        <a:spcAft>
-                          <a:spcPts val="0"/>
-                        </a:spcAft>
-                        <a:buClrTx/>
-                        <a:buSzTx/>
-                        <a:buFontTx/>
-                        <a:buNone/>
-                        <a:tabLst/>
-                        <a:defRPr/>
-                      </a:pPr>
-                      <a:r>
-                        <a:rPr lang="en-US" altLang="zh-CN" sz="1600" kern="1200" dirty="0" err="1" smtClean="0">
-                          <a:solidFill>
-                            <a:schemeClr val="dk1"/>
-                          </a:solidFill>
-                          <a:latin typeface="黑体" panose="02010609060101010101" pitchFamily="49" charset="-122"/>
-                          <a:ea typeface="黑体" panose="02010609060101010101" pitchFamily="49" charset="-122"/>
-                          <a:cs typeface="+mn-cs"/>
-                        </a:rPr>
-                        <a:t>preloadRatio</a:t>
-                      </a:r>
-                      <a:endParaRPr lang="zh-CN" altLang="en-US" sz="1600" kern="1200" dirty="0">
-                        <a:solidFill>
-                          <a:schemeClr val="dk1"/>
-                        </a:solidFill>
-                        <a:latin typeface="黑体" panose="02010609060101010101" pitchFamily="49" charset="-122"/>
-                        <a:ea typeface="黑体" panose="02010609060101010101" pitchFamily="49" charset="-122"/>
-                        <a:cs typeface="+mn-cs"/>
-                      </a:endParaRPr>
-                    </a:p>
-                  </a:txBody>
-                  <a:tcPr anchor="ctr"/>
-                </a:tc>
-                <a:tc>
-                  <a:txBody>
-                    <a:bodyPr/>
-                    <a:lstStyle/>
-                    <a:p>
-                      <a:pPr marL="0" marR="0" lvl="2" indent="0" algn="ctr" defTabSz="914400" rtl="0" eaLnBrk="1" fontAlgn="auto" latinLnBrk="0" hangingPunct="1">
-                        <a:lnSpc>
-                          <a:spcPct val="100000"/>
-                        </a:lnSpc>
-                        <a:spcBef>
-                          <a:spcPts val="0"/>
-                        </a:spcBef>
-                        <a:spcAft>
-                          <a:spcPts val="0"/>
-                        </a:spcAft>
-                        <a:buClrTx/>
-                        <a:buSzTx/>
-                        <a:buFontTx/>
-                        <a:buNone/>
-                        <a:tabLst/>
-                        <a:defRPr/>
-                      </a:pPr>
-                      <a:r>
-                        <a:rPr lang="en-US" altLang="zh-CN" sz="1600" kern="1200" dirty="0" smtClean="0">
-                          <a:solidFill>
-                            <a:schemeClr val="dk1"/>
-                          </a:solidFill>
-                          <a:latin typeface="黑体" panose="02010609060101010101" pitchFamily="49" charset="-122"/>
-                          <a:ea typeface="黑体" panose="02010609060101010101" pitchFamily="49" charset="-122"/>
-                          <a:cs typeface="+mn-cs"/>
-                        </a:rPr>
-                        <a:t>--</a:t>
-                      </a:r>
-                      <a:endParaRPr lang="zh-CN" altLang="en-US" sz="1600" kern="1200" dirty="0">
-                        <a:solidFill>
-                          <a:schemeClr val="dk1"/>
-                        </a:solidFill>
-                        <a:latin typeface="黑体" panose="02010609060101010101" pitchFamily="49" charset="-122"/>
-                        <a:ea typeface="黑体" panose="02010609060101010101" pitchFamily="49" charset="-122"/>
-                        <a:cs typeface="+mn-cs"/>
-                      </a:endParaRPr>
-                    </a:p>
-                  </a:txBody>
-                  <a:tcPr anchor="ctr"/>
-                </a:tc>
-                <a:tc>
-                  <a:txBody>
-                    <a:bodyPr/>
-                    <a:lstStyle/>
-                    <a:p>
-                      <a:pPr marL="0" marR="0" lvl="2" indent="0" algn="ctr" defTabSz="914400" rtl="0" eaLnBrk="1" fontAlgn="auto" latinLnBrk="0" hangingPunct="1">
-                        <a:lnSpc>
-                          <a:spcPct val="100000"/>
-                        </a:lnSpc>
-                        <a:spcBef>
-                          <a:spcPts val="0"/>
-                        </a:spcBef>
-                        <a:spcAft>
-                          <a:spcPts val="0"/>
-                        </a:spcAft>
-                        <a:buClrTx/>
-                        <a:buSzTx/>
-                        <a:buFontTx/>
-                        <a:buNone/>
-                        <a:tabLst/>
-                        <a:defRPr/>
-                      </a:pPr>
-                      <a:r>
-                        <a:rPr lang="zh-CN" altLang="en-US" sz="1600" kern="1200" dirty="0" smtClean="0">
-                          <a:solidFill>
-                            <a:schemeClr val="dk1"/>
-                          </a:solidFill>
-                          <a:latin typeface="黑体" panose="02010609060101010101" pitchFamily="49" charset="-122"/>
-                          <a:ea typeface="黑体" panose="02010609060101010101" pitchFamily="49" charset="-122"/>
-                          <a:cs typeface="+mn-cs"/>
-                        </a:rPr>
-                        <a:t>页面预加载比例</a:t>
-                      </a:r>
-                      <a:endParaRPr lang="en-US" altLang="zh-CN" sz="1600" kern="1200" dirty="0" smtClean="0">
-                        <a:solidFill>
-                          <a:schemeClr val="dk1"/>
-                        </a:solidFill>
-                        <a:latin typeface="黑体" panose="02010609060101010101" pitchFamily="49" charset="-122"/>
-                        <a:ea typeface="黑体" panose="02010609060101010101" pitchFamily="49" charset="-122"/>
-                        <a:cs typeface="+mn-cs"/>
-                      </a:endParaRPr>
-                    </a:p>
-                  </a:txBody>
-                  <a:tcPr anchor="ctr"/>
-                </a:tc>
-                <a:extLst>
-                  <a:ext uri="{0D108BD9-81ED-4DB2-BD59-A6C34878D82A}">
-                    <a16:rowId xmlns:a16="http://schemas.microsoft.com/office/drawing/2014/main" val="4063934539"/>
-                  </a:ext>
-                </a:extLst>
-              </a:tr>
-              <a:tr h="370840">
-                <a:tc>
-                  <a:txBody>
-                    <a:bodyPr/>
-                    <a:lstStyle/>
-                    <a:p>
-                      <a:pPr marL="0" marR="0" lvl="2" indent="0" algn="ctr" defTabSz="914400" rtl="0" eaLnBrk="1" fontAlgn="auto" latinLnBrk="0" hangingPunct="1">
-                        <a:lnSpc>
-                          <a:spcPct val="100000"/>
-                        </a:lnSpc>
-                        <a:spcBef>
-                          <a:spcPts val="0"/>
-                        </a:spcBef>
-                        <a:spcAft>
-                          <a:spcPts val="0"/>
-                        </a:spcAft>
-                        <a:buClrTx/>
-                        <a:buSzTx/>
-                        <a:buFontTx/>
-                        <a:buNone/>
-                        <a:tabLst/>
-                        <a:defRPr/>
-                      </a:pPr>
-                      <a:r>
-                        <a:rPr lang="en-US" altLang="zh-CN" sz="1600" kern="1200" dirty="0" smtClean="0">
-                          <a:solidFill>
-                            <a:schemeClr val="dk1"/>
-                          </a:solidFill>
-                          <a:latin typeface="黑体" panose="02010609060101010101" pitchFamily="49" charset="-122"/>
-                          <a:ea typeface="黑体" panose="02010609060101010101" pitchFamily="49" charset="-122"/>
-                          <a:cs typeface="+mn-cs"/>
-                        </a:rPr>
-                        <a:t>5</a:t>
-                      </a:r>
-                      <a:endParaRPr lang="zh-CN" altLang="en-US" sz="1600" kern="1200" dirty="0">
-                        <a:solidFill>
-                          <a:schemeClr val="dk1"/>
-                        </a:solidFill>
-                        <a:latin typeface="黑体" panose="02010609060101010101" pitchFamily="49" charset="-122"/>
-                        <a:ea typeface="黑体" panose="02010609060101010101" pitchFamily="49" charset="-122"/>
-                        <a:cs typeface="+mn-cs"/>
-                      </a:endParaRPr>
-                    </a:p>
-                  </a:txBody>
-                  <a:tcPr anchor="ctr"/>
-                </a:tc>
-                <a:tc>
-                  <a:txBody>
-                    <a:bodyPr/>
-                    <a:lstStyle/>
-                    <a:p>
-                      <a:pPr marL="0" marR="0" lvl="2" indent="0" algn="ctr" defTabSz="914400" rtl="0" eaLnBrk="1" fontAlgn="auto" latinLnBrk="0" hangingPunct="1">
-                        <a:lnSpc>
-                          <a:spcPct val="100000"/>
-                        </a:lnSpc>
-                        <a:spcBef>
-                          <a:spcPts val="0"/>
-                        </a:spcBef>
-                        <a:spcAft>
-                          <a:spcPts val="0"/>
-                        </a:spcAft>
-                        <a:buClrTx/>
-                        <a:buSzTx/>
-                        <a:buFontTx/>
-                        <a:buNone/>
-                        <a:tabLst/>
-                        <a:defRPr/>
-                      </a:pPr>
-                      <a:r>
-                        <a:rPr lang="en-US" altLang="zh-CN" sz="1600" kern="1200" dirty="0" err="1" smtClean="0">
-                          <a:solidFill>
-                            <a:schemeClr val="dk1"/>
-                          </a:solidFill>
-                          <a:latin typeface="黑体" panose="02010609060101010101" pitchFamily="49" charset="-122"/>
-                          <a:ea typeface="黑体" panose="02010609060101010101" pitchFamily="49" charset="-122"/>
-                          <a:cs typeface="+mn-cs"/>
-                        </a:rPr>
-                        <a:t>pxPerBandwidth</a:t>
-                      </a:r>
-                      <a:endParaRPr lang="zh-CN" altLang="en-US" sz="1600" kern="1200" dirty="0">
-                        <a:solidFill>
-                          <a:schemeClr val="dk1"/>
-                        </a:solidFill>
-                        <a:latin typeface="黑体" panose="02010609060101010101" pitchFamily="49" charset="-122"/>
-                        <a:ea typeface="黑体" panose="02010609060101010101" pitchFamily="49" charset="-122"/>
-                        <a:cs typeface="+mn-cs"/>
-                      </a:endParaRPr>
-                    </a:p>
-                  </a:txBody>
-                  <a:tcPr anchor="ctr"/>
-                </a:tc>
-                <a:tc>
-                  <a:txBody>
-                    <a:bodyPr/>
-                    <a:lstStyle/>
-                    <a:p>
-                      <a:pPr marL="0" marR="0" lvl="2" indent="0" algn="ctr" defTabSz="914400" rtl="0" eaLnBrk="1" fontAlgn="auto" latinLnBrk="0" hangingPunct="1">
-                        <a:lnSpc>
-                          <a:spcPct val="100000"/>
-                        </a:lnSpc>
-                        <a:spcBef>
-                          <a:spcPts val="0"/>
-                        </a:spcBef>
-                        <a:spcAft>
-                          <a:spcPts val="0"/>
-                        </a:spcAft>
-                        <a:buClrTx/>
-                        <a:buSzTx/>
-                        <a:buFontTx/>
-                        <a:buNone/>
-                        <a:tabLst/>
-                        <a:defRPr/>
-                      </a:pPr>
-                      <a:r>
-                        <a:rPr lang="en-US" altLang="zh-CN" sz="1600" kern="1200" dirty="0" smtClean="0">
-                          <a:solidFill>
-                            <a:schemeClr val="dk1"/>
-                          </a:solidFill>
-                          <a:latin typeface="黑体" panose="02010609060101010101" pitchFamily="49" charset="-122"/>
-                          <a:ea typeface="黑体" panose="02010609060101010101" pitchFamily="49" charset="-122"/>
-                          <a:cs typeface="+mn-cs"/>
-                        </a:rPr>
-                        <a:t>--</a:t>
-                      </a:r>
-                      <a:endParaRPr lang="zh-CN" altLang="en-US" sz="1600" kern="1200" dirty="0">
-                        <a:solidFill>
-                          <a:schemeClr val="dk1"/>
-                        </a:solidFill>
-                        <a:latin typeface="黑体" panose="02010609060101010101" pitchFamily="49" charset="-122"/>
-                        <a:ea typeface="黑体" panose="02010609060101010101" pitchFamily="49" charset="-122"/>
-                        <a:cs typeface="+mn-cs"/>
-                      </a:endParaRPr>
-                    </a:p>
-                  </a:txBody>
-                  <a:tcPr anchor="ctr"/>
-                </a:tc>
-                <a:tc>
-                  <a:txBody>
-                    <a:bodyPr/>
-                    <a:lstStyle/>
-                    <a:p>
-                      <a:pPr marL="0" marR="0" lvl="2" indent="0" algn="ctr" defTabSz="914400" rtl="0" eaLnBrk="1" fontAlgn="auto" latinLnBrk="0" hangingPunct="1">
-                        <a:lnSpc>
-                          <a:spcPct val="100000"/>
-                        </a:lnSpc>
-                        <a:spcBef>
-                          <a:spcPts val="0"/>
-                        </a:spcBef>
-                        <a:spcAft>
-                          <a:spcPts val="0"/>
-                        </a:spcAft>
-                        <a:buClrTx/>
-                        <a:buSzTx/>
-                        <a:buFontTx/>
-                        <a:buNone/>
-                        <a:tabLst/>
-                        <a:defRPr/>
-                      </a:pPr>
-                      <a:r>
-                        <a:rPr lang="zh-CN" altLang="en-US" sz="1600" kern="1200" dirty="0" smtClean="0">
-                          <a:solidFill>
-                            <a:schemeClr val="dk1"/>
-                          </a:solidFill>
-                          <a:latin typeface="黑体" panose="02010609060101010101" pitchFamily="49" charset="-122"/>
-                          <a:ea typeface="黑体" panose="02010609060101010101" pitchFamily="49" charset="-122"/>
-                          <a:cs typeface="+mn-cs"/>
-                        </a:rPr>
-                        <a:t>每</a:t>
-                      </a:r>
-                      <a:r>
-                        <a:rPr lang="en-US" altLang="zh-CN" sz="1600" kern="1200" dirty="0" smtClean="0">
-                          <a:solidFill>
-                            <a:schemeClr val="dk1"/>
-                          </a:solidFill>
-                          <a:latin typeface="黑体" panose="02010609060101010101" pitchFamily="49" charset="-122"/>
-                          <a:ea typeface="黑体" panose="02010609060101010101" pitchFamily="49" charset="-122"/>
-                          <a:cs typeface="+mn-cs"/>
-                        </a:rPr>
-                        <a:t>b/</a:t>
-                      </a:r>
-                      <a:r>
-                        <a:rPr lang="en-US" altLang="zh-CN" sz="1600" kern="1200" dirty="0" err="1" smtClean="0">
-                          <a:solidFill>
-                            <a:schemeClr val="dk1"/>
-                          </a:solidFill>
-                          <a:latin typeface="黑体" panose="02010609060101010101" pitchFamily="49" charset="-122"/>
-                          <a:ea typeface="黑体" panose="02010609060101010101" pitchFamily="49" charset="-122"/>
-                          <a:cs typeface="+mn-cs"/>
-                        </a:rPr>
-                        <a:t>ms</a:t>
-                      </a:r>
-                      <a:r>
-                        <a:rPr lang="zh-CN" altLang="en-US" sz="1600" kern="1200" dirty="0" smtClean="0">
-                          <a:solidFill>
-                            <a:schemeClr val="dk1"/>
-                          </a:solidFill>
-                          <a:latin typeface="黑体" panose="02010609060101010101" pitchFamily="49" charset="-122"/>
-                          <a:ea typeface="黑体" panose="02010609060101010101" pitchFamily="49" charset="-122"/>
-                          <a:cs typeface="+mn-cs"/>
-                        </a:rPr>
-                        <a:t>网速对应像素点的个数，用于计算小图大小</a:t>
-                      </a:r>
-                    </a:p>
-                  </a:txBody>
-                  <a:tcPr anchor="ctr"/>
-                </a:tc>
-                <a:extLst>
-                  <a:ext uri="{0D108BD9-81ED-4DB2-BD59-A6C34878D82A}">
-                    <a16:rowId xmlns:a16="http://schemas.microsoft.com/office/drawing/2014/main" val="2659599790"/>
-                  </a:ext>
-                </a:extLst>
-              </a:tr>
-            </a:tbl>
-          </a:graphicData>
-        </a:graphic>
-      </p:graphicFrame>
+        </p:nvPicPr>
+        <p:blipFill>
+          <a:blip r:embed="rId2" cstate="print">
+            <a:extLst>
+              <a:ext uri="{28A0092B-C50C-407E-A947-70E740481C1C}">
+                <a14:useLocalDpi xmlns:a14="http://schemas.microsoft.com/office/drawing/2010/main" val="0"/>
+              </a:ext>
+            </a:extLst>
+          </a:blip>
+          <a:stretch>
+            <a:fillRect/>
+          </a:stretch>
+        </p:blipFill>
+        <p:spPr>
+          <a:xfrm>
+            <a:off x="628650" y="2046796"/>
+            <a:ext cx="7886699" cy="3909120"/>
+          </a:xfrm>
+        </p:spPr>
+      </p:pic>
     </p:spTree>
     <p:extLst>
       <p:ext uri="{BB962C8B-B14F-4D97-AF65-F5344CB8AC3E}">
-        <p14:creationId xmlns:p14="http://schemas.microsoft.com/office/powerpoint/2010/main" val="2345605860"/>
+        <p14:creationId xmlns:p14="http://schemas.microsoft.com/office/powerpoint/2010/main" val="2695081195"/>
       </p:ext>
     </p:extLst>
   </p:cSld>
